--- a/Reactive State Management.pptx
+++ b/Reactive State Management.pptx
@@ -3508,7 +3508,7 @@
           <a:p>
             <a:fld id="{75934EED-E7C0-439C-9F42-70CEC4ABC1D3}" type="datetimeFigureOut">
               <a:rPr lang="nl-NL" smtClean="0"/>
-              <a:t>29-10-2020</a:t>
+              <a:t>11-11-2020</a:t>
             </a:fld>
             <a:endParaRPr lang="nl-NL"/>
           </a:p>
@@ -3820,7 +3820,7 @@
           <a:p>
             <a:fld id="{75934EED-E7C0-439C-9F42-70CEC4ABC1D3}" type="datetimeFigureOut">
               <a:rPr lang="nl-NL" smtClean="0"/>
-              <a:t>29-10-2020</a:t>
+              <a:t>11-11-2020</a:t>
             </a:fld>
             <a:endParaRPr lang="nl-NL"/>
           </a:p>
@@ -4042,7 +4042,7 @@
           <a:p>
             <a:fld id="{75934EED-E7C0-439C-9F42-70CEC4ABC1D3}" type="datetimeFigureOut">
               <a:rPr lang="nl-NL" smtClean="0"/>
-              <a:t>29-10-2020</a:t>
+              <a:t>11-11-2020</a:t>
             </a:fld>
             <a:endParaRPr lang="nl-NL"/>
           </a:p>
@@ -4333,7 +4333,7 @@
           <a:p>
             <a:fld id="{75934EED-E7C0-439C-9F42-70CEC4ABC1D3}" type="datetimeFigureOut">
               <a:rPr lang="nl-NL" smtClean="0"/>
-              <a:t>29-10-2020</a:t>
+              <a:t>11-11-2020</a:t>
             </a:fld>
             <a:endParaRPr lang="nl-NL"/>
           </a:p>
@@ -4787,7 +4787,7 @@
           <a:p>
             <a:fld id="{75934EED-E7C0-439C-9F42-70CEC4ABC1D3}" type="datetimeFigureOut">
               <a:rPr lang="nl-NL" smtClean="0"/>
-              <a:t>29-10-2020</a:t>
+              <a:t>11-11-2020</a:t>
             </a:fld>
             <a:endParaRPr lang="nl-NL"/>
           </a:p>
@@ -5363,7 +5363,7 @@
           <a:p>
             <a:fld id="{75934EED-E7C0-439C-9F42-70CEC4ABC1D3}" type="datetimeFigureOut">
               <a:rPr lang="nl-NL" smtClean="0"/>
-              <a:t>29-10-2020</a:t>
+              <a:t>11-11-2020</a:t>
             </a:fld>
             <a:endParaRPr lang="nl-NL"/>
           </a:p>
@@ -6215,7 +6215,7 @@
           <a:p>
             <a:fld id="{75934EED-E7C0-439C-9F42-70CEC4ABC1D3}" type="datetimeFigureOut">
               <a:rPr lang="nl-NL" smtClean="0"/>
-              <a:t>29-10-2020</a:t>
+              <a:t>11-11-2020</a:t>
             </a:fld>
             <a:endParaRPr lang="nl-NL"/>
           </a:p>
@@ -6420,7 +6420,7 @@
           <a:p>
             <a:fld id="{75934EED-E7C0-439C-9F42-70CEC4ABC1D3}" type="datetimeFigureOut">
               <a:rPr lang="nl-NL" smtClean="0"/>
-              <a:t>29-10-2020</a:t>
+              <a:t>11-11-2020</a:t>
             </a:fld>
             <a:endParaRPr lang="nl-NL"/>
           </a:p>
@@ -6634,7 +6634,7 @@
           <a:p>
             <a:fld id="{75934EED-E7C0-439C-9F42-70CEC4ABC1D3}" type="datetimeFigureOut">
               <a:rPr lang="nl-NL" smtClean="0"/>
-              <a:t>29-10-2020</a:t>
+              <a:t>11-11-2020</a:t>
             </a:fld>
             <a:endParaRPr lang="nl-NL"/>
           </a:p>
@@ -6810,7 +6810,7 @@
           <a:p>
             <a:fld id="{75934EED-E7C0-439C-9F42-70CEC4ABC1D3}" type="datetimeFigureOut">
               <a:rPr lang="nl-NL" smtClean="0"/>
-              <a:t>29-10-2020</a:t>
+              <a:t>11-11-2020</a:t>
             </a:fld>
             <a:endParaRPr lang="nl-NL"/>
           </a:p>
@@ -7015,7 +7015,7 @@
           <a:p>
             <a:fld id="{75934EED-E7C0-439C-9F42-70CEC4ABC1D3}" type="datetimeFigureOut">
               <a:rPr lang="nl-NL" smtClean="0"/>
-              <a:t>29-10-2020</a:t>
+              <a:t>11-11-2020</a:t>
             </a:fld>
             <a:endParaRPr lang="nl-NL"/>
           </a:p>
@@ -7295,7 +7295,7 @@
           <a:p>
             <a:fld id="{75934EED-E7C0-439C-9F42-70CEC4ABC1D3}" type="datetimeFigureOut">
               <a:rPr lang="nl-NL" smtClean="0"/>
-              <a:t>29-10-2020</a:t>
+              <a:t>11-11-2020</a:t>
             </a:fld>
             <a:endParaRPr lang="nl-NL"/>
           </a:p>
@@ -7562,7 +7562,7 @@
           <a:p>
             <a:fld id="{75934EED-E7C0-439C-9F42-70CEC4ABC1D3}" type="datetimeFigureOut">
               <a:rPr lang="nl-NL" smtClean="0"/>
-              <a:t>29-10-2020</a:t>
+              <a:t>11-11-2020</a:t>
             </a:fld>
             <a:endParaRPr lang="nl-NL"/>
           </a:p>
@@ -7977,7 +7977,7 @@
           <a:p>
             <a:fld id="{75934EED-E7C0-439C-9F42-70CEC4ABC1D3}" type="datetimeFigureOut">
               <a:rPr lang="nl-NL" smtClean="0"/>
-              <a:t>29-10-2020</a:t>
+              <a:t>11-11-2020</a:t>
             </a:fld>
             <a:endParaRPr lang="nl-NL"/>
           </a:p>
@@ -8125,7 +8125,7 @@
           <a:p>
             <a:fld id="{75934EED-E7C0-439C-9F42-70CEC4ABC1D3}" type="datetimeFigureOut">
               <a:rPr lang="nl-NL" smtClean="0"/>
-              <a:t>29-10-2020</a:t>
+              <a:t>11-11-2020</a:t>
             </a:fld>
             <a:endParaRPr lang="nl-NL"/>
           </a:p>
@@ -8250,7 +8250,7 @@
           <a:p>
             <a:fld id="{75934EED-E7C0-439C-9F42-70CEC4ABC1D3}" type="datetimeFigureOut">
               <a:rPr lang="nl-NL" smtClean="0"/>
-              <a:t>29-10-2020</a:t>
+              <a:t>11-11-2020</a:t>
             </a:fld>
             <a:endParaRPr lang="nl-NL"/>
           </a:p>
@@ -8529,7 +8529,7 @@
           <a:p>
             <a:fld id="{75934EED-E7C0-439C-9F42-70CEC4ABC1D3}" type="datetimeFigureOut">
               <a:rPr lang="nl-NL" smtClean="0"/>
-              <a:t>29-10-2020</a:t>
+              <a:t>11-11-2020</a:t>
             </a:fld>
             <a:endParaRPr lang="nl-NL"/>
           </a:p>
@@ -8841,7 +8841,7 @@
           <a:p>
             <a:fld id="{75934EED-E7C0-439C-9F42-70CEC4ABC1D3}" type="datetimeFigureOut">
               <a:rPr lang="nl-NL" smtClean="0"/>
-              <a:t>29-10-2020</a:t>
+              <a:t>11-11-2020</a:t>
             </a:fld>
             <a:endParaRPr lang="nl-NL"/>
           </a:p>
@@ -9094,7 +9094,7 @@
           <a:p>
             <a:fld id="{75934EED-E7C0-439C-9F42-70CEC4ABC1D3}" type="datetimeFigureOut">
               <a:rPr lang="nl-NL" smtClean="0"/>
-              <a:t>29-10-2020</a:t>
+              <a:t>11-11-2020</a:t>
             </a:fld>
             <a:endParaRPr lang="nl-NL"/>
           </a:p>
@@ -9591,7 +9591,7 @@
           <a:p>
             <a:r>
               <a:rPr lang="en-US" dirty="0"/>
-              <a:t>With NGRX</a:t>
+              <a:t>With NGRX &amp; Observables</a:t>
             </a:r>
             <a:endParaRPr lang="nl-NL" dirty="0"/>
           </a:p>

--- a/Reactive State Management.pptx
+++ b/Reactive State Management.pptx
@@ -9,10 +9,14 @@
     <p:sldId id="257" r:id="rId3"/>
     <p:sldId id="258" r:id="rId4"/>
     <p:sldId id="259" r:id="rId5"/>
-    <p:sldId id="276" r:id="rId6"/>
-    <p:sldId id="275" r:id="rId7"/>
-    <p:sldId id="274" r:id="rId8"/>
-    <p:sldId id="272" r:id="rId9"/>
+    <p:sldId id="278" r:id="rId6"/>
+    <p:sldId id="280" r:id="rId7"/>
+    <p:sldId id="279" r:id="rId8"/>
+    <p:sldId id="276" r:id="rId9"/>
+    <p:sldId id="275" r:id="rId10"/>
+    <p:sldId id="274" r:id="rId11"/>
+    <p:sldId id="281" r:id="rId12"/>
+    <p:sldId id="272" r:id="rId13"/>
   </p:sldIdLst>
   <p:sldSz cx="12192000" cy="6858000"/>
   <p:notesSz cx="6858000" cy="9144000"/>
@@ -3508,7 +3512,7 @@
           <a:p>
             <a:fld id="{75934EED-E7C0-439C-9F42-70CEC4ABC1D3}" type="datetimeFigureOut">
               <a:rPr lang="nl-NL" smtClean="0"/>
-              <a:t>11-11-2020</a:t>
+              <a:t>16-11-2020</a:t>
             </a:fld>
             <a:endParaRPr lang="nl-NL"/>
           </a:p>
@@ -3820,7 +3824,7 @@
           <a:p>
             <a:fld id="{75934EED-E7C0-439C-9F42-70CEC4ABC1D3}" type="datetimeFigureOut">
               <a:rPr lang="nl-NL" smtClean="0"/>
-              <a:t>11-11-2020</a:t>
+              <a:t>16-11-2020</a:t>
             </a:fld>
             <a:endParaRPr lang="nl-NL"/>
           </a:p>
@@ -4042,7 +4046,7 @@
           <a:p>
             <a:fld id="{75934EED-E7C0-439C-9F42-70CEC4ABC1D3}" type="datetimeFigureOut">
               <a:rPr lang="nl-NL" smtClean="0"/>
-              <a:t>11-11-2020</a:t>
+              <a:t>16-11-2020</a:t>
             </a:fld>
             <a:endParaRPr lang="nl-NL"/>
           </a:p>
@@ -4333,7 +4337,7 @@
           <a:p>
             <a:fld id="{75934EED-E7C0-439C-9F42-70CEC4ABC1D3}" type="datetimeFigureOut">
               <a:rPr lang="nl-NL" smtClean="0"/>
-              <a:t>11-11-2020</a:t>
+              <a:t>16-11-2020</a:t>
             </a:fld>
             <a:endParaRPr lang="nl-NL"/>
           </a:p>
@@ -4787,7 +4791,7 @@
           <a:p>
             <a:fld id="{75934EED-E7C0-439C-9F42-70CEC4ABC1D3}" type="datetimeFigureOut">
               <a:rPr lang="nl-NL" smtClean="0"/>
-              <a:t>11-11-2020</a:t>
+              <a:t>16-11-2020</a:t>
             </a:fld>
             <a:endParaRPr lang="nl-NL"/>
           </a:p>
@@ -5363,7 +5367,7 @@
           <a:p>
             <a:fld id="{75934EED-E7C0-439C-9F42-70CEC4ABC1D3}" type="datetimeFigureOut">
               <a:rPr lang="nl-NL" smtClean="0"/>
-              <a:t>11-11-2020</a:t>
+              <a:t>16-11-2020</a:t>
             </a:fld>
             <a:endParaRPr lang="nl-NL"/>
           </a:p>
@@ -6215,7 +6219,7 @@
           <a:p>
             <a:fld id="{75934EED-E7C0-439C-9F42-70CEC4ABC1D3}" type="datetimeFigureOut">
               <a:rPr lang="nl-NL" smtClean="0"/>
-              <a:t>11-11-2020</a:t>
+              <a:t>16-11-2020</a:t>
             </a:fld>
             <a:endParaRPr lang="nl-NL"/>
           </a:p>
@@ -6420,7 +6424,7 @@
           <a:p>
             <a:fld id="{75934EED-E7C0-439C-9F42-70CEC4ABC1D3}" type="datetimeFigureOut">
               <a:rPr lang="nl-NL" smtClean="0"/>
-              <a:t>11-11-2020</a:t>
+              <a:t>16-11-2020</a:t>
             </a:fld>
             <a:endParaRPr lang="nl-NL"/>
           </a:p>
@@ -6634,7 +6638,7 @@
           <a:p>
             <a:fld id="{75934EED-E7C0-439C-9F42-70CEC4ABC1D3}" type="datetimeFigureOut">
               <a:rPr lang="nl-NL" smtClean="0"/>
-              <a:t>11-11-2020</a:t>
+              <a:t>16-11-2020</a:t>
             </a:fld>
             <a:endParaRPr lang="nl-NL"/>
           </a:p>
@@ -6810,7 +6814,7 @@
           <a:p>
             <a:fld id="{75934EED-E7C0-439C-9F42-70CEC4ABC1D3}" type="datetimeFigureOut">
               <a:rPr lang="nl-NL" smtClean="0"/>
-              <a:t>11-11-2020</a:t>
+              <a:t>16-11-2020</a:t>
             </a:fld>
             <a:endParaRPr lang="nl-NL"/>
           </a:p>
@@ -7015,7 +7019,7 @@
           <a:p>
             <a:fld id="{75934EED-E7C0-439C-9F42-70CEC4ABC1D3}" type="datetimeFigureOut">
               <a:rPr lang="nl-NL" smtClean="0"/>
-              <a:t>11-11-2020</a:t>
+              <a:t>16-11-2020</a:t>
             </a:fld>
             <a:endParaRPr lang="nl-NL"/>
           </a:p>
@@ -7295,7 +7299,7 @@
           <a:p>
             <a:fld id="{75934EED-E7C0-439C-9F42-70CEC4ABC1D3}" type="datetimeFigureOut">
               <a:rPr lang="nl-NL" smtClean="0"/>
-              <a:t>11-11-2020</a:t>
+              <a:t>16-11-2020</a:t>
             </a:fld>
             <a:endParaRPr lang="nl-NL"/>
           </a:p>
@@ -7562,7 +7566,7 @@
           <a:p>
             <a:fld id="{75934EED-E7C0-439C-9F42-70CEC4ABC1D3}" type="datetimeFigureOut">
               <a:rPr lang="nl-NL" smtClean="0"/>
-              <a:t>11-11-2020</a:t>
+              <a:t>16-11-2020</a:t>
             </a:fld>
             <a:endParaRPr lang="nl-NL"/>
           </a:p>
@@ -7977,7 +7981,7 @@
           <a:p>
             <a:fld id="{75934EED-E7C0-439C-9F42-70CEC4ABC1D3}" type="datetimeFigureOut">
               <a:rPr lang="nl-NL" smtClean="0"/>
-              <a:t>11-11-2020</a:t>
+              <a:t>16-11-2020</a:t>
             </a:fld>
             <a:endParaRPr lang="nl-NL"/>
           </a:p>
@@ -8125,7 +8129,7 @@
           <a:p>
             <a:fld id="{75934EED-E7C0-439C-9F42-70CEC4ABC1D3}" type="datetimeFigureOut">
               <a:rPr lang="nl-NL" smtClean="0"/>
-              <a:t>11-11-2020</a:t>
+              <a:t>16-11-2020</a:t>
             </a:fld>
             <a:endParaRPr lang="nl-NL"/>
           </a:p>
@@ -8250,7 +8254,7 @@
           <a:p>
             <a:fld id="{75934EED-E7C0-439C-9F42-70CEC4ABC1D3}" type="datetimeFigureOut">
               <a:rPr lang="nl-NL" smtClean="0"/>
-              <a:t>11-11-2020</a:t>
+              <a:t>16-11-2020</a:t>
             </a:fld>
             <a:endParaRPr lang="nl-NL"/>
           </a:p>
@@ -8529,7 +8533,7 @@
           <a:p>
             <a:fld id="{75934EED-E7C0-439C-9F42-70CEC4ABC1D3}" type="datetimeFigureOut">
               <a:rPr lang="nl-NL" smtClean="0"/>
-              <a:t>11-11-2020</a:t>
+              <a:t>16-11-2020</a:t>
             </a:fld>
             <a:endParaRPr lang="nl-NL"/>
           </a:p>
@@ -8841,7 +8845,7 @@
           <a:p>
             <a:fld id="{75934EED-E7C0-439C-9F42-70CEC4ABC1D3}" type="datetimeFigureOut">
               <a:rPr lang="nl-NL" smtClean="0"/>
-              <a:t>11-11-2020</a:t>
+              <a:t>16-11-2020</a:t>
             </a:fld>
             <a:endParaRPr lang="nl-NL"/>
           </a:p>
@@ -9094,7 +9098,7 @@
           <a:p>
             <a:fld id="{75934EED-E7C0-439C-9F42-70CEC4ABC1D3}" type="datetimeFigureOut">
               <a:rPr lang="nl-NL" smtClean="0"/>
-              <a:t>11-11-2020</a:t>
+              <a:t>16-11-2020</a:t>
             </a:fld>
             <a:endParaRPr lang="nl-NL"/>
           </a:p>
@@ -9610,1192 +9614,7 @@
 </p:sld>
 </file>
 
-<file path=ppt/slides/slide2.xml><?xml version="1.0" encoding="utf-8"?>
-<p:sld xmlns:a="http://schemas.openxmlformats.org/drawingml/2006/main" xmlns:r="http://schemas.openxmlformats.org/officeDocument/2006/relationships" xmlns:p="http://schemas.openxmlformats.org/presentationml/2006/main">
-  <p:cSld>
-    <p:bg>
-      <p:bgPr>
-        <a:gradFill rotWithShape="1">
-          <a:gsLst>
-            <a:gs pos="0">
-              <a:schemeClr val="bg1">
-                <a:tint val="90000"/>
-                <a:lumMod val="110000"/>
-              </a:schemeClr>
-            </a:gs>
-            <a:gs pos="100000">
-              <a:schemeClr val="bg1">
-                <a:shade val="64000"/>
-                <a:lumMod val="88000"/>
-              </a:schemeClr>
-            </a:gs>
-          </a:gsLst>
-          <a:lin ang="5400000" scaled="0"/>
-        </a:gradFill>
-        <a:effectLst/>
-      </p:bgPr>
-    </p:bg>
-    <p:spTree>
-      <p:nvGrpSpPr>
-        <p:cNvPr id="1" name=""/>
-        <p:cNvGrpSpPr/>
-        <p:nvPr/>
-      </p:nvGrpSpPr>
-      <p:grpSpPr>
-        <a:xfrm>
-          <a:off x="0" y="0"/>
-          <a:ext cx="0" cy="0"/>
-          <a:chOff x="0" y="0"/>
-          <a:chExt cx="0" cy="0"/>
-        </a:xfrm>
-      </p:grpSpPr>
-      <p:sp>
-        <p:nvSpPr>
-          <p:cNvPr id="2" name="Title 1">
-            <a:extLst>
-              <a:ext uri="{FF2B5EF4-FFF2-40B4-BE49-F238E27FC236}">
-                <a16:creationId xmlns:a16="http://schemas.microsoft.com/office/drawing/2014/main" id="{A7E81DEE-907B-4810-8BC0-78151F6C7A14}"/>
-              </a:ext>
-            </a:extLst>
-          </p:cNvPr>
-          <p:cNvSpPr>
-            <a:spLocks noGrp="1"/>
-          </p:cNvSpPr>
-          <p:nvPr>
-            <p:ph type="title"/>
-          </p:nvPr>
-        </p:nvSpPr>
-        <p:spPr/>
-        <p:txBody>
-          <a:bodyPr>
-            <a:normAutofit/>
-          </a:bodyPr>
-          <a:lstStyle/>
-          <a:p>
-            <a:r>
-              <a:rPr lang="en-US"/>
-              <a:t>Agenda</a:t>
-            </a:r>
-            <a:endParaRPr lang="nl-NL" dirty="0"/>
-          </a:p>
-        </p:txBody>
-      </p:sp>
-      <p:graphicFrame>
-        <p:nvGraphicFramePr>
-          <p:cNvPr id="18" name="Content Placeholder 2">
-            <a:extLst>
-              <a:ext uri="{FF2B5EF4-FFF2-40B4-BE49-F238E27FC236}">
-                <a16:creationId xmlns:a16="http://schemas.microsoft.com/office/drawing/2014/main" id="{49FBCAD9-54B1-40C0-B31D-F72454D2C474}"/>
-              </a:ext>
-            </a:extLst>
-          </p:cNvPr>
-          <p:cNvGraphicFramePr>
-            <a:graphicFrameLocks noGrp="1"/>
-          </p:cNvGraphicFramePr>
-          <p:nvPr>
-            <p:ph idx="1"/>
-            <p:extLst>
-              <p:ext uri="{D42A27DB-BD31-4B8C-83A1-F6EECF244321}">
-                <p14:modId xmlns:p14="http://schemas.microsoft.com/office/powerpoint/2010/main" val="1981054343"/>
-              </p:ext>
-            </p:extLst>
-          </p:nvPr>
-        </p:nvGraphicFramePr>
-        <p:xfrm>
-          <a:off x="914400" y="2532475"/>
-          <a:ext cx="10363200" cy="3029067"/>
-        </p:xfrm>
-        <a:graphic>
-          <a:graphicData uri="http://schemas.openxmlformats.org/drawingml/2006/diagram">
-            <dgm:relIds xmlns:dgm="http://schemas.openxmlformats.org/drawingml/2006/diagram" xmlns:r="http://schemas.openxmlformats.org/officeDocument/2006/relationships" r:dm="rId2" r:lo="rId3" r:qs="rId4" r:cs="rId5"/>
-          </a:graphicData>
-        </a:graphic>
-      </p:graphicFrame>
-    </p:spTree>
-    <p:extLst>
-      <p:ext uri="{BB962C8B-B14F-4D97-AF65-F5344CB8AC3E}">
-        <p14:creationId xmlns:p14="http://schemas.microsoft.com/office/powerpoint/2010/main" val="3525681470"/>
-      </p:ext>
-    </p:extLst>
-  </p:cSld>
-  <p:clrMapOvr>
-    <a:masterClrMapping/>
-  </p:clrMapOvr>
-</p:sld>
-</file>
-
-<file path=ppt/slides/slide3.xml><?xml version="1.0" encoding="utf-8"?>
-<p:sld xmlns:a="http://schemas.openxmlformats.org/drawingml/2006/main" xmlns:r="http://schemas.openxmlformats.org/officeDocument/2006/relationships" xmlns:p="http://schemas.openxmlformats.org/presentationml/2006/main">
-  <p:cSld>
-    <p:bg>
-      <p:bgPr>
-        <a:gradFill rotWithShape="1">
-          <a:gsLst>
-            <a:gs pos="0">
-              <a:schemeClr val="bg1">
-                <a:tint val="90000"/>
-                <a:lumMod val="110000"/>
-              </a:schemeClr>
-            </a:gs>
-            <a:gs pos="100000">
-              <a:schemeClr val="bg1">
-                <a:shade val="64000"/>
-                <a:lumMod val="88000"/>
-              </a:schemeClr>
-            </a:gs>
-          </a:gsLst>
-          <a:lin ang="5400000" scaled="0"/>
-        </a:gradFill>
-        <a:effectLst/>
-      </p:bgPr>
-    </p:bg>
-    <p:spTree>
-      <p:nvGrpSpPr>
-        <p:cNvPr id="1" name=""/>
-        <p:cNvGrpSpPr/>
-        <p:nvPr/>
-      </p:nvGrpSpPr>
-      <p:grpSpPr>
-        <a:xfrm>
-          <a:off x="0" y="0"/>
-          <a:ext cx="0" cy="0"/>
-          <a:chOff x="0" y="0"/>
-          <a:chExt cx="0" cy="0"/>
-        </a:xfrm>
-      </p:grpSpPr>
-      <p:sp>
-        <p:nvSpPr>
-          <p:cNvPr id="8" name="Rectangle 7">
-            <a:extLst>
-              <a:ext uri="{FF2B5EF4-FFF2-40B4-BE49-F238E27FC236}">
-                <a16:creationId xmlns:a16="http://schemas.microsoft.com/office/drawing/2014/main" id="{3A9C15D4-2EE7-4D05-B87C-91D1F3B9604B}"/>
-              </a:ext>
-              <a:ext uri="{C183D7F6-B498-43B3-948B-1728B52AA6E4}">
-                <adec:decorative xmlns:adec="http://schemas.microsoft.com/office/drawing/2017/decorative" val="1"/>
-              </a:ext>
-            </a:extLst>
-          </p:cNvPr>
-          <p:cNvSpPr>
-            <a:spLocks noGrp="1" noRot="1" noChangeAspect="1" noMove="1" noResize="1" noEditPoints="1" noAdjustHandles="1" noChangeArrowheads="1" noChangeShapeType="1" noTextEdit="1"/>
-          </p:cNvSpPr>
-          <p:nvPr>
-            <p:extLst>
-              <p:ext uri="{386F3935-93C4-4BCD-93E2-E3B085C9AB24}">
-                <p16:designElem xmlns:p16="http://schemas.microsoft.com/office/powerpoint/2015/main" val="1"/>
-              </p:ext>
-            </p:extLst>
-          </p:nvPr>
-        </p:nvSpPr>
-        <p:spPr>
-          <a:xfrm>
-            <a:off x="4059935" y="0"/>
-            <a:ext cx="8132065" cy="6858000"/>
-          </a:xfrm>
-          <a:prstGeom prst="rect">
-            <a:avLst/>
-          </a:prstGeom>
-          <a:solidFill>
-            <a:schemeClr val="bg1"/>
-          </a:solidFill>
-          <a:ln>
-            <a:noFill/>
-          </a:ln>
-        </p:spPr>
-        <p:style>
-          <a:lnRef idx="2">
-            <a:schemeClr val="accent1">
-              <a:shade val="50000"/>
-            </a:schemeClr>
-          </a:lnRef>
-          <a:fillRef idx="1">
-            <a:schemeClr val="accent1"/>
-          </a:fillRef>
-          <a:effectRef idx="0">
-            <a:schemeClr val="accent1"/>
-          </a:effectRef>
-          <a:fontRef idx="minor">
-            <a:schemeClr val="lt1"/>
-          </a:fontRef>
-        </p:style>
-        <p:txBody>
-          <a:bodyPr rtlCol="0" anchor="ctr"/>
-          <a:lstStyle/>
-          <a:p>
-            <a:pPr algn="ctr"/>
-            <a:endParaRPr lang="en-US"/>
-          </a:p>
-        </p:txBody>
-      </p:sp>
-      <p:sp useBgFill="1">
-        <p:nvSpPr>
-          <p:cNvPr id="10" name="Rectangle 9">
-            <a:extLst>
-              <a:ext uri="{FF2B5EF4-FFF2-40B4-BE49-F238E27FC236}">
-                <a16:creationId xmlns:a16="http://schemas.microsoft.com/office/drawing/2014/main" id="{4ED7B0FB-9654-4441-9545-02D458B68620}"/>
-              </a:ext>
-              <a:ext uri="{C183D7F6-B498-43B3-948B-1728B52AA6E4}">
-                <adec:decorative xmlns:adec="http://schemas.microsoft.com/office/drawing/2017/decorative" val="1"/>
-              </a:ext>
-            </a:extLst>
-          </p:cNvPr>
-          <p:cNvSpPr>
-            <a:spLocks noGrp="1" noRot="1" noChangeAspect="1" noMove="1" noResize="1" noEditPoints="1" noAdjustHandles="1" noChangeArrowheads="1" noChangeShapeType="1" noTextEdit="1"/>
-          </p:cNvSpPr>
-          <p:nvPr>
-            <p:extLst>
-              <p:ext uri="{386F3935-93C4-4BCD-93E2-E3B085C9AB24}">
-                <p16:designElem xmlns:p16="http://schemas.microsoft.com/office/powerpoint/2015/main" val="1"/>
-              </p:ext>
-            </p:extLst>
-          </p:nvPr>
-        </p:nvSpPr>
-        <p:spPr>
-          <a:xfrm>
-            <a:off x="0" y="0"/>
-            <a:ext cx="4059935" cy="6858000"/>
-          </a:xfrm>
-          <a:prstGeom prst="rect">
-            <a:avLst/>
-          </a:prstGeom>
-          <a:ln>
-            <a:noFill/>
-          </a:ln>
-          <a:effectLst>
-            <a:outerShdw blurRad="50800" dist="12700" algn="l" rotWithShape="0">
-              <a:prstClr val="black">
-                <a:alpha val="30000"/>
-              </a:prstClr>
-            </a:outerShdw>
-          </a:effectLst>
-        </p:spPr>
-        <p:style>
-          <a:lnRef idx="2">
-            <a:schemeClr val="accent1">
-              <a:shade val="50000"/>
-            </a:schemeClr>
-          </a:lnRef>
-          <a:fillRef idx="1">
-            <a:schemeClr val="accent1"/>
-          </a:fillRef>
-          <a:effectRef idx="0">
-            <a:schemeClr val="accent1"/>
-          </a:effectRef>
-          <a:fontRef idx="minor">
-            <a:schemeClr val="lt1"/>
-          </a:fontRef>
-        </p:style>
-        <p:txBody>
-          <a:bodyPr rtlCol="0" anchor="ctr"/>
-          <a:lstStyle/>
-          <a:p>
-            <a:pPr algn="ctr"/>
-            <a:endParaRPr lang="en-US"/>
-          </a:p>
-        </p:txBody>
-      </p:sp>
-      <p:pic>
-        <p:nvPicPr>
-          <p:cNvPr id="12" name="Picture 11">
-            <a:extLst>
-              <a:ext uri="{FF2B5EF4-FFF2-40B4-BE49-F238E27FC236}">
-                <a16:creationId xmlns:a16="http://schemas.microsoft.com/office/drawing/2014/main" id="{7BB94C57-FDF3-45A3-9D1F-904523D795D4}"/>
-              </a:ext>
-              <a:ext uri="{C183D7F6-B498-43B3-948B-1728B52AA6E4}">
-                <adec:decorative xmlns:adec="http://schemas.microsoft.com/office/drawing/2017/decorative" val="1"/>
-              </a:ext>
-            </a:extLst>
-          </p:cNvPr>
-          <p:cNvPicPr>
-            <a:picLocks noGrp="1" noRot="1" noChangeAspect="1" noMove="1" noResize="1" noEditPoints="1" noAdjustHandles="1" noChangeArrowheads="1" noChangeShapeType="1" noCrop="1"/>
-          </p:cNvPicPr>
-          <p:nvPr>
-            <p:extLst>
-              <p:ext uri="{386F3935-93C4-4BCD-93E2-E3B085C9AB24}">
-                <p16:designElem xmlns:p16="http://schemas.microsoft.com/office/powerpoint/2015/main" val="1"/>
-              </p:ext>
-            </p:extLst>
-          </p:nvPr>
-        </p:nvPicPr>
-        <p:blipFill rotWithShape="1">
-          <a:blip r:embed="rId2">
-            <a:extLst>
-              <a:ext uri="{28A0092B-C50C-407E-A947-70E740481C1C}">
-                <a14:useLocalDpi xmlns:a14="http://schemas.microsoft.com/office/drawing/2010/main" val="0"/>
-              </a:ext>
-            </a:extLst>
-          </a:blip>
-          <a:srcRect r="66700" b="77917"/>
-          <a:stretch/>
-        </p:blipFill>
-        <p:spPr>
-          <a:xfrm>
-            <a:off x="0" y="0"/>
-            <a:ext cx="4059935" cy="1514475"/>
-          </a:xfrm>
-          <a:prstGeom prst="rect">
-            <a:avLst/>
-          </a:prstGeom>
-        </p:spPr>
-      </p:pic>
-      <p:sp>
-        <p:nvSpPr>
-          <p:cNvPr id="2" name="Title 1">
-            <a:extLst>
-              <a:ext uri="{FF2B5EF4-FFF2-40B4-BE49-F238E27FC236}">
-                <a16:creationId xmlns:a16="http://schemas.microsoft.com/office/drawing/2014/main" id="{C39B1984-B995-457C-B21D-04399D7CFA18}"/>
-              </a:ext>
-            </a:extLst>
-          </p:cNvPr>
-          <p:cNvSpPr>
-            <a:spLocks noGrp="1"/>
-          </p:cNvSpPr>
-          <p:nvPr>
-            <p:ph type="title"/>
-          </p:nvPr>
-        </p:nvSpPr>
-        <p:spPr>
-          <a:xfrm>
-            <a:off x="641074" y="1419900"/>
-            <a:ext cx="2844002" cy="4018201"/>
-          </a:xfrm>
-        </p:spPr>
-        <p:txBody>
-          <a:bodyPr>
-            <a:normAutofit/>
-          </a:bodyPr>
-          <a:lstStyle/>
-          <a:p>
-            <a:pPr algn="l"/>
-            <a:r>
-              <a:rPr lang="en-US" sz="3100"/>
-              <a:t>Introduction</a:t>
-            </a:r>
-            <a:endParaRPr lang="nl-NL" sz="3100"/>
-          </a:p>
-        </p:txBody>
-      </p:sp>
-      <p:sp>
-        <p:nvSpPr>
-          <p:cNvPr id="3" name="Content Placeholder 2">
-            <a:extLst>
-              <a:ext uri="{FF2B5EF4-FFF2-40B4-BE49-F238E27FC236}">
-                <a16:creationId xmlns:a16="http://schemas.microsoft.com/office/drawing/2014/main" id="{59C475D2-6D53-4B74-9C3A-83B716CBA8AE}"/>
-              </a:ext>
-            </a:extLst>
-          </p:cNvPr>
-          <p:cNvSpPr>
-            <a:spLocks noGrp="1"/>
-          </p:cNvSpPr>
-          <p:nvPr>
-            <p:ph idx="1"/>
-          </p:nvPr>
-        </p:nvSpPr>
-        <p:spPr>
-          <a:xfrm>
-            <a:off x="4701008" y="1193576"/>
-            <a:ext cx="6576591" cy="4470850"/>
-          </a:xfrm>
-        </p:spPr>
-        <p:txBody>
-          <a:bodyPr anchor="ctr">
-            <a:normAutofit/>
-          </a:bodyPr>
-          <a:lstStyle/>
-          <a:p>
-            <a:r>
-              <a:rPr lang="en-US" u="sng" dirty="0">
-                <a:ea typeface="Roboto" panose="02000000000000000000" pitchFamily="2" charset="0"/>
-                <a:cs typeface="Roboto" panose="02000000000000000000" pitchFamily="2" charset="0"/>
-              </a:rPr>
-              <a:t>Bert Leemput</a:t>
-            </a:r>
-            <a:br>
-              <a:rPr lang="en-US" dirty="0">
-                <a:ea typeface="Roboto" panose="02000000000000000000" pitchFamily="2" charset="0"/>
-                <a:cs typeface="Roboto" panose="02000000000000000000" pitchFamily="2" charset="0"/>
-              </a:rPr>
-            </a:br>
-            <a:r>
-              <a:rPr lang="en-US" dirty="0">
-                <a:ea typeface="Roboto" panose="02000000000000000000" pitchFamily="2" charset="0"/>
-                <a:cs typeface="Roboto" panose="02000000000000000000" pitchFamily="2" charset="0"/>
-              </a:rPr>
-              <a:t>bert.Leemput@Vanderlande.com</a:t>
-            </a:r>
-            <a:br>
-              <a:rPr lang="en-US" dirty="0"/>
-            </a:br>
-            <a:endParaRPr lang="en-US" dirty="0"/>
-          </a:p>
-          <a:p>
-            <a:r>
-              <a:rPr lang="en-US" u="sng" dirty="0"/>
-              <a:t>Airports</a:t>
-            </a:r>
-            <a:br>
-              <a:rPr lang="en-US" dirty="0"/>
-            </a:br>
-            <a:r>
-              <a:rPr lang="en-US" dirty="0"/>
-              <a:t>Currently: Vibes UX</a:t>
-            </a:r>
-            <a:br>
-              <a:rPr lang="en-US" dirty="0"/>
-            </a:br>
-            <a:r>
-              <a:rPr lang="en-US" dirty="0"/>
-              <a:t>Before: OPM, ATF</a:t>
-            </a:r>
-          </a:p>
-          <a:p>
-            <a:endParaRPr lang="en-US" dirty="0"/>
-          </a:p>
-          <a:p>
-            <a:r>
-              <a:rPr lang="en-US" dirty="0"/>
-              <a:t>Interested in (almost) everything related to software development</a:t>
-            </a:r>
-          </a:p>
-          <a:p>
-            <a:endParaRPr lang="en-US" dirty="0"/>
-          </a:p>
-        </p:txBody>
-      </p:sp>
-      <p:pic>
-        <p:nvPicPr>
-          <p:cNvPr id="14" name="Picture 13">
-            <a:extLst>
-              <a:ext uri="{FF2B5EF4-FFF2-40B4-BE49-F238E27FC236}">
-                <a16:creationId xmlns:a16="http://schemas.microsoft.com/office/drawing/2014/main" id="{6AEBDF1A-221A-4497-BBA9-57A70D161510}"/>
-              </a:ext>
-              <a:ext uri="{C183D7F6-B498-43B3-948B-1728B52AA6E4}">
-                <adec:decorative xmlns:adec="http://schemas.microsoft.com/office/drawing/2017/decorative" val="1"/>
-              </a:ext>
-            </a:extLst>
-          </p:cNvPr>
-          <p:cNvPicPr>
-            <a:picLocks noGrp="1" noRot="1" noChangeAspect="1" noMove="1" noResize="1" noEditPoints="1" noAdjustHandles="1" noChangeArrowheads="1" noChangeShapeType="1" noCrop="1"/>
-          </p:cNvPicPr>
-          <p:nvPr>
-            <p:extLst>
-              <p:ext uri="{386F3935-93C4-4BCD-93E2-E3B085C9AB24}">
-                <p16:designElem xmlns:p16="http://schemas.microsoft.com/office/powerpoint/2015/main" val="1"/>
-              </p:ext>
-            </p:extLst>
-          </p:nvPr>
-        </p:nvPicPr>
-        <p:blipFill rotWithShape="1">
-          <a:blip r:embed="rId3">
-            <a:extLst>
-              <a:ext uri="{28A0092B-C50C-407E-A947-70E740481C1C}">
-                <a14:useLocalDpi xmlns:a14="http://schemas.microsoft.com/office/drawing/2010/main" val="0"/>
-              </a:ext>
-            </a:extLst>
-          </a:blip>
-          <a:srcRect l="78750" t="72830" b="14149"/>
-          <a:stretch/>
-        </p:blipFill>
-        <p:spPr>
-          <a:xfrm>
-            <a:off x="1377059" y="5962903"/>
-            <a:ext cx="2590800" cy="892925"/>
-          </a:xfrm>
-          <a:prstGeom prst="rect">
-            <a:avLst/>
-          </a:prstGeom>
-        </p:spPr>
-      </p:pic>
-    </p:spTree>
-    <p:extLst>
-      <p:ext uri="{BB962C8B-B14F-4D97-AF65-F5344CB8AC3E}">
-        <p14:creationId xmlns:p14="http://schemas.microsoft.com/office/powerpoint/2010/main" val="1727697956"/>
-      </p:ext>
-    </p:extLst>
-  </p:cSld>
-  <p:clrMapOvr>
-    <a:masterClrMapping/>
-  </p:clrMapOvr>
-</p:sld>
-</file>
-
-<file path=ppt/slides/slide4.xml><?xml version="1.0" encoding="utf-8"?>
-<p:sld xmlns:a="http://schemas.openxmlformats.org/drawingml/2006/main" xmlns:r="http://schemas.openxmlformats.org/officeDocument/2006/relationships" xmlns:p="http://schemas.openxmlformats.org/presentationml/2006/main">
-  <p:cSld>
-    <p:spTree>
-      <p:nvGrpSpPr>
-        <p:cNvPr id="1" name=""/>
-        <p:cNvGrpSpPr/>
-        <p:nvPr/>
-      </p:nvGrpSpPr>
-      <p:grpSpPr>
-        <a:xfrm>
-          <a:off x="0" y="0"/>
-          <a:ext cx="0" cy="0"/>
-          <a:chOff x="0" y="0"/>
-          <a:chExt cx="0" cy="0"/>
-        </a:xfrm>
-      </p:grpSpPr>
-      <p:sp>
-        <p:nvSpPr>
-          <p:cNvPr id="2" name="Title 1">
-            <a:extLst>
-              <a:ext uri="{FF2B5EF4-FFF2-40B4-BE49-F238E27FC236}">
-                <a16:creationId xmlns:a16="http://schemas.microsoft.com/office/drawing/2014/main" id="{58A75D02-8D99-4750-B95C-655E0DA90887}"/>
-              </a:ext>
-            </a:extLst>
-          </p:cNvPr>
-          <p:cNvSpPr>
-            <a:spLocks noGrp="1"/>
-          </p:cNvSpPr>
-          <p:nvPr>
-            <p:ph type="title"/>
-          </p:nvPr>
-        </p:nvSpPr>
-        <p:spPr/>
-        <p:txBody>
-          <a:bodyPr/>
-          <a:lstStyle/>
-          <a:p>
-            <a:r>
-              <a:rPr lang="en-US" dirty="0"/>
-              <a:t>State management</a:t>
-            </a:r>
-            <a:endParaRPr lang="nl-NL" dirty="0"/>
-          </a:p>
-        </p:txBody>
-      </p:sp>
-      <p:sp>
-        <p:nvSpPr>
-          <p:cNvPr id="3" name="Content Placeholder 2">
-            <a:extLst>
-              <a:ext uri="{FF2B5EF4-FFF2-40B4-BE49-F238E27FC236}">
-                <a16:creationId xmlns:a16="http://schemas.microsoft.com/office/drawing/2014/main" id="{04577237-4E8B-45D5-8064-C87D6F617C06}"/>
-              </a:ext>
-            </a:extLst>
-          </p:cNvPr>
-          <p:cNvSpPr>
-            <a:spLocks noGrp="1"/>
-          </p:cNvSpPr>
-          <p:nvPr>
-            <p:ph idx="1"/>
-          </p:nvPr>
-        </p:nvSpPr>
-        <p:spPr/>
-        <p:txBody>
-          <a:bodyPr>
-            <a:normAutofit/>
-          </a:bodyPr>
-          <a:lstStyle/>
-          <a:p>
-            <a:r>
-              <a:rPr lang="en-US" dirty="0"/>
-              <a:t>“How you manage data in your application”</a:t>
-            </a:r>
-            <a:endParaRPr lang="en-US" i="1" dirty="0"/>
-          </a:p>
-          <a:p>
-            <a:endParaRPr lang="en-US" i="1" dirty="0"/>
-          </a:p>
-          <a:p>
-            <a:r>
-              <a:rPr lang="en-US" dirty="0"/>
-              <a:t>Different strategies</a:t>
-            </a:r>
-          </a:p>
-          <a:p>
-            <a:pPr lvl="1"/>
-            <a:r>
-              <a:rPr lang="en-US" dirty="0"/>
-              <a:t>Local State</a:t>
-            </a:r>
-          </a:p>
-          <a:p>
-            <a:pPr lvl="1"/>
-            <a:r>
-              <a:rPr lang="en-US" dirty="0"/>
-              <a:t>Services</a:t>
-            </a:r>
-          </a:p>
-          <a:p>
-            <a:pPr lvl="1"/>
-            <a:r>
-              <a:rPr lang="en-US" dirty="0"/>
-              <a:t>Observable data services</a:t>
-            </a:r>
-          </a:p>
-          <a:p>
-            <a:pPr lvl="1"/>
-            <a:r>
-              <a:rPr lang="en-US" dirty="0"/>
-              <a:t>Redux Pattern</a:t>
-            </a:r>
-          </a:p>
-          <a:p>
-            <a:pPr lvl="2"/>
-            <a:endParaRPr lang="en-US" dirty="0"/>
-          </a:p>
-        </p:txBody>
-      </p:sp>
-    </p:spTree>
-    <p:extLst>
-      <p:ext uri="{BB962C8B-B14F-4D97-AF65-F5344CB8AC3E}">
-        <p14:creationId xmlns:p14="http://schemas.microsoft.com/office/powerpoint/2010/main" val="2289269515"/>
-      </p:ext>
-    </p:extLst>
-  </p:cSld>
-  <p:clrMapOvr>
-    <a:masterClrMapping/>
-  </p:clrMapOvr>
-</p:sld>
-</file>
-
-<file path=ppt/slides/slide5.xml><?xml version="1.0" encoding="utf-8"?>
-<p:sld xmlns:a="http://schemas.openxmlformats.org/drawingml/2006/main" xmlns:r="http://schemas.openxmlformats.org/officeDocument/2006/relationships" xmlns:p="http://schemas.openxmlformats.org/presentationml/2006/main">
-  <p:cSld>
-    <p:spTree>
-      <p:nvGrpSpPr>
-        <p:cNvPr id="1" name=""/>
-        <p:cNvGrpSpPr/>
-        <p:nvPr/>
-      </p:nvGrpSpPr>
-      <p:grpSpPr>
-        <a:xfrm>
-          <a:off x="0" y="0"/>
-          <a:ext cx="0" cy="0"/>
-          <a:chOff x="0" y="0"/>
-          <a:chExt cx="0" cy="0"/>
-        </a:xfrm>
-      </p:grpSpPr>
-      <p:sp>
-        <p:nvSpPr>
-          <p:cNvPr id="2" name="Title 1">
-            <a:extLst>
-              <a:ext uri="{FF2B5EF4-FFF2-40B4-BE49-F238E27FC236}">
-                <a16:creationId xmlns:a16="http://schemas.microsoft.com/office/drawing/2014/main" id="{77E2C4B1-2077-48AB-A7EF-096D8A7641E3}"/>
-              </a:ext>
-            </a:extLst>
-          </p:cNvPr>
-          <p:cNvSpPr>
-            <a:spLocks noGrp="1"/>
-          </p:cNvSpPr>
-          <p:nvPr>
-            <p:ph type="title"/>
-          </p:nvPr>
-        </p:nvSpPr>
-        <p:spPr/>
-        <p:txBody>
-          <a:bodyPr/>
-          <a:lstStyle/>
-          <a:p>
-            <a:r>
-              <a:rPr lang="en-US" dirty="0"/>
-              <a:t>State management – Redux pattern</a:t>
-            </a:r>
-            <a:endParaRPr lang="nl-NL" dirty="0"/>
-          </a:p>
-        </p:txBody>
-      </p:sp>
-      <p:sp>
-        <p:nvSpPr>
-          <p:cNvPr id="3" name="Content Placeholder 2">
-            <a:extLst>
-              <a:ext uri="{FF2B5EF4-FFF2-40B4-BE49-F238E27FC236}">
-                <a16:creationId xmlns:a16="http://schemas.microsoft.com/office/drawing/2014/main" id="{FA9DA903-EE77-40E2-8EF8-27F4E8B0810E}"/>
-              </a:ext>
-            </a:extLst>
-          </p:cNvPr>
-          <p:cNvSpPr>
-            <a:spLocks noGrp="1"/>
-          </p:cNvSpPr>
-          <p:nvPr>
-            <p:ph idx="1"/>
-          </p:nvPr>
-        </p:nvSpPr>
-        <p:spPr/>
-        <p:txBody>
-          <a:bodyPr/>
-          <a:lstStyle/>
-          <a:p>
-            <a:r>
-              <a:rPr lang="en-US" dirty="0"/>
-              <a:t>Single source of truth</a:t>
-            </a:r>
-          </a:p>
-          <a:p>
-            <a:r>
-              <a:rPr lang="en-US" dirty="0"/>
-              <a:t>Immutability</a:t>
-            </a:r>
-          </a:p>
-          <a:p>
-            <a:r>
-              <a:rPr lang="en-US" dirty="0"/>
-              <a:t>Encapsulation / Separation of Concerns</a:t>
-            </a:r>
-          </a:p>
-          <a:p>
-            <a:r>
-              <a:rPr lang="en-US" dirty="0"/>
-              <a:t>Serializability</a:t>
-            </a:r>
-          </a:p>
-          <a:p>
-            <a:r>
-              <a:rPr lang="en-US" dirty="0"/>
-              <a:t>Type safety</a:t>
-            </a:r>
-          </a:p>
-          <a:p>
-            <a:r>
-              <a:rPr lang="en-US" dirty="0"/>
-              <a:t>Testable</a:t>
-            </a:r>
-            <a:endParaRPr lang="nl-NL" dirty="0"/>
-          </a:p>
-        </p:txBody>
-      </p:sp>
-    </p:spTree>
-    <p:extLst>
-      <p:ext uri="{BB962C8B-B14F-4D97-AF65-F5344CB8AC3E}">
-        <p14:creationId xmlns:p14="http://schemas.microsoft.com/office/powerpoint/2010/main" val="3978482294"/>
-      </p:ext>
-    </p:extLst>
-  </p:cSld>
-  <p:clrMapOvr>
-    <a:masterClrMapping/>
-  </p:clrMapOvr>
-</p:sld>
-</file>
-
-<file path=ppt/slides/slide6.xml><?xml version="1.0" encoding="utf-8"?>
-<p:sld xmlns:a="http://schemas.openxmlformats.org/drawingml/2006/main" xmlns:r="http://schemas.openxmlformats.org/officeDocument/2006/relationships" xmlns:p="http://schemas.openxmlformats.org/presentationml/2006/main">
-  <p:cSld>
-    <p:spTree>
-      <p:nvGrpSpPr>
-        <p:cNvPr id="1" name=""/>
-        <p:cNvGrpSpPr/>
-        <p:nvPr/>
-      </p:nvGrpSpPr>
-      <p:grpSpPr>
-        <a:xfrm>
-          <a:off x="0" y="0"/>
-          <a:ext cx="0" cy="0"/>
-          <a:chOff x="0" y="0"/>
-          <a:chExt cx="0" cy="0"/>
-        </a:xfrm>
-      </p:grpSpPr>
-      <p:sp>
-        <p:nvSpPr>
-          <p:cNvPr id="2" name="Title 1">
-            <a:extLst>
-              <a:ext uri="{FF2B5EF4-FFF2-40B4-BE49-F238E27FC236}">
-                <a16:creationId xmlns:a16="http://schemas.microsoft.com/office/drawing/2014/main" id="{CEF49B7C-D1C6-454A-931C-A69392C2ECC8}"/>
-              </a:ext>
-            </a:extLst>
-          </p:cNvPr>
-          <p:cNvSpPr>
-            <a:spLocks noGrp="1"/>
-          </p:cNvSpPr>
-          <p:nvPr>
-            <p:ph type="title"/>
-          </p:nvPr>
-        </p:nvSpPr>
-        <p:spPr/>
-        <p:txBody>
-          <a:bodyPr/>
-          <a:lstStyle/>
-          <a:p>
-            <a:r>
-              <a:rPr lang="en-US" dirty="0"/>
-              <a:t>State management – Redux pattern</a:t>
-            </a:r>
-            <a:endParaRPr lang="nl-NL" dirty="0"/>
-          </a:p>
-        </p:txBody>
-      </p:sp>
-      <p:sp>
-        <p:nvSpPr>
-          <p:cNvPr id="4" name="Rectangle: Rounded Corners 3">
-            <a:extLst>
-              <a:ext uri="{FF2B5EF4-FFF2-40B4-BE49-F238E27FC236}">
-                <a16:creationId xmlns:a16="http://schemas.microsoft.com/office/drawing/2014/main" id="{5B92086A-3839-4600-9186-140F7F7F92B4}"/>
-              </a:ext>
-            </a:extLst>
-          </p:cNvPr>
-          <p:cNvSpPr/>
-          <p:nvPr/>
-        </p:nvSpPr>
-        <p:spPr>
-          <a:xfrm>
-            <a:off x="7048051" y="5043954"/>
-            <a:ext cx="1904105" cy="570155"/>
-          </a:xfrm>
-          <a:prstGeom prst="roundRect">
-            <a:avLst/>
-          </a:prstGeom>
-        </p:spPr>
-        <p:style>
-          <a:lnRef idx="2">
-            <a:schemeClr val="accent1">
-              <a:shade val="50000"/>
-            </a:schemeClr>
-          </a:lnRef>
-          <a:fillRef idx="1">
-            <a:schemeClr val="accent1"/>
-          </a:fillRef>
-          <a:effectRef idx="0">
-            <a:schemeClr val="accent1"/>
-          </a:effectRef>
-          <a:fontRef idx="minor">
-            <a:schemeClr val="lt1"/>
-          </a:fontRef>
-        </p:style>
-        <p:txBody>
-          <a:bodyPr rtlCol="0" anchor="ctr"/>
-          <a:lstStyle/>
-          <a:p>
-            <a:pPr algn="ctr"/>
-            <a:r>
-              <a:rPr lang="en-US" dirty="0"/>
-              <a:t>Store</a:t>
-            </a:r>
-            <a:endParaRPr lang="nl-NL" dirty="0"/>
-          </a:p>
-        </p:txBody>
-      </p:sp>
-      <p:sp>
-        <p:nvSpPr>
-          <p:cNvPr id="5" name="Rectangle: Rounded Corners 4">
-            <a:extLst>
-              <a:ext uri="{FF2B5EF4-FFF2-40B4-BE49-F238E27FC236}">
-                <a16:creationId xmlns:a16="http://schemas.microsoft.com/office/drawing/2014/main" id="{90362A02-108B-45A3-A80A-7C064832BB6E}"/>
-              </a:ext>
-            </a:extLst>
-          </p:cNvPr>
-          <p:cNvSpPr/>
-          <p:nvPr/>
-        </p:nvSpPr>
-        <p:spPr>
-          <a:xfrm>
-            <a:off x="3239848" y="5043953"/>
-            <a:ext cx="1904105" cy="570155"/>
-          </a:xfrm>
-          <a:prstGeom prst="roundRect">
-            <a:avLst/>
-          </a:prstGeom>
-        </p:spPr>
-        <p:style>
-          <a:lnRef idx="2">
-            <a:schemeClr val="accent1">
-              <a:shade val="50000"/>
-            </a:schemeClr>
-          </a:lnRef>
-          <a:fillRef idx="1">
-            <a:schemeClr val="accent1"/>
-          </a:fillRef>
-          <a:effectRef idx="0">
-            <a:schemeClr val="accent1"/>
-          </a:effectRef>
-          <a:fontRef idx="minor">
-            <a:schemeClr val="lt1"/>
-          </a:fontRef>
-        </p:style>
-        <p:txBody>
-          <a:bodyPr rtlCol="0" anchor="ctr"/>
-          <a:lstStyle/>
-          <a:p>
-            <a:pPr algn="ctr"/>
-            <a:r>
-              <a:rPr lang="en-US" dirty="0"/>
-              <a:t>Reducer</a:t>
-            </a:r>
-            <a:endParaRPr lang="nl-NL" dirty="0"/>
-          </a:p>
-        </p:txBody>
-      </p:sp>
-      <p:sp>
-        <p:nvSpPr>
-          <p:cNvPr id="6" name="Rectangle: Rounded Corners 5">
-            <a:extLst>
-              <a:ext uri="{FF2B5EF4-FFF2-40B4-BE49-F238E27FC236}">
-                <a16:creationId xmlns:a16="http://schemas.microsoft.com/office/drawing/2014/main" id="{05F298F0-33C6-4496-9C32-F41622060416}"/>
-              </a:ext>
-            </a:extLst>
-          </p:cNvPr>
-          <p:cNvSpPr/>
-          <p:nvPr/>
-        </p:nvSpPr>
-        <p:spPr>
-          <a:xfrm>
-            <a:off x="3239848" y="3806824"/>
-            <a:ext cx="1904105" cy="570155"/>
-          </a:xfrm>
-          <a:prstGeom prst="roundRect">
-            <a:avLst/>
-          </a:prstGeom>
-        </p:spPr>
-        <p:style>
-          <a:lnRef idx="2">
-            <a:schemeClr val="accent1">
-              <a:shade val="50000"/>
-            </a:schemeClr>
-          </a:lnRef>
-          <a:fillRef idx="1">
-            <a:schemeClr val="accent1"/>
-          </a:fillRef>
-          <a:effectRef idx="0">
-            <a:schemeClr val="accent1"/>
-          </a:effectRef>
-          <a:fontRef idx="minor">
-            <a:schemeClr val="lt1"/>
-          </a:fontRef>
-        </p:style>
-        <p:txBody>
-          <a:bodyPr rtlCol="0" anchor="ctr"/>
-          <a:lstStyle/>
-          <a:p>
-            <a:pPr algn="ctr"/>
-            <a:r>
-              <a:rPr lang="en-US" dirty="0"/>
-              <a:t>Action</a:t>
-            </a:r>
-            <a:endParaRPr lang="nl-NL" dirty="0"/>
-          </a:p>
-        </p:txBody>
-      </p:sp>
-      <p:sp>
-        <p:nvSpPr>
-          <p:cNvPr id="8" name="Rectangle: Rounded Corners 7">
-            <a:extLst>
-              <a:ext uri="{FF2B5EF4-FFF2-40B4-BE49-F238E27FC236}">
-                <a16:creationId xmlns:a16="http://schemas.microsoft.com/office/drawing/2014/main" id="{259656F2-777E-4054-BA29-D94C870F411F}"/>
-              </a:ext>
-            </a:extLst>
-          </p:cNvPr>
-          <p:cNvSpPr/>
-          <p:nvPr/>
-        </p:nvSpPr>
-        <p:spPr>
-          <a:xfrm>
-            <a:off x="5143947" y="2384050"/>
-            <a:ext cx="1904105" cy="570155"/>
-          </a:xfrm>
-          <a:prstGeom prst="roundRect">
-            <a:avLst/>
-          </a:prstGeom>
-        </p:spPr>
-        <p:style>
-          <a:lnRef idx="2">
-            <a:schemeClr val="accent1">
-              <a:shade val="50000"/>
-            </a:schemeClr>
-          </a:lnRef>
-          <a:fillRef idx="1">
-            <a:schemeClr val="accent1"/>
-          </a:fillRef>
-          <a:effectRef idx="0">
-            <a:schemeClr val="accent1"/>
-          </a:effectRef>
-          <a:fontRef idx="minor">
-            <a:schemeClr val="lt1"/>
-          </a:fontRef>
-        </p:style>
-        <p:txBody>
-          <a:bodyPr rtlCol="0" anchor="ctr"/>
-          <a:lstStyle/>
-          <a:p>
-            <a:pPr algn="ctr"/>
-            <a:r>
-              <a:rPr lang="en-US" dirty="0"/>
-              <a:t>Component</a:t>
-            </a:r>
-            <a:endParaRPr lang="nl-NL" dirty="0"/>
-          </a:p>
-        </p:txBody>
-      </p:sp>
-      <p:cxnSp>
-        <p:nvCxnSpPr>
-          <p:cNvPr id="10" name="Connector: Elbow 9">
-            <a:extLst>
-              <a:ext uri="{FF2B5EF4-FFF2-40B4-BE49-F238E27FC236}">
-                <a16:creationId xmlns:a16="http://schemas.microsoft.com/office/drawing/2014/main" id="{03B53CD9-200D-4CEF-8B66-C0AC28099A42}"/>
-              </a:ext>
-            </a:extLst>
-          </p:cNvPr>
-          <p:cNvCxnSpPr>
-            <a:stCxn id="8" idx="1"/>
-            <a:endCxn id="6" idx="0"/>
-          </p:cNvCxnSpPr>
-          <p:nvPr/>
-        </p:nvCxnSpPr>
-        <p:spPr>
-          <a:xfrm rot="10800000" flipV="1">
-            <a:off x="4191901" y="2669128"/>
-            <a:ext cx="952046" cy="1137696"/>
-          </a:xfrm>
-          <a:prstGeom prst="bentConnector2">
-            <a:avLst/>
-          </a:prstGeom>
-          <a:ln>
-            <a:tailEnd type="triangle"/>
-          </a:ln>
-        </p:spPr>
-        <p:style>
-          <a:lnRef idx="1">
-            <a:schemeClr val="accent1"/>
-          </a:lnRef>
-          <a:fillRef idx="0">
-            <a:schemeClr val="accent1"/>
-          </a:fillRef>
-          <a:effectRef idx="0">
-            <a:schemeClr val="accent1"/>
-          </a:effectRef>
-          <a:fontRef idx="minor">
-            <a:schemeClr val="tx1"/>
-          </a:fontRef>
-        </p:style>
-      </p:cxnSp>
-      <p:cxnSp>
-        <p:nvCxnSpPr>
-          <p:cNvPr id="22" name="Connector: Elbow 21">
-            <a:extLst>
-              <a:ext uri="{FF2B5EF4-FFF2-40B4-BE49-F238E27FC236}">
-                <a16:creationId xmlns:a16="http://schemas.microsoft.com/office/drawing/2014/main" id="{AB08E827-7597-4EDB-B286-DD063476F20A}"/>
-              </a:ext>
-            </a:extLst>
-          </p:cNvPr>
-          <p:cNvCxnSpPr>
-            <a:cxnSpLocks/>
-            <a:stCxn id="4" idx="0"/>
-            <a:endCxn id="8" idx="3"/>
-          </p:cNvCxnSpPr>
-          <p:nvPr/>
-        </p:nvCxnSpPr>
-        <p:spPr>
-          <a:xfrm rot="16200000" flipV="1">
-            <a:off x="6336665" y="3380515"/>
-            <a:ext cx="2374826" cy="952052"/>
-          </a:xfrm>
-          <a:prstGeom prst="bentConnector2">
-            <a:avLst/>
-          </a:prstGeom>
-          <a:ln>
-            <a:tailEnd type="triangle"/>
-          </a:ln>
-        </p:spPr>
-        <p:style>
-          <a:lnRef idx="1">
-            <a:schemeClr val="accent1"/>
-          </a:lnRef>
-          <a:fillRef idx="0">
-            <a:schemeClr val="accent1"/>
-          </a:fillRef>
-          <a:effectRef idx="0">
-            <a:schemeClr val="accent1"/>
-          </a:effectRef>
-          <a:fontRef idx="minor">
-            <a:schemeClr val="tx1"/>
-          </a:fontRef>
-        </p:style>
-      </p:cxnSp>
-      <p:cxnSp>
-        <p:nvCxnSpPr>
-          <p:cNvPr id="28" name="Straight Arrow Connector 27">
-            <a:extLst>
-              <a:ext uri="{FF2B5EF4-FFF2-40B4-BE49-F238E27FC236}">
-                <a16:creationId xmlns:a16="http://schemas.microsoft.com/office/drawing/2014/main" id="{4BB4BE9E-443B-4604-8D72-192F74EAF9F6}"/>
-              </a:ext>
-            </a:extLst>
-          </p:cNvPr>
-          <p:cNvCxnSpPr>
-            <a:stCxn id="6" idx="2"/>
-            <a:endCxn id="5" idx="0"/>
-          </p:cNvCxnSpPr>
-          <p:nvPr/>
-        </p:nvCxnSpPr>
-        <p:spPr>
-          <a:xfrm>
-            <a:off x="4191901" y="4376979"/>
-            <a:ext cx="0" cy="666974"/>
-          </a:xfrm>
-          <a:prstGeom prst="straightConnector1">
-            <a:avLst/>
-          </a:prstGeom>
-          <a:ln>
-            <a:tailEnd type="triangle"/>
-          </a:ln>
-        </p:spPr>
-        <p:style>
-          <a:lnRef idx="1">
-            <a:schemeClr val="accent1"/>
-          </a:lnRef>
-          <a:fillRef idx="0">
-            <a:schemeClr val="accent1"/>
-          </a:fillRef>
-          <a:effectRef idx="0">
-            <a:schemeClr val="accent1"/>
-          </a:effectRef>
-          <a:fontRef idx="minor">
-            <a:schemeClr val="tx1"/>
-          </a:fontRef>
-        </p:style>
-      </p:cxnSp>
-      <p:cxnSp>
-        <p:nvCxnSpPr>
-          <p:cNvPr id="30" name="Straight Arrow Connector 29">
-            <a:extLst>
-              <a:ext uri="{FF2B5EF4-FFF2-40B4-BE49-F238E27FC236}">
-                <a16:creationId xmlns:a16="http://schemas.microsoft.com/office/drawing/2014/main" id="{F2CE77C3-4725-4EC9-A3CF-CD9AB9808BE4}"/>
-              </a:ext>
-            </a:extLst>
-          </p:cNvPr>
-          <p:cNvCxnSpPr>
-            <a:stCxn id="5" idx="3"/>
-            <a:endCxn id="4" idx="1"/>
-          </p:cNvCxnSpPr>
-          <p:nvPr/>
-        </p:nvCxnSpPr>
-        <p:spPr>
-          <a:xfrm>
-            <a:off x="5143953" y="5329031"/>
-            <a:ext cx="1904098" cy="1"/>
-          </a:xfrm>
-          <a:prstGeom prst="straightConnector1">
-            <a:avLst/>
-          </a:prstGeom>
-          <a:ln>
-            <a:tailEnd type="triangle"/>
-          </a:ln>
-        </p:spPr>
-        <p:style>
-          <a:lnRef idx="1">
-            <a:schemeClr val="accent1"/>
-          </a:lnRef>
-          <a:fillRef idx="0">
-            <a:schemeClr val="accent1"/>
-          </a:fillRef>
-          <a:effectRef idx="0">
-            <a:schemeClr val="accent1"/>
-          </a:effectRef>
-          <a:fontRef idx="minor">
-            <a:schemeClr val="tx1"/>
-          </a:fontRef>
-        </p:style>
-      </p:cxnSp>
-    </p:spTree>
-    <p:extLst>
-      <p:ext uri="{BB962C8B-B14F-4D97-AF65-F5344CB8AC3E}">
-        <p14:creationId xmlns:p14="http://schemas.microsoft.com/office/powerpoint/2010/main" val="442709600"/>
-      </p:ext>
-    </p:extLst>
-  </p:cSld>
-  <p:clrMapOvr>
-    <a:masterClrMapping/>
-  </p:clrMapOvr>
-</p:sld>
-</file>
-
-<file path=ppt/slides/slide7.xml><?xml version="1.0" encoding="utf-8"?>
+<file path=ppt/slides/slide10.xml><?xml version="1.0" encoding="utf-8"?>
 <p:sld xmlns:a="http://schemas.openxmlformats.org/drawingml/2006/main" xmlns:r="http://schemas.openxmlformats.org/officeDocument/2006/relationships" xmlns:p="http://schemas.openxmlformats.org/presentationml/2006/main">
   <p:cSld>
     <p:spTree>
@@ -11794,7 +10613,369 @@
 </p:sld>
 </file>
 
-<file path=ppt/slides/slide8.xml><?xml version="1.0" encoding="utf-8"?>
+<file path=ppt/slides/slide11.xml><?xml version="1.0" encoding="utf-8"?>
+<p:sld xmlns:a="http://schemas.openxmlformats.org/drawingml/2006/main" xmlns:r="http://schemas.openxmlformats.org/officeDocument/2006/relationships" xmlns:p="http://schemas.openxmlformats.org/presentationml/2006/main">
+  <p:cSld>
+    <p:spTree>
+      <p:nvGrpSpPr>
+        <p:cNvPr id="1" name=""/>
+        <p:cNvGrpSpPr/>
+        <p:nvPr/>
+      </p:nvGrpSpPr>
+      <p:grpSpPr>
+        <a:xfrm>
+          <a:off x="0" y="0"/>
+          <a:ext cx="0" cy="0"/>
+          <a:chOff x="0" y="0"/>
+          <a:chExt cx="0" cy="0"/>
+        </a:xfrm>
+      </p:grpSpPr>
+      <p:sp>
+        <p:nvSpPr>
+          <p:cNvPr id="2" name="Title 1">
+            <a:extLst>
+              <a:ext uri="{FF2B5EF4-FFF2-40B4-BE49-F238E27FC236}">
+                <a16:creationId xmlns:a16="http://schemas.microsoft.com/office/drawing/2014/main" id="{58A75D02-8D99-4750-B95C-655E0DA90887}"/>
+              </a:ext>
+            </a:extLst>
+          </p:cNvPr>
+          <p:cNvSpPr>
+            <a:spLocks noGrp="1"/>
+          </p:cNvSpPr>
+          <p:nvPr>
+            <p:ph type="title"/>
+          </p:nvPr>
+        </p:nvSpPr>
+        <p:spPr/>
+        <p:txBody>
+          <a:bodyPr/>
+          <a:lstStyle/>
+          <a:p>
+            <a:r>
+              <a:rPr lang="en-US" dirty="0"/>
+              <a:t>NGRX – trade-offs</a:t>
+            </a:r>
+            <a:endParaRPr lang="nl-NL" dirty="0"/>
+          </a:p>
+        </p:txBody>
+      </p:sp>
+      <p:graphicFrame>
+        <p:nvGraphicFramePr>
+          <p:cNvPr id="6" name="Content Placeholder 5">
+            <a:extLst>
+              <a:ext uri="{FF2B5EF4-FFF2-40B4-BE49-F238E27FC236}">
+                <a16:creationId xmlns:a16="http://schemas.microsoft.com/office/drawing/2014/main" id="{0A94219A-9D24-461D-B9E4-B2CDC51B0B15}"/>
+              </a:ext>
+            </a:extLst>
+          </p:cNvPr>
+          <p:cNvGraphicFramePr>
+            <a:graphicFrameLocks noGrp="1"/>
+          </p:cNvGraphicFramePr>
+          <p:nvPr>
+            <p:ph idx="1"/>
+            <p:extLst>
+              <p:ext uri="{D42A27DB-BD31-4B8C-83A1-F6EECF244321}">
+                <p14:modId xmlns:p14="http://schemas.microsoft.com/office/powerpoint/2010/main" val="2971185180"/>
+              </p:ext>
+            </p:extLst>
+          </p:nvPr>
+        </p:nvGraphicFramePr>
+        <p:xfrm>
+          <a:off x="991027" y="2234499"/>
+          <a:ext cx="10209946" cy="2389002"/>
+        </p:xfrm>
+        <a:graphic>
+          <a:graphicData uri="http://schemas.openxmlformats.org/drawingml/2006/table">
+            <a:tbl>
+              <a:tblPr firstRow="1" bandRow="1">
+                <a:tableStyleId>{073A0DAA-6AF3-43AB-8588-CEC1D06C72B9}</a:tableStyleId>
+              </a:tblPr>
+              <a:tblGrid>
+                <a:gridCol w="5104973">
+                  <a:extLst>
+                    <a:ext uri="{9D8B030D-6E8A-4147-A177-3AD203B41FA5}">
+                      <a16:colId xmlns:a16="http://schemas.microsoft.com/office/drawing/2014/main" val="3365795772"/>
+                    </a:ext>
+                  </a:extLst>
+                </a:gridCol>
+                <a:gridCol w="5104973">
+                  <a:extLst>
+                    <a:ext uri="{9D8B030D-6E8A-4147-A177-3AD203B41FA5}">
+                      <a16:colId xmlns:a16="http://schemas.microsoft.com/office/drawing/2014/main" val="1712151060"/>
+                    </a:ext>
+                  </a:extLst>
+                </a:gridCol>
+              </a:tblGrid>
+              <a:tr h="398167">
+                <a:tc>
+                  <a:txBody>
+                    <a:bodyPr/>
+                    <a:lstStyle/>
+                    <a:p>
+                      <a:r>
+                        <a:rPr lang="en-US" dirty="0"/>
+                        <a:t>PRO</a:t>
+                      </a:r>
+                      <a:endParaRPr lang="nl-NL" dirty="0"/>
+                    </a:p>
+                  </a:txBody>
+                  <a:tcPr/>
+                </a:tc>
+                <a:tc>
+                  <a:txBody>
+                    <a:bodyPr/>
+                    <a:lstStyle/>
+                    <a:p>
+                      <a:r>
+                        <a:rPr lang="en-US" dirty="0"/>
+                        <a:t>CON</a:t>
+                      </a:r>
+                      <a:endParaRPr lang="nl-NL" dirty="0"/>
+                    </a:p>
+                  </a:txBody>
+                  <a:tcPr/>
+                </a:tc>
+                <a:extLst>
+                  <a:ext uri="{0D108BD9-81ED-4DB2-BD59-A6C34878D82A}">
+                    <a16:rowId xmlns:a16="http://schemas.microsoft.com/office/drawing/2014/main" val="431150271"/>
+                  </a:ext>
+                </a:extLst>
+              </a:tr>
+              <a:tr h="398167">
+                <a:tc>
+                  <a:txBody>
+                    <a:bodyPr/>
+                    <a:lstStyle/>
+                    <a:p>
+                      <a:r>
+                        <a:rPr lang="en-US" dirty="0"/>
+                        <a:t>Easy aggregation of multiple data sources</a:t>
+                      </a:r>
+                      <a:endParaRPr lang="nl-NL" dirty="0"/>
+                    </a:p>
+                  </a:txBody>
+                  <a:tcPr/>
+                </a:tc>
+                <a:tc>
+                  <a:txBody>
+                    <a:bodyPr/>
+                    <a:lstStyle/>
+                    <a:p>
+                      <a:r>
+                        <a:rPr lang="en-US" dirty="0"/>
+                        <a:t>Complex solution in comparison to other solutions</a:t>
+                      </a:r>
+                      <a:endParaRPr lang="nl-NL" dirty="0"/>
+                    </a:p>
+                  </a:txBody>
+                  <a:tcPr/>
+                </a:tc>
+                <a:extLst>
+                  <a:ext uri="{0D108BD9-81ED-4DB2-BD59-A6C34878D82A}">
+                    <a16:rowId xmlns:a16="http://schemas.microsoft.com/office/drawing/2014/main" val="1058402612"/>
+                  </a:ext>
+                </a:extLst>
+              </a:tr>
+              <a:tr h="398167">
+                <a:tc>
+                  <a:txBody>
+                    <a:bodyPr/>
+                    <a:lstStyle/>
+                    <a:p>
+                      <a:r>
+                        <a:rPr lang="en-US" dirty="0"/>
+                        <a:t>Components get cleaner</a:t>
+                      </a:r>
+                      <a:endParaRPr lang="nl-NL" dirty="0"/>
+                    </a:p>
+                  </a:txBody>
+                  <a:tcPr/>
+                </a:tc>
+                <a:tc>
+                  <a:txBody>
+                    <a:bodyPr/>
+                    <a:lstStyle/>
+                    <a:p>
+                      <a:r>
+                        <a:rPr lang="en-US" dirty="0"/>
+                        <a:t>A lot of code ( NGRX DATA helps )</a:t>
+                      </a:r>
+                      <a:endParaRPr lang="nl-NL" dirty="0"/>
+                    </a:p>
+                  </a:txBody>
+                  <a:tcPr/>
+                </a:tc>
+                <a:extLst>
+                  <a:ext uri="{0D108BD9-81ED-4DB2-BD59-A6C34878D82A}">
+                    <a16:rowId xmlns:a16="http://schemas.microsoft.com/office/drawing/2014/main" val="3478341838"/>
+                  </a:ext>
+                </a:extLst>
+              </a:tr>
+              <a:tr h="398167">
+                <a:tc>
+                  <a:txBody>
+                    <a:bodyPr/>
+                    <a:lstStyle/>
+                    <a:p>
+                      <a:pPr marL="0" marR="0" lvl="0" indent="0" algn="l" defTabSz="914400" rtl="0" eaLnBrk="1" fontAlgn="auto" latinLnBrk="0" hangingPunct="1">
+                        <a:lnSpc>
+                          <a:spcPct val="100000"/>
+                        </a:lnSpc>
+                        <a:spcBef>
+                          <a:spcPts val="0"/>
+                        </a:spcBef>
+                        <a:spcAft>
+                          <a:spcPts val="0"/>
+                        </a:spcAft>
+                        <a:buClrTx/>
+                        <a:buSzTx/>
+                        <a:buFontTx/>
+                        <a:buNone/>
+                        <a:tabLst/>
+                        <a:defRPr/>
+                      </a:pPr>
+                      <a:r>
+                        <a:rPr lang="en-US" dirty="0" err="1"/>
+                        <a:t>OnPush</a:t>
+                      </a:r>
+                      <a:r>
+                        <a:rPr lang="en-US" dirty="0"/>
+                        <a:t> change detection</a:t>
+                      </a:r>
+                      <a:endParaRPr lang="nl-NL" dirty="0"/>
+                    </a:p>
+                  </a:txBody>
+                  <a:tcPr/>
+                </a:tc>
+                <a:tc>
+                  <a:txBody>
+                    <a:bodyPr/>
+                    <a:lstStyle/>
+                    <a:p>
+                      <a:r>
+                        <a:rPr lang="en-US" dirty="0"/>
+                        <a:t>You need to know observables to fully grasp it</a:t>
+                      </a:r>
+                      <a:endParaRPr lang="nl-NL" dirty="0"/>
+                    </a:p>
+                  </a:txBody>
+                  <a:tcPr/>
+                </a:tc>
+                <a:extLst>
+                  <a:ext uri="{0D108BD9-81ED-4DB2-BD59-A6C34878D82A}">
+                    <a16:rowId xmlns:a16="http://schemas.microsoft.com/office/drawing/2014/main" val="3707905828"/>
+                  </a:ext>
+                </a:extLst>
+              </a:tr>
+              <a:tr h="398167">
+                <a:tc>
+                  <a:txBody>
+                    <a:bodyPr/>
+                    <a:lstStyle/>
+                    <a:p>
+                      <a:r>
+                        <a:rPr lang="en-US" dirty="0"/>
+                        <a:t>Easy testing</a:t>
+                      </a:r>
+                      <a:endParaRPr lang="nl-NL" dirty="0"/>
+                    </a:p>
+                  </a:txBody>
+                  <a:tcPr/>
+                </a:tc>
+                <a:tc>
+                  <a:txBody>
+                    <a:bodyPr/>
+                    <a:lstStyle/>
+                    <a:p>
+                      <a:r>
+                        <a:rPr lang="en-US" dirty="0"/>
+                        <a:t>Steep learning curve (</a:t>
+                      </a:r>
+                      <a:r>
+                        <a:rPr lang="en-US" dirty="0" err="1"/>
+                        <a:t>RxJS</a:t>
+                      </a:r>
+                      <a:r>
+                        <a:rPr lang="en-US" dirty="0"/>
+                        <a:t>)</a:t>
+                      </a:r>
+                      <a:endParaRPr lang="nl-NL" dirty="0"/>
+                    </a:p>
+                  </a:txBody>
+                  <a:tcPr/>
+                </a:tc>
+                <a:extLst>
+                  <a:ext uri="{0D108BD9-81ED-4DB2-BD59-A6C34878D82A}">
+                    <a16:rowId xmlns:a16="http://schemas.microsoft.com/office/drawing/2014/main" val="1237086989"/>
+                  </a:ext>
+                </a:extLst>
+              </a:tr>
+              <a:tr h="398167">
+                <a:tc>
+                  <a:txBody>
+                    <a:bodyPr/>
+                    <a:lstStyle/>
+                    <a:p>
+                      <a:pPr marL="0" marR="0" lvl="0" indent="0" algn="l" defTabSz="914400" rtl="0" eaLnBrk="1" fontAlgn="auto" latinLnBrk="0" hangingPunct="1">
+                        <a:lnSpc>
+                          <a:spcPct val="100000"/>
+                        </a:lnSpc>
+                        <a:spcBef>
+                          <a:spcPts val="0"/>
+                        </a:spcBef>
+                        <a:spcAft>
+                          <a:spcPts val="0"/>
+                        </a:spcAft>
+                        <a:buClrTx/>
+                        <a:buSzTx/>
+                        <a:buFontTx/>
+                        <a:buNone/>
+                        <a:tabLst/>
+                        <a:defRPr/>
+                      </a:pPr>
+                      <a:r>
+                        <a:rPr lang="en-US" dirty="0"/>
+                        <a:t>State can easily be seen ( tools )</a:t>
+                      </a:r>
+                      <a:endParaRPr lang="nl-NL" dirty="0"/>
+                    </a:p>
+                  </a:txBody>
+                  <a:tcPr/>
+                </a:tc>
+                <a:tc>
+                  <a:txBody>
+                    <a:bodyPr/>
+                    <a:lstStyle/>
+                    <a:p>
+                      <a:endParaRPr lang="nl-NL" dirty="0"/>
+                    </a:p>
+                  </a:txBody>
+                  <a:tcPr/>
+                </a:tc>
+                <a:extLst>
+                  <a:ext uri="{0D108BD9-81ED-4DB2-BD59-A6C34878D82A}">
+                    <a16:rowId xmlns:a16="http://schemas.microsoft.com/office/drawing/2014/main" val="3403889678"/>
+                  </a:ext>
+                </a:extLst>
+              </a:tr>
+            </a:tbl>
+          </a:graphicData>
+        </a:graphic>
+      </p:graphicFrame>
+    </p:spTree>
+    <p:extLst>
+      <p:ext uri="{BB962C8B-B14F-4D97-AF65-F5344CB8AC3E}">
+        <p14:creationId xmlns:p14="http://schemas.microsoft.com/office/powerpoint/2010/main" val="2986590169"/>
+      </p:ext>
+    </p:extLst>
+  </p:cSld>
+  <p:clrMapOvr>
+    <a:masterClrMapping/>
+  </p:clrMapOvr>
+</p:sld>
+</file>
+
+<file path=ppt/slides/slide12.xml><?xml version="1.0" encoding="utf-8"?>
 <p:sld xmlns:a="http://schemas.openxmlformats.org/drawingml/2006/main" xmlns:r="http://schemas.openxmlformats.org/officeDocument/2006/relationships" xmlns:p="http://schemas.openxmlformats.org/presentationml/2006/main">
   <p:cSld>
     <p:spTree>
@@ -11925,6 +11106,3935 @@
     <p:extLst>
       <p:ext uri="{BB962C8B-B14F-4D97-AF65-F5344CB8AC3E}">
         <p14:creationId xmlns:p14="http://schemas.microsoft.com/office/powerpoint/2010/main" val="1592891939"/>
+      </p:ext>
+    </p:extLst>
+  </p:cSld>
+  <p:clrMapOvr>
+    <a:masterClrMapping/>
+  </p:clrMapOvr>
+</p:sld>
+</file>
+
+<file path=ppt/slides/slide2.xml><?xml version="1.0" encoding="utf-8"?>
+<p:sld xmlns:a="http://schemas.openxmlformats.org/drawingml/2006/main" xmlns:r="http://schemas.openxmlformats.org/officeDocument/2006/relationships" xmlns:p="http://schemas.openxmlformats.org/presentationml/2006/main">
+  <p:cSld>
+    <p:bg>
+      <p:bgPr>
+        <a:gradFill rotWithShape="1">
+          <a:gsLst>
+            <a:gs pos="0">
+              <a:schemeClr val="bg1">
+                <a:tint val="90000"/>
+                <a:lumMod val="110000"/>
+              </a:schemeClr>
+            </a:gs>
+            <a:gs pos="100000">
+              <a:schemeClr val="bg1">
+                <a:shade val="64000"/>
+                <a:lumMod val="88000"/>
+              </a:schemeClr>
+            </a:gs>
+          </a:gsLst>
+          <a:lin ang="5400000" scaled="0"/>
+        </a:gradFill>
+        <a:effectLst/>
+      </p:bgPr>
+    </p:bg>
+    <p:spTree>
+      <p:nvGrpSpPr>
+        <p:cNvPr id="1" name=""/>
+        <p:cNvGrpSpPr/>
+        <p:nvPr/>
+      </p:nvGrpSpPr>
+      <p:grpSpPr>
+        <a:xfrm>
+          <a:off x="0" y="0"/>
+          <a:ext cx="0" cy="0"/>
+          <a:chOff x="0" y="0"/>
+          <a:chExt cx="0" cy="0"/>
+        </a:xfrm>
+      </p:grpSpPr>
+      <p:sp>
+        <p:nvSpPr>
+          <p:cNvPr id="2" name="Title 1">
+            <a:extLst>
+              <a:ext uri="{FF2B5EF4-FFF2-40B4-BE49-F238E27FC236}">
+                <a16:creationId xmlns:a16="http://schemas.microsoft.com/office/drawing/2014/main" id="{A7E81DEE-907B-4810-8BC0-78151F6C7A14}"/>
+              </a:ext>
+            </a:extLst>
+          </p:cNvPr>
+          <p:cNvSpPr>
+            <a:spLocks noGrp="1"/>
+          </p:cNvSpPr>
+          <p:nvPr>
+            <p:ph type="title"/>
+          </p:nvPr>
+        </p:nvSpPr>
+        <p:spPr/>
+        <p:txBody>
+          <a:bodyPr>
+            <a:normAutofit/>
+          </a:bodyPr>
+          <a:lstStyle/>
+          <a:p>
+            <a:r>
+              <a:rPr lang="en-US"/>
+              <a:t>Agenda</a:t>
+            </a:r>
+            <a:endParaRPr lang="nl-NL" dirty="0"/>
+          </a:p>
+        </p:txBody>
+      </p:sp>
+      <p:graphicFrame>
+        <p:nvGraphicFramePr>
+          <p:cNvPr id="18" name="Content Placeholder 2">
+            <a:extLst>
+              <a:ext uri="{FF2B5EF4-FFF2-40B4-BE49-F238E27FC236}">
+                <a16:creationId xmlns:a16="http://schemas.microsoft.com/office/drawing/2014/main" id="{49FBCAD9-54B1-40C0-B31D-F72454D2C474}"/>
+              </a:ext>
+            </a:extLst>
+          </p:cNvPr>
+          <p:cNvGraphicFramePr>
+            <a:graphicFrameLocks noGrp="1"/>
+          </p:cNvGraphicFramePr>
+          <p:nvPr>
+            <p:ph idx="1"/>
+            <p:extLst>
+              <p:ext uri="{D42A27DB-BD31-4B8C-83A1-F6EECF244321}">
+                <p14:modId xmlns:p14="http://schemas.microsoft.com/office/powerpoint/2010/main" val="1981054343"/>
+              </p:ext>
+            </p:extLst>
+          </p:nvPr>
+        </p:nvGraphicFramePr>
+        <p:xfrm>
+          <a:off x="914400" y="2532475"/>
+          <a:ext cx="10363200" cy="3029067"/>
+        </p:xfrm>
+        <a:graphic>
+          <a:graphicData uri="http://schemas.openxmlformats.org/drawingml/2006/diagram">
+            <dgm:relIds xmlns:dgm="http://schemas.openxmlformats.org/drawingml/2006/diagram" xmlns:r="http://schemas.openxmlformats.org/officeDocument/2006/relationships" r:dm="rId2" r:lo="rId3" r:qs="rId4" r:cs="rId5"/>
+          </a:graphicData>
+        </a:graphic>
+      </p:graphicFrame>
+    </p:spTree>
+    <p:extLst>
+      <p:ext uri="{BB962C8B-B14F-4D97-AF65-F5344CB8AC3E}">
+        <p14:creationId xmlns:p14="http://schemas.microsoft.com/office/powerpoint/2010/main" val="3525681470"/>
+      </p:ext>
+    </p:extLst>
+  </p:cSld>
+  <p:clrMapOvr>
+    <a:masterClrMapping/>
+  </p:clrMapOvr>
+</p:sld>
+</file>
+
+<file path=ppt/slides/slide3.xml><?xml version="1.0" encoding="utf-8"?>
+<p:sld xmlns:a="http://schemas.openxmlformats.org/drawingml/2006/main" xmlns:r="http://schemas.openxmlformats.org/officeDocument/2006/relationships" xmlns:p="http://schemas.openxmlformats.org/presentationml/2006/main">
+  <p:cSld>
+    <p:bg>
+      <p:bgPr>
+        <a:gradFill rotWithShape="1">
+          <a:gsLst>
+            <a:gs pos="0">
+              <a:schemeClr val="bg1">
+                <a:tint val="90000"/>
+                <a:lumMod val="110000"/>
+              </a:schemeClr>
+            </a:gs>
+            <a:gs pos="100000">
+              <a:schemeClr val="bg1">
+                <a:shade val="64000"/>
+                <a:lumMod val="88000"/>
+              </a:schemeClr>
+            </a:gs>
+          </a:gsLst>
+          <a:lin ang="5400000" scaled="0"/>
+        </a:gradFill>
+        <a:effectLst/>
+      </p:bgPr>
+    </p:bg>
+    <p:spTree>
+      <p:nvGrpSpPr>
+        <p:cNvPr id="1" name=""/>
+        <p:cNvGrpSpPr/>
+        <p:nvPr/>
+      </p:nvGrpSpPr>
+      <p:grpSpPr>
+        <a:xfrm>
+          <a:off x="0" y="0"/>
+          <a:ext cx="0" cy="0"/>
+          <a:chOff x="0" y="0"/>
+          <a:chExt cx="0" cy="0"/>
+        </a:xfrm>
+      </p:grpSpPr>
+      <p:sp>
+        <p:nvSpPr>
+          <p:cNvPr id="8" name="Rectangle 7">
+            <a:extLst>
+              <a:ext uri="{FF2B5EF4-FFF2-40B4-BE49-F238E27FC236}">
+                <a16:creationId xmlns:a16="http://schemas.microsoft.com/office/drawing/2014/main" id="{3A9C15D4-2EE7-4D05-B87C-91D1F3B9604B}"/>
+              </a:ext>
+              <a:ext uri="{C183D7F6-B498-43B3-948B-1728B52AA6E4}">
+                <adec:decorative xmlns:adec="http://schemas.microsoft.com/office/drawing/2017/decorative" val="1"/>
+              </a:ext>
+            </a:extLst>
+          </p:cNvPr>
+          <p:cNvSpPr>
+            <a:spLocks noGrp="1" noRot="1" noChangeAspect="1" noMove="1" noResize="1" noEditPoints="1" noAdjustHandles="1" noChangeArrowheads="1" noChangeShapeType="1" noTextEdit="1"/>
+          </p:cNvSpPr>
+          <p:nvPr>
+            <p:extLst>
+              <p:ext uri="{386F3935-93C4-4BCD-93E2-E3B085C9AB24}">
+                <p16:designElem xmlns:p16="http://schemas.microsoft.com/office/powerpoint/2015/main" val="1"/>
+              </p:ext>
+            </p:extLst>
+          </p:nvPr>
+        </p:nvSpPr>
+        <p:spPr>
+          <a:xfrm>
+            <a:off x="4059935" y="0"/>
+            <a:ext cx="8132065" cy="6858000"/>
+          </a:xfrm>
+          <a:prstGeom prst="rect">
+            <a:avLst/>
+          </a:prstGeom>
+          <a:solidFill>
+            <a:schemeClr val="bg1"/>
+          </a:solidFill>
+          <a:ln>
+            <a:noFill/>
+          </a:ln>
+        </p:spPr>
+        <p:style>
+          <a:lnRef idx="2">
+            <a:schemeClr val="accent1">
+              <a:shade val="50000"/>
+            </a:schemeClr>
+          </a:lnRef>
+          <a:fillRef idx="1">
+            <a:schemeClr val="accent1"/>
+          </a:fillRef>
+          <a:effectRef idx="0">
+            <a:schemeClr val="accent1"/>
+          </a:effectRef>
+          <a:fontRef idx="minor">
+            <a:schemeClr val="lt1"/>
+          </a:fontRef>
+        </p:style>
+        <p:txBody>
+          <a:bodyPr rtlCol="0" anchor="ctr"/>
+          <a:lstStyle/>
+          <a:p>
+            <a:pPr algn="ctr"/>
+            <a:endParaRPr lang="en-US"/>
+          </a:p>
+        </p:txBody>
+      </p:sp>
+      <p:sp useBgFill="1">
+        <p:nvSpPr>
+          <p:cNvPr id="10" name="Rectangle 9">
+            <a:extLst>
+              <a:ext uri="{FF2B5EF4-FFF2-40B4-BE49-F238E27FC236}">
+                <a16:creationId xmlns:a16="http://schemas.microsoft.com/office/drawing/2014/main" id="{4ED7B0FB-9654-4441-9545-02D458B68620}"/>
+              </a:ext>
+              <a:ext uri="{C183D7F6-B498-43B3-948B-1728B52AA6E4}">
+                <adec:decorative xmlns:adec="http://schemas.microsoft.com/office/drawing/2017/decorative" val="1"/>
+              </a:ext>
+            </a:extLst>
+          </p:cNvPr>
+          <p:cNvSpPr>
+            <a:spLocks noGrp="1" noRot="1" noChangeAspect="1" noMove="1" noResize="1" noEditPoints="1" noAdjustHandles="1" noChangeArrowheads="1" noChangeShapeType="1" noTextEdit="1"/>
+          </p:cNvSpPr>
+          <p:nvPr>
+            <p:extLst>
+              <p:ext uri="{386F3935-93C4-4BCD-93E2-E3B085C9AB24}">
+                <p16:designElem xmlns:p16="http://schemas.microsoft.com/office/powerpoint/2015/main" val="1"/>
+              </p:ext>
+            </p:extLst>
+          </p:nvPr>
+        </p:nvSpPr>
+        <p:spPr>
+          <a:xfrm>
+            <a:off x="0" y="0"/>
+            <a:ext cx="4059935" cy="6858000"/>
+          </a:xfrm>
+          <a:prstGeom prst="rect">
+            <a:avLst/>
+          </a:prstGeom>
+          <a:ln>
+            <a:noFill/>
+          </a:ln>
+          <a:effectLst>
+            <a:outerShdw blurRad="50800" dist="12700" algn="l" rotWithShape="0">
+              <a:prstClr val="black">
+                <a:alpha val="30000"/>
+              </a:prstClr>
+            </a:outerShdw>
+          </a:effectLst>
+        </p:spPr>
+        <p:style>
+          <a:lnRef idx="2">
+            <a:schemeClr val="accent1">
+              <a:shade val="50000"/>
+            </a:schemeClr>
+          </a:lnRef>
+          <a:fillRef idx="1">
+            <a:schemeClr val="accent1"/>
+          </a:fillRef>
+          <a:effectRef idx="0">
+            <a:schemeClr val="accent1"/>
+          </a:effectRef>
+          <a:fontRef idx="minor">
+            <a:schemeClr val="lt1"/>
+          </a:fontRef>
+        </p:style>
+        <p:txBody>
+          <a:bodyPr rtlCol="0" anchor="ctr"/>
+          <a:lstStyle/>
+          <a:p>
+            <a:pPr algn="ctr"/>
+            <a:endParaRPr lang="en-US"/>
+          </a:p>
+        </p:txBody>
+      </p:sp>
+      <p:pic>
+        <p:nvPicPr>
+          <p:cNvPr id="12" name="Picture 11">
+            <a:extLst>
+              <a:ext uri="{FF2B5EF4-FFF2-40B4-BE49-F238E27FC236}">
+                <a16:creationId xmlns:a16="http://schemas.microsoft.com/office/drawing/2014/main" id="{7BB94C57-FDF3-45A3-9D1F-904523D795D4}"/>
+              </a:ext>
+              <a:ext uri="{C183D7F6-B498-43B3-948B-1728B52AA6E4}">
+                <adec:decorative xmlns:adec="http://schemas.microsoft.com/office/drawing/2017/decorative" val="1"/>
+              </a:ext>
+            </a:extLst>
+          </p:cNvPr>
+          <p:cNvPicPr>
+            <a:picLocks noGrp="1" noRot="1" noChangeAspect="1" noMove="1" noResize="1" noEditPoints="1" noAdjustHandles="1" noChangeArrowheads="1" noChangeShapeType="1" noCrop="1"/>
+          </p:cNvPicPr>
+          <p:nvPr>
+            <p:extLst>
+              <p:ext uri="{386F3935-93C4-4BCD-93E2-E3B085C9AB24}">
+                <p16:designElem xmlns:p16="http://schemas.microsoft.com/office/powerpoint/2015/main" val="1"/>
+              </p:ext>
+            </p:extLst>
+          </p:nvPr>
+        </p:nvPicPr>
+        <p:blipFill rotWithShape="1">
+          <a:blip r:embed="rId2">
+            <a:extLst>
+              <a:ext uri="{28A0092B-C50C-407E-A947-70E740481C1C}">
+                <a14:useLocalDpi xmlns:a14="http://schemas.microsoft.com/office/drawing/2010/main" val="0"/>
+              </a:ext>
+            </a:extLst>
+          </a:blip>
+          <a:srcRect r="66700" b="77917"/>
+          <a:stretch/>
+        </p:blipFill>
+        <p:spPr>
+          <a:xfrm>
+            <a:off x="0" y="0"/>
+            <a:ext cx="4059935" cy="1514475"/>
+          </a:xfrm>
+          <a:prstGeom prst="rect">
+            <a:avLst/>
+          </a:prstGeom>
+        </p:spPr>
+      </p:pic>
+      <p:sp>
+        <p:nvSpPr>
+          <p:cNvPr id="2" name="Title 1">
+            <a:extLst>
+              <a:ext uri="{FF2B5EF4-FFF2-40B4-BE49-F238E27FC236}">
+                <a16:creationId xmlns:a16="http://schemas.microsoft.com/office/drawing/2014/main" id="{C39B1984-B995-457C-B21D-04399D7CFA18}"/>
+              </a:ext>
+            </a:extLst>
+          </p:cNvPr>
+          <p:cNvSpPr>
+            <a:spLocks noGrp="1"/>
+          </p:cNvSpPr>
+          <p:nvPr>
+            <p:ph type="title"/>
+          </p:nvPr>
+        </p:nvSpPr>
+        <p:spPr>
+          <a:xfrm>
+            <a:off x="641074" y="1419900"/>
+            <a:ext cx="2844002" cy="4018201"/>
+          </a:xfrm>
+        </p:spPr>
+        <p:txBody>
+          <a:bodyPr>
+            <a:normAutofit/>
+          </a:bodyPr>
+          <a:lstStyle/>
+          <a:p>
+            <a:pPr algn="l"/>
+            <a:r>
+              <a:rPr lang="en-US" sz="3100"/>
+              <a:t>Introduction</a:t>
+            </a:r>
+            <a:endParaRPr lang="nl-NL" sz="3100"/>
+          </a:p>
+        </p:txBody>
+      </p:sp>
+      <p:sp>
+        <p:nvSpPr>
+          <p:cNvPr id="3" name="Content Placeholder 2">
+            <a:extLst>
+              <a:ext uri="{FF2B5EF4-FFF2-40B4-BE49-F238E27FC236}">
+                <a16:creationId xmlns:a16="http://schemas.microsoft.com/office/drawing/2014/main" id="{59C475D2-6D53-4B74-9C3A-83B716CBA8AE}"/>
+              </a:ext>
+            </a:extLst>
+          </p:cNvPr>
+          <p:cNvSpPr>
+            <a:spLocks noGrp="1"/>
+          </p:cNvSpPr>
+          <p:nvPr>
+            <p:ph idx="1"/>
+          </p:nvPr>
+        </p:nvSpPr>
+        <p:spPr>
+          <a:xfrm>
+            <a:off x="4701008" y="1193576"/>
+            <a:ext cx="6576591" cy="4470850"/>
+          </a:xfrm>
+        </p:spPr>
+        <p:txBody>
+          <a:bodyPr anchor="ctr">
+            <a:normAutofit/>
+          </a:bodyPr>
+          <a:lstStyle/>
+          <a:p>
+            <a:r>
+              <a:rPr lang="en-US" u="sng" dirty="0">
+                <a:ea typeface="Roboto" panose="02000000000000000000" pitchFamily="2" charset="0"/>
+                <a:cs typeface="Roboto" panose="02000000000000000000" pitchFamily="2" charset="0"/>
+              </a:rPr>
+              <a:t>Bert Leemput</a:t>
+            </a:r>
+            <a:br>
+              <a:rPr lang="en-US" dirty="0">
+                <a:ea typeface="Roboto" panose="02000000000000000000" pitchFamily="2" charset="0"/>
+                <a:cs typeface="Roboto" panose="02000000000000000000" pitchFamily="2" charset="0"/>
+              </a:rPr>
+            </a:br>
+            <a:r>
+              <a:rPr lang="en-US" dirty="0">
+                <a:ea typeface="Roboto" panose="02000000000000000000" pitchFamily="2" charset="0"/>
+                <a:cs typeface="Roboto" panose="02000000000000000000" pitchFamily="2" charset="0"/>
+              </a:rPr>
+              <a:t>bert.Leemput@Vanderlande.com</a:t>
+            </a:r>
+            <a:br>
+              <a:rPr lang="en-US" dirty="0"/>
+            </a:br>
+            <a:endParaRPr lang="en-US" dirty="0"/>
+          </a:p>
+          <a:p>
+            <a:r>
+              <a:rPr lang="en-US" u="sng" dirty="0"/>
+              <a:t>Airports</a:t>
+            </a:r>
+            <a:br>
+              <a:rPr lang="en-US" dirty="0"/>
+            </a:br>
+            <a:r>
+              <a:rPr lang="en-US" dirty="0"/>
+              <a:t>Currently: Vibes UX</a:t>
+            </a:r>
+            <a:br>
+              <a:rPr lang="en-US" dirty="0"/>
+            </a:br>
+            <a:r>
+              <a:rPr lang="en-US" dirty="0"/>
+              <a:t>Before: OPM, ATF</a:t>
+            </a:r>
+          </a:p>
+          <a:p>
+            <a:endParaRPr lang="en-US" dirty="0"/>
+          </a:p>
+          <a:p>
+            <a:r>
+              <a:rPr lang="en-US" dirty="0"/>
+              <a:t>Interested in (almost) everything related to software development</a:t>
+            </a:r>
+          </a:p>
+          <a:p>
+            <a:endParaRPr lang="en-US" dirty="0"/>
+          </a:p>
+        </p:txBody>
+      </p:sp>
+      <p:pic>
+        <p:nvPicPr>
+          <p:cNvPr id="14" name="Picture 13">
+            <a:extLst>
+              <a:ext uri="{FF2B5EF4-FFF2-40B4-BE49-F238E27FC236}">
+                <a16:creationId xmlns:a16="http://schemas.microsoft.com/office/drawing/2014/main" id="{6AEBDF1A-221A-4497-BBA9-57A70D161510}"/>
+              </a:ext>
+              <a:ext uri="{C183D7F6-B498-43B3-948B-1728B52AA6E4}">
+                <adec:decorative xmlns:adec="http://schemas.microsoft.com/office/drawing/2017/decorative" val="1"/>
+              </a:ext>
+            </a:extLst>
+          </p:cNvPr>
+          <p:cNvPicPr>
+            <a:picLocks noGrp="1" noRot="1" noChangeAspect="1" noMove="1" noResize="1" noEditPoints="1" noAdjustHandles="1" noChangeArrowheads="1" noChangeShapeType="1" noCrop="1"/>
+          </p:cNvPicPr>
+          <p:nvPr>
+            <p:extLst>
+              <p:ext uri="{386F3935-93C4-4BCD-93E2-E3B085C9AB24}">
+                <p16:designElem xmlns:p16="http://schemas.microsoft.com/office/powerpoint/2015/main" val="1"/>
+              </p:ext>
+            </p:extLst>
+          </p:nvPr>
+        </p:nvPicPr>
+        <p:blipFill rotWithShape="1">
+          <a:blip r:embed="rId3">
+            <a:extLst>
+              <a:ext uri="{28A0092B-C50C-407E-A947-70E740481C1C}">
+                <a14:useLocalDpi xmlns:a14="http://schemas.microsoft.com/office/drawing/2010/main" val="0"/>
+              </a:ext>
+            </a:extLst>
+          </a:blip>
+          <a:srcRect l="78750" t="72830" b="14149"/>
+          <a:stretch/>
+        </p:blipFill>
+        <p:spPr>
+          <a:xfrm>
+            <a:off x="1377059" y="5962903"/>
+            <a:ext cx="2590800" cy="892925"/>
+          </a:xfrm>
+          <a:prstGeom prst="rect">
+            <a:avLst/>
+          </a:prstGeom>
+        </p:spPr>
+      </p:pic>
+    </p:spTree>
+    <p:extLst>
+      <p:ext uri="{BB962C8B-B14F-4D97-AF65-F5344CB8AC3E}">
+        <p14:creationId xmlns:p14="http://schemas.microsoft.com/office/powerpoint/2010/main" val="1727697956"/>
+      </p:ext>
+    </p:extLst>
+  </p:cSld>
+  <p:clrMapOvr>
+    <a:masterClrMapping/>
+  </p:clrMapOvr>
+</p:sld>
+</file>
+
+<file path=ppt/slides/slide4.xml><?xml version="1.0" encoding="utf-8"?>
+<p:sld xmlns:a="http://schemas.openxmlformats.org/drawingml/2006/main" xmlns:r="http://schemas.openxmlformats.org/officeDocument/2006/relationships" xmlns:p="http://schemas.openxmlformats.org/presentationml/2006/main">
+  <p:cSld>
+    <p:spTree>
+      <p:nvGrpSpPr>
+        <p:cNvPr id="1" name=""/>
+        <p:cNvGrpSpPr/>
+        <p:nvPr/>
+      </p:nvGrpSpPr>
+      <p:grpSpPr>
+        <a:xfrm>
+          <a:off x="0" y="0"/>
+          <a:ext cx="0" cy="0"/>
+          <a:chOff x="0" y="0"/>
+          <a:chExt cx="0" cy="0"/>
+        </a:xfrm>
+      </p:grpSpPr>
+      <p:sp>
+        <p:nvSpPr>
+          <p:cNvPr id="2" name="Title 1">
+            <a:extLst>
+              <a:ext uri="{FF2B5EF4-FFF2-40B4-BE49-F238E27FC236}">
+                <a16:creationId xmlns:a16="http://schemas.microsoft.com/office/drawing/2014/main" id="{58A75D02-8D99-4750-B95C-655E0DA90887}"/>
+              </a:ext>
+            </a:extLst>
+          </p:cNvPr>
+          <p:cNvSpPr>
+            <a:spLocks noGrp="1"/>
+          </p:cNvSpPr>
+          <p:nvPr>
+            <p:ph type="title"/>
+          </p:nvPr>
+        </p:nvSpPr>
+        <p:spPr/>
+        <p:txBody>
+          <a:bodyPr/>
+          <a:lstStyle/>
+          <a:p>
+            <a:r>
+              <a:rPr lang="en-US" dirty="0"/>
+              <a:t>State management</a:t>
+            </a:r>
+            <a:endParaRPr lang="nl-NL" dirty="0"/>
+          </a:p>
+        </p:txBody>
+      </p:sp>
+      <p:sp>
+        <p:nvSpPr>
+          <p:cNvPr id="3" name="Content Placeholder 2">
+            <a:extLst>
+              <a:ext uri="{FF2B5EF4-FFF2-40B4-BE49-F238E27FC236}">
+                <a16:creationId xmlns:a16="http://schemas.microsoft.com/office/drawing/2014/main" id="{04577237-4E8B-45D5-8064-C87D6F617C06}"/>
+              </a:ext>
+            </a:extLst>
+          </p:cNvPr>
+          <p:cNvSpPr>
+            <a:spLocks noGrp="1"/>
+          </p:cNvSpPr>
+          <p:nvPr>
+            <p:ph idx="1"/>
+          </p:nvPr>
+        </p:nvSpPr>
+        <p:spPr/>
+        <p:txBody>
+          <a:bodyPr>
+            <a:normAutofit/>
+          </a:bodyPr>
+          <a:lstStyle/>
+          <a:p>
+            <a:r>
+              <a:rPr lang="en-US" dirty="0"/>
+              <a:t>“How you manage data in your application”</a:t>
+            </a:r>
+            <a:endParaRPr lang="en-US" i="1" dirty="0"/>
+          </a:p>
+          <a:p>
+            <a:endParaRPr lang="en-US" i="1" dirty="0"/>
+          </a:p>
+          <a:p>
+            <a:r>
+              <a:rPr lang="en-US" dirty="0"/>
+              <a:t>Different strategies</a:t>
+            </a:r>
+          </a:p>
+          <a:p>
+            <a:pPr lvl="1"/>
+            <a:r>
+              <a:rPr lang="en-US" dirty="0"/>
+              <a:t>Local State</a:t>
+            </a:r>
+          </a:p>
+          <a:p>
+            <a:pPr lvl="1"/>
+            <a:r>
+              <a:rPr lang="en-US" dirty="0"/>
+              <a:t>Services</a:t>
+            </a:r>
+          </a:p>
+          <a:p>
+            <a:pPr lvl="1"/>
+            <a:r>
+              <a:rPr lang="en-US" dirty="0"/>
+              <a:t>Observable data services</a:t>
+            </a:r>
+          </a:p>
+          <a:p>
+            <a:pPr lvl="1"/>
+            <a:r>
+              <a:rPr lang="en-US" dirty="0"/>
+              <a:t>Redux Pattern</a:t>
+            </a:r>
+          </a:p>
+          <a:p>
+            <a:pPr lvl="2"/>
+            <a:endParaRPr lang="en-US" dirty="0"/>
+          </a:p>
+        </p:txBody>
+      </p:sp>
+    </p:spTree>
+    <p:extLst>
+      <p:ext uri="{BB962C8B-B14F-4D97-AF65-F5344CB8AC3E}">
+        <p14:creationId xmlns:p14="http://schemas.microsoft.com/office/powerpoint/2010/main" val="2289269515"/>
+      </p:ext>
+    </p:extLst>
+  </p:cSld>
+  <p:clrMapOvr>
+    <a:masterClrMapping/>
+  </p:clrMapOvr>
+</p:sld>
+</file>
+
+<file path=ppt/slides/slide5.xml><?xml version="1.0" encoding="utf-8"?>
+<p:sld xmlns:a="http://schemas.openxmlformats.org/drawingml/2006/main" xmlns:r="http://schemas.openxmlformats.org/officeDocument/2006/relationships" xmlns:p="http://schemas.openxmlformats.org/presentationml/2006/main">
+  <p:cSld>
+    <p:spTree>
+      <p:nvGrpSpPr>
+        <p:cNvPr id="1" name=""/>
+        <p:cNvGrpSpPr/>
+        <p:nvPr/>
+      </p:nvGrpSpPr>
+      <p:grpSpPr>
+        <a:xfrm>
+          <a:off x="0" y="0"/>
+          <a:ext cx="0" cy="0"/>
+          <a:chOff x="0" y="0"/>
+          <a:chExt cx="0" cy="0"/>
+        </a:xfrm>
+      </p:grpSpPr>
+      <p:sp>
+        <p:nvSpPr>
+          <p:cNvPr id="2" name="Title 1">
+            <a:extLst>
+              <a:ext uri="{FF2B5EF4-FFF2-40B4-BE49-F238E27FC236}">
+                <a16:creationId xmlns:a16="http://schemas.microsoft.com/office/drawing/2014/main" id="{58A75D02-8D99-4750-B95C-655E0DA90887}"/>
+              </a:ext>
+            </a:extLst>
+          </p:cNvPr>
+          <p:cNvSpPr>
+            <a:spLocks noGrp="1"/>
+          </p:cNvSpPr>
+          <p:nvPr>
+            <p:ph type="title"/>
+          </p:nvPr>
+        </p:nvSpPr>
+        <p:spPr/>
+        <p:txBody>
+          <a:bodyPr/>
+          <a:lstStyle/>
+          <a:p>
+            <a:r>
+              <a:rPr lang="en-US" dirty="0"/>
+              <a:t>State management – Local state</a:t>
+            </a:r>
+            <a:endParaRPr lang="nl-NL" dirty="0"/>
+          </a:p>
+        </p:txBody>
+      </p:sp>
+      <p:sp>
+        <p:nvSpPr>
+          <p:cNvPr id="3" name="Content Placeholder 2">
+            <a:extLst>
+              <a:ext uri="{FF2B5EF4-FFF2-40B4-BE49-F238E27FC236}">
+                <a16:creationId xmlns:a16="http://schemas.microsoft.com/office/drawing/2014/main" id="{04577237-4E8B-45D5-8064-C87D6F617C06}"/>
+              </a:ext>
+            </a:extLst>
+          </p:cNvPr>
+          <p:cNvSpPr>
+            <a:spLocks noGrp="1"/>
+          </p:cNvSpPr>
+          <p:nvPr>
+            <p:ph idx="1"/>
+          </p:nvPr>
+        </p:nvSpPr>
+        <p:spPr>
+          <a:xfrm>
+            <a:off x="913775" y="2093986"/>
+            <a:ext cx="3147862" cy="3970799"/>
+          </a:xfrm>
+        </p:spPr>
+        <p:txBody>
+          <a:bodyPr>
+            <a:normAutofit/>
+          </a:bodyPr>
+          <a:lstStyle/>
+          <a:p>
+            <a:pPr marL="0" indent="0">
+              <a:buNone/>
+            </a:pPr>
+            <a:r>
+              <a:rPr lang="en-US" dirty="0"/>
+              <a:t>Observations:</a:t>
+            </a:r>
+          </a:p>
+          <a:p>
+            <a:pPr>
+              <a:buFontTx/>
+              <a:buChar char="-"/>
+            </a:pPr>
+            <a:r>
+              <a:rPr lang="en-US" dirty="0"/>
+              <a:t>Simple</a:t>
+            </a:r>
+          </a:p>
+          <a:p>
+            <a:pPr>
+              <a:buFontTx/>
+              <a:buChar char="-"/>
+            </a:pPr>
+            <a:r>
+              <a:rPr lang="en-US" dirty="0"/>
+              <a:t>Data can’t (easily) be shared</a:t>
+            </a:r>
+          </a:p>
+          <a:p>
+            <a:pPr marL="0" indent="0">
+              <a:buNone/>
+            </a:pPr>
+            <a:endParaRPr lang="en-US" dirty="0"/>
+          </a:p>
+        </p:txBody>
+      </p:sp>
+      <p:sp>
+        <p:nvSpPr>
+          <p:cNvPr id="5" name="Rectangle 4">
+            <a:extLst>
+              <a:ext uri="{FF2B5EF4-FFF2-40B4-BE49-F238E27FC236}">
+                <a16:creationId xmlns:a16="http://schemas.microsoft.com/office/drawing/2014/main" id="{60E8ECBE-2CCC-403A-90CD-D0432CA5F518}"/>
+              </a:ext>
+            </a:extLst>
+          </p:cNvPr>
+          <p:cNvSpPr/>
+          <p:nvPr/>
+        </p:nvSpPr>
+        <p:spPr>
+          <a:xfrm>
+            <a:off x="4152940" y="2093986"/>
+            <a:ext cx="7826400" cy="3970800"/>
+          </a:xfrm>
+          <a:prstGeom prst="rect">
+            <a:avLst/>
+          </a:prstGeom>
+          <a:solidFill>
+            <a:schemeClr val="tx1"/>
+          </a:solidFill>
+        </p:spPr>
+        <p:txBody>
+          <a:bodyPr wrap="square">
+            <a:spAutoFit/>
+          </a:bodyPr>
+          <a:lstStyle/>
+          <a:p>
+            <a:r>
+              <a:rPr lang="nl-NL" dirty="0">
+                <a:solidFill>
+                  <a:srgbClr val="C586C0"/>
+                </a:solidFill>
+                <a:latin typeface="Consolas" panose="020B0609020204030204" pitchFamily="49" charset="0"/>
+              </a:rPr>
+              <a:t>export</a:t>
+            </a:r>
+            <a:r>
+              <a:rPr lang="nl-NL" dirty="0">
+                <a:solidFill>
+                  <a:srgbClr val="D4D4D4"/>
+                </a:solidFill>
+                <a:latin typeface="Consolas" panose="020B0609020204030204" pitchFamily="49" charset="0"/>
+              </a:rPr>
+              <a:t> </a:t>
+            </a:r>
+            <a:r>
+              <a:rPr lang="nl-NL" dirty="0">
+                <a:solidFill>
+                  <a:srgbClr val="569CD6"/>
+                </a:solidFill>
+                <a:latin typeface="Consolas" panose="020B0609020204030204" pitchFamily="49" charset="0"/>
+              </a:rPr>
+              <a:t>class</a:t>
+            </a:r>
+            <a:r>
+              <a:rPr lang="nl-NL" dirty="0">
+                <a:solidFill>
+                  <a:srgbClr val="D4D4D4"/>
+                </a:solidFill>
+                <a:latin typeface="Consolas" panose="020B0609020204030204" pitchFamily="49" charset="0"/>
+              </a:rPr>
+              <a:t> </a:t>
+            </a:r>
+            <a:r>
+              <a:rPr lang="nl-NL" dirty="0" err="1">
+                <a:solidFill>
+                  <a:srgbClr val="4EC9B0"/>
+                </a:solidFill>
+                <a:latin typeface="Consolas" panose="020B0609020204030204" pitchFamily="49" charset="0"/>
+              </a:rPr>
+              <a:t>ProductComponent</a:t>
+            </a:r>
+            <a:r>
+              <a:rPr lang="nl-NL" dirty="0">
+                <a:solidFill>
+                  <a:srgbClr val="D4D4D4"/>
+                </a:solidFill>
+                <a:latin typeface="Consolas" panose="020B0609020204030204" pitchFamily="49" charset="0"/>
+              </a:rPr>
+              <a:t> </a:t>
+            </a:r>
+            <a:r>
+              <a:rPr lang="nl-NL" dirty="0" err="1">
+                <a:solidFill>
+                  <a:srgbClr val="569CD6"/>
+                </a:solidFill>
+                <a:latin typeface="Consolas" panose="020B0609020204030204" pitchFamily="49" charset="0"/>
+              </a:rPr>
+              <a:t>implements</a:t>
+            </a:r>
+            <a:r>
+              <a:rPr lang="nl-NL" dirty="0">
+                <a:solidFill>
+                  <a:srgbClr val="D4D4D4"/>
+                </a:solidFill>
+                <a:latin typeface="Consolas" panose="020B0609020204030204" pitchFamily="49" charset="0"/>
+              </a:rPr>
+              <a:t> </a:t>
+            </a:r>
+            <a:r>
+              <a:rPr lang="nl-NL" dirty="0" err="1">
+                <a:solidFill>
+                  <a:srgbClr val="4EC9B0"/>
+                </a:solidFill>
+                <a:latin typeface="Consolas" panose="020B0609020204030204" pitchFamily="49" charset="0"/>
+              </a:rPr>
+              <a:t>OnInit</a:t>
+            </a:r>
+            <a:r>
+              <a:rPr lang="nl-NL" dirty="0">
+                <a:solidFill>
+                  <a:srgbClr val="D4D4D4"/>
+                </a:solidFill>
+                <a:latin typeface="Consolas" panose="020B0609020204030204" pitchFamily="49" charset="0"/>
+              </a:rPr>
+              <a:t> {</a:t>
+            </a:r>
+          </a:p>
+          <a:p>
+            <a:r>
+              <a:rPr lang="nl-NL" dirty="0">
+                <a:solidFill>
+                  <a:srgbClr val="D4D4D4"/>
+                </a:solidFill>
+                <a:latin typeface="Consolas" panose="020B0609020204030204" pitchFamily="49" charset="0"/>
+              </a:rPr>
+              <a:t>  </a:t>
+            </a:r>
+            <a:r>
+              <a:rPr lang="nl-NL" dirty="0" err="1">
+                <a:solidFill>
+                  <a:srgbClr val="9CDCFE"/>
+                </a:solidFill>
+                <a:latin typeface="Consolas" panose="020B0609020204030204" pitchFamily="49" charset="0"/>
+              </a:rPr>
+              <a:t>products</a:t>
+            </a:r>
+            <a:r>
+              <a:rPr lang="nl-NL" dirty="0">
+                <a:solidFill>
+                  <a:srgbClr val="D4D4D4"/>
+                </a:solidFill>
+                <a:latin typeface="Consolas" panose="020B0609020204030204" pitchFamily="49" charset="0"/>
+              </a:rPr>
+              <a:t>: </a:t>
+            </a:r>
+            <a:r>
+              <a:rPr lang="nl-NL" dirty="0">
+                <a:solidFill>
+                  <a:srgbClr val="4EC9B0"/>
+                </a:solidFill>
+                <a:latin typeface="Consolas" panose="020B0609020204030204" pitchFamily="49" charset="0"/>
+              </a:rPr>
+              <a:t>Product</a:t>
+            </a:r>
+            <a:r>
+              <a:rPr lang="nl-NL" dirty="0">
+                <a:solidFill>
+                  <a:srgbClr val="D4D4D4"/>
+                </a:solidFill>
+                <a:latin typeface="Consolas" panose="020B0609020204030204" pitchFamily="49" charset="0"/>
+              </a:rPr>
+              <a:t>[];</a:t>
+            </a:r>
+          </a:p>
+          <a:p>
+            <a:br>
+              <a:rPr lang="nl-NL" dirty="0">
+                <a:solidFill>
+                  <a:srgbClr val="D4D4D4"/>
+                </a:solidFill>
+                <a:latin typeface="Consolas" panose="020B0609020204030204" pitchFamily="49" charset="0"/>
+              </a:rPr>
+            </a:br>
+            <a:r>
+              <a:rPr lang="nl-NL" dirty="0">
+                <a:solidFill>
+                  <a:srgbClr val="D4D4D4"/>
+                </a:solidFill>
+                <a:latin typeface="Consolas" panose="020B0609020204030204" pitchFamily="49" charset="0"/>
+              </a:rPr>
+              <a:t>  </a:t>
+            </a:r>
+            <a:r>
+              <a:rPr lang="nl-NL" dirty="0" err="1">
+                <a:solidFill>
+                  <a:srgbClr val="569CD6"/>
+                </a:solidFill>
+                <a:latin typeface="Consolas" panose="020B0609020204030204" pitchFamily="49" charset="0"/>
+              </a:rPr>
+              <a:t>constructor</a:t>
+            </a:r>
+            <a:r>
+              <a:rPr lang="nl-NL" dirty="0">
+                <a:solidFill>
+                  <a:srgbClr val="D4D4D4"/>
+                </a:solidFill>
+                <a:latin typeface="Consolas" panose="020B0609020204030204" pitchFamily="49" charset="0"/>
+              </a:rPr>
+              <a:t>(</a:t>
+            </a:r>
+            <a:r>
+              <a:rPr lang="nl-NL" dirty="0">
+                <a:solidFill>
+                  <a:srgbClr val="569CD6"/>
+                </a:solidFill>
+                <a:latin typeface="Consolas" panose="020B0609020204030204" pitchFamily="49" charset="0"/>
+              </a:rPr>
+              <a:t>private</a:t>
+            </a:r>
+            <a:r>
+              <a:rPr lang="nl-NL" dirty="0">
+                <a:solidFill>
+                  <a:srgbClr val="D4D4D4"/>
+                </a:solidFill>
+                <a:latin typeface="Consolas" panose="020B0609020204030204" pitchFamily="49" charset="0"/>
+              </a:rPr>
+              <a:t> </a:t>
+            </a:r>
+            <a:r>
+              <a:rPr lang="nl-NL" dirty="0">
+                <a:solidFill>
+                  <a:srgbClr val="9CDCFE"/>
+                </a:solidFill>
+                <a:latin typeface="Consolas" panose="020B0609020204030204" pitchFamily="49" charset="0"/>
+              </a:rPr>
+              <a:t>http</a:t>
+            </a:r>
+            <a:r>
+              <a:rPr lang="nl-NL" dirty="0">
+                <a:solidFill>
+                  <a:srgbClr val="D4D4D4"/>
+                </a:solidFill>
+                <a:latin typeface="Consolas" panose="020B0609020204030204" pitchFamily="49" charset="0"/>
+              </a:rPr>
+              <a:t>: </a:t>
+            </a:r>
+            <a:r>
+              <a:rPr lang="nl-NL" dirty="0" err="1">
+                <a:solidFill>
+                  <a:srgbClr val="4EC9B0"/>
+                </a:solidFill>
+                <a:latin typeface="Consolas" panose="020B0609020204030204" pitchFamily="49" charset="0"/>
+              </a:rPr>
+              <a:t>HttpClient</a:t>
+            </a:r>
+            <a:r>
+              <a:rPr lang="nl-NL" dirty="0">
+                <a:solidFill>
+                  <a:srgbClr val="D4D4D4"/>
+                </a:solidFill>
+                <a:latin typeface="Consolas" panose="020B0609020204030204" pitchFamily="49" charset="0"/>
+              </a:rPr>
+              <a:t>) {}</a:t>
+            </a:r>
+          </a:p>
+          <a:p>
+            <a:br>
+              <a:rPr lang="nl-NL" dirty="0">
+                <a:solidFill>
+                  <a:srgbClr val="D4D4D4"/>
+                </a:solidFill>
+                <a:latin typeface="Consolas" panose="020B0609020204030204" pitchFamily="49" charset="0"/>
+              </a:rPr>
+            </a:br>
+            <a:r>
+              <a:rPr lang="nl-NL" dirty="0">
+                <a:solidFill>
+                  <a:srgbClr val="D4D4D4"/>
+                </a:solidFill>
+                <a:latin typeface="Consolas" panose="020B0609020204030204" pitchFamily="49" charset="0"/>
+              </a:rPr>
+              <a:t>  </a:t>
+            </a:r>
+            <a:r>
+              <a:rPr lang="nl-NL" dirty="0" err="1">
+                <a:solidFill>
+                  <a:srgbClr val="DCDCAA"/>
+                </a:solidFill>
+                <a:latin typeface="Consolas" panose="020B0609020204030204" pitchFamily="49" charset="0"/>
+              </a:rPr>
+              <a:t>ngOnInit</a:t>
+            </a:r>
+            <a:r>
+              <a:rPr lang="nl-NL" dirty="0">
+                <a:solidFill>
+                  <a:srgbClr val="D4D4D4"/>
+                </a:solidFill>
+                <a:latin typeface="Consolas" panose="020B0609020204030204" pitchFamily="49" charset="0"/>
+              </a:rPr>
+              <a:t>(): </a:t>
+            </a:r>
+            <a:r>
+              <a:rPr lang="nl-NL" dirty="0" err="1">
+                <a:solidFill>
+                  <a:srgbClr val="4EC9B0"/>
+                </a:solidFill>
+                <a:latin typeface="Consolas" panose="020B0609020204030204" pitchFamily="49" charset="0"/>
+              </a:rPr>
+              <a:t>void</a:t>
+            </a:r>
+            <a:r>
+              <a:rPr lang="nl-NL" dirty="0">
+                <a:solidFill>
+                  <a:srgbClr val="D4D4D4"/>
+                </a:solidFill>
+                <a:latin typeface="Consolas" panose="020B0609020204030204" pitchFamily="49" charset="0"/>
+              </a:rPr>
+              <a:t> {</a:t>
+            </a:r>
+          </a:p>
+          <a:p>
+            <a:r>
+              <a:rPr lang="nl-NL" dirty="0">
+                <a:solidFill>
+                  <a:srgbClr val="D4D4D4"/>
+                </a:solidFill>
+                <a:latin typeface="Consolas" panose="020B0609020204030204" pitchFamily="49" charset="0"/>
+              </a:rPr>
+              <a:t>    </a:t>
+            </a:r>
+            <a:r>
+              <a:rPr lang="nl-NL" dirty="0" err="1">
+                <a:solidFill>
+                  <a:srgbClr val="569CD6"/>
+                </a:solidFill>
+                <a:latin typeface="Consolas" panose="020B0609020204030204" pitchFamily="49" charset="0"/>
+              </a:rPr>
+              <a:t>this</a:t>
+            </a:r>
+            <a:r>
+              <a:rPr lang="nl-NL" dirty="0" err="1">
+                <a:solidFill>
+                  <a:srgbClr val="D4D4D4"/>
+                </a:solidFill>
+                <a:latin typeface="Consolas" panose="020B0609020204030204" pitchFamily="49" charset="0"/>
+              </a:rPr>
+              <a:t>.</a:t>
+            </a:r>
+            <a:r>
+              <a:rPr lang="nl-NL" dirty="0" err="1">
+                <a:solidFill>
+                  <a:srgbClr val="9CDCFE"/>
+                </a:solidFill>
+                <a:latin typeface="Consolas" panose="020B0609020204030204" pitchFamily="49" charset="0"/>
+              </a:rPr>
+              <a:t>http</a:t>
+            </a:r>
+            <a:r>
+              <a:rPr lang="nl-NL" dirty="0" err="1">
+                <a:solidFill>
+                  <a:srgbClr val="D4D4D4"/>
+                </a:solidFill>
+                <a:latin typeface="Consolas" panose="020B0609020204030204" pitchFamily="49" charset="0"/>
+              </a:rPr>
+              <a:t>.</a:t>
+            </a:r>
+            <a:r>
+              <a:rPr lang="nl-NL" dirty="0" err="1">
+                <a:solidFill>
+                  <a:srgbClr val="DCDCAA"/>
+                </a:solidFill>
+                <a:latin typeface="Consolas" panose="020B0609020204030204" pitchFamily="49" charset="0"/>
+              </a:rPr>
+              <a:t>get</a:t>
+            </a:r>
+            <a:r>
+              <a:rPr lang="nl-NL" dirty="0">
+                <a:solidFill>
+                  <a:srgbClr val="D4D4D4"/>
+                </a:solidFill>
+                <a:latin typeface="Consolas" panose="020B0609020204030204" pitchFamily="49" charset="0"/>
+              </a:rPr>
+              <a:t>(</a:t>
+            </a:r>
+            <a:r>
+              <a:rPr lang="nl-NL" dirty="0">
+                <a:solidFill>
+                  <a:srgbClr val="CE9178"/>
+                </a:solidFill>
+                <a:latin typeface="Consolas" panose="020B0609020204030204" pitchFamily="49" charset="0"/>
+              </a:rPr>
+              <a:t>'/</a:t>
+            </a:r>
+            <a:r>
+              <a:rPr lang="nl-NL" dirty="0" err="1">
+                <a:solidFill>
+                  <a:srgbClr val="CE9178"/>
+                </a:solidFill>
+                <a:latin typeface="Consolas" panose="020B0609020204030204" pitchFamily="49" charset="0"/>
+              </a:rPr>
+              <a:t>products</a:t>
+            </a:r>
+            <a:r>
+              <a:rPr lang="nl-NL" dirty="0">
+                <a:solidFill>
+                  <a:srgbClr val="CE9178"/>
+                </a:solidFill>
+                <a:latin typeface="Consolas" panose="020B0609020204030204" pitchFamily="49" charset="0"/>
+              </a:rPr>
+              <a:t>'</a:t>
+            </a:r>
+            <a:r>
+              <a:rPr lang="nl-NL" dirty="0">
+                <a:solidFill>
+                  <a:srgbClr val="D4D4D4"/>
+                </a:solidFill>
+                <a:latin typeface="Consolas" panose="020B0609020204030204" pitchFamily="49" charset="0"/>
+              </a:rPr>
+              <a:t>).</a:t>
+            </a:r>
+            <a:r>
+              <a:rPr lang="nl-NL" dirty="0" err="1">
+                <a:solidFill>
+                  <a:srgbClr val="DCDCAA"/>
+                </a:solidFill>
+                <a:latin typeface="Consolas" panose="020B0609020204030204" pitchFamily="49" charset="0"/>
+              </a:rPr>
+              <a:t>subscribe</a:t>
+            </a:r>
+            <a:r>
+              <a:rPr lang="nl-NL" dirty="0">
+                <a:solidFill>
+                  <a:srgbClr val="D4D4D4"/>
+                </a:solidFill>
+                <a:latin typeface="Consolas" panose="020B0609020204030204" pitchFamily="49" charset="0"/>
+              </a:rPr>
+              <a:t>((</a:t>
+            </a:r>
+            <a:r>
+              <a:rPr lang="nl-NL" dirty="0" err="1">
+                <a:solidFill>
+                  <a:srgbClr val="9CDCFE"/>
+                </a:solidFill>
+                <a:latin typeface="Consolas" panose="020B0609020204030204" pitchFamily="49" charset="0"/>
+              </a:rPr>
+              <a:t>products</a:t>
+            </a:r>
+            <a:r>
+              <a:rPr lang="nl-NL" dirty="0">
+                <a:solidFill>
+                  <a:srgbClr val="D4D4D4"/>
+                </a:solidFill>
+                <a:latin typeface="Consolas" panose="020B0609020204030204" pitchFamily="49" charset="0"/>
+              </a:rPr>
+              <a:t>) </a:t>
+            </a:r>
+            <a:r>
+              <a:rPr lang="nl-NL" dirty="0">
+                <a:solidFill>
+                  <a:srgbClr val="569CD6"/>
+                </a:solidFill>
+                <a:latin typeface="Consolas" panose="020B0609020204030204" pitchFamily="49" charset="0"/>
+              </a:rPr>
+              <a:t>=&gt;</a:t>
+            </a:r>
+            <a:r>
+              <a:rPr lang="nl-NL" dirty="0">
+                <a:solidFill>
+                  <a:srgbClr val="D4D4D4"/>
+                </a:solidFill>
+                <a:latin typeface="Consolas" panose="020B0609020204030204" pitchFamily="49" charset="0"/>
+              </a:rPr>
+              <a:t> {</a:t>
+            </a:r>
+          </a:p>
+          <a:p>
+            <a:r>
+              <a:rPr lang="nl-NL" dirty="0">
+                <a:solidFill>
+                  <a:srgbClr val="D4D4D4"/>
+                </a:solidFill>
+                <a:latin typeface="Consolas" panose="020B0609020204030204" pitchFamily="49" charset="0"/>
+              </a:rPr>
+              <a:t>      </a:t>
+            </a:r>
+            <a:r>
+              <a:rPr lang="nl-NL" dirty="0" err="1">
+                <a:solidFill>
+                  <a:srgbClr val="569CD6"/>
+                </a:solidFill>
+                <a:latin typeface="Consolas" panose="020B0609020204030204" pitchFamily="49" charset="0"/>
+              </a:rPr>
+              <a:t>this</a:t>
+            </a:r>
+            <a:r>
+              <a:rPr lang="nl-NL" dirty="0" err="1">
+                <a:solidFill>
+                  <a:srgbClr val="D4D4D4"/>
+                </a:solidFill>
+                <a:latin typeface="Consolas" panose="020B0609020204030204" pitchFamily="49" charset="0"/>
+              </a:rPr>
+              <a:t>.</a:t>
+            </a:r>
+            <a:r>
+              <a:rPr lang="nl-NL" dirty="0" err="1">
+                <a:solidFill>
+                  <a:srgbClr val="9CDCFE"/>
+                </a:solidFill>
+                <a:latin typeface="Consolas" panose="020B0609020204030204" pitchFamily="49" charset="0"/>
+              </a:rPr>
+              <a:t>products</a:t>
+            </a:r>
+            <a:r>
+              <a:rPr lang="nl-NL" dirty="0">
+                <a:solidFill>
+                  <a:srgbClr val="D4D4D4"/>
+                </a:solidFill>
+                <a:latin typeface="Consolas" panose="020B0609020204030204" pitchFamily="49" charset="0"/>
+              </a:rPr>
+              <a:t> = </a:t>
+            </a:r>
+            <a:r>
+              <a:rPr lang="nl-NL" dirty="0" err="1">
+                <a:solidFill>
+                  <a:srgbClr val="9CDCFE"/>
+                </a:solidFill>
+                <a:latin typeface="Consolas" panose="020B0609020204030204" pitchFamily="49" charset="0"/>
+              </a:rPr>
+              <a:t>products</a:t>
+            </a:r>
+            <a:r>
+              <a:rPr lang="nl-NL" dirty="0">
+                <a:solidFill>
+                  <a:srgbClr val="D4D4D4"/>
+                </a:solidFill>
+                <a:latin typeface="Consolas" panose="020B0609020204030204" pitchFamily="49" charset="0"/>
+              </a:rPr>
+              <a:t>;</a:t>
+            </a:r>
+          </a:p>
+          <a:p>
+            <a:r>
+              <a:rPr lang="nl-NL" dirty="0">
+                <a:solidFill>
+                  <a:srgbClr val="D4D4D4"/>
+                </a:solidFill>
+                <a:latin typeface="Consolas" panose="020B0609020204030204" pitchFamily="49" charset="0"/>
+              </a:rPr>
+              <a:t>    });</a:t>
+            </a:r>
+          </a:p>
+          <a:p>
+            <a:r>
+              <a:rPr lang="nl-NL" dirty="0">
+                <a:solidFill>
+                  <a:srgbClr val="D4D4D4"/>
+                </a:solidFill>
+                <a:latin typeface="Consolas" panose="020B0609020204030204" pitchFamily="49" charset="0"/>
+              </a:rPr>
+              <a:t>  }</a:t>
+            </a:r>
+          </a:p>
+          <a:p>
+            <a:r>
+              <a:rPr lang="nl-NL" dirty="0">
+                <a:solidFill>
+                  <a:srgbClr val="D4D4D4"/>
+                </a:solidFill>
+                <a:latin typeface="Consolas" panose="020B0609020204030204" pitchFamily="49" charset="0"/>
+              </a:rPr>
+              <a:t>}</a:t>
+            </a:r>
+          </a:p>
+        </p:txBody>
+      </p:sp>
+    </p:spTree>
+    <p:extLst>
+      <p:ext uri="{BB962C8B-B14F-4D97-AF65-F5344CB8AC3E}">
+        <p14:creationId xmlns:p14="http://schemas.microsoft.com/office/powerpoint/2010/main" val="3016061720"/>
+      </p:ext>
+    </p:extLst>
+  </p:cSld>
+  <p:clrMapOvr>
+    <a:masterClrMapping/>
+  </p:clrMapOvr>
+</p:sld>
+</file>
+
+<file path=ppt/slides/slide6.xml><?xml version="1.0" encoding="utf-8"?>
+<p:sld xmlns:a="http://schemas.openxmlformats.org/drawingml/2006/main" xmlns:r="http://schemas.openxmlformats.org/officeDocument/2006/relationships" xmlns:p="http://schemas.openxmlformats.org/presentationml/2006/main">
+  <p:cSld>
+    <p:spTree>
+      <p:nvGrpSpPr>
+        <p:cNvPr id="1" name=""/>
+        <p:cNvGrpSpPr/>
+        <p:nvPr/>
+      </p:nvGrpSpPr>
+      <p:grpSpPr>
+        <a:xfrm>
+          <a:off x="0" y="0"/>
+          <a:ext cx="0" cy="0"/>
+          <a:chOff x="0" y="0"/>
+          <a:chExt cx="0" cy="0"/>
+        </a:xfrm>
+      </p:grpSpPr>
+      <p:sp>
+        <p:nvSpPr>
+          <p:cNvPr id="2" name="Title 1">
+            <a:extLst>
+              <a:ext uri="{FF2B5EF4-FFF2-40B4-BE49-F238E27FC236}">
+                <a16:creationId xmlns:a16="http://schemas.microsoft.com/office/drawing/2014/main" id="{58A75D02-8D99-4750-B95C-655E0DA90887}"/>
+              </a:ext>
+            </a:extLst>
+          </p:cNvPr>
+          <p:cNvSpPr>
+            <a:spLocks noGrp="1"/>
+          </p:cNvSpPr>
+          <p:nvPr>
+            <p:ph type="title"/>
+          </p:nvPr>
+        </p:nvSpPr>
+        <p:spPr/>
+        <p:txBody>
+          <a:bodyPr/>
+          <a:lstStyle/>
+          <a:p>
+            <a:r>
+              <a:rPr lang="en-US" dirty="0"/>
+              <a:t>State management – Service</a:t>
+            </a:r>
+            <a:endParaRPr lang="nl-NL" dirty="0"/>
+          </a:p>
+        </p:txBody>
+      </p:sp>
+      <p:sp>
+        <p:nvSpPr>
+          <p:cNvPr id="3" name="Content Placeholder 2">
+            <a:extLst>
+              <a:ext uri="{FF2B5EF4-FFF2-40B4-BE49-F238E27FC236}">
+                <a16:creationId xmlns:a16="http://schemas.microsoft.com/office/drawing/2014/main" id="{04577237-4E8B-45D5-8064-C87D6F617C06}"/>
+              </a:ext>
+            </a:extLst>
+          </p:cNvPr>
+          <p:cNvSpPr>
+            <a:spLocks noGrp="1"/>
+          </p:cNvSpPr>
+          <p:nvPr>
+            <p:ph idx="1"/>
+          </p:nvPr>
+        </p:nvSpPr>
+        <p:spPr>
+          <a:xfrm>
+            <a:off x="913775" y="2093987"/>
+            <a:ext cx="3115965" cy="3970318"/>
+          </a:xfrm>
+        </p:spPr>
+        <p:txBody>
+          <a:bodyPr>
+            <a:normAutofit/>
+          </a:bodyPr>
+          <a:lstStyle/>
+          <a:p>
+            <a:pPr marL="0" indent="0">
+              <a:buNone/>
+            </a:pPr>
+            <a:r>
+              <a:rPr lang="en-US" dirty="0"/>
+              <a:t>Observations:</a:t>
+            </a:r>
+          </a:p>
+          <a:p>
+            <a:pPr>
+              <a:buFontTx/>
+              <a:buChar char="-"/>
+            </a:pPr>
+            <a:r>
+              <a:rPr lang="en-US" dirty="0"/>
+              <a:t>Data can be shared</a:t>
+            </a:r>
+          </a:p>
+          <a:p>
+            <a:pPr>
+              <a:buFontTx/>
+              <a:buChar char="-"/>
+            </a:pPr>
+            <a:r>
+              <a:rPr lang="en-US" dirty="0"/>
+              <a:t>Bit more complex code</a:t>
+            </a:r>
+          </a:p>
+          <a:p>
+            <a:pPr>
+              <a:buFontTx/>
+              <a:buChar char="-"/>
+            </a:pPr>
+            <a:r>
+              <a:rPr lang="en-US" dirty="0"/>
+              <a:t>Logic for initializing will be more complex</a:t>
+            </a:r>
+          </a:p>
+        </p:txBody>
+      </p:sp>
+      <p:sp>
+        <p:nvSpPr>
+          <p:cNvPr id="5" name="Rectangle 4">
+            <a:extLst>
+              <a:ext uri="{FF2B5EF4-FFF2-40B4-BE49-F238E27FC236}">
+                <a16:creationId xmlns:a16="http://schemas.microsoft.com/office/drawing/2014/main" id="{60E8ECBE-2CCC-403A-90CD-D0432CA5F518}"/>
+              </a:ext>
+            </a:extLst>
+          </p:cNvPr>
+          <p:cNvSpPr/>
+          <p:nvPr/>
+        </p:nvSpPr>
+        <p:spPr>
+          <a:xfrm>
+            <a:off x="4152940" y="2093987"/>
+            <a:ext cx="7826400" cy="3970318"/>
+          </a:xfrm>
+          <a:prstGeom prst="rect">
+            <a:avLst/>
+          </a:prstGeom>
+          <a:solidFill>
+            <a:schemeClr val="tx1"/>
+          </a:solidFill>
+        </p:spPr>
+        <p:txBody>
+          <a:bodyPr wrap="square">
+            <a:spAutoFit/>
+          </a:bodyPr>
+          <a:lstStyle/>
+          <a:p>
+            <a:r>
+              <a:rPr lang="nl-NL" dirty="0">
+                <a:solidFill>
+                  <a:srgbClr val="C586C0"/>
+                </a:solidFill>
+                <a:latin typeface="Consolas" panose="020B0609020204030204" pitchFamily="49" charset="0"/>
+              </a:rPr>
+              <a:t>export</a:t>
+            </a:r>
+            <a:r>
+              <a:rPr lang="nl-NL" dirty="0">
+                <a:solidFill>
+                  <a:srgbClr val="D4D4D4"/>
+                </a:solidFill>
+                <a:latin typeface="Consolas" panose="020B0609020204030204" pitchFamily="49" charset="0"/>
+              </a:rPr>
+              <a:t> </a:t>
+            </a:r>
+            <a:r>
+              <a:rPr lang="nl-NL" dirty="0">
+                <a:solidFill>
+                  <a:srgbClr val="569CD6"/>
+                </a:solidFill>
+                <a:latin typeface="Consolas" panose="020B0609020204030204" pitchFamily="49" charset="0"/>
+              </a:rPr>
+              <a:t>class</a:t>
+            </a:r>
+            <a:r>
+              <a:rPr lang="nl-NL" dirty="0">
+                <a:solidFill>
+                  <a:srgbClr val="D4D4D4"/>
+                </a:solidFill>
+                <a:latin typeface="Consolas" panose="020B0609020204030204" pitchFamily="49" charset="0"/>
+              </a:rPr>
+              <a:t> </a:t>
+            </a:r>
+            <a:r>
+              <a:rPr lang="nl-NL" dirty="0" err="1">
+                <a:solidFill>
+                  <a:srgbClr val="4EC9B0"/>
+                </a:solidFill>
+                <a:latin typeface="Consolas" panose="020B0609020204030204" pitchFamily="49" charset="0"/>
+              </a:rPr>
+              <a:t>ProductService</a:t>
+            </a:r>
+            <a:r>
+              <a:rPr lang="nl-NL" dirty="0">
+                <a:solidFill>
+                  <a:srgbClr val="D4D4D4"/>
+                </a:solidFill>
+                <a:latin typeface="Consolas" panose="020B0609020204030204" pitchFamily="49" charset="0"/>
+              </a:rPr>
+              <a:t> {</a:t>
+            </a:r>
+          </a:p>
+          <a:p>
+            <a:r>
+              <a:rPr lang="nl-NL" dirty="0">
+                <a:solidFill>
+                  <a:srgbClr val="D4D4D4"/>
+                </a:solidFill>
+                <a:latin typeface="Consolas" panose="020B0609020204030204" pitchFamily="49" charset="0"/>
+              </a:rPr>
+              <a:t>  </a:t>
+            </a:r>
+            <a:r>
+              <a:rPr lang="nl-NL" dirty="0">
+                <a:solidFill>
+                  <a:srgbClr val="569CD6"/>
+                </a:solidFill>
+                <a:latin typeface="Consolas" panose="020B0609020204030204" pitchFamily="49" charset="0"/>
+              </a:rPr>
+              <a:t>public</a:t>
+            </a:r>
+            <a:r>
+              <a:rPr lang="nl-NL" dirty="0">
+                <a:solidFill>
+                  <a:srgbClr val="D4D4D4"/>
+                </a:solidFill>
+                <a:latin typeface="Consolas" panose="020B0609020204030204" pitchFamily="49" charset="0"/>
+              </a:rPr>
+              <a:t> </a:t>
+            </a:r>
+            <a:r>
+              <a:rPr lang="nl-NL" dirty="0" err="1">
+                <a:solidFill>
+                  <a:srgbClr val="9CDCFE"/>
+                </a:solidFill>
+                <a:latin typeface="Consolas" panose="020B0609020204030204" pitchFamily="49" charset="0"/>
+              </a:rPr>
+              <a:t>products</a:t>
+            </a:r>
+            <a:r>
+              <a:rPr lang="nl-NL" dirty="0">
+                <a:solidFill>
+                  <a:srgbClr val="D4D4D4"/>
+                </a:solidFill>
+                <a:latin typeface="Consolas" panose="020B0609020204030204" pitchFamily="49" charset="0"/>
+              </a:rPr>
+              <a:t>: </a:t>
+            </a:r>
+            <a:r>
+              <a:rPr lang="nl-NL" dirty="0">
+                <a:solidFill>
+                  <a:srgbClr val="4EC9B0"/>
+                </a:solidFill>
+                <a:latin typeface="Consolas" panose="020B0609020204030204" pitchFamily="49" charset="0"/>
+              </a:rPr>
+              <a:t>Product</a:t>
+            </a:r>
+            <a:r>
+              <a:rPr lang="nl-NL" dirty="0">
+                <a:solidFill>
+                  <a:srgbClr val="D4D4D4"/>
+                </a:solidFill>
+                <a:latin typeface="Consolas" panose="020B0609020204030204" pitchFamily="49" charset="0"/>
+              </a:rPr>
+              <a:t>[];</a:t>
+            </a:r>
+          </a:p>
+          <a:p>
+            <a:br>
+              <a:rPr lang="nl-NL" dirty="0">
+                <a:solidFill>
+                  <a:srgbClr val="D4D4D4"/>
+                </a:solidFill>
+                <a:latin typeface="Consolas" panose="020B0609020204030204" pitchFamily="49" charset="0"/>
+              </a:rPr>
+            </a:br>
+            <a:r>
+              <a:rPr lang="nl-NL" dirty="0">
+                <a:solidFill>
+                  <a:srgbClr val="D4D4D4"/>
+                </a:solidFill>
+                <a:latin typeface="Consolas" panose="020B0609020204030204" pitchFamily="49" charset="0"/>
+              </a:rPr>
+              <a:t>  </a:t>
+            </a:r>
+            <a:r>
+              <a:rPr lang="nl-NL" dirty="0" err="1">
+                <a:solidFill>
+                  <a:srgbClr val="569CD6"/>
+                </a:solidFill>
+                <a:latin typeface="Consolas" panose="020B0609020204030204" pitchFamily="49" charset="0"/>
+              </a:rPr>
+              <a:t>constructor</a:t>
+            </a:r>
+            <a:r>
+              <a:rPr lang="nl-NL" dirty="0">
+                <a:solidFill>
+                  <a:srgbClr val="D4D4D4"/>
+                </a:solidFill>
+                <a:latin typeface="Consolas" panose="020B0609020204030204" pitchFamily="49" charset="0"/>
+              </a:rPr>
+              <a:t>(</a:t>
+            </a:r>
+            <a:r>
+              <a:rPr lang="nl-NL" dirty="0">
+                <a:solidFill>
+                  <a:srgbClr val="569CD6"/>
+                </a:solidFill>
+                <a:latin typeface="Consolas" panose="020B0609020204030204" pitchFamily="49" charset="0"/>
+              </a:rPr>
+              <a:t>private</a:t>
+            </a:r>
+            <a:r>
+              <a:rPr lang="nl-NL" dirty="0">
+                <a:solidFill>
+                  <a:srgbClr val="D4D4D4"/>
+                </a:solidFill>
+                <a:latin typeface="Consolas" panose="020B0609020204030204" pitchFamily="49" charset="0"/>
+              </a:rPr>
+              <a:t> </a:t>
+            </a:r>
+            <a:r>
+              <a:rPr lang="nl-NL" dirty="0">
+                <a:solidFill>
+                  <a:srgbClr val="9CDCFE"/>
+                </a:solidFill>
+                <a:latin typeface="Consolas" panose="020B0609020204030204" pitchFamily="49" charset="0"/>
+              </a:rPr>
+              <a:t>http</a:t>
+            </a:r>
+            <a:r>
+              <a:rPr lang="nl-NL" dirty="0">
+                <a:solidFill>
+                  <a:srgbClr val="D4D4D4"/>
+                </a:solidFill>
+                <a:latin typeface="Consolas" panose="020B0609020204030204" pitchFamily="49" charset="0"/>
+              </a:rPr>
+              <a:t>: </a:t>
+            </a:r>
+            <a:r>
+              <a:rPr lang="nl-NL" dirty="0" err="1">
+                <a:solidFill>
+                  <a:srgbClr val="4EC9B0"/>
+                </a:solidFill>
+                <a:latin typeface="Consolas" panose="020B0609020204030204" pitchFamily="49" charset="0"/>
+              </a:rPr>
+              <a:t>HttpClient</a:t>
+            </a:r>
+            <a:r>
+              <a:rPr lang="nl-NL" dirty="0">
+                <a:solidFill>
+                  <a:srgbClr val="D4D4D4"/>
+                </a:solidFill>
+                <a:latin typeface="Consolas" panose="020B0609020204030204" pitchFamily="49" charset="0"/>
+              </a:rPr>
+              <a:t>) {}</a:t>
+            </a:r>
+          </a:p>
+          <a:p>
+            <a:br>
+              <a:rPr lang="nl-NL" dirty="0">
+                <a:solidFill>
+                  <a:srgbClr val="D4D4D4"/>
+                </a:solidFill>
+                <a:latin typeface="Consolas" panose="020B0609020204030204" pitchFamily="49" charset="0"/>
+              </a:rPr>
+            </a:br>
+            <a:r>
+              <a:rPr lang="nl-NL" dirty="0">
+                <a:solidFill>
+                  <a:srgbClr val="D4D4D4"/>
+                </a:solidFill>
+                <a:latin typeface="Consolas" panose="020B0609020204030204" pitchFamily="49" charset="0"/>
+              </a:rPr>
+              <a:t>  </a:t>
+            </a:r>
+            <a:r>
+              <a:rPr lang="nl-NL" dirty="0" err="1">
+                <a:solidFill>
+                  <a:srgbClr val="DCDCAA"/>
+                </a:solidFill>
+                <a:latin typeface="Consolas" panose="020B0609020204030204" pitchFamily="49" charset="0"/>
+              </a:rPr>
+              <a:t>fetchProduct</a:t>
+            </a:r>
+            <a:r>
+              <a:rPr lang="nl-NL" dirty="0">
+                <a:solidFill>
+                  <a:srgbClr val="D4D4D4"/>
+                </a:solidFill>
+                <a:latin typeface="Consolas" panose="020B0609020204030204" pitchFamily="49" charset="0"/>
+              </a:rPr>
+              <a:t>(): </a:t>
+            </a:r>
+            <a:r>
+              <a:rPr lang="nl-NL" dirty="0" err="1">
+                <a:solidFill>
+                  <a:srgbClr val="4EC9B0"/>
+                </a:solidFill>
+                <a:latin typeface="Consolas" panose="020B0609020204030204" pitchFamily="49" charset="0"/>
+              </a:rPr>
+              <a:t>Observable</a:t>
+            </a:r>
+            <a:r>
+              <a:rPr lang="nl-NL" dirty="0">
+                <a:solidFill>
+                  <a:srgbClr val="D4D4D4"/>
+                </a:solidFill>
+                <a:latin typeface="Consolas" panose="020B0609020204030204" pitchFamily="49" charset="0"/>
+              </a:rPr>
+              <a:t>&lt;</a:t>
+            </a:r>
+            <a:r>
+              <a:rPr lang="nl-NL" dirty="0" err="1">
+                <a:solidFill>
+                  <a:srgbClr val="4EC9B0"/>
+                </a:solidFill>
+                <a:latin typeface="Consolas" panose="020B0609020204030204" pitchFamily="49" charset="0"/>
+              </a:rPr>
+              <a:t>boolean</a:t>
+            </a:r>
+            <a:r>
+              <a:rPr lang="nl-NL" dirty="0">
+                <a:solidFill>
+                  <a:srgbClr val="D4D4D4"/>
+                </a:solidFill>
+                <a:latin typeface="Consolas" panose="020B0609020204030204" pitchFamily="49" charset="0"/>
+              </a:rPr>
+              <a:t>&gt; {</a:t>
+            </a:r>
+          </a:p>
+          <a:p>
+            <a:r>
+              <a:rPr lang="nl-NL" dirty="0">
+                <a:solidFill>
+                  <a:srgbClr val="D4D4D4"/>
+                </a:solidFill>
+                <a:latin typeface="Consolas" panose="020B0609020204030204" pitchFamily="49" charset="0"/>
+              </a:rPr>
+              <a:t>    </a:t>
+            </a:r>
+            <a:r>
+              <a:rPr lang="nl-NL" dirty="0">
+                <a:solidFill>
+                  <a:srgbClr val="C586C0"/>
+                </a:solidFill>
+                <a:latin typeface="Consolas" panose="020B0609020204030204" pitchFamily="49" charset="0"/>
+              </a:rPr>
+              <a:t>return</a:t>
+            </a:r>
+            <a:r>
+              <a:rPr lang="nl-NL" dirty="0">
+                <a:solidFill>
+                  <a:srgbClr val="D4D4D4"/>
+                </a:solidFill>
+                <a:latin typeface="Consolas" panose="020B0609020204030204" pitchFamily="49" charset="0"/>
+              </a:rPr>
+              <a:t> </a:t>
+            </a:r>
+            <a:r>
+              <a:rPr lang="nl-NL" dirty="0" err="1">
+                <a:solidFill>
+                  <a:srgbClr val="569CD6"/>
+                </a:solidFill>
+                <a:latin typeface="Consolas" panose="020B0609020204030204" pitchFamily="49" charset="0"/>
+              </a:rPr>
+              <a:t>this</a:t>
+            </a:r>
+            <a:r>
+              <a:rPr lang="nl-NL" dirty="0" err="1">
+                <a:solidFill>
+                  <a:srgbClr val="D4D4D4"/>
+                </a:solidFill>
+                <a:latin typeface="Consolas" panose="020B0609020204030204" pitchFamily="49" charset="0"/>
+              </a:rPr>
+              <a:t>.</a:t>
+            </a:r>
+            <a:r>
+              <a:rPr lang="nl-NL" dirty="0" err="1">
+                <a:solidFill>
+                  <a:srgbClr val="9CDCFE"/>
+                </a:solidFill>
+                <a:latin typeface="Consolas" panose="020B0609020204030204" pitchFamily="49" charset="0"/>
+              </a:rPr>
+              <a:t>http</a:t>
+            </a:r>
+            <a:r>
+              <a:rPr lang="nl-NL" dirty="0" err="1">
+                <a:solidFill>
+                  <a:srgbClr val="D4D4D4"/>
+                </a:solidFill>
+                <a:latin typeface="Consolas" panose="020B0609020204030204" pitchFamily="49" charset="0"/>
+              </a:rPr>
+              <a:t>.</a:t>
+            </a:r>
+            <a:r>
+              <a:rPr lang="nl-NL" dirty="0" err="1">
+                <a:solidFill>
+                  <a:srgbClr val="DCDCAA"/>
+                </a:solidFill>
+                <a:latin typeface="Consolas" panose="020B0609020204030204" pitchFamily="49" charset="0"/>
+              </a:rPr>
+              <a:t>get</a:t>
+            </a:r>
+            <a:r>
+              <a:rPr lang="nl-NL" dirty="0">
+                <a:solidFill>
+                  <a:srgbClr val="D4D4D4"/>
+                </a:solidFill>
+                <a:latin typeface="Consolas" panose="020B0609020204030204" pitchFamily="49" charset="0"/>
+              </a:rPr>
+              <a:t>(</a:t>
+            </a:r>
+            <a:r>
+              <a:rPr lang="nl-NL" dirty="0">
+                <a:solidFill>
+                  <a:srgbClr val="CE9178"/>
+                </a:solidFill>
+                <a:latin typeface="Consolas" panose="020B0609020204030204" pitchFamily="49" charset="0"/>
+              </a:rPr>
+              <a:t>'/</a:t>
+            </a:r>
+            <a:r>
+              <a:rPr lang="nl-NL" dirty="0" err="1">
+                <a:solidFill>
+                  <a:srgbClr val="CE9178"/>
+                </a:solidFill>
+                <a:latin typeface="Consolas" panose="020B0609020204030204" pitchFamily="49" charset="0"/>
+              </a:rPr>
+              <a:t>products</a:t>
+            </a:r>
+            <a:r>
+              <a:rPr lang="nl-NL" dirty="0">
+                <a:solidFill>
+                  <a:srgbClr val="CE9178"/>
+                </a:solidFill>
+                <a:latin typeface="Consolas" panose="020B0609020204030204" pitchFamily="49" charset="0"/>
+              </a:rPr>
+              <a:t>'</a:t>
+            </a:r>
+            <a:r>
+              <a:rPr lang="nl-NL" dirty="0">
+                <a:solidFill>
+                  <a:srgbClr val="D4D4D4"/>
+                </a:solidFill>
+                <a:latin typeface="Consolas" panose="020B0609020204030204" pitchFamily="49" charset="0"/>
+              </a:rPr>
+              <a:t>).</a:t>
+            </a:r>
+            <a:r>
+              <a:rPr lang="nl-NL" dirty="0">
+                <a:solidFill>
+                  <a:srgbClr val="DCDCAA"/>
+                </a:solidFill>
+                <a:latin typeface="Consolas" panose="020B0609020204030204" pitchFamily="49" charset="0"/>
+              </a:rPr>
+              <a:t>pipe</a:t>
+            </a:r>
+            <a:r>
+              <a:rPr lang="nl-NL" dirty="0">
+                <a:solidFill>
+                  <a:srgbClr val="D4D4D4"/>
+                </a:solidFill>
+                <a:latin typeface="Consolas" panose="020B0609020204030204" pitchFamily="49" charset="0"/>
+              </a:rPr>
+              <a:t>(</a:t>
+            </a:r>
+          </a:p>
+          <a:p>
+            <a:r>
+              <a:rPr lang="nl-NL" dirty="0">
+                <a:solidFill>
+                  <a:srgbClr val="D4D4D4"/>
+                </a:solidFill>
+                <a:latin typeface="Consolas" panose="020B0609020204030204" pitchFamily="49" charset="0"/>
+              </a:rPr>
+              <a:t>      </a:t>
+            </a:r>
+            <a:r>
+              <a:rPr lang="nl-NL" dirty="0">
+                <a:solidFill>
+                  <a:srgbClr val="DCDCAA"/>
+                </a:solidFill>
+                <a:latin typeface="Consolas" panose="020B0609020204030204" pitchFamily="49" charset="0"/>
+              </a:rPr>
+              <a:t>tap</a:t>
+            </a:r>
+            <a:r>
+              <a:rPr lang="nl-NL" dirty="0">
+                <a:solidFill>
+                  <a:srgbClr val="D4D4D4"/>
+                </a:solidFill>
+                <a:latin typeface="Consolas" panose="020B0609020204030204" pitchFamily="49" charset="0"/>
+              </a:rPr>
+              <a:t>((</a:t>
+            </a:r>
+            <a:r>
+              <a:rPr lang="nl-NL" dirty="0" err="1">
+                <a:solidFill>
+                  <a:srgbClr val="9CDCFE"/>
+                </a:solidFill>
+                <a:latin typeface="Consolas" panose="020B0609020204030204" pitchFamily="49" charset="0"/>
+              </a:rPr>
+              <a:t>products</a:t>
+            </a:r>
+            <a:r>
+              <a:rPr lang="nl-NL" dirty="0">
+                <a:solidFill>
+                  <a:srgbClr val="D4D4D4"/>
+                </a:solidFill>
+                <a:latin typeface="Consolas" panose="020B0609020204030204" pitchFamily="49" charset="0"/>
+              </a:rPr>
+              <a:t>: </a:t>
+            </a:r>
+            <a:r>
+              <a:rPr lang="nl-NL" dirty="0">
+                <a:solidFill>
+                  <a:srgbClr val="4EC9B0"/>
+                </a:solidFill>
+                <a:latin typeface="Consolas" panose="020B0609020204030204" pitchFamily="49" charset="0"/>
+              </a:rPr>
+              <a:t>Product</a:t>
+            </a:r>
+            <a:r>
+              <a:rPr lang="nl-NL" dirty="0">
+                <a:solidFill>
+                  <a:srgbClr val="D4D4D4"/>
+                </a:solidFill>
+                <a:latin typeface="Consolas" panose="020B0609020204030204" pitchFamily="49" charset="0"/>
+              </a:rPr>
+              <a:t>[]) </a:t>
+            </a:r>
+            <a:r>
+              <a:rPr lang="nl-NL" dirty="0">
+                <a:solidFill>
+                  <a:srgbClr val="569CD6"/>
+                </a:solidFill>
+                <a:latin typeface="Consolas" panose="020B0609020204030204" pitchFamily="49" charset="0"/>
+              </a:rPr>
+              <a:t>=&gt;</a:t>
+            </a:r>
+            <a:r>
+              <a:rPr lang="nl-NL" dirty="0">
+                <a:solidFill>
+                  <a:srgbClr val="D4D4D4"/>
+                </a:solidFill>
+                <a:latin typeface="Consolas" panose="020B0609020204030204" pitchFamily="49" charset="0"/>
+              </a:rPr>
+              <a:t> {</a:t>
+            </a:r>
+          </a:p>
+          <a:p>
+            <a:r>
+              <a:rPr lang="nl-NL" dirty="0">
+                <a:solidFill>
+                  <a:srgbClr val="D4D4D4"/>
+                </a:solidFill>
+                <a:latin typeface="Consolas" panose="020B0609020204030204" pitchFamily="49" charset="0"/>
+              </a:rPr>
+              <a:t>        </a:t>
+            </a:r>
+            <a:r>
+              <a:rPr lang="nl-NL" dirty="0" err="1">
+                <a:solidFill>
+                  <a:srgbClr val="569CD6"/>
+                </a:solidFill>
+                <a:latin typeface="Consolas" panose="020B0609020204030204" pitchFamily="49" charset="0"/>
+              </a:rPr>
+              <a:t>this</a:t>
+            </a:r>
+            <a:r>
+              <a:rPr lang="nl-NL" dirty="0" err="1">
+                <a:solidFill>
+                  <a:srgbClr val="D4D4D4"/>
+                </a:solidFill>
+                <a:latin typeface="Consolas" panose="020B0609020204030204" pitchFamily="49" charset="0"/>
+              </a:rPr>
+              <a:t>.</a:t>
+            </a:r>
+            <a:r>
+              <a:rPr lang="nl-NL" dirty="0" err="1">
+                <a:solidFill>
+                  <a:srgbClr val="9CDCFE"/>
+                </a:solidFill>
+                <a:latin typeface="Consolas" panose="020B0609020204030204" pitchFamily="49" charset="0"/>
+              </a:rPr>
+              <a:t>products</a:t>
+            </a:r>
+            <a:r>
+              <a:rPr lang="nl-NL" dirty="0">
+                <a:solidFill>
+                  <a:srgbClr val="D4D4D4"/>
+                </a:solidFill>
+                <a:latin typeface="Consolas" panose="020B0609020204030204" pitchFamily="49" charset="0"/>
+              </a:rPr>
+              <a:t> = </a:t>
+            </a:r>
+            <a:r>
+              <a:rPr lang="nl-NL" dirty="0" err="1">
+                <a:solidFill>
+                  <a:srgbClr val="9CDCFE"/>
+                </a:solidFill>
+                <a:latin typeface="Consolas" panose="020B0609020204030204" pitchFamily="49" charset="0"/>
+              </a:rPr>
+              <a:t>products</a:t>
+            </a:r>
+            <a:r>
+              <a:rPr lang="nl-NL" dirty="0">
+                <a:solidFill>
+                  <a:srgbClr val="D4D4D4"/>
+                </a:solidFill>
+                <a:latin typeface="Consolas" panose="020B0609020204030204" pitchFamily="49" charset="0"/>
+              </a:rPr>
+              <a:t>;</a:t>
+            </a:r>
+          </a:p>
+          <a:p>
+            <a:r>
+              <a:rPr lang="nl-NL" dirty="0">
+                <a:solidFill>
+                  <a:srgbClr val="D4D4D4"/>
+                </a:solidFill>
+                <a:latin typeface="Consolas" panose="020B0609020204030204" pitchFamily="49" charset="0"/>
+              </a:rPr>
+              <a:t>      }),</a:t>
+            </a:r>
+          </a:p>
+          <a:p>
+            <a:r>
+              <a:rPr lang="nl-NL" dirty="0">
+                <a:solidFill>
+                  <a:srgbClr val="D4D4D4"/>
+                </a:solidFill>
+                <a:latin typeface="Consolas" panose="020B0609020204030204" pitchFamily="49" charset="0"/>
+              </a:rPr>
+              <a:t>      </a:t>
+            </a:r>
+            <a:r>
+              <a:rPr lang="nl-NL" dirty="0" err="1">
+                <a:solidFill>
+                  <a:srgbClr val="DCDCAA"/>
+                </a:solidFill>
+                <a:latin typeface="Consolas" panose="020B0609020204030204" pitchFamily="49" charset="0"/>
+              </a:rPr>
+              <a:t>mapTo</a:t>
+            </a:r>
+            <a:r>
+              <a:rPr lang="nl-NL" dirty="0">
+                <a:solidFill>
+                  <a:srgbClr val="D4D4D4"/>
+                </a:solidFill>
+                <a:latin typeface="Consolas" panose="020B0609020204030204" pitchFamily="49" charset="0"/>
+              </a:rPr>
+              <a:t>(</a:t>
+            </a:r>
+            <a:r>
+              <a:rPr lang="nl-NL" dirty="0" err="1">
+                <a:solidFill>
+                  <a:srgbClr val="569CD6"/>
+                </a:solidFill>
+                <a:latin typeface="Consolas" panose="020B0609020204030204" pitchFamily="49" charset="0"/>
+              </a:rPr>
+              <a:t>true</a:t>
+            </a:r>
+            <a:r>
+              <a:rPr lang="nl-NL" dirty="0">
+                <a:solidFill>
+                  <a:srgbClr val="D4D4D4"/>
+                </a:solidFill>
+                <a:latin typeface="Consolas" panose="020B0609020204030204" pitchFamily="49" charset="0"/>
+              </a:rPr>
+              <a:t>)</a:t>
+            </a:r>
+          </a:p>
+          <a:p>
+            <a:r>
+              <a:rPr lang="nl-NL" dirty="0">
+                <a:solidFill>
+                  <a:srgbClr val="D4D4D4"/>
+                </a:solidFill>
+                <a:latin typeface="Consolas" panose="020B0609020204030204" pitchFamily="49" charset="0"/>
+              </a:rPr>
+              <a:t>    );</a:t>
+            </a:r>
+          </a:p>
+          <a:p>
+            <a:r>
+              <a:rPr lang="nl-NL" dirty="0">
+                <a:solidFill>
+                  <a:srgbClr val="D4D4D4"/>
+                </a:solidFill>
+                <a:latin typeface="Consolas" panose="020B0609020204030204" pitchFamily="49" charset="0"/>
+              </a:rPr>
+              <a:t>  }</a:t>
+            </a:r>
+          </a:p>
+          <a:p>
+            <a:r>
+              <a:rPr lang="nl-NL" dirty="0">
+                <a:solidFill>
+                  <a:srgbClr val="D4D4D4"/>
+                </a:solidFill>
+                <a:latin typeface="Consolas" panose="020B0609020204030204" pitchFamily="49" charset="0"/>
+              </a:rPr>
+              <a:t>}</a:t>
+            </a:r>
+            <a:endParaRPr lang="nl-NL" b="0" dirty="0">
+              <a:solidFill>
+                <a:srgbClr val="D4D4D4"/>
+              </a:solidFill>
+              <a:effectLst/>
+              <a:latin typeface="Consolas" panose="020B0609020204030204" pitchFamily="49" charset="0"/>
+            </a:endParaRPr>
+          </a:p>
+        </p:txBody>
+      </p:sp>
+    </p:spTree>
+    <p:extLst>
+      <p:ext uri="{BB962C8B-B14F-4D97-AF65-F5344CB8AC3E}">
+        <p14:creationId xmlns:p14="http://schemas.microsoft.com/office/powerpoint/2010/main" val="2782650046"/>
+      </p:ext>
+    </p:extLst>
+  </p:cSld>
+  <p:clrMapOvr>
+    <a:masterClrMapping/>
+  </p:clrMapOvr>
+</p:sld>
+</file>
+
+<file path=ppt/slides/slide7.xml><?xml version="1.0" encoding="utf-8"?>
+<p:sld xmlns:a="http://schemas.openxmlformats.org/drawingml/2006/main" xmlns:r="http://schemas.openxmlformats.org/officeDocument/2006/relationships" xmlns:p="http://schemas.openxmlformats.org/presentationml/2006/main">
+  <p:cSld>
+    <p:spTree>
+      <p:nvGrpSpPr>
+        <p:cNvPr id="1" name=""/>
+        <p:cNvGrpSpPr/>
+        <p:nvPr/>
+      </p:nvGrpSpPr>
+      <p:grpSpPr>
+        <a:xfrm>
+          <a:off x="0" y="0"/>
+          <a:ext cx="0" cy="0"/>
+          <a:chOff x="0" y="0"/>
+          <a:chExt cx="0" cy="0"/>
+        </a:xfrm>
+      </p:grpSpPr>
+      <p:sp>
+        <p:nvSpPr>
+          <p:cNvPr id="2" name="Title 1">
+            <a:extLst>
+              <a:ext uri="{FF2B5EF4-FFF2-40B4-BE49-F238E27FC236}">
+                <a16:creationId xmlns:a16="http://schemas.microsoft.com/office/drawing/2014/main" id="{58A75D02-8D99-4750-B95C-655E0DA90887}"/>
+              </a:ext>
+            </a:extLst>
+          </p:cNvPr>
+          <p:cNvSpPr>
+            <a:spLocks noGrp="1"/>
+          </p:cNvSpPr>
+          <p:nvPr>
+            <p:ph type="title"/>
+          </p:nvPr>
+        </p:nvSpPr>
+        <p:spPr/>
+        <p:txBody>
+          <a:bodyPr/>
+          <a:lstStyle/>
+          <a:p>
+            <a:r>
+              <a:rPr lang="en-US" dirty="0"/>
+              <a:t>State management – Observable data Service</a:t>
+            </a:r>
+            <a:endParaRPr lang="nl-NL" dirty="0"/>
+          </a:p>
+        </p:txBody>
+      </p:sp>
+      <p:sp>
+        <p:nvSpPr>
+          <p:cNvPr id="3" name="Content Placeholder 2">
+            <a:extLst>
+              <a:ext uri="{FF2B5EF4-FFF2-40B4-BE49-F238E27FC236}">
+                <a16:creationId xmlns:a16="http://schemas.microsoft.com/office/drawing/2014/main" id="{04577237-4E8B-45D5-8064-C87D6F617C06}"/>
+              </a:ext>
+            </a:extLst>
+          </p:cNvPr>
+          <p:cNvSpPr>
+            <a:spLocks noGrp="1"/>
+          </p:cNvSpPr>
+          <p:nvPr>
+            <p:ph idx="1"/>
+          </p:nvPr>
+        </p:nvSpPr>
+        <p:spPr>
+          <a:xfrm>
+            <a:off x="913774" y="2093987"/>
+            <a:ext cx="3126597" cy="3970318"/>
+          </a:xfrm>
+        </p:spPr>
+        <p:txBody>
+          <a:bodyPr>
+            <a:normAutofit/>
+          </a:bodyPr>
+          <a:lstStyle/>
+          <a:p>
+            <a:pPr marL="0" indent="0">
+              <a:buNone/>
+            </a:pPr>
+            <a:r>
+              <a:rPr lang="en-US" dirty="0"/>
+              <a:t>Observations:</a:t>
+            </a:r>
+          </a:p>
+          <a:p>
+            <a:pPr>
+              <a:buFontTx/>
+              <a:buChar char="-"/>
+            </a:pPr>
+            <a:r>
+              <a:rPr lang="en-US" dirty="0"/>
+              <a:t>Data can be shared</a:t>
+            </a:r>
+          </a:p>
+          <a:p>
+            <a:pPr>
+              <a:buFontTx/>
+              <a:buChar char="-"/>
+            </a:pPr>
+            <a:r>
+              <a:rPr lang="en-US" dirty="0"/>
+              <a:t>Code is “complex” if you aren’t used to observables </a:t>
+            </a:r>
+            <a:r>
+              <a:rPr lang="en-US" dirty="0">
+                <a:sym typeface="Wingdings" panose="05000000000000000000" pitchFamily="2" charset="2"/>
+              </a:rPr>
+              <a:t></a:t>
+            </a:r>
+          </a:p>
+          <a:p>
+            <a:pPr>
+              <a:buFontTx/>
+              <a:buChar char="-"/>
+            </a:pPr>
+            <a:r>
+              <a:rPr lang="en-US" dirty="0">
+                <a:sym typeface="Wingdings" panose="05000000000000000000" pitchFamily="2" charset="2"/>
+              </a:rPr>
+              <a:t>Initializing will be simple. </a:t>
+            </a:r>
+            <a:endParaRPr lang="en-US" dirty="0"/>
+          </a:p>
+        </p:txBody>
+      </p:sp>
+      <p:sp>
+        <p:nvSpPr>
+          <p:cNvPr id="5" name="Rectangle 4">
+            <a:extLst>
+              <a:ext uri="{FF2B5EF4-FFF2-40B4-BE49-F238E27FC236}">
+                <a16:creationId xmlns:a16="http://schemas.microsoft.com/office/drawing/2014/main" id="{9509BD73-7682-4F62-803B-86CD5CA513E1}"/>
+              </a:ext>
+            </a:extLst>
+          </p:cNvPr>
+          <p:cNvSpPr/>
+          <p:nvPr/>
+        </p:nvSpPr>
+        <p:spPr>
+          <a:xfrm>
+            <a:off x="4153777" y="2093987"/>
+            <a:ext cx="7825563" cy="3970318"/>
+          </a:xfrm>
+          <a:prstGeom prst="rect">
+            <a:avLst/>
+          </a:prstGeom>
+          <a:solidFill>
+            <a:schemeClr val="tx1"/>
+          </a:solidFill>
+        </p:spPr>
+        <p:txBody>
+          <a:bodyPr wrap="square">
+            <a:spAutoFit/>
+          </a:bodyPr>
+          <a:lstStyle/>
+          <a:p>
+            <a:r>
+              <a:rPr lang="nl-NL" dirty="0">
+                <a:solidFill>
+                  <a:srgbClr val="C586C0"/>
+                </a:solidFill>
+                <a:latin typeface="Consolas" panose="020B0609020204030204" pitchFamily="49" charset="0"/>
+              </a:rPr>
+              <a:t>export</a:t>
+            </a:r>
+            <a:r>
+              <a:rPr lang="nl-NL" dirty="0">
+                <a:solidFill>
+                  <a:srgbClr val="D4D4D4"/>
+                </a:solidFill>
+                <a:latin typeface="Consolas" panose="020B0609020204030204" pitchFamily="49" charset="0"/>
+              </a:rPr>
+              <a:t> </a:t>
+            </a:r>
+            <a:r>
+              <a:rPr lang="nl-NL" dirty="0">
+                <a:solidFill>
+                  <a:srgbClr val="569CD6"/>
+                </a:solidFill>
+                <a:latin typeface="Consolas" panose="020B0609020204030204" pitchFamily="49" charset="0"/>
+              </a:rPr>
+              <a:t>class</a:t>
+            </a:r>
+            <a:r>
+              <a:rPr lang="nl-NL" dirty="0">
+                <a:solidFill>
+                  <a:srgbClr val="D4D4D4"/>
+                </a:solidFill>
+                <a:latin typeface="Consolas" panose="020B0609020204030204" pitchFamily="49" charset="0"/>
+              </a:rPr>
+              <a:t> </a:t>
+            </a:r>
+            <a:r>
+              <a:rPr lang="nl-NL" dirty="0" err="1">
+                <a:solidFill>
+                  <a:srgbClr val="4EC9B0"/>
+                </a:solidFill>
+                <a:latin typeface="Consolas" panose="020B0609020204030204" pitchFamily="49" charset="0"/>
+              </a:rPr>
+              <a:t>ProductService</a:t>
+            </a:r>
+            <a:r>
+              <a:rPr lang="nl-NL" dirty="0">
+                <a:solidFill>
+                  <a:srgbClr val="D4D4D4"/>
+                </a:solidFill>
+                <a:latin typeface="Consolas" panose="020B0609020204030204" pitchFamily="49" charset="0"/>
+              </a:rPr>
+              <a:t> {</a:t>
+            </a:r>
+          </a:p>
+          <a:p>
+            <a:r>
+              <a:rPr lang="nl-NL" dirty="0">
+                <a:solidFill>
+                  <a:srgbClr val="D4D4D4"/>
+                </a:solidFill>
+                <a:latin typeface="Consolas" panose="020B0609020204030204" pitchFamily="49" charset="0"/>
+              </a:rPr>
+              <a:t>  </a:t>
+            </a:r>
+            <a:r>
+              <a:rPr lang="nl-NL" dirty="0">
+                <a:solidFill>
+                  <a:srgbClr val="569CD6"/>
+                </a:solidFill>
+                <a:latin typeface="Consolas" panose="020B0609020204030204" pitchFamily="49" charset="0"/>
+              </a:rPr>
+              <a:t>private</a:t>
+            </a:r>
+            <a:r>
+              <a:rPr lang="nl-NL" dirty="0">
+                <a:solidFill>
+                  <a:srgbClr val="D4D4D4"/>
+                </a:solidFill>
+                <a:latin typeface="Consolas" panose="020B0609020204030204" pitchFamily="49" charset="0"/>
+              </a:rPr>
+              <a:t> </a:t>
+            </a:r>
+            <a:r>
+              <a:rPr lang="nl-NL" dirty="0" err="1">
+                <a:solidFill>
+                  <a:srgbClr val="9CDCFE"/>
+                </a:solidFill>
+                <a:latin typeface="Consolas" panose="020B0609020204030204" pitchFamily="49" charset="0"/>
+              </a:rPr>
+              <a:t>productsSubject</a:t>
+            </a:r>
+            <a:r>
+              <a:rPr lang="nl-NL" dirty="0">
+                <a:solidFill>
+                  <a:srgbClr val="D4D4D4"/>
+                </a:solidFill>
+                <a:latin typeface="Consolas" panose="020B0609020204030204" pitchFamily="49" charset="0"/>
+              </a:rPr>
+              <a:t> = </a:t>
+            </a:r>
+            <a:r>
+              <a:rPr lang="nl-NL" dirty="0">
+                <a:solidFill>
+                  <a:srgbClr val="569CD6"/>
+                </a:solidFill>
+                <a:latin typeface="Consolas" panose="020B0609020204030204" pitchFamily="49" charset="0"/>
+              </a:rPr>
+              <a:t>new</a:t>
+            </a:r>
+            <a:r>
+              <a:rPr lang="nl-NL" dirty="0">
+                <a:solidFill>
+                  <a:srgbClr val="D4D4D4"/>
+                </a:solidFill>
+                <a:latin typeface="Consolas" panose="020B0609020204030204" pitchFamily="49" charset="0"/>
+              </a:rPr>
+              <a:t> </a:t>
+            </a:r>
+            <a:r>
+              <a:rPr lang="nl-NL" dirty="0" err="1">
+                <a:solidFill>
+                  <a:srgbClr val="4EC9B0"/>
+                </a:solidFill>
+                <a:latin typeface="Consolas" panose="020B0609020204030204" pitchFamily="49" charset="0"/>
+              </a:rPr>
+              <a:t>ReplaySubject</a:t>
+            </a:r>
+            <a:r>
+              <a:rPr lang="nl-NL" dirty="0">
+                <a:solidFill>
+                  <a:srgbClr val="D4D4D4"/>
+                </a:solidFill>
+                <a:latin typeface="Consolas" panose="020B0609020204030204" pitchFamily="49" charset="0"/>
+              </a:rPr>
+              <a:t>&lt;</a:t>
+            </a:r>
+            <a:r>
+              <a:rPr lang="nl-NL" dirty="0">
+                <a:solidFill>
+                  <a:srgbClr val="4EC9B0"/>
+                </a:solidFill>
+                <a:latin typeface="Consolas" panose="020B0609020204030204" pitchFamily="49" charset="0"/>
+              </a:rPr>
+              <a:t>Product</a:t>
+            </a:r>
+            <a:r>
+              <a:rPr lang="nl-NL" dirty="0">
+                <a:solidFill>
+                  <a:srgbClr val="D4D4D4"/>
+                </a:solidFill>
+                <a:latin typeface="Consolas" panose="020B0609020204030204" pitchFamily="49" charset="0"/>
+              </a:rPr>
+              <a:t>[]&gt;(</a:t>
+            </a:r>
+            <a:r>
+              <a:rPr lang="nl-NL" dirty="0">
+                <a:solidFill>
+                  <a:srgbClr val="B5CEA8"/>
+                </a:solidFill>
+                <a:latin typeface="Consolas" panose="020B0609020204030204" pitchFamily="49" charset="0"/>
+              </a:rPr>
+              <a:t>1</a:t>
+            </a:r>
+            <a:r>
+              <a:rPr lang="nl-NL" dirty="0">
+                <a:solidFill>
+                  <a:srgbClr val="D4D4D4"/>
+                </a:solidFill>
+                <a:latin typeface="Consolas" panose="020B0609020204030204" pitchFamily="49" charset="0"/>
+              </a:rPr>
+              <a:t>);</a:t>
+            </a:r>
+          </a:p>
+          <a:p>
+            <a:r>
+              <a:rPr lang="nl-NL" dirty="0">
+                <a:solidFill>
+                  <a:srgbClr val="D4D4D4"/>
+                </a:solidFill>
+                <a:latin typeface="Consolas" panose="020B0609020204030204" pitchFamily="49" charset="0"/>
+              </a:rPr>
+              <a:t>  </a:t>
+            </a:r>
+            <a:r>
+              <a:rPr lang="nl-NL" dirty="0" err="1">
+                <a:solidFill>
+                  <a:srgbClr val="9CDCFE"/>
+                </a:solidFill>
+                <a:latin typeface="Consolas" panose="020B0609020204030204" pitchFamily="49" charset="0"/>
+              </a:rPr>
+              <a:t>products</a:t>
+            </a:r>
+            <a:r>
+              <a:rPr lang="nl-NL" dirty="0">
+                <a:solidFill>
+                  <a:srgbClr val="9CDCFE"/>
+                </a:solidFill>
+                <a:latin typeface="Consolas" panose="020B0609020204030204" pitchFamily="49" charset="0"/>
+              </a:rPr>
+              <a:t>$</a:t>
+            </a:r>
+            <a:r>
+              <a:rPr lang="nl-NL" dirty="0">
+                <a:solidFill>
+                  <a:srgbClr val="D4D4D4"/>
+                </a:solidFill>
+                <a:latin typeface="Consolas" panose="020B0609020204030204" pitchFamily="49" charset="0"/>
+              </a:rPr>
+              <a:t> = </a:t>
+            </a:r>
+            <a:r>
+              <a:rPr lang="nl-NL" dirty="0" err="1">
+                <a:solidFill>
+                  <a:srgbClr val="569CD6"/>
+                </a:solidFill>
+                <a:latin typeface="Consolas" panose="020B0609020204030204" pitchFamily="49" charset="0"/>
+              </a:rPr>
+              <a:t>this</a:t>
+            </a:r>
+            <a:r>
+              <a:rPr lang="nl-NL" dirty="0" err="1">
+                <a:solidFill>
+                  <a:srgbClr val="D4D4D4"/>
+                </a:solidFill>
+                <a:latin typeface="Consolas" panose="020B0609020204030204" pitchFamily="49" charset="0"/>
+              </a:rPr>
+              <a:t>.</a:t>
+            </a:r>
+            <a:r>
+              <a:rPr lang="nl-NL" dirty="0" err="1">
+                <a:solidFill>
+                  <a:srgbClr val="9CDCFE"/>
+                </a:solidFill>
+                <a:latin typeface="Consolas" panose="020B0609020204030204" pitchFamily="49" charset="0"/>
+              </a:rPr>
+              <a:t>productsSubject</a:t>
+            </a:r>
+            <a:r>
+              <a:rPr lang="nl-NL" dirty="0" err="1">
+                <a:solidFill>
+                  <a:srgbClr val="D4D4D4"/>
+                </a:solidFill>
+                <a:latin typeface="Consolas" panose="020B0609020204030204" pitchFamily="49" charset="0"/>
+              </a:rPr>
+              <a:t>.</a:t>
+            </a:r>
+            <a:r>
+              <a:rPr lang="nl-NL" dirty="0" err="1">
+                <a:solidFill>
+                  <a:srgbClr val="DCDCAA"/>
+                </a:solidFill>
+                <a:latin typeface="Consolas" panose="020B0609020204030204" pitchFamily="49" charset="0"/>
+              </a:rPr>
+              <a:t>asObservable</a:t>
+            </a:r>
+            <a:r>
+              <a:rPr lang="nl-NL" dirty="0">
+                <a:solidFill>
+                  <a:srgbClr val="D4D4D4"/>
+                </a:solidFill>
+                <a:latin typeface="Consolas" panose="020B0609020204030204" pitchFamily="49" charset="0"/>
+              </a:rPr>
+              <a:t>();</a:t>
+            </a:r>
+          </a:p>
+          <a:p>
+            <a:br>
+              <a:rPr lang="nl-NL" dirty="0">
+                <a:solidFill>
+                  <a:srgbClr val="D4D4D4"/>
+                </a:solidFill>
+                <a:latin typeface="Consolas" panose="020B0609020204030204" pitchFamily="49" charset="0"/>
+              </a:rPr>
+            </a:br>
+            <a:r>
+              <a:rPr lang="nl-NL" dirty="0">
+                <a:solidFill>
+                  <a:srgbClr val="D4D4D4"/>
+                </a:solidFill>
+                <a:latin typeface="Consolas" panose="020B0609020204030204" pitchFamily="49" charset="0"/>
+              </a:rPr>
+              <a:t>  </a:t>
+            </a:r>
+            <a:r>
+              <a:rPr lang="nl-NL" dirty="0" err="1">
+                <a:solidFill>
+                  <a:srgbClr val="569CD6"/>
+                </a:solidFill>
+                <a:latin typeface="Consolas" panose="020B0609020204030204" pitchFamily="49" charset="0"/>
+              </a:rPr>
+              <a:t>constructor</a:t>
+            </a:r>
+            <a:r>
+              <a:rPr lang="nl-NL" dirty="0">
+                <a:solidFill>
+                  <a:srgbClr val="D4D4D4"/>
+                </a:solidFill>
+                <a:latin typeface="Consolas" panose="020B0609020204030204" pitchFamily="49" charset="0"/>
+              </a:rPr>
+              <a:t>(</a:t>
+            </a:r>
+            <a:r>
+              <a:rPr lang="nl-NL" dirty="0">
+                <a:solidFill>
+                  <a:srgbClr val="569CD6"/>
+                </a:solidFill>
+                <a:latin typeface="Consolas" panose="020B0609020204030204" pitchFamily="49" charset="0"/>
+              </a:rPr>
+              <a:t>private</a:t>
+            </a:r>
+            <a:r>
+              <a:rPr lang="nl-NL" dirty="0">
+                <a:solidFill>
+                  <a:srgbClr val="D4D4D4"/>
+                </a:solidFill>
+                <a:latin typeface="Consolas" panose="020B0609020204030204" pitchFamily="49" charset="0"/>
+              </a:rPr>
+              <a:t> </a:t>
+            </a:r>
+            <a:r>
+              <a:rPr lang="nl-NL" dirty="0">
+                <a:solidFill>
+                  <a:srgbClr val="9CDCFE"/>
+                </a:solidFill>
+                <a:latin typeface="Consolas" panose="020B0609020204030204" pitchFamily="49" charset="0"/>
+              </a:rPr>
+              <a:t>http</a:t>
+            </a:r>
+            <a:r>
+              <a:rPr lang="nl-NL" dirty="0">
+                <a:solidFill>
+                  <a:srgbClr val="D4D4D4"/>
+                </a:solidFill>
+                <a:latin typeface="Consolas" panose="020B0609020204030204" pitchFamily="49" charset="0"/>
+              </a:rPr>
+              <a:t>: </a:t>
+            </a:r>
+            <a:r>
+              <a:rPr lang="nl-NL" dirty="0" err="1">
+                <a:solidFill>
+                  <a:srgbClr val="4EC9B0"/>
+                </a:solidFill>
+                <a:latin typeface="Consolas" panose="020B0609020204030204" pitchFamily="49" charset="0"/>
+              </a:rPr>
+              <a:t>HttpClient</a:t>
+            </a:r>
+            <a:r>
+              <a:rPr lang="nl-NL" dirty="0">
+                <a:solidFill>
+                  <a:srgbClr val="D4D4D4"/>
+                </a:solidFill>
+                <a:latin typeface="Consolas" panose="020B0609020204030204" pitchFamily="49" charset="0"/>
+              </a:rPr>
+              <a:t>) {}</a:t>
+            </a:r>
+          </a:p>
+          <a:p>
+            <a:br>
+              <a:rPr lang="nl-NL" dirty="0">
+                <a:solidFill>
+                  <a:srgbClr val="D4D4D4"/>
+                </a:solidFill>
+                <a:latin typeface="Consolas" panose="020B0609020204030204" pitchFamily="49" charset="0"/>
+              </a:rPr>
+            </a:br>
+            <a:r>
+              <a:rPr lang="nl-NL" dirty="0">
+                <a:solidFill>
+                  <a:srgbClr val="D4D4D4"/>
+                </a:solidFill>
+                <a:latin typeface="Consolas" panose="020B0609020204030204" pitchFamily="49" charset="0"/>
+              </a:rPr>
+              <a:t>  </a:t>
+            </a:r>
+            <a:r>
+              <a:rPr lang="nl-NL" dirty="0" err="1">
+                <a:solidFill>
+                  <a:srgbClr val="DCDCAA"/>
+                </a:solidFill>
+                <a:latin typeface="Consolas" panose="020B0609020204030204" pitchFamily="49" charset="0"/>
+              </a:rPr>
+              <a:t>getProducts</a:t>
+            </a:r>
+            <a:r>
+              <a:rPr lang="nl-NL" dirty="0">
+                <a:solidFill>
+                  <a:srgbClr val="D4D4D4"/>
+                </a:solidFill>
+                <a:latin typeface="Consolas" panose="020B0609020204030204" pitchFamily="49" charset="0"/>
+              </a:rPr>
+              <a:t>(): </a:t>
+            </a:r>
+            <a:r>
+              <a:rPr lang="nl-NL" dirty="0" err="1">
+                <a:solidFill>
+                  <a:srgbClr val="4EC9B0"/>
+                </a:solidFill>
+                <a:latin typeface="Consolas" panose="020B0609020204030204" pitchFamily="49" charset="0"/>
+              </a:rPr>
+              <a:t>Observable</a:t>
+            </a:r>
+            <a:r>
+              <a:rPr lang="nl-NL" dirty="0">
+                <a:solidFill>
+                  <a:srgbClr val="D4D4D4"/>
+                </a:solidFill>
+                <a:latin typeface="Consolas" panose="020B0609020204030204" pitchFamily="49" charset="0"/>
+              </a:rPr>
+              <a:t>&lt;</a:t>
+            </a:r>
+            <a:r>
+              <a:rPr lang="nl-NL" dirty="0">
+                <a:solidFill>
+                  <a:srgbClr val="4EC9B0"/>
+                </a:solidFill>
+                <a:latin typeface="Consolas" panose="020B0609020204030204" pitchFamily="49" charset="0"/>
+              </a:rPr>
+              <a:t>Product</a:t>
+            </a:r>
+            <a:r>
+              <a:rPr lang="nl-NL" dirty="0">
+                <a:solidFill>
+                  <a:srgbClr val="D4D4D4"/>
+                </a:solidFill>
+                <a:latin typeface="Consolas" panose="020B0609020204030204" pitchFamily="49" charset="0"/>
+              </a:rPr>
+              <a:t>[]&gt; {</a:t>
+            </a:r>
+          </a:p>
+          <a:p>
+            <a:r>
+              <a:rPr lang="nl-NL" dirty="0">
+                <a:solidFill>
+                  <a:srgbClr val="D4D4D4"/>
+                </a:solidFill>
+                <a:latin typeface="Consolas" panose="020B0609020204030204" pitchFamily="49" charset="0"/>
+              </a:rPr>
+              <a:t>    </a:t>
+            </a:r>
+            <a:r>
+              <a:rPr lang="nl-NL" dirty="0" err="1">
+                <a:solidFill>
+                  <a:srgbClr val="569CD6"/>
+                </a:solidFill>
+                <a:latin typeface="Consolas" panose="020B0609020204030204" pitchFamily="49" charset="0"/>
+              </a:rPr>
+              <a:t>this</a:t>
+            </a:r>
+            <a:r>
+              <a:rPr lang="nl-NL" dirty="0" err="1">
+                <a:solidFill>
+                  <a:srgbClr val="D4D4D4"/>
+                </a:solidFill>
+                <a:latin typeface="Consolas" panose="020B0609020204030204" pitchFamily="49" charset="0"/>
+              </a:rPr>
+              <a:t>.</a:t>
+            </a:r>
+            <a:r>
+              <a:rPr lang="nl-NL" dirty="0" err="1">
+                <a:solidFill>
+                  <a:srgbClr val="9CDCFE"/>
+                </a:solidFill>
+                <a:latin typeface="Consolas" panose="020B0609020204030204" pitchFamily="49" charset="0"/>
+              </a:rPr>
+              <a:t>http</a:t>
+            </a:r>
+            <a:r>
+              <a:rPr lang="nl-NL" dirty="0" err="1">
+                <a:solidFill>
+                  <a:srgbClr val="D4D4D4"/>
+                </a:solidFill>
+                <a:latin typeface="Consolas" panose="020B0609020204030204" pitchFamily="49" charset="0"/>
+              </a:rPr>
+              <a:t>.</a:t>
+            </a:r>
+            <a:r>
+              <a:rPr lang="nl-NL" dirty="0" err="1">
+                <a:solidFill>
+                  <a:srgbClr val="DCDCAA"/>
+                </a:solidFill>
+                <a:latin typeface="Consolas" panose="020B0609020204030204" pitchFamily="49" charset="0"/>
+              </a:rPr>
+              <a:t>get</a:t>
+            </a:r>
+            <a:r>
+              <a:rPr lang="nl-NL" dirty="0">
+                <a:solidFill>
+                  <a:srgbClr val="D4D4D4"/>
+                </a:solidFill>
+                <a:latin typeface="Consolas" panose="020B0609020204030204" pitchFamily="49" charset="0"/>
+              </a:rPr>
+              <a:t>(</a:t>
+            </a:r>
+            <a:r>
+              <a:rPr lang="nl-NL" dirty="0">
+                <a:solidFill>
+                  <a:srgbClr val="CE9178"/>
+                </a:solidFill>
+                <a:latin typeface="Consolas" panose="020B0609020204030204" pitchFamily="49" charset="0"/>
+              </a:rPr>
+              <a:t>'/</a:t>
+            </a:r>
+            <a:r>
+              <a:rPr lang="nl-NL" dirty="0" err="1">
+                <a:solidFill>
+                  <a:srgbClr val="CE9178"/>
+                </a:solidFill>
+                <a:latin typeface="Consolas" panose="020B0609020204030204" pitchFamily="49" charset="0"/>
+              </a:rPr>
+              <a:t>products</a:t>
+            </a:r>
+            <a:r>
+              <a:rPr lang="nl-NL" dirty="0">
+                <a:solidFill>
+                  <a:srgbClr val="CE9178"/>
+                </a:solidFill>
+                <a:latin typeface="Consolas" panose="020B0609020204030204" pitchFamily="49" charset="0"/>
+              </a:rPr>
+              <a:t>'</a:t>
+            </a:r>
+            <a:r>
+              <a:rPr lang="nl-NL" dirty="0">
+                <a:solidFill>
+                  <a:srgbClr val="D4D4D4"/>
+                </a:solidFill>
+                <a:latin typeface="Consolas" panose="020B0609020204030204" pitchFamily="49" charset="0"/>
+              </a:rPr>
+              <a:t>).</a:t>
+            </a:r>
+            <a:r>
+              <a:rPr lang="nl-NL" dirty="0" err="1">
+                <a:solidFill>
+                  <a:srgbClr val="DCDCAA"/>
+                </a:solidFill>
+                <a:latin typeface="Consolas" panose="020B0609020204030204" pitchFamily="49" charset="0"/>
+              </a:rPr>
+              <a:t>subscribe</a:t>
+            </a:r>
+            <a:r>
+              <a:rPr lang="nl-NL" dirty="0">
+                <a:solidFill>
+                  <a:srgbClr val="D4D4D4"/>
+                </a:solidFill>
+                <a:latin typeface="Consolas" panose="020B0609020204030204" pitchFamily="49" charset="0"/>
+              </a:rPr>
+              <a:t>((</a:t>
+            </a:r>
+            <a:r>
+              <a:rPr lang="nl-NL" dirty="0" err="1">
+                <a:solidFill>
+                  <a:srgbClr val="9CDCFE"/>
+                </a:solidFill>
+                <a:latin typeface="Consolas" panose="020B0609020204030204" pitchFamily="49" charset="0"/>
+              </a:rPr>
+              <a:t>products</a:t>
+            </a:r>
+            <a:r>
+              <a:rPr lang="nl-NL" dirty="0">
+                <a:solidFill>
+                  <a:srgbClr val="D4D4D4"/>
+                </a:solidFill>
+                <a:latin typeface="Consolas" panose="020B0609020204030204" pitchFamily="49" charset="0"/>
+              </a:rPr>
+              <a:t>) </a:t>
+            </a:r>
+            <a:r>
+              <a:rPr lang="nl-NL" dirty="0">
+                <a:solidFill>
+                  <a:srgbClr val="569CD6"/>
+                </a:solidFill>
+                <a:latin typeface="Consolas" panose="020B0609020204030204" pitchFamily="49" charset="0"/>
+              </a:rPr>
+              <a:t>=&gt;</a:t>
+            </a:r>
+            <a:r>
+              <a:rPr lang="nl-NL" dirty="0">
+                <a:solidFill>
+                  <a:srgbClr val="D4D4D4"/>
+                </a:solidFill>
+                <a:latin typeface="Consolas" panose="020B0609020204030204" pitchFamily="49" charset="0"/>
+              </a:rPr>
+              <a:t> {</a:t>
+            </a:r>
+          </a:p>
+          <a:p>
+            <a:r>
+              <a:rPr lang="nl-NL" dirty="0">
+                <a:solidFill>
+                  <a:srgbClr val="D4D4D4"/>
+                </a:solidFill>
+                <a:latin typeface="Consolas" panose="020B0609020204030204" pitchFamily="49" charset="0"/>
+              </a:rPr>
+              <a:t>      </a:t>
+            </a:r>
+            <a:r>
+              <a:rPr lang="nl-NL" dirty="0" err="1">
+                <a:solidFill>
+                  <a:srgbClr val="569CD6"/>
+                </a:solidFill>
+                <a:latin typeface="Consolas" panose="020B0609020204030204" pitchFamily="49" charset="0"/>
+              </a:rPr>
+              <a:t>this</a:t>
+            </a:r>
+            <a:r>
+              <a:rPr lang="nl-NL" dirty="0" err="1">
+                <a:solidFill>
+                  <a:srgbClr val="D4D4D4"/>
+                </a:solidFill>
+                <a:latin typeface="Consolas" panose="020B0609020204030204" pitchFamily="49" charset="0"/>
+              </a:rPr>
+              <a:t>.</a:t>
+            </a:r>
+            <a:r>
+              <a:rPr lang="nl-NL" dirty="0" err="1">
+                <a:solidFill>
+                  <a:srgbClr val="9CDCFE"/>
+                </a:solidFill>
+                <a:latin typeface="Consolas" panose="020B0609020204030204" pitchFamily="49" charset="0"/>
+              </a:rPr>
+              <a:t>productsSubject</a:t>
+            </a:r>
+            <a:r>
+              <a:rPr lang="nl-NL" dirty="0" err="1">
+                <a:solidFill>
+                  <a:srgbClr val="D4D4D4"/>
+                </a:solidFill>
+                <a:latin typeface="Consolas" panose="020B0609020204030204" pitchFamily="49" charset="0"/>
+              </a:rPr>
+              <a:t>.</a:t>
+            </a:r>
+            <a:r>
+              <a:rPr lang="nl-NL" dirty="0" err="1">
+                <a:solidFill>
+                  <a:srgbClr val="DCDCAA"/>
+                </a:solidFill>
+                <a:latin typeface="Consolas" panose="020B0609020204030204" pitchFamily="49" charset="0"/>
+              </a:rPr>
+              <a:t>next</a:t>
+            </a:r>
+            <a:r>
+              <a:rPr lang="nl-NL" dirty="0">
+                <a:solidFill>
+                  <a:srgbClr val="D4D4D4"/>
+                </a:solidFill>
+                <a:latin typeface="Consolas" panose="020B0609020204030204" pitchFamily="49" charset="0"/>
+              </a:rPr>
+              <a:t>(</a:t>
+            </a:r>
+            <a:r>
+              <a:rPr lang="nl-NL" dirty="0" err="1">
+                <a:solidFill>
+                  <a:srgbClr val="9CDCFE"/>
+                </a:solidFill>
+                <a:latin typeface="Consolas" panose="020B0609020204030204" pitchFamily="49" charset="0"/>
+              </a:rPr>
+              <a:t>products</a:t>
+            </a:r>
+            <a:r>
+              <a:rPr lang="nl-NL" dirty="0">
+                <a:solidFill>
+                  <a:srgbClr val="D4D4D4"/>
+                </a:solidFill>
+                <a:latin typeface="Consolas" panose="020B0609020204030204" pitchFamily="49" charset="0"/>
+              </a:rPr>
+              <a:t>);</a:t>
+            </a:r>
+          </a:p>
+          <a:p>
+            <a:r>
+              <a:rPr lang="nl-NL" dirty="0">
+                <a:solidFill>
+                  <a:srgbClr val="D4D4D4"/>
+                </a:solidFill>
+                <a:latin typeface="Consolas" panose="020B0609020204030204" pitchFamily="49" charset="0"/>
+              </a:rPr>
+              <a:t>    });</a:t>
+            </a:r>
+          </a:p>
+          <a:p>
+            <a:br>
+              <a:rPr lang="nl-NL" dirty="0">
+                <a:solidFill>
+                  <a:srgbClr val="D4D4D4"/>
+                </a:solidFill>
+                <a:latin typeface="Consolas" panose="020B0609020204030204" pitchFamily="49" charset="0"/>
+              </a:rPr>
+            </a:br>
+            <a:r>
+              <a:rPr lang="nl-NL" dirty="0">
+                <a:solidFill>
+                  <a:srgbClr val="D4D4D4"/>
+                </a:solidFill>
+                <a:latin typeface="Consolas" panose="020B0609020204030204" pitchFamily="49" charset="0"/>
+              </a:rPr>
+              <a:t>    </a:t>
+            </a:r>
+            <a:r>
+              <a:rPr lang="nl-NL" dirty="0">
+                <a:solidFill>
+                  <a:srgbClr val="C586C0"/>
+                </a:solidFill>
+                <a:latin typeface="Consolas" panose="020B0609020204030204" pitchFamily="49" charset="0"/>
+              </a:rPr>
+              <a:t>return</a:t>
+            </a:r>
+            <a:r>
+              <a:rPr lang="nl-NL" dirty="0">
+                <a:solidFill>
+                  <a:srgbClr val="D4D4D4"/>
+                </a:solidFill>
+                <a:latin typeface="Consolas" panose="020B0609020204030204" pitchFamily="49" charset="0"/>
+              </a:rPr>
+              <a:t> </a:t>
+            </a:r>
+            <a:r>
+              <a:rPr lang="nl-NL" dirty="0" err="1">
+                <a:solidFill>
+                  <a:srgbClr val="569CD6"/>
+                </a:solidFill>
+                <a:latin typeface="Consolas" panose="020B0609020204030204" pitchFamily="49" charset="0"/>
+              </a:rPr>
+              <a:t>this</a:t>
+            </a:r>
+            <a:r>
+              <a:rPr lang="nl-NL" dirty="0" err="1">
+                <a:solidFill>
+                  <a:srgbClr val="D4D4D4"/>
+                </a:solidFill>
+                <a:latin typeface="Consolas" panose="020B0609020204030204" pitchFamily="49" charset="0"/>
+              </a:rPr>
+              <a:t>.</a:t>
+            </a:r>
+            <a:r>
+              <a:rPr lang="nl-NL" dirty="0" err="1">
+                <a:solidFill>
+                  <a:srgbClr val="9CDCFE"/>
+                </a:solidFill>
+                <a:latin typeface="Consolas" panose="020B0609020204030204" pitchFamily="49" charset="0"/>
+              </a:rPr>
+              <a:t>products</a:t>
+            </a:r>
+            <a:r>
+              <a:rPr lang="nl-NL" dirty="0">
+                <a:solidFill>
+                  <a:srgbClr val="9CDCFE"/>
+                </a:solidFill>
+                <a:latin typeface="Consolas" panose="020B0609020204030204" pitchFamily="49" charset="0"/>
+              </a:rPr>
+              <a:t>$</a:t>
+            </a:r>
+            <a:r>
+              <a:rPr lang="nl-NL" dirty="0">
+                <a:solidFill>
+                  <a:srgbClr val="D4D4D4"/>
+                </a:solidFill>
+                <a:latin typeface="Consolas" panose="020B0609020204030204" pitchFamily="49" charset="0"/>
+              </a:rPr>
+              <a:t>;</a:t>
+            </a:r>
+          </a:p>
+          <a:p>
+            <a:r>
+              <a:rPr lang="nl-NL" dirty="0">
+                <a:solidFill>
+                  <a:srgbClr val="D4D4D4"/>
+                </a:solidFill>
+                <a:latin typeface="Consolas" panose="020B0609020204030204" pitchFamily="49" charset="0"/>
+              </a:rPr>
+              <a:t>  }</a:t>
+            </a:r>
+          </a:p>
+          <a:p>
+            <a:r>
+              <a:rPr lang="nl-NL" dirty="0">
+                <a:solidFill>
+                  <a:srgbClr val="D4D4D4"/>
+                </a:solidFill>
+                <a:latin typeface="Consolas" panose="020B0609020204030204" pitchFamily="49" charset="0"/>
+              </a:rPr>
+              <a:t>}</a:t>
+            </a:r>
+            <a:endParaRPr lang="nl-NL" b="0" dirty="0">
+              <a:solidFill>
+                <a:srgbClr val="D4D4D4"/>
+              </a:solidFill>
+              <a:effectLst/>
+              <a:latin typeface="Consolas" panose="020B0609020204030204" pitchFamily="49" charset="0"/>
+            </a:endParaRPr>
+          </a:p>
+        </p:txBody>
+      </p:sp>
+    </p:spTree>
+    <p:extLst>
+      <p:ext uri="{BB962C8B-B14F-4D97-AF65-F5344CB8AC3E}">
+        <p14:creationId xmlns:p14="http://schemas.microsoft.com/office/powerpoint/2010/main" val="2051864632"/>
+      </p:ext>
+    </p:extLst>
+  </p:cSld>
+  <p:clrMapOvr>
+    <a:masterClrMapping/>
+  </p:clrMapOvr>
+</p:sld>
+</file>
+
+<file path=ppt/slides/slide8.xml><?xml version="1.0" encoding="utf-8"?>
+<p:sld xmlns:a="http://schemas.openxmlformats.org/drawingml/2006/main" xmlns:r="http://schemas.openxmlformats.org/officeDocument/2006/relationships" xmlns:p="http://schemas.openxmlformats.org/presentationml/2006/main">
+  <p:cSld>
+    <p:spTree>
+      <p:nvGrpSpPr>
+        <p:cNvPr id="1" name=""/>
+        <p:cNvGrpSpPr/>
+        <p:nvPr/>
+      </p:nvGrpSpPr>
+      <p:grpSpPr>
+        <a:xfrm>
+          <a:off x="0" y="0"/>
+          <a:ext cx="0" cy="0"/>
+          <a:chOff x="0" y="0"/>
+          <a:chExt cx="0" cy="0"/>
+        </a:xfrm>
+      </p:grpSpPr>
+      <p:sp>
+        <p:nvSpPr>
+          <p:cNvPr id="2" name="Title 1">
+            <a:extLst>
+              <a:ext uri="{FF2B5EF4-FFF2-40B4-BE49-F238E27FC236}">
+                <a16:creationId xmlns:a16="http://schemas.microsoft.com/office/drawing/2014/main" id="{77E2C4B1-2077-48AB-A7EF-096D8A7641E3}"/>
+              </a:ext>
+            </a:extLst>
+          </p:cNvPr>
+          <p:cNvSpPr>
+            <a:spLocks noGrp="1"/>
+          </p:cNvSpPr>
+          <p:nvPr>
+            <p:ph type="title"/>
+          </p:nvPr>
+        </p:nvSpPr>
+        <p:spPr/>
+        <p:txBody>
+          <a:bodyPr/>
+          <a:lstStyle/>
+          <a:p>
+            <a:r>
+              <a:rPr lang="en-US" dirty="0"/>
+              <a:t>State management – Redux pattern</a:t>
+            </a:r>
+            <a:endParaRPr lang="nl-NL" dirty="0"/>
+          </a:p>
+        </p:txBody>
+      </p:sp>
+      <p:graphicFrame>
+        <p:nvGraphicFramePr>
+          <p:cNvPr id="4" name="Table 4">
+            <a:extLst>
+              <a:ext uri="{FF2B5EF4-FFF2-40B4-BE49-F238E27FC236}">
+                <a16:creationId xmlns:a16="http://schemas.microsoft.com/office/drawing/2014/main" id="{FBB91E71-6D57-4E02-8371-AAE9F8B6573B}"/>
+              </a:ext>
+            </a:extLst>
+          </p:cNvPr>
+          <p:cNvGraphicFramePr>
+            <a:graphicFrameLocks noGrp="1"/>
+          </p:cNvGraphicFramePr>
+          <p:nvPr>
+            <p:extLst>
+              <p:ext uri="{D42A27DB-BD31-4B8C-83A1-F6EECF244321}">
+                <p14:modId xmlns:p14="http://schemas.microsoft.com/office/powerpoint/2010/main" val="698103279"/>
+              </p:ext>
+            </p:extLst>
+          </p:nvPr>
+        </p:nvGraphicFramePr>
+        <p:xfrm>
+          <a:off x="1068279" y="2131059"/>
+          <a:ext cx="10209946" cy="2787169"/>
+        </p:xfrm>
+        <a:graphic>
+          <a:graphicData uri="http://schemas.openxmlformats.org/drawingml/2006/table">
+            <a:tbl>
+              <a:tblPr firstRow="1" bandRow="1">
+                <a:tableStyleId>{073A0DAA-6AF3-43AB-8588-CEC1D06C72B9}</a:tableStyleId>
+              </a:tblPr>
+              <a:tblGrid>
+                <a:gridCol w="5104973">
+                  <a:extLst>
+                    <a:ext uri="{9D8B030D-6E8A-4147-A177-3AD203B41FA5}">
+                      <a16:colId xmlns:a16="http://schemas.microsoft.com/office/drawing/2014/main" val="693668351"/>
+                    </a:ext>
+                  </a:extLst>
+                </a:gridCol>
+                <a:gridCol w="5104973">
+                  <a:extLst>
+                    <a:ext uri="{9D8B030D-6E8A-4147-A177-3AD203B41FA5}">
+                      <a16:colId xmlns:a16="http://schemas.microsoft.com/office/drawing/2014/main" val="2072905060"/>
+                    </a:ext>
+                  </a:extLst>
+                </a:gridCol>
+              </a:tblGrid>
+              <a:tr h="398167">
+                <a:tc>
+                  <a:txBody>
+                    <a:bodyPr/>
+                    <a:lstStyle/>
+                    <a:p>
+                      <a:r>
+                        <a:rPr lang="en-US" dirty="0"/>
+                        <a:t>Property</a:t>
+                      </a:r>
+                      <a:endParaRPr lang="nl-NL" dirty="0"/>
+                    </a:p>
+                  </a:txBody>
+                  <a:tcPr/>
+                </a:tc>
+                <a:tc>
+                  <a:txBody>
+                    <a:bodyPr/>
+                    <a:lstStyle/>
+                    <a:p>
+                      <a:r>
+                        <a:rPr lang="en-US" dirty="0"/>
+                        <a:t>Reason</a:t>
+                      </a:r>
+                      <a:endParaRPr lang="nl-NL" dirty="0"/>
+                    </a:p>
+                  </a:txBody>
+                  <a:tcPr/>
+                </a:tc>
+                <a:extLst>
+                  <a:ext uri="{0D108BD9-81ED-4DB2-BD59-A6C34878D82A}">
+                    <a16:rowId xmlns:a16="http://schemas.microsoft.com/office/drawing/2014/main" val="4040051092"/>
+                  </a:ext>
+                </a:extLst>
+              </a:tr>
+              <a:tr h="398167">
+                <a:tc>
+                  <a:txBody>
+                    <a:bodyPr/>
+                    <a:lstStyle/>
+                    <a:p>
+                      <a:r>
+                        <a:rPr lang="en-US" dirty="0"/>
+                        <a:t>Single source of truth</a:t>
+                      </a:r>
+                      <a:endParaRPr lang="nl-NL" dirty="0"/>
+                    </a:p>
+                  </a:txBody>
+                  <a:tcPr/>
+                </a:tc>
+                <a:tc>
+                  <a:txBody>
+                    <a:bodyPr/>
+                    <a:lstStyle/>
+                    <a:p>
+                      <a:r>
+                        <a:rPr lang="en-US" dirty="0"/>
+                        <a:t>Consistent data</a:t>
+                      </a:r>
+                      <a:endParaRPr lang="nl-NL" dirty="0"/>
+                    </a:p>
+                  </a:txBody>
+                  <a:tcPr/>
+                </a:tc>
+                <a:extLst>
+                  <a:ext uri="{0D108BD9-81ED-4DB2-BD59-A6C34878D82A}">
+                    <a16:rowId xmlns:a16="http://schemas.microsoft.com/office/drawing/2014/main" val="2862215951"/>
+                  </a:ext>
+                </a:extLst>
+              </a:tr>
+              <a:tr h="398167">
+                <a:tc>
+                  <a:txBody>
+                    <a:bodyPr/>
+                    <a:lstStyle/>
+                    <a:p>
+                      <a:r>
+                        <a:rPr lang="en-US" dirty="0"/>
+                        <a:t>Immutability</a:t>
+                      </a:r>
+                      <a:endParaRPr lang="nl-NL" dirty="0"/>
+                    </a:p>
+                  </a:txBody>
+                  <a:tcPr/>
+                </a:tc>
+                <a:tc>
+                  <a:txBody>
+                    <a:bodyPr/>
+                    <a:lstStyle/>
+                    <a:p>
+                      <a:r>
+                        <a:rPr lang="en-US" dirty="0"/>
+                        <a:t>Easy change detection &amp; consistent data</a:t>
+                      </a:r>
+                      <a:endParaRPr lang="nl-NL" dirty="0"/>
+                    </a:p>
+                  </a:txBody>
+                  <a:tcPr/>
+                </a:tc>
+                <a:extLst>
+                  <a:ext uri="{0D108BD9-81ED-4DB2-BD59-A6C34878D82A}">
+                    <a16:rowId xmlns:a16="http://schemas.microsoft.com/office/drawing/2014/main" val="951291015"/>
+                  </a:ext>
+                </a:extLst>
+              </a:tr>
+              <a:tr h="398167">
+                <a:tc>
+                  <a:txBody>
+                    <a:bodyPr/>
+                    <a:lstStyle/>
+                    <a:p>
+                      <a:pPr marL="0" marR="0" lvl="0" indent="0" algn="l" defTabSz="914400" rtl="0" eaLnBrk="1" fontAlgn="auto" latinLnBrk="0" hangingPunct="1">
+                        <a:lnSpc>
+                          <a:spcPct val="100000"/>
+                        </a:lnSpc>
+                        <a:spcBef>
+                          <a:spcPts val="0"/>
+                        </a:spcBef>
+                        <a:spcAft>
+                          <a:spcPts val="0"/>
+                        </a:spcAft>
+                        <a:buClrTx/>
+                        <a:buSzTx/>
+                        <a:buFontTx/>
+                        <a:buNone/>
+                        <a:tabLst/>
+                        <a:defRPr/>
+                      </a:pPr>
+                      <a:r>
+                        <a:rPr lang="en-US" dirty="0"/>
+                        <a:t>Encapsulation / Separation of concerns</a:t>
+                      </a:r>
+                    </a:p>
+                  </a:txBody>
+                  <a:tcPr/>
+                </a:tc>
+                <a:tc>
+                  <a:txBody>
+                    <a:bodyPr/>
+                    <a:lstStyle/>
+                    <a:p>
+                      <a:r>
+                        <a:rPr lang="en-US" dirty="0"/>
+                        <a:t>Separate read &amp; write</a:t>
+                      </a:r>
+                      <a:endParaRPr lang="nl-NL" dirty="0"/>
+                    </a:p>
+                  </a:txBody>
+                  <a:tcPr/>
+                </a:tc>
+                <a:extLst>
+                  <a:ext uri="{0D108BD9-81ED-4DB2-BD59-A6C34878D82A}">
+                    <a16:rowId xmlns:a16="http://schemas.microsoft.com/office/drawing/2014/main" val="834595601"/>
+                  </a:ext>
+                </a:extLst>
+              </a:tr>
+              <a:tr h="398167">
+                <a:tc>
+                  <a:txBody>
+                    <a:bodyPr/>
+                    <a:lstStyle/>
+                    <a:p>
+                      <a:r>
+                        <a:rPr lang="en-US" dirty="0"/>
+                        <a:t>Serializability</a:t>
+                      </a:r>
+                      <a:endParaRPr lang="nl-NL" dirty="0"/>
+                    </a:p>
+                  </a:txBody>
+                  <a:tcPr/>
+                </a:tc>
+                <a:tc>
+                  <a:txBody>
+                    <a:bodyPr/>
+                    <a:lstStyle/>
+                    <a:p>
+                      <a:r>
+                        <a:rPr lang="en-US" dirty="0"/>
+                        <a:t>Predictable storage, Rehydration</a:t>
+                      </a:r>
+                      <a:endParaRPr lang="nl-NL" dirty="0"/>
+                    </a:p>
+                  </a:txBody>
+                  <a:tcPr/>
+                </a:tc>
+                <a:extLst>
+                  <a:ext uri="{0D108BD9-81ED-4DB2-BD59-A6C34878D82A}">
+                    <a16:rowId xmlns:a16="http://schemas.microsoft.com/office/drawing/2014/main" val="921131274"/>
+                  </a:ext>
+                </a:extLst>
+              </a:tr>
+              <a:tr h="398167">
+                <a:tc>
+                  <a:txBody>
+                    <a:bodyPr/>
+                    <a:lstStyle/>
+                    <a:p>
+                      <a:pPr marL="0" marR="0" lvl="0" indent="0" algn="l" defTabSz="914400" rtl="0" eaLnBrk="1" fontAlgn="auto" latinLnBrk="0" hangingPunct="1">
+                        <a:lnSpc>
+                          <a:spcPct val="100000"/>
+                        </a:lnSpc>
+                        <a:spcBef>
+                          <a:spcPts val="0"/>
+                        </a:spcBef>
+                        <a:spcAft>
+                          <a:spcPts val="0"/>
+                        </a:spcAft>
+                        <a:buClrTx/>
+                        <a:buSzTx/>
+                        <a:buFontTx/>
+                        <a:buNone/>
+                        <a:tabLst/>
+                        <a:defRPr/>
+                      </a:pPr>
+                      <a:r>
+                        <a:rPr lang="en-US" dirty="0"/>
+                        <a:t>Type safety</a:t>
+                      </a:r>
+                    </a:p>
+                  </a:txBody>
+                  <a:tcPr/>
+                </a:tc>
+                <a:tc>
+                  <a:txBody>
+                    <a:bodyPr/>
+                    <a:lstStyle/>
+                    <a:p>
+                      <a:r>
+                        <a:rPr lang="en-US" dirty="0"/>
+                        <a:t>Prevent mistakes</a:t>
+                      </a:r>
+                      <a:endParaRPr lang="nl-NL" dirty="0"/>
+                    </a:p>
+                  </a:txBody>
+                  <a:tcPr/>
+                </a:tc>
+                <a:extLst>
+                  <a:ext uri="{0D108BD9-81ED-4DB2-BD59-A6C34878D82A}">
+                    <a16:rowId xmlns:a16="http://schemas.microsoft.com/office/drawing/2014/main" val="445596014"/>
+                  </a:ext>
+                </a:extLst>
+              </a:tr>
+              <a:tr h="398167">
+                <a:tc>
+                  <a:txBody>
+                    <a:bodyPr/>
+                    <a:lstStyle/>
+                    <a:p>
+                      <a:r>
+                        <a:rPr lang="en-US" dirty="0"/>
+                        <a:t>Testable</a:t>
+                      </a:r>
+                      <a:endParaRPr lang="nl-NL" dirty="0"/>
+                    </a:p>
+                  </a:txBody>
+                  <a:tcPr/>
+                </a:tc>
+                <a:tc>
+                  <a:txBody>
+                    <a:bodyPr/>
+                    <a:lstStyle/>
+                    <a:p>
+                      <a:r>
+                        <a:rPr lang="en-US" dirty="0"/>
+                        <a:t>Most things are pure functions</a:t>
+                      </a:r>
+                      <a:endParaRPr lang="nl-NL" dirty="0"/>
+                    </a:p>
+                  </a:txBody>
+                  <a:tcPr/>
+                </a:tc>
+                <a:extLst>
+                  <a:ext uri="{0D108BD9-81ED-4DB2-BD59-A6C34878D82A}">
+                    <a16:rowId xmlns:a16="http://schemas.microsoft.com/office/drawing/2014/main" val="380829449"/>
+                  </a:ext>
+                </a:extLst>
+              </a:tr>
+            </a:tbl>
+          </a:graphicData>
+        </a:graphic>
+      </p:graphicFrame>
+    </p:spTree>
+    <p:extLst>
+      <p:ext uri="{BB962C8B-B14F-4D97-AF65-F5344CB8AC3E}">
+        <p14:creationId xmlns:p14="http://schemas.microsoft.com/office/powerpoint/2010/main" val="3978482294"/>
+      </p:ext>
+    </p:extLst>
+  </p:cSld>
+  <p:clrMapOvr>
+    <a:masterClrMapping/>
+  </p:clrMapOvr>
+</p:sld>
+</file>
+
+<file path=ppt/slides/slide9.xml><?xml version="1.0" encoding="utf-8"?>
+<p:sld xmlns:a="http://schemas.openxmlformats.org/drawingml/2006/main" xmlns:r="http://schemas.openxmlformats.org/officeDocument/2006/relationships" xmlns:p="http://schemas.openxmlformats.org/presentationml/2006/main">
+  <p:cSld>
+    <p:spTree>
+      <p:nvGrpSpPr>
+        <p:cNvPr id="1" name=""/>
+        <p:cNvGrpSpPr/>
+        <p:nvPr/>
+      </p:nvGrpSpPr>
+      <p:grpSpPr>
+        <a:xfrm>
+          <a:off x="0" y="0"/>
+          <a:ext cx="0" cy="0"/>
+          <a:chOff x="0" y="0"/>
+          <a:chExt cx="0" cy="0"/>
+        </a:xfrm>
+      </p:grpSpPr>
+      <p:sp>
+        <p:nvSpPr>
+          <p:cNvPr id="2" name="Title 1">
+            <a:extLst>
+              <a:ext uri="{FF2B5EF4-FFF2-40B4-BE49-F238E27FC236}">
+                <a16:creationId xmlns:a16="http://schemas.microsoft.com/office/drawing/2014/main" id="{CEF49B7C-D1C6-454A-931C-A69392C2ECC8}"/>
+              </a:ext>
+            </a:extLst>
+          </p:cNvPr>
+          <p:cNvSpPr>
+            <a:spLocks noGrp="1"/>
+          </p:cNvSpPr>
+          <p:nvPr>
+            <p:ph type="title"/>
+          </p:nvPr>
+        </p:nvSpPr>
+        <p:spPr/>
+        <p:txBody>
+          <a:bodyPr/>
+          <a:lstStyle/>
+          <a:p>
+            <a:r>
+              <a:rPr lang="en-US" dirty="0"/>
+              <a:t>State management – Redux pattern</a:t>
+            </a:r>
+            <a:endParaRPr lang="nl-NL" dirty="0"/>
+          </a:p>
+        </p:txBody>
+      </p:sp>
+      <p:sp>
+        <p:nvSpPr>
+          <p:cNvPr id="4" name="Rectangle: Rounded Corners 3">
+            <a:extLst>
+              <a:ext uri="{FF2B5EF4-FFF2-40B4-BE49-F238E27FC236}">
+                <a16:creationId xmlns:a16="http://schemas.microsoft.com/office/drawing/2014/main" id="{5B92086A-3839-4600-9186-140F7F7F92B4}"/>
+              </a:ext>
+            </a:extLst>
+          </p:cNvPr>
+          <p:cNvSpPr/>
+          <p:nvPr/>
+        </p:nvSpPr>
+        <p:spPr>
+          <a:xfrm>
+            <a:off x="7048051" y="5043954"/>
+            <a:ext cx="1904105" cy="570155"/>
+          </a:xfrm>
+          <a:prstGeom prst="roundRect">
+            <a:avLst/>
+          </a:prstGeom>
+        </p:spPr>
+        <p:style>
+          <a:lnRef idx="2">
+            <a:schemeClr val="accent1">
+              <a:shade val="50000"/>
+            </a:schemeClr>
+          </a:lnRef>
+          <a:fillRef idx="1">
+            <a:schemeClr val="accent1"/>
+          </a:fillRef>
+          <a:effectRef idx="0">
+            <a:schemeClr val="accent1"/>
+          </a:effectRef>
+          <a:fontRef idx="minor">
+            <a:schemeClr val="lt1"/>
+          </a:fontRef>
+        </p:style>
+        <p:txBody>
+          <a:bodyPr rtlCol="0" anchor="ctr"/>
+          <a:lstStyle/>
+          <a:p>
+            <a:pPr algn="ctr"/>
+            <a:r>
+              <a:rPr lang="en-US" dirty="0"/>
+              <a:t>Store</a:t>
+            </a:r>
+            <a:endParaRPr lang="nl-NL" dirty="0"/>
+          </a:p>
+        </p:txBody>
+      </p:sp>
+      <p:sp>
+        <p:nvSpPr>
+          <p:cNvPr id="5" name="Rectangle: Rounded Corners 4">
+            <a:extLst>
+              <a:ext uri="{FF2B5EF4-FFF2-40B4-BE49-F238E27FC236}">
+                <a16:creationId xmlns:a16="http://schemas.microsoft.com/office/drawing/2014/main" id="{90362A02-108B-45A3-A80A-7C064832BB6E}"/>
+              </a:ext>
+            </a:extLst>
+          </p:cNvPr>
+          <p:cNvSpPr/>
+          <p:nvPr/>
+        </p:nvSpPr>
+        <p:spPr>
+          <a:xfrm>
+            <a:off x="3239848" y="5043953"/>
+            <a:ext cx="1904105" cy="570155"/>
+          </a:xfrm>
+          <a:prstGeom prst="roundRect">
+            <a:avLst/>
+          </a:prstGeom>
+        </p:spPr>
+        <p:style>
+          <a:lnRef idx="2">
+            <a:schemeClr val="accent1">
+              <a:shade val="50000"/>
+            </a:schemeClr>
+          </a:lnRef>
+          <a:fillRef idx="1">
+            <a:schemeClr val="accent1"/>
+          </a:fillRef>
+          <a:effectRef idx="0">
+            <a:schemeClr val="accent1"/>
+          </a:effectRef>
+          <a:fontRef idx="minor">
+            <a:schemeClr val="lt1"/>
+          </a:fontRef>
+        </p:style>
+        <p:txBody>
+          <a:bodyPr rtlCol="0" anchor="ctr"/>
+          <a:lstStyle/>
+          <a:p>
+            <a:pPr algn="ctr"/>
+            <a:r>
+              <a:rPr lang="en-US" dirty="0"/>
+              <a:t>Reducer</a:t>
+            </a:r>
+            <a:endParaRPr lang="nl-NL" dirty="0"/>
+          </a:p>
+        </p:txBody>
+      </p:sp>
+      <p:sp>
+        <p:nvSpPr>
+          <p:cNvPr id="6" name="Rectangle: Rounded Corners 5">
+            <a:extLst>
+              <a:ext uri="{FF2B5EF4-FFF2-40B4-BE49-F238E27FC236}">
+                <a16:creationId xmlns:a16="http://schemas.microsoft.com/office/drawing/2014/main" id="{05F298F0-33C6-4496-9C32-F41622060416}"/>
+              </a:ext>
+            </a:extLst>
+          </p:cNvPr>
+          <p:cNvSpPr/>
+          <p:nvPr/>
+        </p:nvSpPr>
+        <p:spPr>
+          <a:xfrm>
+            <a:off x="3239848" y="3806824"/>
+            <a:ext cx="1904105" cy="570155"/>
+          </a:xfrm>
+          <a:prstGeom prst="roundRect">
+            <a:avLst/>
+          </a:prstGeom>
+        </p:spPr>
+        <p:style>
+          <a:lnRef idx="2">
+            <a:schemeClr val="accent1">
+              <a:shade val="50000"/>
+            </a:schemeClr>
+          </a:lnRef>
+          <a:fillRef idx="1">
+            <a:schemeClr val="accent1"/>
+          </a:fillRef>
+          <a:effectRef idx="0">
+            <a:schemeClr val="accent1"/>
+          </a:effectRef>
+          <a:fontRef idx="minor">
+            <a:schemeClr val="lt1"/>
+          </a:fontRef>
+        </p:style>
+        <p:txBody>
+          <a:bodyPr rtlCol="0" anchor="ctr"/>
+          <a:lstStyle/>
+          <a:p>
+            <a:pPr algn="ctr"/>
+            <a:r>
+              <a:rPr lang="en-US" dirty="0"/>
+              <a:t>Action</a:t>
+            </a:r>
+            <a:endParaRPr lang="nl-NL" dirty="0"/>
+          </a:p>
+        </p:txBody>
+      </p:sp>
+      <p:sp>
+        <p:nvSpPr>
+          <p:cNvPr id="8" name="Rectangle: Rounded Corners 7">
+            <a:extLst>
+              <a:ext uri="{FF2B5EF4-FFF2-40B4-BE49-F238E27FC236}">
+                <a16:creationId xmlns:a16="http://schemas.microsoft.com/office/drawing/2014/main" id="{259656F2-777E-4054-BA29-D94C870F411F}"/>
+              </a:ext>
+            </a:extLst>
+          </p:cNvPr>
+          <p:cNvSpPr/>
+          <p:nvPr/>
+        </p:nvSpPr>
+        <p:spPr>
+          <a:xfrm>
+            <a:off x="5143947" y="2384050"/>
+            <a:ext cx="1904105" cy="570155"/>
+          </a:xfrm>
+          <a:prstGeom prst="roundRect">
+            <a:avLst/>
+          </a:prstGeom>
+        </p:spPr>
+        <p:style>
+          <a:lnRef idx="2">
+            <a:schemeClr val="accent1">
+              <a:shade val="50000"/>
+            </a:schemeClr>
+          </a:lnRef>
+          <a:fillRef idx="1">
+            <a:schemeClr val="accent1"/>
+          </a:fillRef>
+          <a:effectRef idx="0">
+            <a:schemeClr val="accent1"/>
+          </a:effectRef>
+          <a:fontRef idx="minor">
+            <a:schemeClr val="lt1"/>
+          </a:fontRef>
+        </p:style>
+        <p:txBody>
+          <a:bodyPr rtlCol="0" anchor="ctr"/>
+          <a:lstStyle/>
+          <a:p>
+            <a:pPr algn="ctr"/>
+            <a:r>
+              <a:rPr lang="en-US" dirty="0"/>
+              <a:t>Component</a:t>
+            </a:r>
+            <a:endParaRPr lang="nl-NL" dirty="0"/>
+          </a:p>
+        </p:txBody>
+      </p:sp>
+      <p:cxnSp>
+        <p:nvCxnSpPr>
+          <p:cNvPr id="10" name="Connector: Elbow 9">
+            <a:extLst>
+              <a:ext uri="{FF2B5EF4-FFF2-40B4-BE49-F238E27FC236}">
+                <a16:creationId xmlns:a16="http://schemas.microsoft.com/office/drawing/2014/main" id="{03B53CD9-200D-4CEF-8B66-C0AC28099A42}"/>
+              </a:ext>
+            </a:extLst>
+          </p:cNvPr>
+          <p:cNvCxnSpPr>
+            <a:stCxn id="8" idx="1"/>
+            <a:endCxn id="6" idx="0"/>
+          </p:cNvCxnSpPr>
+          <p:nvPr/>
+        </p:nvCxnSpPr>
+        <p:spPr>
+          <a:xfrm rot="10800000" flipV="1">
+            <a:off x="4191901" y="2669128"/>
+            <a:ext cx="952046" cy="1137696"/>
+          </a:xfrm>
+          <a:prstGeom prst="bentConnector2">
+            <a:avLst/>
+          </a:prstGeom>
+          <a:ln>
+            <a:tailEnd type="triangle"/>
+          </a:ln>
+        </p:spPr>
+        <p:style>
+          <a:lnRef idx="1">
+            <a:schemeClr val="accent1"/>
+          </a:lnRef>
+          <a:fillRef idx="0">
+            <a:schemeClr val="accent1"/>
+          </a:fillRef>
+          <a:effectRef idx="0">
+            <a:schemeClr val="accent1"/>
+          </a:effectRef>
+          <a:fontRef idx="minor">
+            <a:schemeClr val="tx1"/>
+          </a:fontRef>
+        </p:style>
+      </p:cxnSp>
+      <p:cxnSp>
+        <p:nvCxnSpPr>
+          <p:cNvPr id="22" name="Connector: Elbow 21">
+            <a:extLst>
+              <a:ext uri="{FF2B5EF4-FFF2-40B4-BE49-F238E27FC236}">
+                <a16:creationId xmlns:a16="http://schemas.microsoft.com/office/drawing/2014/main" id="{AB08E827-7597-4EDB-B286-DD063476F20A}"/>
+              </a:ext>
+            </a:extLst>
+          </p:cNvPr>
+          <p:cNvCxnSpPr>
+            <a:cxnSpLocks/>
+            <a:stCxn id="4" idx="0"/>
+            <a:endCxn id="8" idx="3"/>
+          </p:cNvCxnSpPr>
+          <p:nvPr/>
+        </p:nvCxnSpPr>
+        <p:spPr>
+          <a:xfrm rot="16200000" flipV="1">
+            <a:off x="6336665" y="3380515"/>
+            <a:ext cx="2374826" cy="952052"/>
+          </a:xfrm>
+          <a:prstGeom prst="bentConnector2">
+            <a:avLst/>
+          </a:prstGeom>
+          <a:ln>
+            <a:tailEnd type="triangle"/>
+          </a:ln>
+        </p:spPr>
+        <p:style>
+          <a:lnRef idx="1">
+            <a:schemeClr val="accent1"/>
+          </a:lnRef>
+          <a:fillRef idx="0">
+            <a:schemeClr val="accent1"/>
+          </a:fillRef>
+          <a:effectRef idx="0">
+            <a:schemeClr val="accent1"/>
+          </a:effectRef>
+          <a:fontRef idx="minor">
+            <a:schemeClr val="tx1"/>
+          </a:fontRef>
+        </p:style>
+      </p:cxnSp>
+      <p:cxnSp>
+        <p:nvCxnSpPr>
+          <p:cNvPr id="28" name="Straight Arrow Connector 27">
+            <a:extLst>
+              <a:ext uri="{FF2B5EF4-FFF2-40B4-BE49-F238E27FC236}">
+                <a16:creationId xmlns:a16="http://schemas.microsoft.com/office/drawing/2014/main" id="{4BB4BE9E-443B-4604-8D72-192F74EAF9F6}"/>
+              </a:ext>
+            </a:extLst>
+          </p:cNvPr>
+          <p:cNvCxnSpPr>
+            <a:stCxn id="6" idx="2"/>
+            <a:endCxn id="5" idx="0"/>
+          </p:cNvCxnSpPr>
+          <p:nvPr/>
+        </p:nvCxnSpPr>
+        <p:spPr>
+          <a:xfrm>
+            <a:off x="4191901" y="4376979"/>
+            <a:ext cx="0" cy="666974"/>
+          </a:xfrm>
+          <a:prstGeom prst="straightConnector1">
+            <a:avLst/>
+          </a:prstGeom>
+          <a:ln>
+            <a:tailEnd type="triangle"/>
+          </a:ln>
+        </p:spPr>
+        <p:style>
+          <a:lnRef idx="1">
+            <a:schemeClr val="accent1"/>
+          </a:lnRef>
+          <a:fillRef idx="0">
+            <a:schemeClr val="accent1"/>
+          </a:fillRef>
+          <a:effectRef idx="0">
+            <a:schemeClr val="accent1"/>
+          </a:effectRef>
+          <a:fontRef idx="minor">
+            <a:schemeClr val="tx1"/>
+          </a:fontRef>
+        </p:style>
+      </p:cxnSp>
+      <p:cxnSp>
+        <p:nvCxnSpPr>
+          <p:cNvPr id="30" name="Straight Arrow Connector 29">
+            <a:extLst>
+              <a:ext uri="{FF2B5EF4-FFF2-40B4-BE49-F238E27FC236}">
+                <a16:creationId xmlns:a16="http://schemas.microsoft.com/office/drawing/2014/main" id="{F2CE77C3-4725-4EC9-A3CF-CD9AB9808BE4}"/>
+              </a:ext>
+            </a:extLst>
+          </p:cNvPr>
+          <p:cNvCxnSpPr>
+            <a:stCxn id="5" idx="3"/>
+            <a:endCxn id="4" idx="1"/>
+          </p:cNvCxnSpPr>
+          <p:nvPr/>
+        </p:nvCxnSpPr>
+        <p:spPr>
+          <a:xfrm>
+            <a:off x="5143953" y="5329031"/>
+            <a:ext cx="1904098" cy="1"/>
+          </a:xfrm>
+          <a:prstGeom prst="straightConnector1">
+            <a:avLst/>
+          </a:prstGeom>
+          <a:ln>
+            <a:tailEnd type="triangle"/>
+          </a:ln>
+        </p:spPr>
+        <p:style>
+          <a:lnRef idx="1">
+            <a:schemeClr val="accent1"/>
+          </a:lnRef>
+          <a:fillRef idx="0">
+            <a:schemeClr val="accent1"/>
+          </a:fillRef>
+          <a:effectRef idx="0">
+            <a:schemeClr val="accent1"/>
+          </a:effectRef>
+          <a:fontRef idx="minor">
+            <a:schemeClr val="tx1"/>
+          </a:fontRef>
+        </p:style>
+      </p:cxnSp>
+    </p:spTree>
+    <p:extLst>
+      <p:ext uri="{BB962C8B-B14F-4D97-AF65-F5344CB8AC3E}">
+        <p14:creationId xmlns:p14="http://schemas.microsoft.com/office/powerpoint/2010/main" val="442709600"/>
       </p:ext>
     </p:extLst>
   </p:cSld>

--- a/Reactive State Management.pptx
+++ b/Reactive State Management.pptx
@@ -15,8 +15,12 @@
     <p:sldId id="276" r:id="rId9"/>
     <p:sldId id="275" r:id="rId10"/>
     <p:sldId id="274" r:id="rId11"/>
-    <p:sldId id="281" r:id="rId12"/>
-    <p:sldId id="272" r:id="rId13"/>
+    <p:sldId id="282" r:id="rId12"/>
+    <p:sldId id="283" r:id="rId13"/>
+    <p:sldId id="284" r:id="rId14"/>
+    <p:sldId id="285" r:id="rId15"/>
+    <p:sldId id="281" r:id="rId16"/>
+    <p:sldId id="272" r:id="rId17"/>
   </p:sldIdLst>
   <p:sldSz cx="12192000" cy="6858000"/>
   <p:notesSz cx="6858000" cy="9144000"/>
@@ -3512,7 +3516,7 @@
           <a:p>
             <a:fld id="{75934EED-E7C0-439C-9F42-70CEC4ABC1D3}" type="datetimeFigureOut">
               <a:rPr lang="nl-NL" smtClean="0"/>
-              <a:t>16-11-2020</a:t>
+              <a:t>19-11-2020</a:t>
             </a:fld>
             <a:endParaRPr lang="nl-NL"/>
           </a:p>
@@ -3824,7 +3828,7 @@
           <a:p>
             <a:fld id="{75934EED-E7C0-439C-9F42-70CEC4ABC1D3}" type="datetimeFigureOut">
               <a:rPr lang="nl-NL" smtClean="0"/>
-              <a:t>16-11-2020</a:t>
+              <a:t>19-11-2020</a:t>
             </a:fld>
             <a:endParaRPr lang="nl-NL"/>
           </a:p>
@@ -4046,7 +4050,7 @@
           <a:p>
             <a:fld id="{75934EED-E7C0-439C-9F42-70CEC4ABC1D3}" type="datetimeFigureOut">
               <a:rPr lang="nl-NL" smtClean="0"/>
-              <a:t>16-11-2020</a:t>
+              <a:t>19-11-2020</a:t>
             </a:fld>
             <a:endParaRPr lang="nl-NL"/>
           </a:p>
@@ -4337,7 +4341,7 @@
           <a:p>
             <a:fld id="{75934EED-E7C0-439C-9F42-70CEC4ABC1D3}" type="datetimeFigureOut">
               <a:rPr lang="nl-NL" smtClean="0"/>
-              <a:t>16-11-2020</a:t>
+              <a:t>19-11-2020</a:t>
             </a:fld>
             <a:endParaRPr lang="nl-NL"/>
           </a:p>
@@ -4791,7 +4795,7 @@
           <a:p>
             <a:fld id="{75934EED-E7C0-439C-9F42-70CEC4ABC1D3}" type="datetimeFigureOut">
               <a:rPr lang="nl-NL" smtClean="0"/>
-              <a:t>16-11-2020</a:t>
+              <a:t>19-11-2020</a:t>
             </a:fld>
             <a:endParaRPr lang="nl-NL"/>
           </a:p>
@@ -5367,7 +5371,7 @@
           <a:p>
             <a:fld id="{75934EED-E7C0-439C-9F42-70CEC4ABC1D3}" type="datetimeFigureOut">
               <a:rPr lang="nl-NL" smtClean="0"/>
-              <a:t>16-11-2020</a:t>
+              <a:t>19-11-2020</a:t>
             </a:fld>
             <a:endParaRPr lang="nl-NL"/>
           </a:p>
@@ -6219,7 +6223,7 @@
           <a:p>
             <a:fld id="{75934EED-E7C0-439C-9F42-70CEC4ABC1D3}" type="datetimeFigureOut">
               <a:rPr lang="nl-NL" smtClean="0"/>
-              <a:t>16-11-2020</a:t>
+              <a:t>19-11-2020</a:t>
             </a:fld>
             <a:endParaRPr lang="nl-NL"/>
           </a:p>
@@ -6424,7 +6428,7 @@
           <a:p>
             <a:fld id="{75934EED-E7C0-439C-9F42-70CEC4ABC1D3}" type="datetimeFigureOut">
               <a:rPr lang="nl-NL" smtClean="0"/>
-              <a:t>16-11-2020</a:t>
+              <a:t>19-11-2020</a:t>
             </a:fld>
             <a:endParaRPr lang="nl-NL"/>
           </a:p>
@@ -6638,7 +6642,7 @@
           <a:p>
             <a:fld id="{75934EED-E7C0-439C-9F42-70CEC4ABC1D3}" type="datetimeFigureOut">
               <a:rPr lang="nl-NL" smtClean="0"/>
-              <a:t>16-11-2020</a:t>
+              <a:t>19-11-2020</a:t>
             </a:fld>
             <a:endParaRPr lang="nl-NL"/>
           </a:p>
@@ -6814,7 +6818,7 @@
           <a:p>
             <a:fld id="{75934EED-E7C0-439C-9F42-70CEC4ABC1D3}" type="datetimeFigureOut">
               <a:rPr lang="nl-NL" smtClean="0"/>
-              <a:t>16-11-2020</a:t>
+              <a:t>19-11-2020</a:t>
             </a:fld>
             <a:endParaRPr lang="nl-NL"/>
           </a:p>
@@ -7019,7 +7023,7 @@
           <a:p>
             <a:fld id="{75934EED-E7C0-439C-9F42-70CEC4ABC1D3}" type="datetimeFigureOut">
               <a:rPr lang="nl-NL" smtClean="0"/>
-              <a:t>16-11-2020</a:t>
+              <a:t>19-11-2020</a:t>
             </a:fld>
             <a:endParaRPr lang="nl-NL"/>
           </a:p>
@@ -7299,7 +7303,7 @@
           <a:p>
             <a:fld id="{75934EED-E7C0-439C-9F42-70CEC4ABC1D3}" type="datetimeFigureOut">
               <a:rPr lang="nl-NL" smtClean="0"/>
-              <a:t>16-11-2020</a:t>
+              <a:t>19-11-2020</a:t>
             </a:fld>
             <a:endParaRPr lang="nl-NL"/>
           </a:p>
@@ -7566,7 +7570,7 @@
           <a:p>
             <a:fld id="{75934EED-E7C0-439C-9F42-70CEC4ABC1D3}" type="datetimeFigureOut">
               <a:rPr lang="nl-NL" smtClean="0"/>
-              <a:t>16-11-2020</a:t>
+              <a:t>19-11-2020</a:t>
             </a:fld>
             <a:endParaRPr lang="nl-NL"/>
           </a:p>
@@ -7981,7 +7985,7 @@
           <a:p>
             <a:fld id="{75934EED-E7C0-439C-9F42-70CEC4ABC1D3}" type="datetimeFigureOut">
               <a:rPr lang="nl-NL" smtClean="0"/>
-              <a:t>16-11-2020</a:t>
+              <a:t>19-11-2020</a:t>
             </a:fld>
             <a:endParaRPr lang="nl-NL"/>
           </a:p>
@@ -8129,7 +8133,7 @@
           <a:p>
             <a:fld id="{75934EED-E7C0-439C-9F42-70CEC4ABC1D3}" type="datetimeFigureOut">
               <a:rPr lang="nl-NL" smtClean="0"/>
-              <a:t>16-11-2020</a:t>
+              <a:t>19-11-2020</a:t>
             </a:fld>
             <a:endParaRPr lang="nl-NL"/>
           </a:p>
@@ -8254,7 +8258,7 @@
           <a:p>
             <a:fld id="{75934EED-E7C0-439C-9F42-70CEC4ABC1D3}" type="datetimeFigureOut">
               <a:rPr lang="nl-NL" smtClean="0"/>
-              <a:t>16-11-2020</a:t>
+              <a:t>19-11-2020</a:t>
             </a:fld>
             <a:endParaRPr lang="nl-NL"/>
           </a:p>
@@ -8533,7 +8537,7 @@
           <a:p>
             <a:fld id="{75934EED-E7C0-439C-9F42-70CEC4ABC1D3}" type="datetimeFigureOut">
               <a:rPr lang="nl-NL" smtClean="0"/>
-              <a:t>16-11-2020</a:t>
+              <a:t>19-11-2020</a:t>
             </a:fld>
             <a:endParaRPr lang="nl-NL"/>
           </a:p>
@@ -8845,7 +8849,7 @@
           <a:p>
             <a:fld id="{75934EED-E7C0-439C-9F42-70CEC4ABC1D3}" type="datetimeFigureOut">
               <a:rPr lang="nl-NL" smtClean="0"/>
-              <a:t>16-11-2020</a:t>
+              <a:t>19-11-2020</a:t>
             </a:fld>
             <a:endParaRPr lang="nl-NL"/>
           </a:p>
@@ -9098,7 +9102,7 @@
           <a:p>
             <a:fld id="{75934EED-E7C0-439C-9F42-70CEC4ABC1D3}" type="datetimeFigureOut">
               <a:rPr lang="nl-NL" smtClean="0"/>
-              <a:t>16-11-2020</a:t>
+              <a:t>19-11-2020</a:t>
             </a:fld>
             <a:endParaRPr lang="nl-NL"/>
           </a:p>
@@ -10653,6 +10657,2353 @@
           <a:p>
             <a:r>
               <a:rPr lang="en-US" dirty="0"/>
+              <a:t>NGRX - Action</a:t>
+            </a:r>
+            <a:endParaRPr lang="nl-NL" dirty="0"/>
+          </a:p>
+        </p:txBody>
+      </p:sp>
+      <p:sp>
+        <p:nvSpPr>
+          <p:cNvPr id="4" name="Rectangle 3">
+            <a:extLst>
+              <a:ext uri="{FF2B5EF4-FFF2-40B4-BE49-F238E27FC236}">
+                <a16:creationId xmlns:a16="http://schemas.microsoft.com/office/drawing/2014/main" id="{64BC618A-9685-431A-95C8-1B50C74DF841}"/>
+              </a:ext>
+            </a:extLst>
+          </p:cNvPr>
+          <p:cNvSpPr/>
+          <p:nvPr/>
+        </p:nvSpPr>
+        <p:spPr>
+          <a:xfrm>
+            <a:off x="1437167" y="2214000"/>
+            <a:ext cx="9317665" cy="1754326"/>
+          </a:xfrm>
+          <a:prstGeom prst="rect">
+            <a:avLst/>
+          </a:prstGeom>
+          <a:solidFill>
+            <a:schemeClr val="tx1"/>
+          </a:solidFill>
+        </p:spPr>
+        <p:txBody>
+          <a:bodyPr wrap="square">
+            <a:spAutoFit/>
+          </a:bodyPr>
+          <a:lstStyle/>
+          <a:p>
+            <a:r>
+              <a:rPr lang="en-US" dirty="0">
+                <a:solidFill>
+                  <a:srgbClr val="C586C0"/>
+                </a:solidFill>
+                <a:latin typeface="Consolas" panose="020B0609020204030204" pitchFamily="49" charset="0"/>
+              </a:rPr>
+              <a:t>export</a:t>
+            </a:r>
+            <a:r>
+              <a:rPr lang="en-US" dirty="0">
+                <a:solidFill>
+                  <a:srgbClr val="D4D4D4"/>
+                </a:solidFill>
+                <a:latin typeface="Consolas" panose="020B0609020204030204" pitchFamily="49" charset="0"/>
+              </a:rPr>
+              <a:t> </a:t>
+            </a:r>
+            <a:r>
+              <a:rPr lang="en-US" dirty="0">
+                <a:solidFill>
+                  <a:srgbClr val="569CD6"/>
+                </a:solidFill>
+                <a:latin typeface="Consolas" panose="020B0609020204030204" pitchFamily="49" charset="0"/>
+              </a:rPr>
+              <a:t>const</a:t>
+            </a:r>
+            <a:r>
+              <a:rPr lang="en-US" dirty="0">
+                <a:solidFill>
+                  <a:srgbClr val="D4D4D4"/>
+                </a:solidFill>
+                <a:latin typeface="Consolas" panose="020B0609020204030204" pitchFamily="49" charset="0"/>
+              </a:rPr>
+              <a:t> </a:t>
+            </a:r>
+            <a:r>
+              <a:rPr lang="en-US" dirty="0" err="1">
+                <a:solidFill>
+                  <a:srgbClr val="4FC1FF"/>
+                </a:solidFill>
+                <a:latin typeface="Consolas" panose="020B0609020204030204" pitchFamily="49" charset="0"/>
+              </a:rPr>
+              <a:t>requestProducts</a:t>
+            </a:r>
+            <a:r>
+              <a:rPr lang="en-US" dirty="0">
+                <a:solidFill>
+                  <a:srgbClr val="D4D4D4"/>
+                </a:solidFill>
+                <a:latin typeface="Consolas" panose="020B0609020204030204" pitchFamily="49" charset="0"/>
+              </a:rPr>
+              <a:t> = </a:t>
+            </a:r>
+            <a:r>
+              <a:rPr lang="en-US" dirty="0" err="1">
+                <a:solidFill>
+                  <a:srgbClr val="DCDCAA"/>
+                </a:solidFill>
+                <a:latin typeface="Consolas" panose="020B0609020204030204" pitchFamily="49" charset="0"/>
+              </a:rPr>
+              <a:t>createAction</a:t>
+            </a:r>
+            <a:r>
+              <a:rPr lang="en-US" dirty="0">
+                <a:solidFill>
+                  <a:srgbClr val="D4D4D4"/>
+                </a:solidFill>
+                <a:latin typeface="Consolas" panose="020B0609020204030204" pitchFamily="49" charset="0"/>
+              </a:rPr>
+              <a:t>(</a:t>
+            </a:r>
+            <a:r>
+              <a:rPr lang="en-US" dirty="0">
+                <a:solidFill>
+                  <a:srgbClr val="CE9178"/>
+                </a:solidFill>
+                <a:latin typeface="Consolas" panose="020B0609020204030204" pitchFamily="49" charset="0"/>
+              </a:rPr>
+              <a:t>'[Shop] Request products'</a:t>
+            </a:r>
+            <a:r>
+              <a:rPr lang="en-US" dirty="0">
+                <a:solidFill>
+                  <a:srgbClr val="D4D4D4"/>
+                </a:solidFill>
+                <a:latin typeface="Consolas" panose="020B0609020204030204" pitchFamily="49" charset="0"/>
+              </a:rPr>
+              <a:t>);</a:t>
+            </a:r>
+          </a:p>
+          <a:p>
+            <a:br>
+              <a:rPr lang="en-US" dirty="0">
+                <a:solidFill>
+                  <a:srgbClr val="D4D4D4"/>
+                </a:solidFill>
+                <a:latin typeface="Consolas" panose="020B0609020204030204" pitchFamily="49" charset="0"/>
+              </a:rPr>
+            </a:br>
+            <a:r>
+              <a:rPr lang="en-US" dirty="0">
+                <a:solidFill>
+                  <a:srgbClr val="C586C0"/>
+                </a:solidFill>
+                <a:latin typeface="Consolas" panose="020B0609020204030204" pitchFamily="49" charset="0"/>
+              </a:rPr>
+              <a:t>export</a:t>
+            </a:r>
+            <a:r>
+              <a:rPr lang="en-US" dirty="0">
+                <a:solidFill>
+                  <a:srgbClr val="D4D4D4"/>
+                </a:solidFill>
+                <a:latin typeface="Consolas" panose="020B0609020204030204" pitchFamily="49" charset="0"/>
+              </a:rPr>
+              <a:t> </a:t>
+            </a:r>
+            <a:r>
+              <a:rPr lang="en-US" dirty="0">
+                <a:solidFill>
+                  <a:srgbClr val="569CD6"/>
+                </a:solidFill>
+                <a:latin typeface="Consolas" panose="020B0609020204030204" pitchFamily="49" charset="0"/>
+              </a:rPr>
+              <a:t>const</a:t>
+            </a:r>
+            <a:r>
+              <a:rPr lang="en-US" dirty="0">
+                <a:solidFill>
+                  <a:srgbClr val="D4D4D4"/>
+                </a:solidFill>
+                <a:latin typeface="Consolas" panose="020B0609020204030204" pitchFamily="49" charset="0"/>
+              </a:rPr>
+              <a:t> </a:t>
+            </a:r>
+            <a:r>
+              <a:rPr lang="en-US" dirty="0" err="1">
+                <a:solidFill>
+                  <a:srgbClr val="4FC1FF"/>
+                </a:solidFill>
+                <a:latin typeface="Consolas" panose="020B0609020204030204" pitchFamily="49" charset="0"/>
+              </a:rPr>
+              <a:t>requestProductsSuccess</a:t>
+            </a:r>
+            <a:r>
+              <a:rPr lang="en-US" dirty="0">
+                <a:solidFill>
+                  <a:srgbClr val="D4D4D4"/>
+                </a:solidFill>
+                <a:latin typeface="Consolas" panose="020B0609020204030204" pitchFamily="49" charset="0"/>
+              </a:rPr>
+              <a:t> = </a:t>
+            </a:r>
+            <a:r>
+              <a:rPr lang="en-US" dirty="0" err="1">
+                <a:solidFill>
+                  <a:srgbClr val="DCDCAA"/>
+                </a:solidFill>
+                <a:latin typeface="Consolas" panose="020B0609020204030204" pitchFamily="49" charset="0"/>
+              </a:rPr>
+              <a:t>createAction</a:t>
+            </a:r>
+            <a:r>
+              <a:rPr lang="en-US" dirty="0">
+                <a:solidFill>
+                  <a:srgbClr val="D4D4D4"/>
+                </a:solidFill>
+                <a:latin typeface="Consolas" panose="020B0609020204030204" pitchFamily="49" charset="0"/>
+              </a:rPr>
+              <a:t>(</a:t>
+            </a:r>
+          </a:p>
+          <a:p>
+            <a:r>
+              <a:rPr lang="en-US" dirty="0">
+                <a:solidFill>
+                  <a:srgbClr val="D4D4D4"/>
+                </a:solidFill>
+                <a:latin typeface="Consolas" panose="020B0609020204030204" pitchFamily="49" charset="0"/>
+              </a:rPr>
+              <a:t>  </a:t>
+            </a:r>
+            <a:r>
+              <a:rPr lang="en-US" dirty="0">
+                <a:solidFill>
+                  <a:srgbClr val="CE9178"/>
+                </a:solidFill>
+                <a:latin typeface="Consolas" panose="020B0609020204030204" pitchFamily="49" charset="0"/>
+              </a:rPr>
+              <a:t>'[Shop] Request products success'</a:t>
+            </a:r>
+            <a:r>
+              <a:rPr lang="en-US" dirty="0">
+                <a:solidFill>
+                  <a:srgbClr val="D4D4D4"/>
+                </a:solidFill>
+                <a:latin typeface="Consolas" panose="020B0609020204030204" pitchFamily="49" charset="0"/>
+              </a:rPr>
+              <a:t>,</a:t>
+            </a:r>
+          </a:p>
+          <a:p>
+            <a:r>
+              <a:rPr lang="en-US" dirty="0">
+                <a:solidFill>
+                  <a:srgbClr val="D4D4D4"/>
+                </a:solidFill>
+                <a:latin typeface="Consolas" panose="020B0609020204030204" pitchFamily="49" charset="0"/>
+              </a:rPr>
+              <a:t>  </a:t>
+            </a:r>
+            <a:r>
+              <a:rPr lang="en-US" dirty="0">
+                <a:solidFill>
+                  <a:srgbClr val="DCDCAA"/>
+                </a:solidFill>
+                <a:latin typeface="Consolas" panose="020B0609020204030204" pitchFamily="49" charset="0"/>
+              </a:rPr>
+              <a:t>props</a:t>
+            </a:r>
+            <a:r>
+              <a:rPr lang="en-US" dirty="0">
+                <a:solidFill>
+                  <a:srgbClr val="D4D4D4"/>
+                </a:solidFill>
+                <a:latin typeface="Consolas" panose="020B0609020204030204" pitchFamily="49" charset="0"/>
+              </a:rPr>
+              <a:t>&lt;{ </a:t>
+            </a:r>
+            <a:r>
+              <a:rPr lang="en-US" dirty="0">
+                <a:solidFill>
+                  <a:srgbClr val="9CDCFE"/>
+                </a:solidFill>
+                <a:latin typeface="Consolas" panose="020B0609020204030204" pitchFamily="49" charset="0"/>
+              </a:rPr>
+              <a:t>products</a:t>
+            </a:r>
+            <a:r>
+              <a:rPr lang="en-US" dirty="0">
+                <a:solidFill>
+                  <a:srgbClr val="D4D4D4"/>
+                </a:solidFill>
+                <a:latin typeface="Consolas" panose="020B0609020204030204" pitchFamily="49" charset="0"/>
+              </a:rPr>
+              <a:t>: </a:t>
+            </a:r>
+            <a:r>
+              <a:rPr lang="en-US" dirty="0">
+                <a:solidFill>
+                  <a:srgbClr val="4EC9B0"/>
+                </a:solidFill>
+                <a:latin typeface="Consolas" panose="020B0609020204030204" pitchFamily="49" charset="0"/>
+              </a:rPr>
+              <a:t>Product</a:t>
+            </a:r>
+            <a:r>
+              <a:rPr lang="en-US" dirty="0">
+                <a:solidFill>
+                  <a:srgbClr val="D4D4D4"/>
+                </a:solidFill>
+                <a:latin typeface="Consolas" panose="020B0609020204030204" pitchFamily="49" charset="0"/>
+              </a:rPr>
+              <a:t>[] }&gt;()</a:t>
+            </a:r>
+          </a:p>
+          <a:p>
+            <a:r>
+              <a:rPr lang="en-US" dirty="0">
+                <a:solidFill>
+                  <a:srgbClr val="D4D4D4"/>
+                </a:solidFill>
+                <a:latin typeface="Consolas" panose="020B0609020204030204" pitchFamily="49" charset="0"/>
+              </a:rPr>
+              <a:t>);</a:t>
+            </a:r>
+            <a:endParaRPr lang="en-US" b="0" dirty="0">
+              <a:solidFill>
+                <a:srgbClr val="D4D4D4"/>
+              </a:solidFill>
+              <a:effectLst/>
+              <a:latin typeface="Consolas" panose="020B0609020204030204" pitchFamily="49" charset="0"/>
+            </a:endParaRPr>
+          </a:p>
+        </p:txBody>
+      </p:sp>
+    </p:spTree>
+    <p:extLst>
+      <p:ext uri="{BB962C8B-B14F-4D97-AF65-F5344CB8AC3E}">
+        <p14:creationId xmlns:p14="http://schemas.microsoft.com/office/powerpoint/2010/main" val="3555560239"/>
+      </p:ext>
+    </p:extLst>
+  </p:cSld>
+  <p:clrMapOvr>
+    <a:masterClrMapping/>
+  </p:clrMapOvr>
+</p:sld>
+</file>
+
+<file path=ppt/slides/slide12.xml><?xml version="1.0" encoding="utf-8"?>
+<p:sld xmlns:a="http://schemas.openxmlformats.org/drawingml/2006/main" xmlns:r="http://schemas.openxmlformats.org/officeDocument/2006/relationships" xmlns:p="http://schemas.openxmlformats.org/presentationml/2006/main">
+  <p:cSld>
+    <p:spTree>
+      <p:nvGrpSpPr>
+        <p:cNvPr id="1" name=""/>
+        <p:cNvGrpSpPr/>
+        <p:nvPr/>
+      </p:nvGrpSpPr>
+      <p:grpSpPr>
+        <a:xfrm>
+          <a:off x="0" y="0"/>
+          <a:ext cx="0" cy="0"/>
+          <a:chOff x="0" y="0"/>
+          <a:chExt cx="0" cy="0"/>
+        </a:xfrm>
+      </p:grpSpPr>
+      <p:sp>
+        <p:nvSpPr>
+          <p:cNvPr id="2" name="Title 1">
+            <a:extLst>
+              <a:ext uri="{FF2B5EF4-FFF2-40B4-BE49-F238E27FC236}">
+                <a16:creationId xmlns:a16="http://schemas.microsoft.com/office/drawing/2014/main" id="{58A75D02-8D99-4750-B95C-655E0DA90887}"/>
+              </a:ext>
+            </a:extLst>
+          </p:cNvPr>
+          <p:cNvSpPr>
+            <a:spLocks noGrp="1"/>
+          </p:cNvSpPr>
+          <p:nvPr>
+            <p:ph type="title"/>
+          </p:nvPr>
+        </p:nvSpPr>
+        <p:spPr/>
+        <p:txBody>
+          <a:bodyPr/>
+          <a:lstStyle/>
+          <a:p>
+            <a:r>
+              <a:rPr lang="en-US" dirty="0"/>
+              <a:t>NGRX - EFFECTS</a:t>
+            </a:r>
+            <a:endParaRPr lang="nl-NL" dirty="0"/>
+          </a:p>
+        </p:txBody>
+      </p:sp>
+      <p:sp>
+        <p:nvSpPr>
+          <p:cNvPr id="3" name="Rectangle 2">
+            <a:extLst>
+              <a:ext uri="{FF2B5EF4-FFF2-40B4-BE49-F238E27FC236}">
+                <a16:creationId xmlns:a16="http://schemas.microsoft.com/office/drawing/2014/main" id="{CB5323DB-F5ED-448C-9DDF-21C8B304251C}"/>
+              </a:ext>
+            </a:extLst>
+          </p:cNvPr>
+          <p:cNvSpPr/>
+          <p:nvPr/>
+        </p:nvSpPr>
+        <p:spPr>
+          <a:xfrm>
+            <a:off x="1437600" y="2214000"/>
+            <a:ext cx="9316800" cy="3693319"/>
+          </a:xfrm>
+          <a:prstGeom prst="rect">
+            <a:avLst/>
+          </a:prstGeom>
+          <a:solidFill>
+            <a:schemeClr val="tx1"/>
+          </a:solidFill>
+        </p:spPr>
+        <p:txBody>
+          <a:bodyPr wrap="square">
+            <a:spAutoFit/>
+          </a:bodyPr>
+          <a:lstStyle/>
+          <a:p>
+            <a:r>
+              <a:rPr lang="nl-NL" dirty="0">
+                <a:solidFill>
+                  <a:srgbClr val="D4D4D4"/>
+                </a:solidFill>
+                <a:latin typeface="Consolas" panose="020B0609020204030204" pitchFamily="49" charset="0"/>
+              </a:rPr>
+              <a:t>  </a:t>
+            </a:r>
+            <a:r>
+              <a:rPr lang="nl-NL" dirty="0" err="1">
+                <a:solidFill>
+                  <a:srgbClr val="9CDCFE"/>
+                </a:solidFill>
+                <a:latin typeface="Consolas" panose="020B0609020204030204" pitchFamily="49" charset="0"/>
+              </a:rPr>
+              <a:t>requestProducts</a:t>
+            </a:r>
+            <a:r>
+              <a:rPr lang="nl-NL" dirty="0">
+                <a:solidFill>
+                  <a:srgbClr val="9CDCFE"/>
+                </a:solidFill>
+                <a:latin typeface="Consolas" panose="020B0609020204030204" pitchFamily="49" charset="0"/>
+              </a:rPr>
+              <a:t>$</a:t>
+            </a:r>
+            <a:r>
+              <a:rPr lang="nl-NL" dirty="0">
+                <a:solidFill>
+                  <a:srgbClr val="D4D4D4"/>
+                </a:solidFill>
+                <a:latin typeface="Consolas" panose="020B0609020204030204" pitchFamily="49" charset="0"/>
+              </a:rPr>
+              <a:t> = </a:t>
+            </a:r>
+            <a:r>
+              <a:rPr lang="nl-NL" dirty="0" err="1">
+                <a:solidFill>
+                  <a:srgbClr val="DCDCAA"/>
+                </a:solidFill>
+                <a:latin typeface="Consolas" panose="020B0609020204030204" pitchFamily="49" charset="0"/>
+              </a:rPr>
+              <a:t>createEffect</a:t>
+            </a:r>
+            <a:r>
+              <a:rPr lang="nl-NL" dirty="0">
+                <a:solidFill>
+                  <a:srgbClr val="D4D4D4"/>
+                </a:solidFill>
+                <a:latin typeface="Consolas" panose="020B0609020204030204" pitchFamily="49" charset="0"/>
+              </a:rPr>
+              <a:t>(() </a:t>
+            </a:r>
+            <a:r>
+              <a:rPr lang="nl-NL" dirty="0">
+                <a:solidFill>
+                  <a:srgbClr val="569CD6"/>
+                </a:solidFill>
+                <a:latin typeface="Consolas" panose="020B0609020204030204" pitchFamily="49" charset="0"/>
+              </a:rPr>
+              <a:t>=&gt;</a:t>
+            </a:r>
+            <a:endParaRPr lang="nl-NL" dirty="0">
+              <a:solidFill>
+                <a:srgbClr val="D4D4D4"/>
+              </a:solidFill>
+              <a:latin typeface="Consolas" panose="020B0609020204030204" pitchFamily="49" charset="0"/>
+            </a:endParaRPr>
+          </a:p>
+          <a:p>
+            <a:r>
+              <a:rPr lang="nl-NL" dirty="0">
+                <a:solidFill>
+                  <a:srgbClr val="D4D4D4"/>
+                </a:solidFill>
+                <a:latin typeface="Consolas" panose="020B0609020204030204" pitchFamily="49" charset="0"/>
+              </a:rPr>
+              <a:t>    </a:t>
+            </a:r>
+            <a:r>
+              <a:rPr lang="nl-NL" dirty="0" err="1">
+                <a:solidFill>
+                  <a:srgbClr val="569CD6"/>
+                </a:solidFill>
+                <a:latin typeface="Consolas" panose="020B0609020204030204" pitchFamily="49" charset="0"/>
+              </a:rPr>
+              <a:t>this</a:t>
+            </a:r>
+            <a:r>
+              <a:rPr lang="nl-NL" dirty="0" err="1">
+                <a:solidFill>
+                  <a:srgbClr val="D4D4D4"/>
+                </a:solidFill>
+                <a:latin typeface="Consolas" panose="020B0609020204030204" pitchFamily="49" charset="0"/>
+              </a:rPr>
+              <a:t>.</a:t>
+            </a:r>
+            <a:r>
+              <a:rPr lang="nl-NL" dirty="0" err="1">
+                <a:solidFill>
+                  <a:srgbClr val="9CDCFE"/>
+                </a:solidFill>
+                <a:latin typeface="Consolas" panose="020B0609020204030204" pitchFamily="49" charset="0"/>
+              </a:rPr>
+              <a:t>actions$</a:t>
+            </a:r>
+            <a:r>
+              <a:rPr lang="nl-NL" dirty="0" err="1">
+                <a:solidFill>
+                  <a:srgbClr val="D4D4D4"/>
+                </a:solidFill>
+                <a:latin typeface="Consolas" panose="020B0609020204030204" pitchFamily="49" charset="0"/>
+              </a:rPr>
+              <a:t>.</a:t>
+            </a:r>
+            <a:r>
+              <a:rPr lang="nl-NL" dirty="0" err="1">
+                <a:solidFill>
+                  <a:srgbClr val="DCDCAA"/>
+                </a:solidFill>
+                <a:latin typeface="Consolas" panose="020B0609020204030204" pitchFamily="49" charset="0"/>
+              </a:rPr>
+              <a:t>pipe</a:t>
+            </a:r>
+            <a:r>
+              <a:rPr lang="nl-NL" dirty="0">
+                <a:solidFill>
+                  <a:srgbClr val="D4D4D4"/>
+                </a:solidFill>
+                <a:latin typeface="Consolas" panose="020B0609020204030204" pitchFamily="49" charset="0"/>
+              </a:rPr>
+              <a:t>(</a:t>
+            </a:r>
+          </a:p>
+          <a:p>
+            <a:r>
+              <a:rPr lang="nl-NL" dirty="0">
+                <a:solidFill>
+                  <a:srgbClr val="D4D4D4"/>
+                </a:solidFill>
+                <a:latin typeface="Consolas" panose="020B0609020204030204" pitchFamily="49" charset="0"/>
+              </a:rPr>
+              <a:t>      </a:t>
+            </a:r>
+            <a:r>
+              <a:rPr lang="nl-NL" dirty="0" err="1">
+                <a:solidFill>
+                  <a:srgbClr val="DCDCAA"/>
+                </a:solidFill>
+                <a:latin typeface="Consolas" panose="020B0609020204030204" pitchFamily="49" charset="0"/>
+              </a:rPr>
+              <a:t>ofType</a:t>
+            </a:r>
+            <a:r>
+              <a:rPr lang="nl-NL" dirty="0">
+                <a:solidFill>
+                  <a:srgbClr val="D4D4D4"/>
+                </a:solidFill>
+                <a:latin typeface="Consolas" panose="020B0609020204030204" pitchFamily="49" charset="0"/>
+              </a:rPr>
+              <a:t>(</a:t>
+            </a:r>
+            <a:r>
+              <a:rPr lang="nl-NL" dirty="0" err="1">
+                <a:solidFill>
+                  <a:srgbClr val="4FC1FF"/>
+                </a:solidFill>
+                <a:latin typeface="Consolas" panose="020B0609020204030204" pitchFamily="49" charset="0"/>
+              </a:rPr>
+              <a:t>requestProducts</a:t>
+            </a:r>
+            <a:r>
+              <a:rPr lang="nl-NL" dirty="0">
+                <a:solidFill>
+                  <a:srgbClr val="D4D4D4"/>
+                </a:solidFill>
+                <a:latin typeface="Consolas" panose="020B0609020204030204" pitchFamily="49" charset="0"/>
+              </a:rPr>
+              <a:t>),</a:t>
+            </a:r>
+          </a:p>
+          <a:p>
+            <a:r>
+              <a:rPr lang="nl-NL" dirty="0">
+                <a:solidFill>
+                  <a:srgbClr val="D4D4D4"/>
+                </a:solidFill>
+                <a:latin typeface="Consolas" panose="020B0609020204030204" pitchFamily="49" charset="0"/>
+              </a:rPr>
+              <a:t>      </a:t>
+            </a:r>
+            <a:r>
+              <a:rPr lang="nl-NL" dirty="0" err="1">
+                <a:solidFill>
+                  <a:srgbClr val="DCDCAA"/>
+                </a:solidFill>
+                <a:latin typeface="Consolas" panose="020B0609020204030204" pitchFamily="49" charset="0"/>
+              </a:rPr>
+              <a:t>switchMap</a:t>
+            </a:r>
+            <a:r>
+              <a:rPr lang="nl-NL" dirty="0">
+                <a:solidFill>
+                  <a:srgbClr val="D4D4D4"/>
+                </a:solidFill>
+                <a:latin typeface="Consolas" panose="020B0609020204030204" pitchFamily="49" charset="0"/>
+              </a:rPr>
+              <a:t>(() </a:t>
+            </a:r>
+            <a:r>
+              <a:rPr lang="nl-NL" dirty="0">
+                <a:solidFill>
+                  <a:srgbClr val="569CD6"/>
+                </a:solidFill>
+                <a:latin typeface="Consolas" panose="020B0609020204030204" pitchFamily="49" charset="0"/>
+              </a:rPr>
+              <a:t>=&gt;</a:t>
+            </a:r>
+            <a:endParaRPr lang="nl-NL" dirty="0">
+              <a:solidFill>
+                <a:srgbClr val="D4D4D4"/>
+              </a:solidFill>
+              <a:latin typeface="Consolas" panose="020B0609020204030204" pitchFamily="49" charset="0"/>
+            </a:endParaRPr>
+          </a:p>
+          <a:p>
+            <a:r>
+              <a:rPr lang="nl-NL" dirty="0">
+                <a:solidFill>
+                  <a:srgbClr val="D4D4D4"/>
+                </a:solidFill>
+                <a:latin typeface="Consolas" panose="020B0609020204030204" pitchFamily="49" charset="0"/>
+              </a:rPr>
+              <a:t>        </a:t>
+            </a:r>
+            <a:r>
+              <a:rPr lang="nl-NL" dirty="0" err="1">
+                <a:solidFill>
+                  <a:srgbClr val="569CD6"/>
+                </a:solidFill>
+                <a:latin typeface="Consolas" panose="020B0609020204030204" pitchFamily="49" charset="0"/>
+              </a:rPr>
+              <a:t>this</a:t>
+            </a:r>
+            <a:r>
+              <a:rPr lang="nl-NL" dirty="0" err="1">
+                <a:solidFill>
+                  <a:srgbClr val="D4D4D4"/>
+                </a:solidFill>
+                <a:latin typeface="Consolas" panose="020B0609020204030204" pitchFamily="49" charset="0"/>
+              </a:rPr>
+              <a:t>.</a:t>
+            </a:r>
+            <a:r>
+              <a:rPr lang="nl-NL" dirty="0" err="1">
+                <a:solidFill>
+                  <a:srgbClr val="9CDCFE"/>
+                </a:solidFill>
+                <a:latin typeface="Consolas" panose="020B0609020204030204" pitchFamily="49" charset="0"/>
+              </a:rPr>
+              <a:t>productService</a:t>
+            </a:r>
+            <a:r>
+              <a:rPr lang="nl-NL" dirty="0" err="1">
+                <a:solidFill>
+                  <a:srgbClr val="D4D4D4"/>
+                </a:solidFill>
+                <a:latin typeface="Consolas" panose="020B0609020204030204" pitchFamily="49" charset="0"/>
+              </a:rPr>
+              <a:t>.</a:t>
+            </a:r>
+            <a:r>
+              <a:rPr lang="nl-NL" dirty="0" err="1">
+                <a:solidFill>
+                  <a:srgbClr val="DCDCAA"/>
+                </a:solidFill>
+                <a:latin typeface="Consolas" panose="020B0609020204030204" pitchFamily="49" charset="0"/>
+              </a:rPr>
+              <a:t>getProducts</a:t>
+            </a:r>
+            <a:r>
+              <a:rPr lang="nl-NL" dirty="0">
+                <a:solidFill>
+                  <a:srgbClr val="D4D4D4"/>
+                </a:solidFill>
+                <a:latin typeface="Consolas" panose="020B0609020204030204" pitchFamily="49" charset="0"/>
+              </a:rPr>
+              <a:t>().</a:t>
+            </a:r>
+            <a:r>
+              <a:rPr lang="nl-NL" dirty="0">
+                <a:solidFill>
+                  <a:srgbClr val="DCDCAA"/>
+                </a:solidFill>
+                <a:latin typeface="Consolas" panose="020B0609020204030204" pitchFamily="49" charset="0"/>
+              </a:rPr>
+              <a:t>pipe</a:t>
+            </a:r>
+            <a:r>
+              <a:rPr lang="nl-NL" dirty="0">
+                <a:solidFill>
+                  <a:srgbClr val="D4D4D4"/>
+                </a:solidFill>
+                <a:latin typeface="Consolas" panose="020B0609020204030204" pitchFamily="49" charset="0"/>
+              </a:rPr>
+              <a:t>(</a:t>
+            </a:r>
+          </a:p>
+          <a:p>
+            <a:r>
+              <a:rPr lang="nl-NL" dirty="0">
+                <a:solidFill>
+                  <a:srgbClr val="D4D4D4"/>
+                </a:solidFill>
+                <a:latin typeface="Consolas" panose="020B0609020204030204" pitchFamily="49" charset="0"/>
+              </a:rPr>
+              <a:t>          </a:t>
+            </a:r>
+            <a:r>
+              <a:rPr lang="nl-NL" dirty="0">
+                <a:solidFill>
+                  <a:srgbClr val="DCDCAA"/>
+                </a:solidFill>
+                <a:latin typeface="Consolas" panose="020B0609020204030204" pitchFamily="49" charset="0"/>
+              </a:rPr>
+              <a:t>map</a:t>
+            </a:r>
+            <a:r>
+              <a:rPr lang="nl-NL" dirty="0">
+                <a:solidFill>
+                  <a:srgbClr val="D4D4D4"/>
+                </a:solidFill>
+                <a:latin typeface="Consolas" panose="020B0609020204030204" pitchFamily="49" charset="0"/>
+              </a:rPr>
+              <a:t>((</a:t>
+            </a:r>
+            <a:r>
+              <a:rPr lang="nl-NL" dirty="0" err="1">
+                <a:solidFill>
+                  <a:srgbClr val="9CDCFE"/>
+                </a:solidFill>
+                <a:latin typeface="Consolas" panose="020B0609020204030204" pitchFamily="49" charset="0"/>
+              </a:rPr>
+              <a:t>products</a:t>
+            </a:r>
+            <a:r>
+              <a:rPr lang="nl-NL" dirty="0">
+                <a:solidFill>
+                  <a:srgbClr val="D4D4D4"/>
+                </a:solidFill>
+                <a:latin typeface="Consolas" panose="020B0609020204030204" pitchFamily="49" charset="0"/>
+              </a:rPr>
+              <a:t>) </a:t>
+            </a:r>
+            <a:r>
+              <a:rPr lang="nl-NL" dirty="0">
+                <a:solidFill>
+                  <a:srgbClr val="569CD6"/>
+                </a:solidFill>
+                <a:latin typeface="Consolas" panose="020B0609020204030204" pitchFamily="49" charset="0"/>
+              </a:rPr>
+              <a:t>=&gt;</a:t>
+            </a:r>
+            <a:r>
+              <a:rPr lang="nl-NL" dirty="0">
+                <a:solidFill>
+                  <a:srgbClr val="D4D4D4"/>
+                </a:solidFill>
+                <a:latin typeface="Consolas" panose="020B0609020204030204" pitchFamily="49" charset="0"/>
+              </a:rPr>
+              <a:t> </a:t>
+            </a:r>
+            <a:r>
+              <a:rPr lang="nl-NL" dirty="0" err="1">
+                <a:solidFill>
+                  <a:srgbClr val="DCDCAA"/>
+                </a:solidFill>
+                <a:latin typeface="Consolas" panose="020B0609020204030204" pitchFamily="49" charset="0"/>
+              </a:rPr>
+              <a:t>requestProductsSuccess</a:t>
+            </a:r>
+            <a:r>
+              <a:rPr lang="nl-NL" dirty="0">
+                <a:solidFill>
+                  <a:srgbClr val="D4D4D4"/>
+                </a:solidFill>
+                <a:latin typeface="Consolas" panose="020B0609020204030204" pitchFamily="49" charset="0"/>
+              </a:rPr>
+              <a:t>({ </a:t>
+            </a:r>
+            <a:r>
+              <a:rPr lang="nl-NL" dirty="0" err="1">
+                <a:solidFill>
+                  <a:srgbClr val="9CDCFE"/>
+                </a:solidFill>
+                <a:latin typeface="Consolas" panose="020B0609020204030204" pitchFamily="49" charset="0"/>
+              </a:rPr>
+              <a:t>products</a:t>
+            </a:r>
+            <a:r>
+              <a:rPr lang="nl-NL" dirty="0">
+                <a:solidFill>
+                  <a:srgbClr val="D4D4D4"/>
+                </a:solidFill>
+                <a:latin typeface="Consolas" panose="020B0609020204030204" pitchFamily="49" charset="0"/>
+              </a:rPr>
+              <a:t> })),</a:t>
+            </a:r>
+          </a:p>
+          <a:p>
+            <a:r>
+              <a:rPr lang="nl-NL" dirty="0">
+                <a:solidFill>
+                  <a:srgbClr val="D4D4D4"/>
+                </a:solidFill>
+                <a:latin typeface="Consolas" panose="020B0609020204030204" pitchFamily="49" charset="0"/>
+              </a:rPr>
+              <a:t>          </a:t>
+            </a:r>
+            <a:r>
+              <a:rPr lang="nl-NL" dirty="0" err="1">
+                <a:solidFill>
+                  <a:srgbClr val="DCDCAA"/>
+                </a:solidFill>
+                <a:latin typeface="Consolas" panose="020B0609020204030204" pitchFamily="49" charset="0"/>
+              </a:rPr>
+              <a:t>catchError</a:t>
+            </a:r>
+            <a:r>
+              <a:rPr lang="nl-NL" dirty="0">
+                <a:solidFill>
+                  <a:srgbClr val="D4D4D4"/>
+                </a:solidFill>
+                <a:latin typeface="Consolas" panose="020B0609020204030204" pitchFamily="49" charset="0"/>
+              </a:rPr>
+              <a:t>(() </a:t>
+            </a:r>
+            <a:r>
+              <a:rPr lang="nl-NL" dirty="0">
+                <a:solidFill>
+                  <a:srgbClr val="569CD6"/>
+                </a:solidFill>
+                <a:latin typeface="Consolas" panose="020B0609020204030204" pitchFamily="49" charset="0"/>
+              </a:rPr>
+              <a:t>=&gt;</a:t>
+            </a:r>
+            <a:endParaRPr lang="nl-NL" dirty="0">
+              <a:solidFill>
+                <a:srgbClr val="D4D4D4"/>
+              </a:solidFill>
+              <a:latin typeface="Consolas" panose="020B0609020204030204" pitchFamily="49" charset="0"/>
+            </a:endParaRPr>
+          </a:p>
+          <a:p>
+            <a:r>
+              <a:rPr lang="nl-NL" dirty="0">
+                <a:solidFill>
+                  <a:srgbClr val="D4D4D4"/>
+                </a:solidFill>
+                <a:latin typeface="Consolas" panose="020B0609020204030204" pitchFamily="49" charset="0"/>
+              </a:rPr>
+              <a:t>            </a:t>
+            </a:r>
+            <a:r>
+              <a:rPr lang="nl-NL" dirty="0">
+                <a:solidFill>
+                  <a:srgbClr val="DCDCAA"/>
+                </a:solidFill>
+                <a:latin typeface="Consolas" panose="020B0609020204030204" pitchFamily="49" charset="0"/>
+              </a:rPr>
+              <a:t>of</a:t>
+            </a:r>
+            <a:r>
+              <a:rPr lang="nl-NL" dirty="0">
+                <a:solidFill>
+                  <a:srgbClr val="D4D4D4"/>
+                </a:solidFill>
+                <a:latin typeface="Consolas" panose="020B0609020204030204" pitchFamily="49" charset="0"/>
+              </a:rPr>
+              <a:t>(</a:t>
+            </a:r>
+            <a:r>
+              <a:rPr lang="nl-NL" dirty="0" err="1">
+                <a:solidFill>
+                  <a:srgbClr val="DCDCAA"/>
+                </a:solidFill>
+                <a:latin typeface="Consolas" panose="020B0609020204030204" pitchFamily="49" charset="0"/>
+              </a:rPr>
+              <a:t>requestProductsFailure</a:t>
+            </a:r>
+            <a:r>
+              <a:rPr lang="nl-NL" dirty="0">
+                <a:solidFill>
+                  <a:srgbClr val="D4D4D4"/>
+                </a:solidFill>
+                <a:latin typeface="Consolas" panose="020B0609020204030204" pitchFamily="49" charset="0"/>
+              </a:rPr>
+              <a:t>({ </a:t>
+            </a:r>
+            <a:r>
+              <a:rPr lang="nl-NL" dirty="0">
+                <a:solidFill>
+                  <a:srgbClr val="9CDCFE"/>
+                </a:solidFill>
+                <a:latin typeface="Consolas" panose="020B0609020204030204" pitchFamily="49" charset="0"/>
+              </a:rPr>
+              <a:t>error:</a:t>
+            </a:r>
+            <a:r>
+              <a:rPr lang="nl-NL" dirty="0">
+                <a:solidFill>
+                  <a:srgbClr val="D4D4D4"/>
+                </a:solidFill>
+                <a:latin typeface="Consolas" panose="020B0609020204030204" pitchFamily="49" charset="0"/>
+              </a:rPr>
+              <a:t> </a:t>
+            </a:r>
+            <a:r>
+              <a:rPr lang="nl-NL" dirty="0">
+                <a:solidFill>
+                  <a:srgbClr val="CE9178"/>
+                </a:solidFill>
+                <a:latin typeface="Consolas" panose="020B0609020204030204" pitchFamily="49" charset="0"/>
+              </a:rPr>
+              <a:t>'</a:t>
+            </a:r>
+            <a:r>
+              <a:rPr lang="nl-NL" dirty="0" err="1">
+                <a:solidFill>
+                  <a:srgbClr val="CE9178"/>
+                </a:solidFill>
+                <a:latin typeface="Consolas" panose="020B0609020204030204" pitchFamily="49" charset="0"/>
+              </a:rPr>
+              <a:t>Some</a:t>
+            </a:r>
+            <a:r>
+              <a:rPr lang="nl-NL" dirty="0">
+                <a:solidFill>
+                  <a:srgbClr val="CE9178"/>
+                </a:solidFill>
+                <a:latin typeface="Consolas" panose="020B0609020204030204" pitchFamily="49" charset="0"/>
+              </a:rPr>
+              <a:t> </a:t>
+            </a:r>
+            <a:r>
+              <a:rPr lang="nl-NL" dirty="0" err="1">
+                <a:solidFill>
+                  <a:srgbClr val="CE9178"/>
+                </a:solidFill>
+                <a:latin typeface="Consolas" panose="020B0609020204030204" pitchFamily="49" charset="0"/>
+              </a:rPr>
+              <a:t>message</a:t>
+            </a:r>
+            <a:r>
+              <a:rPr lang="nl-NL" dirty="0">
+                <a:solidFill>
+                  <a:srgbClr val="CE9178"/>
+                </a:solidFill>
+                <a:latin typeface="Consolas" panose="020B0609020204030204" pitchFamily="49" charset="0"/>
+              </a:rPr>
+              <a:t>'</a:t>
+            </a:r>
+            <a:r>
+              <a:rPr lang="nl-NL" dirty="0">
+                <a:solidFill>
+                  <a:srgbClr val="D4D4D4"/>
+                </a:solidFill>
+                <a:latin typeface="Consolas" panose="020B0609020204030204" pitchFamily="49" charset="0"/>
+              </a:rPr>
+              <a:t> }))</a:t>
+            </a:r>
+          </a:p>
+          <a:p>
+            <a:r>
+              <a:rPr lang="nl-NL" dirty="0">
+                <a:solidFill>
+                  <a:srgbClr val="D4D4D4"/>
+                </a:solidFill>
+                <a:latin typeface="Consolas" panose="020B0609020204030204" pitchFamily="49" charset="0"/>
+              </a:rPr>
+              <a:t>          )</a:t>
+            </a:r>
+          </a:p>
+          <a:p>
+            <a:r>
+              <a:rPr lang="nl-NL" dirty="0">
+                <a:solidFill>
+                  <a:srgbClr val="D4D4D4"/>
+                </a:solidFill>
+                <a:latin typeface="Consolas" panose="020B0609020204030204" pitchFamily="49" charset="0"/>
+              </a:rPr>
+              <a:t>        )</a:t>
+            </a:r>
+          </a:p>
+          <a:p>
+            <a:r>
+              <a:rPr lang="nl-NL" dirty="0">
+                <a:solidFill>
+                  <a:srgbClr val="D4D4D4"/>
+                </a:solidFill>
+                <a:latin typeface="Consolas" panose="020B0609020204030204" pitchFamily="49" charset="0"/>
+              </a:rPr>
+              <a:t>      )</a:t>
+            </a:r>
+          </a:p>
+          <a:p>
+            <a:r>
+              <a:rPr lang="nl-NL" dirty="0">
+                <a:solidFill>
+                  <a:srgbClr val="D4D4D4"/>
+                </a:solidFill>
+                <a:latin typeface="Consolas" panose="020B0609020204030204" pitchFamily="49" charset="0"/>
+              </a:rPr>
+              <a:t>    )</a:t>
+            </a:r>
+          </a:p>
+          <a:p>
+            <a:r>
+              <a:rPr lang="nl-NL" dirty="0">
+                <a:solidFill>
+                  <a:srgbClr val="D4D4D4"/>
+                </a:solidFill>
+                <a:latin typeface="Consolas" panose="020B0609020204030204" pitchFamily="49" charset="0"/>
+              </a:rPr>
+              <a:t>  );</a:t>
+            </a:r>
+            <a:endParaRPr lang="nl-NL" b="0" dirty="0">
+              <a:solidFill>
+                <a:srgbClr val="D4D4D4"/>
+              </a:solidFill>
+              <a:effectLst/>
+              <a:latin typeface="Consolas" panose="020B0609020204030204" pitchFamily="49" charset="0"/>
+            </a:endParaRPr>
+          </a:p>
+        </p:txBody>
+      </p:sp>
+    </p:spTree>
+    <p:extLst>
+      <p:ext uri="{BB962C8B-B14F-4D97-AF65-F5344CB8AC3E}">
+        <p14:creationId xmlns:p14="http://schemas.microsoft.com/office/powerpoint/2010/main" val="4164782675"/>
+      </p:ext>
+    </p:extLst>
+  </p:cSld>
+  <p:clrMapOvr>
+    <a:masterClrMapping/>
+  </p:clrMapOvr>
+</p:sld>
+</file>
+
+<file path=ppt/slides/slide13.xml><?xml version="1.0" encoding="utf-8"?>
+<p:sld xmlns:a="http://schemas.openxmlformats.org/drawingml/2006/main" xmlns:r="http://schemas.openxmlformats.org/officeDocument/2006/relationships" xmlns:p="http://schemas.openxmlformats.org/presentationml/2006/main">
+  <p:cSld>
+    <p:spTree>
+      <p:nvGrpSpPr>
+        <p:cNvPr id="1" name=""/>
+        <p:cNvGrpSpPr/>
+        <p:nvPr/>
+      </p:nvGrpSpPr>
+      <p:grpSpPr>
+        <a:xfrm>
+          <a:off x="0" y="0"/>
+          <a:ext cx="0" cy="0"/>
+          <a:chOff x="0" y="0"/>
+          <a:chExt cx="0" cy="0"/>
+        </a:xfrm>
+      </p:grpSpPr>
+      <p:sp>
+        <p:nvSpPr>
+          <p:cNvPr id="2" name="Title 1">
+            <a:extLst>
+              <a:ext uri="{FF2B5EF4-FFF2-40B4-BE49-F238E27FC236}">
+                <a16:creationId xmlns:a16="http://schemas.microsoft.com/office/drawing/2014/main" id="{58A75D02-8D99-4750-B95C-655E0DA90887}"/>
+              </a:ext>
+            </a:extLst>
+          </p:cNvPr>
+          <p:cNvSpPr>
+            <a:spLocks noGrp="1"/>
+          </p:cNvSpPr>
+          <p:nvPr>
+            <p:ph type="title"/>
+          </p:nvPr>
+        </p:nvSpPr>
+        <p:spPr/>
+        <p:txBody>
+          <a:bodyPr/>
+          <a:lstStyle/>
+          <a:p>
+            <a:r>
+              <a:rPr lang="en-US" dirty="0"/>
+              <a:t>NGRX - Reducer</a:t>
+            </a:r>
+            <a:endParaRPr lang="nl-NL" dirty="0"/>
+          </a:p>
+        </p:txBody>
+      </p:sp>
+      <p:sp>
+        <p:nvSpPr>
+          <p:cNvPr id="4" name="Rectangle 3">
+            <a:extLst>
+              <a:ext uri="{FF2B5EF4-FFF2-40B4-BE49-F238E27FC236}">
+                <a16:creationId xmlns:a16="http://schemas.microsoft.com/office/drawing/2014/main" id="{D65DEED7-7252-49A2-AD14-E7385E5C45E7}"/>
+              </a:ext>
+            </a:extLst>
+          </p:cNvPr>
+          <p:cNvSpPr/>
+          <p:nvPr/>
+        </p:nvSpPr>
+        <p:spPr>
+          <a:xfrm>
+            <a:off x="1437600" y="2214694"/>
+            <a:ext cx="9316800" cy="3416320"/>
+          </a:xfrm>
+          <a:prstGeom prst="rect">
+            <a:avLst/>
+          </a:prstGeom>
+          <a:solidFill>
+            <a:schemeClr val="tx1"/>
+          </a:solidFill>
+        </p:spPr>
+        <p:txBody>
+          <a:bodyPr wrap="square">
+            <a:spAutoFit/>
+          </a:bodyPr>
+          <a:lstStyle/>
+          <a:p>
+            <a:r>
+              <a:rPr lang="nl-NL" dirty="0" err="1">
+                <a:solidFill>
+                  <a:srgbClr val="569CD6"/>
+                </a:solidFill>
+                <a:latin typeface="Consolas" panose="020B0609020204030204" pitchFamily="49" charset="0"/>
+              </a:rPr>
+              <a:t>const</a:t>
+            </a:r>
+            <a:r>
+              <a:rPr lang="nl-NL" dirty="0">
+                <a:solidFill>
+                  <a:srgbClr val="D4D4D4"/>
+                </a:solidFill>
+                <a:latin typeface="Consolas" panose="020B0609020204030204" pitchFamily="49" charset="0"/>
+              </a:rPr>
+              <a:t> </a:t>
+            </a:r>
+            <a:r>
+              <a:rPr lang="nl-NL" dirty="0" err="1">
+                <a:solidFill>
+                  <a:srgbClr val="DCDCAA"/>
+                </a:solidFill>
+                <a:latin typeface="Consolas" panose="020B0609020204030204" pitchFamily="49" charset="0"/>
+              </a:rPr>
+              <a:t>reducer</a:t>
+            </a:r>
+            <a:r>
+              <a:rPr lang="nl-NL" dirty="0">
+                <a:solidFill>
+                  <a:srgbClr val="D4D4D4"/>
+                </a:solidFill>
+                <a:latin typeface="Consolas" panose="020B0609020204030204" pitchFamily="49" charset="0"/>
+              </a:rPr>
+              <a:t> = </a:t>
+            </a:r>
+            <a:r>
+              <a:rPr lang="nl-NL" dirty="0" err="1">
+                <a:solidFill>
+                  <a:srgbClr val="DCDCAA"/>
+                </a:solidFill>
+                <a:latin typeface="Consolas" panose="020B0609020204030204" pitchFamily="49" charset="0"/>
+              </a:rPr>
+              <a:t>createReducer</a:t>
+            </a:r>
+            <a:r>
+              <a:rPr lang="nl-NL" dirty="0">
+                <a:solidFill>
+                  <a:srgbClr val="D4D4D4"/>
+                </a:solidFill>
+                <a:latin typeface="Consolas" panose="020B0609020204030204" pitchFamily="49" charset="0"/>
+              </a:rPr>
+              <a:t>(</a:t>
+            </a:r>
+          </a:p>
+          <a:p>
+            <a:r>
+              <a:rPr lang="nl-NL" dirty="0">
+                <a:solidFill>
+                  <a:srgbClr val="D4D4D4"/>
+                </a:solidFill>
+                <a:latin typeface="Consolas" panose="020B0609020204030204" pitchFamily="49" charset="0"/>
+              </a:rPr>
+              <a:t>  </a:t>
+            </a:r>
+            <a:r>
+              <a:rPr lang="nl-NL" dirty="0" err="1">
+                <a:solidFill>
+                  <a:srgbClr val="4FC1FF"/>
+                </a:solidFill>
+                <a:latin typeface="Consolas" panose="020B0609020204030204" pitchFamily="49" charset="0"/>
+              </a:rPr>
+              <a:t>initialState</a:t>
+            </a:r>
+            <a:r>
+              <a:rPr lang="nl-NL" dirty="0">
+                <a:solidFill>
+                  <a:srgbClr val="D4D4D4"/>
+                </a:solidFill>
+                <a:latin typeface="Consolas" panose="020B0609020204030204" pitchFamily="49" charset="0"/>
+              </a:rPr>
+              <a:t>,</a:t>
+            </a:r>
+          </a:p>
+          <a:p>
+            <a:r>
+              <a:rPr lang="nl-NL" dirty="0">
+                <a:solidFill>
+                  <a:srgbClr val="D4D4D4"/>
+                </a:solidFill>
+                <a:latin typeface="Consolas" panose="020B0609020204030204" pitchFamily="49" charset="0"/>
+              </a:rPr>
+              <a:t>  </a:t>
+            </a:r>
+            <a:r>
+              <a:rPr lang="nl-NL" dirty="0">
+                <a:solidFill>
+                  <a:srgbClr val="DCDCAA"/>
+                </a:solidFill>
+                <a:latin typeface="Consolas" panose="020B0609020204030204" pitchFamily="49" charset="0"/>
+              </a:rPr>
+              <a:t>on</a:t>
+            </a:r>
+            <a:r>
+              <a:rPr lang="nl-NL" dirty="0">
+                <a:solidFill>
+                  <a:srgbClr val="D4D4D4"/>
+                </a:solidFill>
+                <a:latin typeface="Consolas" panose="020B0609020204030204" pitchFamily="49" charset="0"/>
+              </a:rPr>
+              <a:t>(</a:t>
+            </a:r>
+            <a:r>
+              <a:rPr lang="nl-NL" dirty="0" err="1">
+                <a:solidFill>
+                  <a:srgbClr val="4FC1FF"/>
+                </a:solidFill>
+                <a:latin typeface="Consolas" panose="020B0609020204030204" pitchFamily="49" charset="0"/>
+              </a:rPr>
+              <a:t>requestProductsSuccess</a:t>
+            </a:r>
+            <a:r>
+              <a:rPr lang="nl-NL" dirty="0">
+                <a:solidFill>
+                  <a:srgbClr val="D4D4D4"/>
+                </a:solidFill>
+                <a:latin typeface="Consolas" panose="020B0609020204030204" pitchFamily="49" charset="0"/>
+              </a:rPr>
+              <a:t>, (</a:t>
+            </a:r>
+            <a:r>
+              <a:rPr lang="nl-NL" dirty="0">
+                <a:solidFill>
+                  <a:srgbClr val="9CDCFE"/>
+                </a:solidFill>
+                <a:latin typeface="Consolas" panose="020B0609020204030204" pitchFamily="49" charset="0"/>
+              </a:rPr>
+              <a:t>state</a:t>
+            </a:r>
+            <a:r>
+              <a:rPr lang="nl-NL" dirty="0">
+                <a:solidFill>
+                  <a:srgbClr val="D4D4D4"/>
+                </a:solidFill>
+                <a:latin typeface="Consolas" panose="020B0609020204030204" pitchFamily="49" charset="0"/>
+              </a:rPr>
+              <a:t>, { </a:t>
+            </a:r>
+            <a:r>
+              <a:rPr lang="nl-NL" dirty="0" err="1">
+                <a:solidFill>
+                  <a:srgbClr val="9CDCFE"/>
+                </a:solidFill>
+                <a:latin typeface="Consolas" panose="020B0609020204030204" pitchFamily="49" charset="0"/>
+              </a:rPr>
+              <a:t>products</a:t>
+            </a:r>
+            <a:r>
+              <a:rPr lang="nl-NL" dirty="0">
+                <a:solidFill>
+                  <a:srgbClr val="D4D4D4"/>
+                </a:solidFill>
+                <a:latin typeface="Consolas" panose="020B0609020204030204" pitchFamily="49" charset="0"/>
+              </a:rPr>
+              <a:t> }) </a:t>
+            </a:r>
+            <a:r>
+              <a:rPr lang="nl-NL" dirty="0">
+                <a:solidFill>
+                  <a:srgbClr val="569CD6"/>
+                </a:solidFill>
+                <a:latin typeface="Consolas" panose="020B0609020204030204" pitchFamily="49" charset="0"/>
+              </a:rPr>
+              <a:t>=&gt;</a:t>
+            </a:r>
+            <a:r>
+              <a:rPr lang="nl-NL" dirty="0">
+                <a:solidFill>
+                  <a:srgbClr val="D4D4D4"/>
+                </a:solidFill>
+                <a:latin typeface="Consolas" panose="020B0609020204030204" pitchFamily="49" charset="0"/>
+              </a:rPr>
+              <a:t> {</a:t>
+            </a:r>
+          </a:p>
+          <a:p>
+            <a:r>
+              <a:rPr lang="nl-NL" dirty="0">
+                <a:solidFill>
+                  <a:srgbClr val="D4D4D4"/>
+                </a:solidFill>
+                <a:latin typeface="Consolas" panose="020B0609020204030204" pitchFamily="49" charset="0"/>
+              </a:rPr>
+              <a:t>    </a:t>
+            </a:r>
+            <a:r>
+              <a:rPr lang="nl-NL" dirty="0" err="1">
+                <a:solidFill>
+                  <a:srgbClr val="569CD6"/>
+                </a:solidFill>
+                <a:latin typeface="Consolas" panose="020B0609020204030204" pitchFamily="49" charset="0"/>
+              </a:rPr>
+              <a:t>const</a:t>
+            </a:r>
+            <a:r>
+              <a:rPr lang="nl-NL" dirty="0">
+                <a:solidFill>
+                  <a:srgbClr val="D4D4D4"/>
+                </a:solidFill>
+                <a:latin typeface="Consolas" panose="020B0609020204030204" pitchFamily="49" charset="0"/>
+              </a:rPr>
+              <a:t> </a:t>
+            </a:r>
+            <a:r>
+              <a:rPr lang="nl-NL" dirty="0" err="1">
+                <a:solidFill>
+                  <a:srgbClr val="4FC1FF"/>
+                </a:solidFill>
+                <a:latin typeface="Consolas" panose="020B0609020204030204" pitchFamily="49" charset="0"/>
+              </a:rPr>
+              <a:t>updatedState</a:t>
+            </a:r>
+            <a:r>
+              <a:rPr lang="nl-NL" dirty="0">
+                <a:solidFill>
+                  <a:srgbClr val="D4D4D4"/>
+                </a:solidFill>
+                <a:latin typeface="Consolas" panose="020B0609020204030204" pitchFamily="49" charset="0"/>
+              </a:rPr>
+              <a:t> = { ...</a:t>
+            </a:r>
+            <a:r>
+              <a:rPr lang="nl-NL" dirty="0">
+                <a:solidFill>
+                  <a:srgbClr val="9CDCFE"/>
+                </a:solidFill>
+                <a:latin typeface="Consolas" panose="020B0609020204030204" pitchFamily="49" charset="0"/>
+              </a:rPr>
+              <a:t>state</a:t>
+            </a:r>
+            <a:r>
+              <a:rPr lang="nl-NL" dirty="0">
+                <a:solidFill>
+                  <a:srgbClr val="D4D4D4"/>
+                </a:solidFill>
+                <a:latin typeface="Consolas" panose="020B0609020204030204" pitchFamily="49" charset="0"/>
+              </a:rPr>
+              <a:t> };</a:t>
+            </a:r>
+          </a:p>
+          <a:p>
+            <a:r>
+              <a:rPr lang="nl-NL" dirty="0">
+                <a:solidFill>
+                  <a:srgbClr val="D4D4D4"/>
+                </a:solidFill>
+                <a:latin typeface="Consolas" panose="020B0609020204030204" pitchFamily="49" charset="0"/>
+              </a:rPr>
+              <a:t>    </a:t>
+            </a:r>
+            <a:r>
+              <a:rPr lang="nl-NL" dirty="0" err="1">
+                <a:solidFill>
+                  <a:srgbClr val="4FC1FF"/>
+                </a:solidFill>
+                <a:latin typeface="Consolas" panose="020B0609020204030204" pitchFamily="49" charset="0"/>
+              </a:rPr>
+              <a:t>updatedState</a:t>
+            </a:r>
+            <a:r>
+              <a:rPr lang="nl-NL" dirty="0" err="1">
+                <a:solidFill>
+                  <a:srgbClr val="D4D4D4"/>
+                </a:solidFill>
+                <a:latin typeface="Consolas" panose="020B0609020204030204" pitchFamily="49" charset="0"/>
+              </a:rPr>
+              <a:t>.</a:t>
+            </a:r>
+            <a:r>
+              <a:rPr lang="nl-NL" dirty="0" err="1">
+                <a:solidFill>
+                  <a:srgbClr val="9CDCFE"/>
+                </a:solidFill>
+                <a:latin typeface="Consolas" panose="020B0609020204030204" pitchFamily="49" charset="0"/>
+              </a:rPr>
+              <a:t>products</a:t>
+            </a:r>
+            <a:r>
+              <a:rPr lang="nl-NL" dirty="0">
+                <a:solidFill>
+                  <a:srgbClr val="D4D4D4"/>
+                </a:solidFill>
+                <a:latin typeface="Consolas" panose="020B0609020204030204" pitchFamily="49" charset="0"/>
+              </a:rPr>
+              <a:t> = </a:t>
+            </a:r>
+            <a:r>
+              <a:rPr lang="nl-NL" dirty="0" err="1">
+                <a:solidFill>
+                  <a:srgbClr val="9CDCFE"/>
+                </a:solidFill>
+                <a:latin typeface="Consolas" panose="020B0609020204030204" pitchFamily="49" charset="0"/>
+              </a:rPr>
+              <a:t>products</a:t>
+            </a:r>
+            <a:r>
+              <a:rPr lang="nl-NL" dirty="0" err="1">
+                <a:solidFill>
+                  <a:srgbClr val="D4D4D4"/>
+                </a:solidFill>
+                <a:latin typeface="Consolas" panose="020B0609020204030204" pitchFamily="49" charset="0"/>
+              </a:rPr>
+              <a:t>.</a:t>
+            </a:r>
+            <a:r>
+              <a:rPr lang="nl-NL" dirty="0" err="1">
+                <a:solidFill>
+                  <a:srgbClr val="DCDCAA"/>
+                </a:solidFill>
+                <a:latin typeface="Consolas" panose="020B0609020204030204" pitchFamily="49" charset="0"/>
+              </a:rPr>
+              <a:t>reduce</a:t>
+            </a:r>
+            <a:r>
+              <a:rPr lang="nl-NL" dirty="0">
+                <a:solidFill>
+                  <a:srgbClr val="D4D4D4"/>
+                </a:solidFill>
+                <a:latin typeface="Consolas" panose="020B0609020204030204" pitchFamily="49" charset="0"/>
+              </a:rPr>
+              <a:t>((</a:t>
+            </a:r>
+            <a:r>
+              <a:rPr lang="nl-NL" dirty="0" err="1">
+                <a:solidFill>
+                  <a:srgbClr val="9CDCFE"/>
+                </a:solidFill>
+                <a:latin typeface="Consolas" panose="020B0609020204030204" pitchFamily="49" charset="0"/>
+              </a:rPr>
+              <a:t>aggregation</a:t>
+            </a:r>
+            <a:r>
+              <a:rPr lang="nl-NL" dirty="0">
+                <a:solidFill>
+                  <a:srgbClr val="D4D4D4"/>
+                </a:solidFill>
+                <a:latin typeface="Consolas" panose="020B0609020204030204" pitchFamily="49" charset="0"/>
+              </a:rPr>
+              <a:t>, </a:t>
+            </a:r>
+            <a:r>
+              <a:rPr lang="nl-NL" dirty="0">
+                <a:solidFill>
+                  <a:srgbClr val="9CDCFE"/>
+                </a:solidFill>
+                <a:latin typeface="Consolas" panose="020B0609020204030204" pitchFamily="49" charset="0"/>
+              </a:rPr>
+              <a:t>product</a:t>
+            </a:r>
+            <a:r>
+              <a:rPr lang="nl-NL" dirty="0">
+                <a:solidFill>
+                  <a:srgbClr val="D4D4D4"/>
+                </a:solidFill>
+                <a:latin typeface="Consolas" panose="020B0609020204030204" pitchFamily="49" charset="0"/>
+              </a:rPr>
+              <a:t>) </a:t>
+            </a:r>
+            <a:r>
+              <a:rPr lang="nl-NL" dirty="0">
+                <a:solidFill>
+                  <a:srgbClr val="569CD6"/>
+                </a:solidFill>
+                <a:latin typeface="Consolas" panose="020B0609020204030204" pitchFamily="49" charset="0"/>
+              </a:rPr>
+              <a:t>=&gt;</a:t>
+            </a:r>
+            <a:r>
+              <a:rPr lang="nl-NL" dirty="0">
+                <a:solidFill>
+                  <a:srgbClr val="D4D4D4"/>
+                </a:solidFill>
+                <a:latin typeface="Consolas" panose="020B0609020204030204" pitchFamily="49" charset="0"/>
+              </a:rPr>
+              <a:t> {</a:t>
+            </a:r>
+          </a:p>
+          <a:p>
+            <a:r>
+              <a:rPr lang="nl-NL" dirty="0">
+                <a:solidFill>
+                  <a:srgbClr val="D4D4D4"/>
+                </a:solidFill>
+                <a:latin typeface="Consolas" panose="020B0609020204030204" pitchFamily="49" charset="0"/>
+              </a:rPr>
+              <a:t>      </a:t>
+            </a:r>
+            <a:r>
+              <a:rPr lang="nl-NL" dirty="0" err="1">
+                <a:solidFill>
+                  <a:srgbClr val="9CDCFE"/>
+                </a:solidFill>
+                <a:latin typeface="Consolas" panose="020B0609020204030204" pitchFamily="49" charset="0"/>
+              </a:rPr>
+              <a:t>aggregation</a:t>
+            </a:r>
+            <a:r>
+              <a:rPr lang="nl-NL" dirty="0">
+                <a:solidFill>
+                  <a:srgbClr val="D4D4D4"/>
+                </a:solidFill>
+                <a:latin typeface="Consolas" panose="020B0609020204030204" pitchFamily="49" charset="0"/>
+              </a:rPr>
+              <a:t>[</a:t>
+            </a:r>
+            <a:r>
+              <a:rPr lang="nl-NL" dirty="0">
+                <a:solidFill>
+                  <a:srgbClr val="9CDCFE"/>
+                </a:solidFill>
+                <a:latin typeface="Consolas" panose="020B0609020204030204" pitchFamily="49" charset="0"/>
+              </a:rPr>
+              <a:t>product</a:t>
+            </a:r>
+            <a:r>
+              <a:rPr lang="nl-NL" dirty="0">
+                <a:solidFill>
+                  <a:srgbClr val="D4D4D4"/>
+                </a:solidFill>
+                <a:latin typeface="Consolas" panose="020B0609020204030204" pitchFamily="49" charset="0"/>
+              </a:rPr>
+              <a:t>.</a:t>
+            </a:r>
+            <a:r>
+              <a:rPr lang="nl-NL" dirty="0">
+                <a:solidFill>
+                  <a:srgbClr val="9CDCFE"/>
+                </a:solidFill>
+                <a:latin typeface="Consolas" panose="020B0609020204030204" pitchFamily="49" charset="0"/>
+              </a:rPr>
+              <a:t>id</a:t>
+            </a:r>
+            <a:r>
+              <a:rPr lang="nl-NL" dirty="0">
+                <a:solidFill>
+                  <a:srgbClr val="D4D4D4"/>
+                </a:solidFill>
+                <a:latin typeface="Consolas" panose="020B0609020204030204" pitchFamily="49" charset="0"/>
+              </a:rPr>
+              <a:t>] = </a:t>
+            </a:r>
+            <a:r>
+              <a:rPr lang="nl-NL" dirty="0">
+                <a:solidFill>
+                  <a:srgbClr val="9CDCFE"/>
+                </a:solidFill>
+                <a:latin typeface="Consolas" panose="020B0609020204030204" pitchFamily="49" charset="0"/>
+              </a:rPr>
+              <a:t>product</a:t>
+            </a:r>
+            <a:r>
+              <a:rPr lang="nl-NL" dirty="0">
+                <a:solidFill>
+                  <a:srgbClr val="D4D4D4"/>
+                </a:solidFill>
+                <a:latin typeface="Consolas" panose="020B0609020204030204" pitchFamily="49" charset="0"/>
+              </a:rPr>
+              <a:t>;</a:t>
+            </a:r>
+          </a:p>
+          <a:p>
+            <a:r>
+              <a:rPr lang="nl-NL" dirty="0">
+                <a:solidFill>
+                  <a:srgbClr val="D4D4D4"/>
+                </a:solidFill>
+                <a:latin typeface="Consolas" panose="020B0609020204030204" pitchFamily="49" charset="0"/>
+              </a:rPr>
+              <a:t>      </a:t>
+            </a:r>
+            <a:r>
+              <a:rPr lang="nl-NL" dirty="0">
+                <a:solidFill>
+                  <a:srgbClr val="C586C0"/>
+                </a:solidFill>
+                <a:latin typeface="Consolas" panose="020B0609020204030204" pitchFamily="49" charset="0"/>
+              </a:rPr>
+              <a:t>return</a:t>
+            </a:r>
+            <a:r>
+              <a:rPr lang="nl-NL" dirty="0">
+                <a:solidFill>
+                  <a:srgbClr val="D4D4D4"/>
+                </a:solidFill>
+                <a:latin typeface="Consolas" panose="020B0609020204030204" pitchFamily="49" charset="0"/>
+              </a:rPr>
+              <a:t> </a:t>
+            </a:r>
+            <a:r>
+              <a:rPr lang="nl-NL" dirty="0" err="1">
+                <a:solidFill>
+                  <a:srgbClr val="9CDCFE"/>
+                </a:solidFill>
+                <a:latin typeface="Consolas" panose="020B0609020204030204" pitchFamily="49" charset="0"/>
+              </a:rPr>
+              <a:t>aggregation</a:t>
+            </a:r>
+            <a:r>
+              <a:rPr lang="nl-NL" dirty="0">
+                <a:solidFill>
+                  <a:srgbClr val="D4D4D4"/>
+                </a:solidFill>
+                <a:latin typeface="Consolas" panose="020B0609020204030204" pitchFamily="49" charset="0"/>
+              </a:rPr>
+              <a:t>;</a:t>
+            </a:r>
+          </a:p>
+          <a:p>
+            <a:r>
+              <a:rPr lang="nl-NL" dirty="0">
+                <a:solidFill>
+                  <a:srgbClr val="D4D4D4"/>
+                </a:solidFill>
+                <a:latin typeface="Consolas" panose="020B0609020204030204" pitchFamily="49" charset="0"/>
+              </a:rPr>
+              <a:t>    }, {});</a:t>
+            </a:r>
+          </a:p>
+          <a:p>
+            <a:br>
+              <a:rPr lang="nl-NL" dirty="0">
+                <a:solidFill>
+                  <a:srgbClr val="D4D4D4"/>
+                </a:solidFill>
+                <a:latin typeface="Consolas" panose="020B0609020204030204" pitchFamily="49" charset="0"/>
+              </a:rPr>
+            </a:br>
+            <a:r>
+              <a:rPr lang="nl-NL" dirty="0">
+                <a:solidFill>
+                  <a:srgbClr val="D4D4D4"/>
+                </a:solidFill>
+                <a:latin typeface="Consolas" panose="020B0609020204030204" pitchFamily="49" charset="0"/>
+              </a:rPr>
+              <a:t>    </a:t>
+            </a:r>
+            <a:r>
+              <a:rPr lang="nl-NL" dirty="0">
+                <a:solidFill>
+                  <a:srgbClr val="C586C0"/>
+                </a:solidFill>
+                <a:latin typeface="Consolas" panose="020B0609020204030204" pitchFamily="49" charset="0"/>
+              </a:rPr>
+              <a:t>return</a:t>
+            </a:r>
+            <a:r>
+              <a:rPr lang="nl-NL" dirty="0">
+                <a:solidFill>
+                  <a:srgbClr val="D4D4D4"/>
+                </a:solidFill>
+                <a:latin typeface="Consolas" panose="020B0609020204030204" pitchFamily="49" charset="0"/>
+              </a:rPr>
+              <a:t> </a:t>
+            </a:r>
+            <a:r>
+              <a:rPr lang="nl-NL" dirty="0" err="1">
+                <a:solidFill>
+                  <a:srgbClr val="4FC1FF"/>
+                </a:solidFill>
+                <a:latin typeface="Consolas" panose="020B0609020204030204" pitchFamily="49" charset="0"/>
+              </a:rPr>
+              <a:t>updatedState</a:t>
+            </a:r>
+            <a:r>
+              <a:rPr lang="nl-NL" dirty="0">
+                <a:solidFill>
+                  <a:srgbClr val="D4D4D4"/>
+                </a:solidFill>
+                <a:latin typeface="Consolas" panose="020B0609020204030204" pitchFamily="49" charset="0"/>
+              </a:rPr>
+              <a:t>;</a:t>
+            </a:r>
+          </a:p>
+          <a:p>
+            <a:r>
+              <a:rPr lang="nl-NL" dirty="0">
+                <a:solidFill>
+                  <a:srgbClr val="D4D4D4"/>
+                </a:solidFill>
+                <a:latin typeface="Consolas" panose="020B0609020204030204" pitchFamily="49" charset="0"/>
+              </a:rPr>
+              <a:t>  }),</a:t>
+            </a:r>
+          </a:p>
+          <a:p>
+            <a:r>
+              <a:rPr lang="nl-NL" dirty="0">
+                <a:solidFill>
+                  <a:srgbClr val="D4D4D4"/>
+                </a:solidFill>
+                <a:latin typeface="Consolas" panose="020B0609020204030204" pitchFamily="49" charset="0"/>
+              </a:rPr>
+              <a:t>);</a:t>
+            </a:r>
+            <a:endParaRPr lang="nl-NL" b="0" dirty="0">
+              <a:solidFill>
+                <a:srgbClr val="D4D4D4"/>
+              </a:solidFill>
+              <a:effectLst/>
+              <a:latin typeface="Consolas" panose="020B0609020204030204" pitchFamily="49" charset="0"/>
+            </a:endParaRPr>
+          </a:p>
+        </p:txBody>
+      </p:sp>
+    </p:spTree>
+    <p:extLst>
+      <p:ext uri="{BB962C8B-B14F-4D97-AF65-F5344CB8AC3E}">
+        <p14:creationId xmlns:p14="http://schemas.microsoft.com/office/powerpoint/2010/main" val="611842311"/>
+      </p:ext>
+    </p:extLst>
+  </p:cSld>
+  <p:clrMapOvr>
+    <a:masterClrMapping/>
+  </p:clrMapOvr>
+</p:sld>
+</file>
+
+<file path=ppt/slides/slide14.xml><?xml version="1.0" encoding="utf-8"?>
+<p:sld xmlns:a="http://schemas.openxmlformats.org/drawingml/2006/main" xmlns:r="http://schemas.openxmlformats.org/officeDocument/2006/relationships" xmlns:p="http://schemas.openxmlformats.org/presentationml/2006/main">
+  <p:cSld>
+    <p:spTree>
+      <p:nvGrpSpPr>
+        <p:cNvPr id="1" name=""/>
+        <p:cNvGrpSpPr/>
+        <p:nvPr/>
+      </p:nvGrpSpPr>
+      <p:grpSpPr>
+        <a:xfrm>
+          <a:off x="0" y="0"/>
+          <a:ext cx="0" cy="0"/>
+          <a:chOff x="0" y="0"/>
+          <a:chExt cx="0" cy="0"/>
+        </a:xfrm>
+      </p:grpSpPr>
+      <p:sp>
+        <p:nvSpPr>
+          <p:cNvPr id="2" name="Title 1">
+            <a:extLst>
+              <a:ext uri="{FF2B5EF4-FFF2-40B4-BE49-F238E27FC236}">
+                <a16:creationId xmlns:a16="http://schemas.microsoft.com/office/drawing/2014/main" id="{58A75D02-8D99-4750-B95C-655E0DA90887}"/>
+              </a:ext>
+            </a:extLst>
+          </p:cNvPr>
+          <p:cNvSpPr>
+            <a:spLocks noGrp="1"/>
+          </p:cNvSpPr>
+          <p:nvPr>
+            <p:ph type="title"/>
+          </p:nvPr>
+        </p:nvSpPr>
+        <p:spPr/>
+        <p:txBody>
+          <a:bodyPr/>
+          <a:lstStyle/>
+          <a:p>
+            <a:r>
+              <a:rPr lang="en-US" dirty="0"/>
+              <a:t>NGRX - Selector</a:t>
+            </a:r>
+            <a:endParaRPr lang="nl-NL" dirty="0"/>
+          </a:p>
+        </p:txBody>
+      </p:sp>
+      <p:sp>
+        <p:nvSpPr>
+          <p:cNvPr id="5" name="Rectangle 4">
+            <a:extLst>
+              <a:ext uri="{FF2B5EF4-FFF2-40B4-BE49-F238E27FC236}">
+                <a16:creationId xmlns:a16="http://schemas.microsoft.com/office/drawing/2014/main" id="{73980856-458A-48A9-A882-1BF4B3A5EE72}"/>
+              </a:ext>
+            </a:extLst>
+          </p:cNvPr>
+          <p:cNvSpPr/>
+          <p:nvPr/>
+        </p:nvSpPr>
+        <p:spPr>
+          <a:xfrm>
+            <a:off x="1437600" y="2214694"/>
+            <a:ext cx="9316800" cy="2308324"/>
+          </a:xfrm>
+          <a:prstGeom prst="rect">
+            <a:avLst/>
+          </a:prstGeom>
+          <a:solidFill>
+            <a:schemeClr val="tx1"/>
+          </a:solidFill>
+        </p:spPr>
+        <p:txBody>
+          <a:bodyPr wrap="square">
+            <a:spAutoFit/>
+          </a:bodyPr>
+          <a:lstStyle/>
+          <a:p>
+            <a:r>
+              <a:rPr lang="nl-NL" dirty="0">
+                <a:solidFill>
+                  <a:srgbClr val="C586C0"/>
+                </a:solidFill>
+                <a:latin typeface="Consolas" panose="020B0609020204030204" pitchFamily="49" charset="0"/>
+              </a:rPr>
+              <a:t>export</a:t>
+            </a:r>
+            <a:r>
+              <a:rPr lang="nl-NL" dirty="0">
+                <a:solidFill>
+                  <a:srgbClr val="D4D4D4"/>
+                </a:solidFill>
+                <a:latin typeface="Consolas" panose="020B0609020204030204" pitchFamily="49" charset="0"/>
+              </a:rPr>
+              <a:t> </a:t>
+            </a:r>
+            <a:r>
+              <a:rPr lang="nl-NL" dirty="0" err="1">
+                <a:solidFill>
+                  <a:srgbClr val="569CD6"/>
+                </a:solidFill>
+                <a:latin typeface="Consolas" panose="020B0609020204030204" pitchFamily="49" charset="0"/>
+              </a:rPr>
+              <a:t>const</a:t>
+            </a:r>
+            <a:r>
+              <a:rPr lang="nl-NL" dirty="0">
+                <a:solidFill>
+                  <a:srgbClr val="D4D4D4"/>
+                </a:solidFill>
+                <a:latin typeface="Consolas" panose="020B0609020204030204" pitchFamily="49" charset="0"/>
+              </a:rPr>
+              <a:t> </a:t>
+            </a:r>
+            <a:r>
+              <a:rPr lang="nl-NL" dirty="0" err="1">
+                <a:solidFill>
+                  <a:srgbClr val="DCDCAA"/>
+                </a:solidFill>
+                <a:latin typeface="Consolas" panose="020B0609020204030204" pitchFamily="49" charset="0"/>
+              </a:rPr>
+              <a:t>selectShopFeature</a:t>
+            </a:r>
+            <a:r>
+              <a:rPr lang="nl-NL" dirty="0">
+                <a:solidFill>
+                  <a:srgbClr val="D4D4D4"/>
+                </a:solidFill>
+                <a:latin typeface="Consolas" panose="020B0609020204030204" pitchFamily="49" charset="0"/>
+              </a:rPr>
+              <a:t> = (</a:t>
+            </a:r>
+            <a:r>
+              <a:rPr lang="nl-NL" dirty="0">
+                <a:solidFill>
+                  <a:srgbClr val="9CDCFE"/>
+                </a:solidFill>
+                <a:latin typeface="Consolas" panose="020B0609020204030204" pitchFamily="49" charset="0"/>
+              </a:rPr>
+              <a:t>state</a:t>
+            </a:r>
+            <a:r>
+              <a:rPr lang="nl-NL" dirty="0">
+                <a:solidFill>
+                  <a:srgbClr val="D4D4D4"/>
+                </a:solidFill>
+                <a:latin typeface="Consolas" panose="020B0609020204030204" pitchFamily="49" charset="0"/>
+              </a:rPr>
+              <a:t>: </a:t>
+            </a:r>
+            <a:r>
+              <a:rPr lang="nl-NL" dirty="0" err="1">
+                <a:solidFill>
+                  <a:srgbClr val="4EC9B0"/>
+                </a:solidFill>
+                <a:latin typeface="Consolas" panose="020B0609020204030204" pitchFamily="49" charset="0"/>
+              </a:rPr>
+              <a:t>AppState</a:t>
+            </a:r>
+            <a:r>
+              <a:rPr lang="nl-NL" dirty="0">
+                <a:solidFill>
+                  <a:srgbClr val="D4D4D4"/>
+                </a:solidFill>
+                <a:latin typeface="Consolas" panose="020B0609020204030204" pitchFamily="49" charset="0"/>
+              </a:rPr>
+              <a:t>) </a:t>
+            </a:r>
+            <a:r>
+              <a:rPr lang="nl-NL" dirty="0">
+                <a:solidFill>
+                  <a:srgbClr val="569CD6"/>
+                </a:solidFill>
+                <a:latin typeface="Consolas" panose="020B0609020204030204" pitchFamily="49" charset="0"/>
+              </a:rPr>
+              <a:t>=&gt;</a:t>
+            </a:r>
+            <a:r>
+              <a:rPr lang="nl-NL" dirty="0">
+                <a:solidFill>
+                  <a:srgbClr val="D4D4D4"/>
+                </a:solidFill>
+                <a:latin typeface="Consolas" panose="020B0609020204030204" pitchFamily="49" charset="0"/>
+              </a:rPr>
+              <a:t> {</a:t>
+            </a:r>
+          </a:p>
+          <a:p>
+            <a:r>
+              <a:rPr lang="nl-NL" dirty="0">
+                <a:solidFill>
+                  <a:srgbClr val="D4D4D4"/>
+                </a:solidFill>
+                <a:latin typeface="Consolas" panose="020B0609020204030204" pitchFamily="49" charset="0"/>
+              </a:rPr>
+              <a:t>  </a:t>
+            </a:r>
+            <a:r>
+              <a:rPr lang="nl-NL" dirty="0">
+                <a:solidFill>
+                  <a:srgbClr val="C586C0"/>
+                </a:solidFill>
+                <a:latin typeface="Consolas" panose="020B0609020204030204" pitchFamily="49" charset="0"/>
+              </a:rPr>
+              <a:t>return</a:t>
+            </a:r>
+            <a:r>
+              <a:rPr lang="nl-NL" dirty="0">
+                <a:solidFill>
+                  <a:srgbClr val="D4D4D4"/>
+                </a:solidFill>
+                <a:latin typeface="Consolas" panose="020B0609020204030204" pitchFamily="49" charset="0"/>
+              </a:rPr>
+              <a:t> </a:t>
+            </a:r>
+            <a:r>
+              <a:rPr lang="nl-NL" dirty="0" err="1">
+                <a:solidFill>
+                  <a:srgbClr val="9CDCFE"/>
+                </a:solidFill>
+                <a:latin typeface="Consolas" panose="020B0609020204030204" pitchFamily="49" charset="0"/>
+              </a:rPr>
+              <a:t>state</a:t>
+            </a:r>
+            <a:r>
+              <a:rPr lang="nl-NL" dirty="0" err="1">
+                <a:solidFill>
+                  <a:srgbClr val="D4D4D4"/>
+                </a:solidFill>
+                <a:latin typeface="Consolas" panose="020B0609020204030204" pitchFamily="49" charset="0"/>
+              </a:rPr>
+              <a:t>.</a:t>
+            </a:r>
+            <a:r>
+              <a:rPr lang="nl-NL" dirty="0" err="1">
+                <a:solidFill>
+                  <a:srgbClr val="9CDCFE"/>
+                </a:solidFill>
+                <a:latin typeface="Consolas" panose="020B0609020204030204" pitchFamily="49" charset="0"/>
+              </a:rPr>
+              <a:t>shop</a:t>
+            </a:r>
+            <a:r>
+              <a:rPr lang="nl-NL" dirty="0">
+                <a:solidFill>
+                  <a:srgbClr val="D4D4D4"/>
+                </a:solidFill>
+                <a:latin typeface="Consolas" panose="020B0609020204030204" pitchFamily="49" charset="0"/>
+              </a:rPr>
+              <a:t>;</a:t>
+            </a:r>
+          </a:p>
+          <a:p>
+            <a:r>
+              <a:rPr lang="nl-NL" dirty="0">
+                <a:solidFill>
+                  <a:srgbClr val="D4D4D4"/>
+                </a:solidFill>
+                <a:latin typeface="Consolas" panose="020B0609020204030204" pitchFamily="49" charset="0"/>
+              </a:rPr>
+              <a:t>};</a:t>
+            </a:r>
+          </a:p>
+          <a:p>
+            <a:br>
+              <a:rPr lang="nl-NL" dirty="0">
+                <a:solidFill>
+                  <a:srgbClr val="D4D4D4"/>
+                </a:solidFill>
+                <a:latin typeface="Consolas" panose="020B0609020204030204" pitchFamily="49" charset="0"/>
+              </a:rPr>
+            </a:br>
+            <a:r>
+              <a:rPr lang="nl-NL" dirty="0">
+                <a:solidFill>
+                  <a:srgbClr val="C586C0"/>
+                </a:solidFill>
+                <a:latin typeface="Consolas" panose="020B0609020204030204" pitchFamily="49" charset="0"/>
+              </a:rPr>
+              <a:t>export</a:t>
+            </a:r>
+            <a:r>
+              <a:rPr lang="nl-NL" dirty="0">
+                <a:solidFill>
+                  <a:srgbClr val="D4D4D4"/>
+                </a:solidFill>
+                <a:latin typeface="Consolas" panose="020B0609020204030204" pitchFamily="49" charset="0"/>
+              </a:rPr>
+              <a:t> </a:t>
+            </a:r>
+            <a:r>
+              <a:rPr lang="nl-NL" dirty="0" err="1">
+                <a:solidFill>
+                  <a:srgbClr val="569CD6"/>
+                </a:solidFill>
+                <a:latin typeface="Consolas" panose="020B0609020204030204" pitchFamily="49" charset="0"/>
+              </a:rPr>
+              <a:t>const</a:t>
+            </a:r>
+            <a:r>
+              <a:rPr lang="nl-NL" dirty="0">
+                <a:solidFill>
+                  <a:srgbClr val="D4D4D4"/>
+                </a:solidFill>
+                <a:latin typeface="Consolas" panose="020B0609020204030204" pitchFamily="49" charset="0"/>
+              </a:rPr>
+              <a:t> </a:t>
+            </a:r>
+            <a:r>
+              <a:rPr lang="nl-NL" dirty="0" err="1">
+                <a:solidFill>
+                  <a:srgbClr val="4FC1FF"/>
+                </a:solidFill>
+                <a:latin typeface="Consolas" panose="020B0609020204030204" pitchFamily="49" charset="0"/>
+              </a:rPr>
+              <a:t>selectProducts</a:t>
+            </a:r>
+            <a:r>
+              <a:rPr lang="nl-NL" dirty="0">
+                <a:solidFill>
+                  <a:srgbClr val="D4D4D4"/>
+                </a:solidFill>
+                <a:latin typeface="Consolas" panose="020B0609020204030204" pitchFamily="49" charset="0"/>
+              </a:rPr>
+              <a:t> = </a:t>
+            </a:r>
+            <a:r>
+              <a:rPr lang="nl-NL" dirty="0" err="1">
+                <a:solidFill>
+                  <a:srgbClr val="DCDCAA"/>
+                </a:solidFill>
+                <a:latin typeface="Consolas" panose="020B0609020204030204" pitchFamily="49" charset="0"/>
+              </a:rPr>
+              <a:t>createSelector</a:t>
+            </a:r>
+            <a:r>
+              <a:rPr lang="nl-NL" dirty="0">
+                <a:solidFill>
+                  <a:srgbClr val="D4D4D4"/>
+                </a:solidFill>
+                <a:latin typeface="Consolas" panose="020B0609020204030204" pitchFamily="49" charset="0"/>
+              </a:rPr>
+              <a:t>(</a:t>
+            </a:r>
+          </a:p>
+          <a:p>
+            <a:r>
+              <a:rPr lang="nl-NL" dirty="0">
+                <a:solidFill>
+                  <a:srgbClr val="D4D4D4"/>
+                </a:solidFill>
+                <a:latin typeface="Consolas" panose="020B0609020204030204" pitchFamily="49" charset="0"/>
+              </a:rPr>
+              <a:t>  </a:t>
+            </a:r>
+            <a:r>
+              <a:rPr lang="nl-NL" dirty="0" err="1">
+                <a:solidFill>
+                  <a:srgbClr val="DCDCAA"/>
+                </a:solidFill>
+                <a:latin typeface="Consolas" panose="020B0609020204030204" pitchFamily="49" charset="0"/>
+              </a:rPr>
+              <a:t>selectShopFeature</a:t>
+            </a:r>
+            <a:r>
+              <a:rPr lang="nl-NL" dirty="0">
+                <a:solidFill>
+                  <a:srgbClr val="D4D4D4"/>
+                </a:solidFill>
+                <a:latin typeface="Consolas" panose="020B0609020204030204" pitchFamily="49" charset="0"/>
+              </a:rPr>
+              <a:t>,</a:t>
+            </a:r>
+          </a:p>
+          <a:p>
+            <a:r>
+              <a:rPr lang="nl-NL" dirty="0">
+                <a:solidFill>
+                  <a:srgbClr val="D4D4D4"/>
+                </a:solidFill>
+                <a:latin typeface="Consolas" panose="020B0609020204030204" pitchFamily="49" charset="0"/>
+              </a:rPr>
+              <a:t>  (</a:t>
+            </a:r>
+            <a:r>
+              <a:rPr lang="nl-NL" dirty="0" err="1">
+                <a:solidFill>
+                  <a:srgbClr val="9CDCFE"/>
+                </a:solidFill>
+                <a:latin typeface="Consolas" panose="020B0609020204030204" pitchFamily="49" charset="0"/>
+              </a:rPr>
+              <a:t>shopState</a:t>
+            </a:r>
+            <a:r>
+              <a:rPr lang="nl-NL" dirty="0">
+                <a:solidFill>
+                  <a:srgbClr val="D4D4D4"/>
+                </a:solidFill>
+                <a:latin typeface="Consolas" panose="020B0609020204030204" pitchFamily="49" charset="0"/>
+              </a:rPr>
+              <a:t>: </a:t>
+            </a:r>
+            <a:r>
+              <a:rPr lang="nl-NL" dirty="0" err="1">
+                <a:solidFill>
+                  <a:srgbClr val="4EC9B0"/>
+                </a:solidFill>
+                <a:latin typeface="Consolas" panose="020B0609020204030204" pitchFamily="49" charset="0"/>
+              </a:rPr>
+              <a:t>ShopState</a:t>
+            </a:r>
+            <a:r>
+              <a:rPr lang="nl-NL" dirty="0">
+                <a:solidFill>
+                  <a:srgbClr val="D4D4D4"/>
+                </a:solidFill>
+                <a:latin typeface="Consolas" panose="020B0609020204030204" pitchFamily="49" charset="0"/>
+              </a:rPr>
+              <a:t>) </a:t>
+            </a:r>
+            <a:r>
+              <a:rPr lang="nl-NL" dirty="0">
+                <a:solidFill>
+                  <a:srgbClr val="569CD6"/>
+                </a:solidFill>
+                <a:latin typeface="Consolas" panose="020B0609020204030204" pitchFamily="49" charset="0"/>
+              </a:rPr>
+              <a:t>=&gt;</a:t>
+            </a:r>
+            <a:r>
+              <a:rPr lang="nl-NL" dirty="0">
+                <a:solidFill>
+                  <a:srgbClr val="D4D4D4"/>
+                </a:solidFill>
+                <a:latin typeface="Consolas" panose="020B0609020204030204" pitchFamily="49" charset="0"/>
+              </a:rPr>
+              <a:t> </a:t>
+            </a:r>
+            <a:r>
+              <a:rPr lang="nl-NL" dirty="0" err="1">
+                <a:solidFill>
+                  <a:srgbClr val="4EC9B0"/>
+                </a:solidFill>
+                <a:latin typeface="Consolas" panose="020B0609020204030204" pitchFamily="49" charset="0"/>
+              </a:rPr>
+              <a:t>Object</a:t>
+            </a:r>
+            <a:r>
+              <a:rPr lang="nl-NL" dirty="0" err="1">
+                <a:solidFill>
+                  <a:srgbClr val="D4D4D4"/>
+                </a:solidFill>
+                <a:latin typeface="Consolas" panose="020B0609020204030204" pitchFamily="49" charset="0"/>
+              </a:rPr>
+              <a:t>.</a:t>
+            </a:r>
+            <a:r>
+              <a:rPr lang="nl-NL" dirty="0" err="1">
+                <a:solidFill>
+                  <a:srgbClr val="DCDCAA"/>
+                </a:solidFill>
+                <a:latin typeface="Consolas" panose="020B0609020204030204" pitchFamily="49" charset="0"/>
+              </a:rPr>
+              <a:t>values</a:t>
+            </a:r>
+            <a:r>
+              <a:rPr lang="nl-NL" dirty="0">
+                <a:solidFill>
+                  <a:srgbClr val="D4D4D4"/>
+                </a:solidFill>
+                <a:latin typeface="Consolas" panose="020B0609020204030204" pitchFamily="49" charset="0"/>
+              </a:rPr>
+              <a:t>(</a:t>
+            </a:r>
+            <a:r>
+              <a:rPr lang="nl-NL" dirty="0" err="1">
+                <a:solidFill>
+                  <a:srgbClr val="9CDCFE"/>
+                </a:solidFill>
+                <a:latin typeface="Consolas" panose="020B0609020204030204" pitchFamily="49" charset="0"/>
+              </a:rPr>
+              <a:t>shopState</a:t>
+            </a:r>
+            <a:r>
+              <a:rPr lang="nl-NL" dirty="0" err="1">
+                <a:solidFill>
+                  <a:srgbClr val="D4D4D4"/>
+                </a:solidFill>
+                <a:latin typeface="Consolas" panose="020B0609020204030204" pitchFamily="49" charset="0"/>
+              </a:rPr>
+              <a:t>.</a:t>
+            </a:r>
+            <a:r>
+              <a:rPr lang="nl-NL" dirty="0" err="1">
+                <a:solidFill>
+                  <a:srgbClr val="9CDCFE"/>
+                </a:solidFill>
+                <a:latin typeface="Consolas" panose="020B0609020204030204" pitchFamily="49" charset="0"/>
+              </a:rPr>
+              <a:t>products</a:t>
+            </a:r>
+            <a:r>
+              <a:rPr lang="nl-NL" dirty="0">
+                <a:solidFill>
+                  <a:srgbClr val="D4D4D4"/>
+                </a:solidFill>
+                <a:latin typeface="Consolas" panose="020B0609020204030204" pitchFamily="49" charset="0"/>
+              </a:rPr>
+              <a:t>)</a:t>
+            </a:r>
+          </a:p>
+          <a:p>
+            <a:r>
+              <a:rPr lang="nl-NL" dirty="0">
+                <a:solidFill>
+                  <a:srgbClr val="D4D4D4"/>
+                </a:solidFill>
+                <a:latin typeface="Consolas" panose="020B0609020204030204" pitchFamily="49" charset="0"/>
+              </a:rPr>
+              <a:t>);</a:t>
+            </a:r>
+            <a:endParaRPr lang="nl-NL" b="0" dirty="0">
+              <a:solidFill>
+                <a:srgbClr val="D4D4D4"/>
+              </a:solidFill>
+              <a:effectLst/>
+              <a:latin typeface="Consolas" panose="020B0609020204030204" pitchFamily="49" charset="0"/>
+            </a:endParaRPr>
+          </a:p>
+        </p:txBody>
+      </p:sp>
+    </p:spTree>
+    <p:extLst>
+      <p:ext uri="{BB962C8B-B14F-4D97-AF65-F5344CB8AC3E}">
+        <p14:creationId xmlns:p14="http://schemas.microsoft.com/office/powerpoint/2010/main" val="756728570"/>
+      </p:ext>
+    </p:extLst>
+  </p:cSld>
+  <p:clrMapOvr>
+    <a:masterClrMapping/>
+  </p:clrMapOvr>
+</p:sld>
+</file>
+
+<file path=ppt/slides/slide15.xml><?xml version="1.0" encoding="utf-8"?>
+<p:sld xmlns:a="http://schemas.openxmlformats.org/drawingml/2006/main" xmlns:r="http://schemas.openxmlformats.org/officeDocument/2006/relationships" xmlns:p="http://schemas.openxmlformats.org/presentationml/2006/main">
+  <p:cSld>
+    <p:spTree>
+      <p:nvGrpSpPr>
+        <p:cNvPr id="1" name=""/>
+        <p:cNvGrpSpPr/>
+        <p:nvPr/>
+      </p:nvGrpSpPr>
+      <p:grpSpPr>
+        <a:xfrm>
+          <a:off x="0" y="0"/>
+          <a:ext cx="0" cy="0"/>
+          <a:chOff x="0" y="0"/>
+          <a:chExt cx="0" cy="0"/>
+        </a:xfrm>
+      </p:grpSpPr>
+      <p:sp>
+        <p:nvSpPr>
+          <p:cNvPr id="2" name="Title 1">
+            <a:extLst>
+              <a:ext uri="{FF2B5EF4-FFF2-40B4-BE49-F238E27FC236}">
+                <a16:creationId xmlns:a16="http://schemas.microsoft.com/office/drawing/2014/main" id="{58A75D02-8D99-4750-B95C-655E0DA90887}"/>
+              </a:ext>
+            </a:extLst>
+          </p:cNvPr>
+          <p:cNvSpPr>
+            <a:spLocks noGrp="1"/>
+          </p:cNvSpPr>
+          <p:nvPr>
+            <p:ph type="title"/>
+          </p:nvPr>
+        </p:nvSpPr>
+        <p:spPr/>
+        <p:txBody>
+          <a:bodyPr/>
+          <a:lstStyle/>
+          <a:p>
+            <a:r>
+              <a:rPr lang="en-US" dirty="0"/>
               <a:t>NGRX – trade-offs</a:t>
             </a:r>
             <a:endParaRPr lang="nl-NL" dirty="0"/>
@@ -10975,7 +13326,7 @@
 </p:sld>
 </file>
 
-<file path=ppt/slides/slide12.xml><?xml version="1.0" encoding="utf-8"?>
+<file path=ppt/slides/slide16.xml><?xml version="1.0" encoding="utf-8"?>
 <p:sld xmlns:a="http://schemas.openxmlformats.org/drawingml/2006/main" xmlns:r="http://schemas.openxmlformats.org/officeDocument/2006/relationships" xmlns:p="http://schemas.openxmlformats.org/presentationml/2006/main">
   <p:cSld>
     <p:spTree>

--- a/Reactive State Management.pptx
+++ b/Reactive State Management.pptx
@@ -19,8 +19,9 @@
     <p:sldId id="283" r:id="rId13"/>
     <p:sldId id="284" r:id="rId14"/>
     <p:sldId id="285" r:id="rId15"/>
-    <p:sldId id="281" r:id="rId16"/>
-    <p:sldId id="272" r:id="rId17"/>
+    <p:sldId id="286" r:id="rId16"/>
+    <p:sldId id="281" r:id="rId17"/>
+    <p:sldId id="272" r:id="rId18"/>
   </p:sldIdLst>
   <p:sldSz cx="12192000" cy="6858000"/>
   <p:notesSz cx="6858000" cy="9144000"/>
@@ -3516,7 +3517,7 @@
           <a:p>
             <a:fld id="{75934EED-E7C0-439C-9F42-70CEC4ABC1D3}" type="datetimeFigureOut">
               <a:rPr lang="nl-NL" smtClean="0"/>
-              <a:t>19-11-2020</a:t>
+              <a:t>22-11-2020</a:t>
             </a:fld>
             <a:endParaRPr lang="nl-NL"/>
           </a:p>
@@ -3828,7 +3829,7 @@
           <a:p>
             <a:fld id="{75934EED-E7C0-439C-9F42-70CEC4ABC1D3}" type="datetimeFigureOut">
               <a:rPr lang="nl-NL" smtClean="0"/>
-              <a:t>19-11-2020</a:t>
+              <a:t>22-11-2020</a:t>
             </a:fld>
             <a:endParaRPr lang="nl-NL"/>
           </a:p>
@@ -4050,7 +4051,7 @@
           <a:p>
             <a:fld id="{75934EED-E7C0-439C-9F42-70CEC4ABC1D3}" type="datetimeFigureOut">
               <a:rPr lang="nl-NL" smtClean="0"/>
-              <a:t>19-11-2020</a:t>
+              <a:t>22-11-2020</a:t>
             </a:fld>
             <a:endParaRPr lang="nl-NL"/>
           </a:p>
@@ -4341,7 +4342,7 @@
           <a:p>
             <a:fld id="{75934EED-E7C0-439C-9F42-70CEC4ABC1D3}" type="datetimeFigureOut">
               <a:rPr lang="nl-NL" smtClean="0"/>
-              <a:t>19-11-2020</a:t>
+              <a:t>22-11-2020</a:t>
             </a:fld>
             <a:endParaRPr lang="nl-NL"/>
           </a:p>
@@ -4795,7 +4796,7 @@
           <a:p>
             <a:fld id="{75934EED-E7C0-439C-9F42-70CEC4ABC1D3}" type="datetimeFigureOut">
               <a:rPr lang="nl-NL" smtClean="0"/>
-              <a:t>19-11-2020</a:t>
+              <a:t>22-11-2020</a:t>
             </a:fld>
             <a:endParaRPr lang="nl-NL"/>
           </a:p>
@@ -5371,7 +5372,7 @@
           <a:p>
             <a:fld id="{75934EED-E7C0-439C-9F42-70CEC4ABC1D3}" type="datetimeFigureOut">
               <a:rPr lang="nl-NL" smtClean="0"/>
-              <a:t>19-11-2020</a:t>
+              <a:t>22-11-2020</a:t>
             </a:fld>
             <a:endParaRPr lang="nl-NL"/>
           </a:p>
@@ -6223,7 +6224,7 @@
           <a:p>
             <a:fld id="{75934EED-E7C0-439C-9F42-70CEC4ABC1D3}" type="datetimeFigureOut">
               <a:rPr lang="nl-NL" smtClean="0"/>
-              <a:t>19-11-2020</a:t>
+              <a:t>22-11-2020</a:t>
             </a:fld>
             <a:endParaRPr lang="nl-NL"/>
           </a:p>
@@ -6428,7 +6429,7 @@
           <a:p>
             <a:fld id="{75934EED-E7C0-439C-9F42-70CEC4ABC1D3}" type="datetimeFigureOut">
               <a:rPr lang="nl-NL" smtClean="0"/>
-              <a:t>19-11-2020</a:t>
+              <a:t>22-11-2020</a:t>
             </a:fld>
             <a:endParaRPr lang="nl-NL"/>
           </a:p>
@@ -6642,7 +6643,7 @@
           <a:p>
             <a:fld id="{75934EED-E7C0-439C-9F42-70CEC4ABC1D3}" type="datetimeFigureOut">
               <a:rPr lang="nl-NL" smtClean="0"/>
-              <a:t>19-11-2020</a:t>
+              <a:t>22-11-2020</a:t>
             </a:fld>
             <a:endParaRPr lang="nl-NL"/>
           </a:p>
@@ -6818,7 +6819,7 @@
           <a:p>
             <a:fld id="{75934EED-E7C0-439C-9F42-70CEC4ABC1D3}" type="datetimeFigureOut">
               <a:rPr lang="nl-NL" smtClean="0"/>
-              <a:t>19-11-2020</a:t>
+              <a:t>22-11-2020</a:t>
             </a:fld>
             <a:endParaRPr lang="nl-NL"/>
           </a:p>
@@ -7023,7 +7024,7 @@
           <a:p>
             <a:fld id="{75934EED-E7C0-439C-9F42-70CEC4ABC1D3}" type="datetimeFigureOut">
               <a:rPr lang="nl-NL" smtClean="0"/>
-              <a:t>19-11-2020</a:t>
+              <a:t>22-11-2020</a:t>
             </a:fld>
             <a:endParaRPr lang="nl-NL"/>
           </a:p>
@@ -7303,7 +7304,7 @@
           <a:p>
             <a:fld id="{75934EED-E7C0-439C-9F42-70CEC4ABC1D3}" type="datetimeFigureOut">
               <a:rPr lang="nl-NL" smtClean="0"/>
-              <a:t>19-11-2020</a:t>
+              <a:t>22-11-2020</a:t>
             </a:fld>
             <a:endParaRPr lang="nl-NL"/>
           </a:p>
@@ -7570,7 +7571,7 @@
           <a:p>
             <a:fld id="{75934EED-E7C0-439C-9F42-70CEC4ABC1D3}" type="datetimeFigureOut">
               <a:rPr lang="nl-NL" smtClean="0"/>
-              <a:t>19-11-2020</a:t>
+              <a:t>22-11-2020</a:t>
             </a:fld>
             <a:endParaRPr lang="nl-NL"/>
           </a:p>
@@ -7985,7 +7986,7 @@
           <a:p>
             <a:fld id="{75934EED-E7C0-439C-9F42-70CEC4ABC1D3}" type="datetimeFigureOut">
               <a:rPr lang="nl-NL" smtClean="0"/>
-              <a:t>19-11-2020</a:t>
+              <a:t>22-11-2020</a:t>
             </a:fld>
             <a:endParaRPr lang="nl-NL"/>
           </a:p>
@@ -8133,7 +8134,7 @@
           <a:p>
             <a:fld id="{75934EED-E7C0-439C-9F42-70CEC4ABC1D3}" type="datetimeFigureOut">
               <a:rPr lang="nl-NL" smtClean="0"/>
-              <a:t>19-11-2020</a:t>
+              <a:t>22-11-2020</a:t>
             </a:fld>
             <a:endParaRPr lang="nl-NL"/>
           </a:p>
@@ -8258,7 +8259,7 @@
           <a:p>
             <a:fld id="{75934EED-E7C0-439C-9F42-70CEC4ABC1D3}" type="datetimeFigureOut">
               <a:rPr lang="nl-NL" smtClean="0"/>
-              <a:t>19-11-2020</a:t>
+              <a:t>22-11-2020</a:t>
             </a:fld>
             <a:endParaRPr lang="nl-NL"/>
           </a:p>
@@ -8537,7 +8538,7 @@
           <a:p>
             <a:fld id="{75934EED-E7C0-439C-9F42-70CEC4ABC1D3}" type="datetimeFigureOut">
               <a:rPr lang="nl-NL" smtClean="0"/>
-              <a:t>19-11-2020</a:t>
+              <a:t>22-11-2020</a:t>
             </a:fld>
             <a:endParaRPr lang="nl-NL"/>
           </a:p>
@@ -8849,7 +8850,7 @@
           <a:p>
             <a:fld id="{75934EED-E7C0-439C-9F42-70CEC4ABC1D3}" type="datetimeFigureOut">
               <a:rPr lang="nl-NL" smtClean="0"/>
-              <a:t>19-11-2020</a:t>
+              <a:t>22-11-2020</a:t>
             </a:fld>
             <a:endParaRPr lang="nl-NL"/>
           </a:p>
@@ -9102,7 +9103,7 @@
           <a:p>
             <a:fld id="{75934EED-E7C0-439C-9F42-70CEC4ABC1D3}" type="datetimeFigureOut">
               <a:rPr lang="nl-NL" smtClean="0"/>
-              <a:t>19-11-2020</a:t>
+              <a:t>22-11-2020</a:t>
             </a:fld>
             <a:endParaRPr lang="nl-NL"/>
           </a:p>
@@ -13004,6 +13005,65 @@
           <a:p>
             <a:r>
               <a:rPr lang="en-US" dirty="0"/>
+              <a:t>NGRX - Demo</a:t>
+            </a:r>
+            <a:endParaRPr lang="nl-NL" dirty="0"/>
+          </a:p>
+        </p:txBody>
+      </p:sp>
+    </p:spTree>
+    <p:extLst>
+      <p:ext uri="{BB962C8B-B14F-4D97-AF65-F5344CB8AC3E}">
+        <p14:creationId xmlns:p14="http://schemas.microsoft.com/office/powerpoint/2010/main" val="570329290"/>
+      </p:ext>
+    </p:extLst>
+  </p:cSld>
+  <p:clrMapOvr>
+    <a:masterClrMapping/>
+  </p:clrMapOvr>
+</p:sld>
+</file>
+
+<file path=ppt/slides/slide16.xml><?xml version="1.0" encoding="utf-8"?>
+<p:sld xmlns:a="http://schemas.openxmlformats.org/drawingml/2006/main" xmlns:r="http://schemas.openxmlformats.org/officeDocument/2006/relationships" xmlns:p="http://schemas.openxmlformats.org/presentationml/2006/main">
+  <p:cSld>
+    <p:spTree>
+      <p:nvGrpSpPr>
+        <p:cNvPr id="1" name=""/>
+        <p:cNvGrpSpPr/>
+        <p:nvPr/>
+      </p:nvGrpSpPr>
+      <p:grpSpPr>
+        <a:xfrm>
+          <a:off x="0" y="0"/>
+          <a:ext cx="0" cy="0"/>
+          <a:chOff x="0" y="0"/>
+          <a:chExt cx="0" cy="0"/>
+        </a:xfrm>
+      </p:grpSpPr>
+      <p:sp>
+        <p:nvSpPr>
+          <p:cNvPr id="2" name="Title 1">
+            <a:extLst>
+              <a:ext uri="{FF2B5EF4-FFF2-40B4-BE49-F238E27FC236}">
+                <a16:creationId xmlns:a16="http://schemas.microsoft.com/office/drawing/2014/main" id="{58A75D02-8D99-4750-B95C-655E0DA90887}"/>
+              </a:ext>
+            </a:extLst>
+          </p:cNvPr>
+          <p:cNvSpPr>
+            <a:spLocks noGrp="1"/>
+          </p:cNvSpPr>
+          <p:nvPr>
+            <p:ph type="title"/>
+          </p:nvPr>
+        </p:nvSpPr>
+        <p:spPr/>
+        <p:txBody>
+          <a:bodyPr/>
+          <a:lstStyle/>
+          <a:p>
+            <a:r>
+              <a:rPr lang="en-US" dirty="0"/>
               <a:t>NGRX – trade-offs</a:t>
             </a:r>
             <a:endParaRPr lang="nl-NL" dirty="0"/>
@@ -13326,7 +13386,7 @@
 </p:sld>
 </file>
 
-<file path=ppt/slides/slide16.xml><?xml version="1.0" encoding="utf-8"?>
+<file path=ppt/slides/slide17.xml><?xml version="1.0" encoding="utf-8"?>
 <p:sld xmlns:a="http://schemas.openxmlformats.org/drawingml/2006/main" xmlns:r="http://schemas.openxmlformats.org/officeDocument/2006/relationships" xmlns:p="http://schemas.openxmlformats.org/presentationml/2006/main">
   <p:cSld>
     <p:spTree>

--- a/Reactive State Management.pptx
+++ b/Reactive State Management.pptx
@@ -22,6 +22,7 @@
     <p:sldId id="286" r:id="rId16"/>
     <p:sldId id="281" r:id="rId17"/>
     <p:sldId id="272" r:id="rId18"/>
+    <p:sldId id="287" r:id="rId19"/>
   </p:sldIdLst>
   <p:sldSz cx="12192000" cy="6858000"/>
   <p:notesSz cx="6858000" cy="9144000"/>
@@ -3517,7 +3518,7 @@
           <a:p>
             <a:fld id="{75934EED-E7C0-439C-9F42-70CEC4ABC1D3}" type="datetimeFigureOut">
               <a:rPr lang="nl-NL" smtClean="0"/>
-              <a:t>22-11-2020</a:t>
+              <a:t>13-12-2020</a:t>
             </a:fld>
             <a:endParaRPr lang="nl-NL"/>
           </a:p>
@@ -3829,7 +3830,7 @@
           <a:p>
             <a:fld id="{75934EED-E7C0-439C-9F42-70CEC4ABC1D3}" type="datetimeFigureOut">
               <a:rPr lang="nl-NL" smtClean="0"/>
-              <a:t>22-11-2020</a:t>
+              <a:t>13-12-2020</a:t>
             </a:fld>
             <a:endParaRPr lang="nl-NL"/>
           </a:p>
@@ -4051,7 +4052,7 @@
           <a:p>
             <a:fld id="{75934EED-E7C0-439C-9F42-70CEC4ABC1D3}" type="datetimeFigureOut">
               <a:rPr lang="nl-NL" smtClean="0"/>
-              <a:t>22-11-2020</a:t>
+              <a:t>13-12-2020</a:t>
             </a:fld>
             <a:endParaRPr lang="nl-NL"/>
           </a:p>
@@ -4342,7 +4343,7 @@
           <a:p>
             <a:fld id="{75934EED-E7C0-439C-9F42-70CEC4ABC1D3}" type="datetimeFigureOut">
               <a:rPr lang="nl-NL" smtClean="0"/>
-              <a:t>22-11-2020</a:t>
+              <a:t>13-12-2020</a:t>
             </a:fld>
             <a:endParaRPr lang="nl-NL"/>
           </a:p>
@@ -4796,7 +4797,7 @@
           <a:p>
             <a:fld id="{75934EED-E7C0-439C-9F42-70CEC4ABC1D3}" type="datetimeFigureOut">
               <a:rPr lang="nl-NL" smtClean="0"/>
-              <a:t>22-11-2020</a:t>
+              <a:t>13-12-2020</a:t>
             </a:fld>
             <a:endParaRPr lang="nl-NL"/>
           </a:p>
@@ -5372,7 +5373,7 @@
           <a:p>
             <a:fld id="{75934EED-E7C0-439C-9F42-70CEC4ABC1D3}" type="datetimeFigureOut">
               <a:rPr lang="nl-NL" smtClean="0"/>
-              <a:t>22-11-2020</a:t>
+              <a:t>13-12-2020</a:t>
             </a:fld>
             <a:endParaRPr lang="nl-NL"/>
           </a:p>
@@ -6224,7 +6225,7 @@
           <a:p>
             <a:fld id="{75934EED-E7C0-439C-9F42-70CEC4ABC1D3}" type="datetimeFigureOut">
               <a:rPr lang="nl-NL" smtClean="0"/>
-              <a:t>22-11-2020</a:t>
+              <a:t>13-12-2020</a:t>
             </a:fld>
             <a:endParaRPr lang="nl-NL"/>
           </a:p>
@@ -6429,7 +6430,7 @@
           <a:p>
             <a:fld id="{75934EED-E7C0-439C-9F42-70CEC4ABC1D3}" type="datetimeFigureOut">
               <a:rPr lang="nl-NL" smtClean="0"/>
-              <a:t>22-11-2020</a:t>
+              <a:t>13-12-2020</a:t>
             </a:fld>
             <a:endParaRPr lang="nl-NL"/>
           </a:p>
@@ -6643,7 +6644,7 @@
           <a:p>
             <a:fld id="{75934EED-E7C0-439C-9F42-70CEC4ABC1D3}" type="datetimeFigureOut">
               <a:rPr lang="nl-NL" smtClean="0"/>
-              <a:t>22-11-2020</a:t>
+              <a:t>13-12-2020</a:t>
             </a:fld>
             <a:endParaRPr lang="nl-NL"/>
           </a:p>
@@ -6819,7 +6820,7 @@
           <a:p>
             <a:fld id="{75934EED-E7C0-439C-9F42-70CEC4ABC1D3}" type="datetimeFigureOut">
               <a:rPr lang="nl-NL" smtClean="0"/>
-              <a:t>22-11-2020</a:t>
+              <a:t>13-12-2020</a:t>
             </a:fld>
             <a:endParaRPr lang="nl-NL"/>
           </a:p>
@@ -7024,7 +7025,7 @@
           <a:p>
             <a:fld id="{75934EED-E7C0-439C-9F42-70CEC4ABC1D3}" type="datetimeFigureOut">
               <a:rPr lang="nl-NL" smtClean="0"/>
-              <a:t>22-11-2020</a:t>
+              <a:t>13-12-2020</a:t>
             </a:fld>
             <a:endParaRPr lang="nl-NL"/>
           </a:p>
@@ -7304,7 +7305,7 @@
           <a:p>
             <a:fld id="{75934EED-E7C0-439C-9F42-70CEC4ABC1D3}" type="datetimeFigureOut">
               <a:rPr lang="nl-NL" smtClean="0"/>
-              <a:t>22-11-2020</a:t>
+              <a:t>13-12-2020</a:t>
             </a:fld>
             <a:endParaRPr lang="nl-NL"/>
           </a:p>
@@ -7571,7 +7572,7 @@
           <a:p>
             <a:fld id="{75934EED-E7C0-439C-9F42-70CEC4ABC1D3}" type="datetimeFigureOut">
               <a:rPr lang="nl-NL" smtClean="0"/>
-              <a:t>22-11-2020</a:t>
+              <a:t>13-12-2020</a:t>
             </a:fld>
             <a:endParaRPr lang="nl-NL"/>
           </a:p>
@@ -7986,7 +7987,7 @@
           <a:p>
             <a:fld id="{75934EED-E7C0-439C-9F42-70CEC4ABC1D3}" type="datetimeFigureOut">
               <a:rPr lang="nl-NL" smtClean="0"/>
-              <a:t>22-11-2020</a:t>
+              <a:t>13-12-2020</a:t>
             </a:fld>
             <a:endParaRPr lang="nl-NL"/>
           </a:p>
@@ -8134,7 +8135,7 @@
           <a:p>
             <a:fld id="{75934EED-E7C0-439C-9F42-70CEC4ABC1D3}" type="datetimeFigureOut">
               <a:rPr lang="nl-NL" smtClean="0"/>
-              <a:t>22-11-2020</a:t>
+              <a:t>13-12-2020</a:t>
             </a:fld>
             <a:endParaRPr lang="nl-NL"/>
           </a:p>
@@ -8259,7 +8260,7 @@
           <a:p>
             <a:fld id="{75934EED-E7C0-439C-9F42-70CEC4ABC1D3}" type="datetimeFigureOut">
               <a:rPr lang="nl-NL" smtClean="0"/>
-              <a:t>22-11-2020</a:t>
+              <a:t>13-12-2020</a:t>
             </a:fld>
             <a:endParaRPr lang="nl-NL"/>
           </a:p>
@@ -8538,7 +8539,7 @@
           <a:p>
             <a:fld id="{75934EED-E7C0-439C-9F42-70CEC4ABC1D3}" type="datetimeFigureOut">
               <a:rPr lang="nl-NL" smtClean="0"/>
-              <a:t>22-11-2020</a:t>
+              <a:t>13-12-2020</a:t>
             </a:fld>
             <a:endParaRPr lang="nl-NL"/>
           </a:p>
@@ -8850,7 +8851,7 @@
           <a:p>
             <a:fld id="{75934EED-E7C0-439C-9F42-70CEC4ABC1D3}" type="datetimeFigureOut">
               <a:rPr lang="nl-NL" smtClean="0"/>
-              <a:t>22-11-2020</a:t>
+              <a:t>13-12-2020</a:t>
             </a:fld>
             <a:endParaRPr lang="nl-NL"/>
           </a:p>
@@ -9103,7 +9104,7 @@
           <a:p>
             <a:fld id="{75934EED-E7C0-439C-9F42-70CEC4ABC1D3}" type="datetimeFigureOut">
               <a:rPr lang="nl-NL" smtClean="0"/>
-              <a:t>22-11-2020</a:t>
+              <a:t>13-12-2020</a:t>
             </a:fld>
             <a:endParaRPr lang="nl-NL"/>
           </a:p>
@@ -12484,7 +12485,7 @@
         <p:spPr>
           <a:xfrm>
             <a:off x="1437600" y="2214694"/>
-            <a:ext cx="9316800" cy="2308324"/>
+            <a:ext cx="9316800" cy="1200329"/>
           </a:xfrm>
           <a:prstGeom prst="rect">
             <a:avLst/>
@@ -12499,200 +12500,6 @@
           </a:bodyPr>
           <a:lstStyle/>
           <a:p>
-            <a:r>
-              <a:rPr lang="nl-NL" dirty="0">
-                <a:solidFill>
-                  <a:srgbClr val="C586C0"/>
-                </a:solidFill>
-                <a:latin typeface="Consolas" panose="020B0609020204030204" pitchFamily="49" charset="0"/>
-              </a:rPr>
-              <a:t>export</a:t>
-            </a:r>
-            <a:r>
-              <a:rPr lang="nl-NL" dirty="0">
-                <a:solidFill>
-                  <a:srgbClr val="D4D4D4"/>
-                </a:solidFill>
-                <a:latin typeface="Consolas" panose="020B0609020204030204" pitchFamily="49" charset="0"/>
-              </a:rPr>
-              <a:t> </a:t>
-            </a:r>
-            <a:r>
-              <a:rPr lang="nl-NL" dirty="0" err="1">
-                <a:solidFill>
-                  <a:srgbClr val="569CD6"/>
-                </a:solidFill>
-                <a:latin typeface="Consolas" panose="020B0609020204030204" pitchFamily="49" charset="0"/>
-              </a:rPr>
-              <a:t>const</a:t>
-            </a:r>
-            <a:r>
-              <a:rPr lang="nl-NL" dirty="0">
-                <a:solidFill>
-                  <a:srgbClr val="D4D4D4"/>
-                </a:solidFill>
-                <a:latin typeface="Consolas" panose="020B0609020204030204" pitchFamily="49" charset="0"/>
-              </a:rPr>
-              <a:t> </a:t>
-            </a:r>
-            <a:r>
-              <a:rPr lang="nl-NL" dirty="0" err="1">
-                <a:solidFill>
-                  <a:srgbClr val="DCDCAA"/>
-                </a:solidFill>
-                <a:latin typeface="Consolas" panose="020B0609020204030204" pitchFamily="49" charset="0"/>
-              </a:rPr>
-              <a:t>selectShopFeature</a:t>
-            </a:r>
-            <a:r>
-              <a:rPr lang="nl-NL" dirty="0">
-                <a:solidFill>
-                  <a:srgbClr val="D4D4D4"/>
-                </a:solidFill>
-                <a:latin typeface="Consolas" panose="020B0609020204030204" pitchFamily="49" charset="0"/>
-              </a:rPr>
-              <a:t> = (</a:t>
-            </a:r>
-            <a:r>
-              <a:rPr lang="nl-NL" dirty="0">
-                <a:solidFill>
-                  <a:srgbClr val="9CDCFE"/>
-                </a:solidFill>
-                <a:latin typeface="Consolas" panose="020B0609020204030204" pitchFamily="49" charset="0"/>
-              </a:rPr>
-              <a:t>state</a:t>
-            </a:r>
-            <a:r>
-              <a:rPr lang="nl-NL" dirty="0">
-                <a:solidFill>
-                  <a:srgbClr val="D4D4D4"/>
-                </a:solidFill>
-                <a:latin typeface="Consolas" panose="020B0609020204030204" pitchFamily="49" charset="0"/>
-              </a:rPr>
-              <a:t>: </a:t>
-            </a:r>
-            <a:r>
-              <a:rPr lang="nl-NL" dirty="0" err="1">
-                <a:solidFill>
-                  <a:srgbClr val="4EC9B0"/>
-                </a:solidFill>
-                <a:latin typeface="Consolas" panose="020B0609020204030204" pitchFamily="49" charset="0"/>
-              </a:rPr>
-              <a:t>AppState</a:t>
-            </a:r>
-            <a:r>
-              <a:rPr lang="nl-NL" dirty="0">
-                <a:solidFill>
-                  <a:srgbClr val="D4D4D4"/>
-                </a:solidFill>
-                <a:latin typeface="Consolas" panose="020B0609020204030204" pitchFamily="49" charset="0"/>
-              </a:rPr>
-              <a:t>) </a:t>
-            </a:r>
-            <a:r>
-              <a:rPr lang="nl-NL" dirty="0">
-                <a:solidFill>
-                  <a:srgbClr val="569CD6"/>
-                </a:solidFill>
-                <a:latin typeface="Consolas" panose="020B0609020204030204" pitchFamily="49" charset="0"/>
-              </a:rPr>
-              <a:t>=&gt;</a:t>
-            </a:r>
-            <a:r>
-              <a:rPr lang="nl-NL" dirty="0">
-                <a:solidFill>
-                  <a:srgbClr val="D4D4D4"/>
-                </a:solidFill>
-                <a:latin typeface="Consolas" panose="020B0609020204030204" pitchFamily="49" charset="0"/>
-              </a:rPr>
-              <a:t> {</a:t>
-            </a:r>
-          </a:p>
-          <a:p>
-            <a:r>
-              <a:rPr lang="nl-NL" dirty="0">
-                <a:solidFill>
-                  <a:srgbClr val="D4D4D4"/>
-                </a:solidFill>
-                <a:latin typeface="Consolas" panose="020B0609020204030204" pitchFamily="49" charset="0"/>
-              </a:rPr>
-              <a:t>  </a:t>
-            </a:r>
-            <a:r>
-              <a:rPr lang="nl-NL" dirty="0">
-                <a:solidFill>
-                  <a:srgbClr val="C586C0"/>
-                </a:solidFill>
-                <a:latin typeface="Consolas" panose="020B0609020204030204" pitchFamily="49" charset="0"/>
-              </a:rPr>
-              <a:t>return</a:t>
-            </a:r>
-            <a:r>
-              <a:rPr lang="nl-NL" dirty="0">
-                <a:solidFill>
-                  <a:srgbClr val="D4D4D4"/>
-                </a:solidFill>
-                <a:latin typeface="Consolas" panose="020B0609020204030204" pitchFamily="49" charset="0"/>
-              </a:rPr>
-              <a:t> </a:t>
-            </a:r>
-            <a:r>
-              <a:rPr lang="nl-NL" dirty="0" err="1">
-                <a:solidFill>
-                  <a:srgbClr val="9CDCFE"/>
-                </a:solidFill>
-                <a:latin typeface="Consolas" panose="020B0609020204030204" pitchFamily="49" charset="0"/>
-              </a:rPr>
-              <a:t>state</a:t>
-            </a:r>
-            <a:r>
-              <a:rPr lang="nl-NL" dirty="0" err="1">
-                <a:solidFill>
-                  <a:srgbClr val="D4D4D4"/>
-                </a:solidFill>
-                <a:latin typeface="Consolas" panose="020B0609020204030204" pitchFamily="49" charset="0"/>
-              </a:rPr>
-              <a:t>.</a:t>
-            </a:r>
-            <a:r>
-              <a:rPr lang="nl-NL" dirty="0" err="1">
-                <a:solidFill>
-                  <a:srgbClr val="9CDCFE"/>
-                </a:solidFill>
-                <a:latin typeface="Consolas" panose="020B0609020204030204" pitchFamily="49" charset="0"/>
-              </a:rPr>
-              <a:t>shop</a:t>
-            </a:r>
-            <a:r>
-              <a:rPr lang="nl-NL" dirty="0">
-                <a:solidFill>
-                  <a:srgbClr val="D4D4D4"/>
-                </a:solidFill>
-                <a:latin typeface="Consolas" panose="020B0609020204030204" pitchFamily="49" charset="0"/>
-              </a:rPr>
-              <a:t>;</a:t>
-            </a:r>
-          </a:p>
-          <a:p>
-            <a:r>
-              <a:rPr lang="nl-NL" dirty="0">
-                <a:solidFill>
-                  <a:srgbClr val="D4D4D4"/>
-                </a:solidFill>
-                <a:latin typeface="Consolas" panose="020B0609020204030204" pitchFamily="49" charset="0"/>
-              </a:rPr>
-              <a:t>};</a:t>
-            </a:r>
-          </a:p>
-          <a:p>
-            <a:br>
-              <a:rPr lang="nl-NL" dirty="0">
-                <a:solidFill>
-                  <a:srgbClr val="D4D4D4"/>
-                </a:solidFill>
-                <a:latin typeface="Consolas" panose="020B0609020204030204" pitchFamily="49" charset="0"/>
-              </a:rPr>
-            </a:br>
             <a:r>
               <a:rPr lang="nl-NL" dirty="0">
                 <a:solidFill>
@@ -13426,6 +13233,148 @@
           <a:p>
             <a:r>
               <a:rPr lang="en-US" dirty="0"/>
+              <a:t>Bonus: Useful addons</a:t>
+            </a:r>
+            <a:endParaRPr lang="nl-NL" dirty="0"/>
+          </a:p>
+        </p:txBody>
+      </p:sp>
+      <p:sp>
+        <p:nvSpPr>
+          <p:cNvPr id="3" name="Content Placeholder 2">
+            <a:extLst>
+              <a:ext uri="{FF2B5EF4-FFF2-40B4-BE49-F238E27FC236}">
+                <a16:creationId xmlns:a16="http://schemas.microsoft.com/office/drawing/2014/main" id="{C90A967C-091E-446E-A3BC-DB667D44AF18}"/>
+              </a:ext>
+            </a:extLst>
+          </p:cNvPr>
+          <p:cNvSpPr>
+            <a:spLocks noGrp="1"/>
+          </p:cNvSpPr>
+          <p:nvPr>
+            <p:ph idx="1"/>
+          </p:nvPr>
+        </p:nvSpPr>
+        <p:spPr/>
+        <p:txBody>
+          <a:bodyPr>
+            <a:normAutofit/>
+          </a:bodyPr>
+          <a:lstStyle/>
+          <a:p>
+            <a:r>
+              <a:rPr lang="en-US" dirty="0">
+                <a:sym typeface="Wingdings" panose="05000000000000000000" pitchFamily="2" charset="2"/>
+              </a:rPr>
+              <a:t>Chrome</a:t>
+            </a:r>
+          </a:p>
+          <a:p>
+            <a:pPr lvl="1"/>
+            <a:r>
+              <a:rPr lang="en-US" dirty="0">
+                <a:sym typeface="Wingdings" panose="05000000000000000000" pitchFamily="2" charset="2"/>
+              </a:rPr>
+              <a:t>Redux dev tools</a:t>
+            </a:r>
+          </a:p>
+          <a:p>
+            <a:endParaRPr lang="en-US" dirty="0"/>
+          </a:p>
+          <a:p>
+            <a:r>
+              <a:rPr lang="en-US" dirty="0"/>
+              <a:t>Visual studio code</a:t>
+            </a:r>
+          </a:p>
+          <a:p>
+            <a:pPr lvl="1"/>
+            <a:r>
+              <a:rPr lang="en-US" dirty="0"/>
+              <a:t>Angular extension pack</a:t>
+            </a:r>
+          </a:p>
+          <a:p>
+            <a:pPr lvl="1"/>
+            <a:r>
+              <a:rPr lang="en-US" dirty="0"/>
+              <a:t>Bracket pair colorizer</a:t>
+            </a:r>
+          </a:p>
+          <a:p>
+            <a:pPr lvl="1"/>
+            <a:r>
+              <a:rPr lang="en-US" dirty="0" err="1"/>
+              <a:t>Eslint</a:t>
+            </a:r>
+            <a:endParaRPr lang="en-US" dirty="0"/>
+          </a:p>
+          <a:p>
+            <a:pPr lvl="1"/>
+            <a:r>
+              <a:rPr lang="en-US" dirty="0"/>
+              <a:t>Prettier</a:t>
+            </a:r>
+          </a:p>
+          <a:p>
+            <a:pPr lvl="1"/>
+            <a:endParaRPr lang="nl-NL" dirty="0"/>
+          </a:p>
+        </p:txBody>
+      </p:sp>
+    </p:spTree>
+    <p:extLst>
+      <p:ext uri="{BB962C8B-B14F-4D97-AF65-F5344CB8AC3E}">
+        <p14:creationId xmlns:p14="http://schemas.microsoft.com/office/powerpoint/2010/main" val="1592891939"/>
+      </p:ext>
+    </p:extLst>
+  </p:cSld>
+  <p:clrMapOvr>
+    <a:masterClrMapping/>
+  </p:clrMapOvr>
+</p:sld>
+</file>
+
+<file path=ppt/slides/slide18.xml><?xml version="1.0" encoding="utf-8"?>
+<p:sld xmlns:a="http://schemas.openxmlformats.org/drawingml/2006/main" xmlns:r="http://schemas.openxmlformats.org/officeDocument/2006/relationships" xmlns:p="http://schemas.openxmlformats.org/presentationml/2006/main">
+  <p:cSld>
+    <p:spTree>
+      <p:nvGrpSpPr>
+        <p:cNvPr id="1" name=""/>
+        <p:cNvGrpSpPr/>
+        <p:nvPr/>
+      </p:nvGrpSpPr>
+      <p:grpSpPr>
+        <a:xfrm>
+          <a:off x="0" y="0"/>
+          <a:ext cx="0" cy="0"/>
+          <a:chOff x="0" y="0"/>
+          <a:chExt cx="0" cy="0"/>
+        </a:xfrm>
+      </p:grpSpPr>
+      <p:sp>
+        <p:nvSpPr>
+          <p:cNvPr id="2" name="Title 1">
+            <a:extLst>
+              <a:ext uri="{FF2B5EF4-FFF2-40B4-BE49-F238E27FC236}">
+                <a16:creationId xmlns:a16="http://schemas.microsoft.com/office/drawing/2014/main" id="{142B161C-E1D3-4329-8343-2577BC53FF87}"/>
+              </a:ext>
+            </a:extLst>
+          </p:cNvPr>
+          <p:cNvSpPr>
+            <a:spLocks noGrp="1"/>
+          </p:cNvSpPr>
+          <p:nvPr>
+            <p:ph type="title"/>
+          </p:nvPr>
+        </p:nvSpPr>
+        <p:spPr/>
+        <p:txBody>
+          <a:bodyPr/>
+          <a:lstStyle/>
+          <a:p>
+            <a:r>
+              <a:rPr lang="en-US" dirty="0"/>
               <a:t>The end</a:t>
             </a:r>
             <a:endParaRPr lang="nl-NL" dirty="0"/>
@@ -13516,7 +13465,7 @@
     </p:spTree>
     <p:extLst>
       <p:ext uri="{BB962C8B-B14F-4D97-AF65-F5344CB8AC3E}">
-        <p14:creationId xmlns:p14="http://schemas.microsoft.com/office/powerpoint/2010/main" val="1592891939"/>
+        <p14:creationId xmlns:p14="http://schemas.microsoft.com/office/powerpoint/2010/main" val="1831055363"/>
       </p:ext>
     </p:extLst>
   </p:cSld>
@@ -16624,6 +16573,66 @@
               </a:solidFill>
               <a:effectLst/>
               <a:latin typeface="Consolas" panose="020B0609020204030204" pitchFamily="49" charset="0"/>
+            </a:endParaRPr>
+          </a:p>
+        </p:txBody>
+      </p:sp>
+      <p:sp>
+        <p:nvSpPr>
+          <p:cNvPr id="4" name="TextBox 3">
+            <a:extLst>
+              <a:ext uri="{FF2B5EF4-FFF2-40B4-BE49-F238E27FC236}">
+                <a16:creationId xmlns:a16="http://schemas.microsoft.com/office/drawing/2014/main" id="{C5D1E694-46B4-4690-B21B-6418307E0E78}"/>
+              </a:ext>
+            </a:extLst>
+          </p:cNvPr>
+          <p:cNvSpPr txBox="1"/>
+          <p:nvPr/>
+        </p:nvSpPr>
+        <p:spPr>
+          <a:xfrm>
+            <a:off x="3659018" y="6239483"/>
+            <a:ext cx="5266891" cy="369332"/>
+          </a:xfrm>
+          <a:prstGeom prst="rect">
+            <a:avLst/>
+          </a:prstGeom>
+          <a:noFill/>
+        </p:spPr>
+        <p:txBody>
+          <a:bodyPr wrap="none" rtlCol="0">
+            <a:spAutoFit/>
+          </a:bodyPr>
+          <a:lstStyle/>
+          <a:p>
+            <a:r>
+              <a:rPr lang="en-US" dirty="0">
+                <a:solidFill>
+                  <a:srgbClr val="FF0000"/>
+                </a:solidFill>
+              </a:rPr>
+              <a:t>Reminder: </a:t>
+            </a:r>
+            <a:r>
+              <a:rPr lang="en-US">
+                <a:solidFill>
+                  <a:srgbClr val="FF0000"/>
+                </a:solidFill>
+              </a:rPr>
+              <a:t>any variable ending </a:t>
+            </a:r>
+            <a:r>
+              <a:rPr lang="en-US" dirty="0">
+                <a:solidFill>
+                  <a:srgbClr val="FF0000"/>
+                </a:solidFill>
+              </a:rPr>
+              <a:t>with $ is an observable!</a:t>
+            </a:r>
+            <a:endParaRPr lang="nl-NL" dirty="0">
+              <a:solidFill>
+                <a:srgbClr val="FF0000"/>
+              </a:solidFill>
             </a:endParaRPr>
           </a:p>
         </p:txBody>
@@ -17442,6 +17451,196 @@
           </a:fontRef>
         </p:style>
       </p:cxnSp>
+      <p:sp>
+        <p:nvSpPr>
+          <p:cNvPr id="7" name="Diamond 6">
+            <a:extLst>
+              <a:ext uri="{FF2B5EF4-FFF2-40B4-BE49-F238E27FC236}">
+                <a16:creationId xmlns:a16="http://schemas.microsoft.com/office/drawing/2014/main" id="{0671BDAF-3CF1-492E-923B-151488EF3E07}"/>
+              </a:ext>
+            </a:extLst>
+          </p:cNvPr>
+          <p:cNvSpPr/>
+          <p:nvPr/>
+        </p:nvSpPr>
+        <p:spPr>
+          <a:xfrm>
+            <a:off x="4953839" y="2204235"/>
+            <a:ext cx="380215" cy="380215"/>
+          </a:xfrm>
+          <a:prstGeom prst="diamond">
+            <a:avLst/>
+          </a:prstGeom>
+        </p:spPr>
+        <p:style>
+          <a:lnRef idx="2">
+            <a:schemeClr val="accent4">
+              <a:shade val="50000"/>
+            </a:schemeClr>
+          </a:lnRef>
+          <a:fillRef idx="1">
+            <a:schemeClr val="accent4"/>
+          </a:fillRef>
+          <a:effectRef idx="0">
+            <a:schemeClr val="accent4"/>
+          </a:effectRef>
+          <a:fontRef idx="minor">
+            <a:schemeClr val="lt1"/>
+          </a:fontRef>
+        </p:style>
+        <p:txBody>
+          <a:bodyPr rtlCol="0" anchor="ctr"/>
+          <a:lstStyle/>
+          <a:p>
+            <a:pPr algn="ctr"/>
+            <a:endParaRPr lang="nl-NL"/>
+          </a:p>
+        </p:txBody>
+      </p:sp>
+      <p:sp>
+        <p:nvSpPr>
+          <p:cNvPr id="16" name="TextBox 15">
+            <a:extLst>
+              <a:ext uri="{FF2B5EF4-FFF2-40B4-BE49-F238E27FC236}">
+                <a16:creationId xmlns:a16="http://schemas.microsoft.com/office/drawing/2014/main" id="{1B751351-1B09-4CB5-BF32-D8F748FB508E}"/>
+              </a:ext>
+            </a:extLst>
+          </p:cNvPr>
+          <p:cNvSpPr txBox="1"/>
+          <p:nvPr/>
+        </p:nvSpPr>
+        <p:spPr>
+          <a:xfrm>
+            <a:off x="9455285" y="2384050"/>
+            <a:ext cx="1672253" cy="369332"/>
+          </a:xfrm>
+          <a:prstGeom prst="rect">
+            <a:avLst/>
+          </a:prstGeom>
+          <a:noFill/>
+        </p:spPr>
+        <p:txBody>
+          <a:bodyPr wrap="none" rtlCol="0">
+            <a:spAutoFit/>
+          </a:bodyPr>
+          <a:lstStyle/>
+          <a:p>
+            <a:r>
+              <a:rPr lang="en-US" dirty="0"/>
+              <a:t>1. Create action</a:t>
+            </a:r>
+            <a:endParaRPr lang="nl-NL" dirty="0"/>
+          </a:p>
+        </p:txBody>
+      </p:sp>
+      <p:sp>
+        <p:nvSpPr>
+          <p:cNvPr id="21" name="TextBox 20">
+            <a:extLst>
+              <a:ext uri="{FF2B5EF4-FFF2-40B4-BE49-F238E27FC236}">
+                <a16:creationId xmlns:a16="http://schemas.microsoft.com/office/drawing/2014/main" id="{6E321110-8EAA-4AE1-A191-2321F5F330C6}"/>
+              </a:ext>
+            </a:extLst>
+          </p:cNvPr>
+          <p:cNvSpPr txBox="1"/>
+          <p:nvPr/>
+        </p:nvSpPr>
+        <p:spPr>
+          <a:xfrm>
+            <a:off x="9455284" y="2753382"/>
+            <a:ext cx="1817742" cy="369332"/>
+          </a:xfrm>
+          <a:prstGeom prst="rect">
+            <a:avLst/>
+          </a:prstGeom>
+          <a:noFill/>
+        </p:spPr>
+        <p:txBody>
+          <a:bodyPr wrap="none" rtlCol="0">
+            <a:spAutoFit/>
+          </a:bodyPr>
+          <a:lstStyle/>
+          <a:p>
+            <a:r>
+              <a:rPr lang="en-US" dirty="0"/>
+              <a:t>2. Dispatch action</a:t>
+            </a:r>
+            <a:endParaRPr lang="nl-NL" dirty="0"/>
+          </a:p>
+        </p:txBody>
+      </p:sp>
+      <p:sp>
+        <p:nvSpPr>
+          <p:cNvPr id="23" name="TextBox 22">
+            <a:extLst>
+              <a:ext uri="{FF2B5EF4-FFF2-40B4-BE49-F238E27FC236}">
+                <a16:creationId xmlns:a16="http://schemas.microsoft.com/office/drawing/2014/main" id="{EB666F12-CB42-411B-8947-B06303088266}"/>
+              </a:ext>
+            </a:extLst>
+          </p:cNvPr>
+          <p:cNvSpPr txBox="1"/>
+          <p:nvPr/>
+        </p:nvSpPr>
+        <p:spPr>
+          <a:xfrm>
+            <a:off x="9455284" y="3122714"/>
+            <a:ext cx="1696298" cy="369332"/>
+          </a:xfrm>
+          <a:prstGeom prst="rect">
+            <a:avLst/>
+          </a:prstGeom>
+          <a:noFill/>
+        </p:spPr>
+        <p:txBody>
+          <a:bodyPr wrap="none" rtlCol="0">
+            <a:spAutoFit/>
+          </a:bodyPr>
+          <a:lstStyle/>
+          <a:p>
+            <a:r>
+              <a:rPr lang="en-US" dirty="0"/>
+              <a:t>3. Handle action</a:t>
+            </a:r>
+            <a:endParaRPr lang="nl-NL" dirty="0"/>
+          </a:p>
+        </p:txBody>
+      </p:sp>
+      <p:sp>
+        <p:nvSpPr>
+          <p:cNvPr id="24" name="TextBox 23">
+            <a:extLst>
+              <a:ext uri="{FF2B5EF4-FFF2-40B4-BE49-F238E27FC236}">
+                <a16:creationId xmlns:a16="http://schemas.microsoft.com/office/drawing/2014/main" id="{A45E5351-729D-4E5D-9ACD-F92AA70337AF}"/>
+              </a:ext>
+            </a:extLst>
+          </p:cNvPr>
+          <p:cNvSpPr txBox="1"/>
+          <p:nvPr/>
+        </p:nvSpPr>
+        <p:spPr>
+          <a:xfrm>
+            <a:off x="9455284" y="3492046"/>
+            <a:ext cx="1378904" cy="369332"/>
+          </a:xfrm>
+          <a:prstGeom prst="rect">
+            <a:avLst/>
+          </a:prstGeom>
+          <a:noFill/>
+        </p:spPr>
+        <p:txBody>
+          <a:bodyPr wrap="none" rtlCol="0">
+            <a:spAutoFit/>
+          </a:bodyPr>
+          <a:lstStyle/>
+          <a:p>
+            <a:r>
+              <a:rPr lang="en-US" dirty="0"/>
+              <a:t>4. Update UI</a:t>
+            </a:r>
+            <a:endParaRPr lang="nl-NL" dirty="0"/>
+          </a:p>
+        </p:txBody>
+      </p:sp>
     </p:spTree>
     <p:extLst>
       <p:ext uri="{BB962C8B-B14F-4D97-AF65-F5344CB8AC3E}">
@@ -17452,6 +17651,382 @@
   <p:clrMapOvr>
     <a:masterClrMapping/>
   </p:clrMapOvr>
+  <p:timing>
+    <p:tnLst>
+      <p:par>
+        <p:cTn id="1" dur="indefinite" restart="never" nodeType="tmRoot">
+          <p:childTnLst>
+            <p:seq concurrent="1" nextAc="seek">
+              <p:cTn id="2" dur="indefinite" nodeType="mainSeq">
+                <p:childTnLst>
+                  <p:par>
+                    <p:cTn id="3" fill="hold">
+                      <p:stCondLst>
+                        <p:cond delay="indefinite"/>
+                      </p:stCondLst>
+                      <p:childTnLst>
+                        <p:par>
+                          <p:cTn id="4" fill="hold">
+                            <p:stCondLst>
+                              <p:cond delay="0"/>
+                            </p:stCondLst>
+                            <p:childTnLst>
+                              <p:par>
+                                <p:cTn id="5" presetID="14" presetClass="entr" presetSubtype="10" fill="hold" grpId="0" nodeType="clickEffect">
+                                  <p:stCondLst>
+                                    <p:cond delay="0"/>
+                                  </p:stCondLst>
+                                  <p:childTnLst>
+                                    <p:set>
+                                      <p:cBhvr>
+                                        <p:cTn id="6" dur="1" fill="hold">
+                                          <p:stCondLst>
+                                            <p:cond delay="0"/>
+                                          </p:stCondLst>
+                                        </p:cTn>
+                                        <p:tgtEl>
+                                          <p:spTgt spid="16"/>
+                                        </p:tgtEl>
+                                        <p:attrNameLst>
+                                          <p:attrName>style.visibility</p:attrName>
+                                        </p:attrNameLst>
+                                      </p:cBhvr>
+                                      <p:to>
+                                        <p:strVal val="visible"/>
+                                      </p:to>
+                                    </p:set>
+                                    <p:animEffect transition="in" filter="randombar(horizontal)">
+                                      <p:cBhvr>
+                                        <p:cTn id="7" dur="500"/>
+                                        <p:tgtEl>
+                                          <p:spTgt spid="16"/>
+                                        </p:tgtEl>
+                                      </p:cBhvr>
+                                    </p:animEffect>
+                                  </p:childTnLst>
+                                </p:cTn>
+                              </p:par>
+                            </p:childTnLst>
+                          </p:cTn>
+                        </p:par>
+                        <p:par>
+                          <p:cTn id="8" fill="hold">
+                            <p:stCondLst>
+                              <p:cond delay="500"/>
+                            </p:stCondLst>
+                            <p:childTnLst>
+                              <p:par>
+                                <p:cTn id="9" presetID="14" presetClass="entr" presetSubtype="10" fill="hold" grpId="0" nodeType="afterEffect">
+                                  <p:stCondLst>
+                                    <p:cond delay="0"/>
+                                  </p:stCondLst>
+                                  <p:childTnLst>
+                                    <p:set>
+                                      <p:cBhvr>
+                                        <p:cTn id="10" dur="1" fill="hold">
+                                          <p:stCondLst>
+                                            <p:cond delay="0"/>
+                                          </p:stCondLst>
+                                        </p:cTn>
+                                        <p:tgtEl>
+                                          <p:spTgt spid="21"/>
+                                        </p:tgtEl>
+                                        <p:attrNameLst>
+                                          <p:attrName>style.visibility</p:attrName>
+                                        </p:attrNameLst>
+                                      </p:cBhvr>
+                                      <p:to>
+                                        <p:strVal val="visible"/>
+                                      </p:to>
+                                    </p:set>
+                                    <p:animEffect transition="in" filter="randombar(horizontal)">
+                                      <p:cBhvr>
+                                        <p:cTn id="11" dur="500"/>
+                                        <p:tgtEl>
+                                          <p:spTgt spid="21"/>
+                                        </p:tgtEl>
+                                      </p:cBhvr>
+                                    </p:animEffect>
+                                  </p:childTnLst>
+                                </p:cTn>
+                              </p:par>
+                            </p:childTnLst>
+                          </p:cTn>
+                        </p:par>
+                      </p:childTnLst>
+                    </p:cTn>
+                  </p:par>
+                  <p:par>
+                    <p:cTn id="12" fill="hold">
+                      <p:stCondLst>
+                        <p:cond delay="indefinite"/>
+                      </p:stCondLst>
+                      <p:childTnLst>
+                        <p:par>
+                          <p:cTn id="13" fill="hold">
+                            <p:stCondLst>
+                              <p:cond delay="0"/>
+                            </p:stCondLst>
+                            <p:childTnLst>
+                              <p:par>
+                                <p:cTn id="14" presetID="42" presetClass="path" presetSubtype="0" accel="50000" decel="50000" fill="hold" grpId="0" nodeType="clickEffect">
+                                  <p:stCondLst>
+                                    <p:cond delay="0"/>
+                                  </p:stCondLst>
+                                  <p:childTnLst>
+                                    <p:animMotion origin="layout" path="M 5E-6 -4.07407E-6 L -0.15612 0.20602 " pathEditMode="relative" rAng="0" ptsTypes="AA">
+                                      <p:cBhvr>
+                                        <p:cTn id="15" dur="2000" fill="hold"/>
+                                        <p:tgtEl>
+                                          <p:spTgt spid="7"/>
+                                        </p:tgtEl>
+                                        <p:attrNameLst>
+                                          <p:attrName>ppt_x</p:attrName>
+                                          <p:attrName>ppt_y</p:attrName>
+                                        </p:attrNameLst>
+                                      </p:cBhvr>
+                                      <p:rCtr x="-7813" y="10301"/>
+                                    </p:animMotion>
+                                  </p:childTnLst>
+                                </p:cTn>
+                              </p:par>
+                            </p:childTnLst>
+                          </p:cTn>
+                        </p:par>
+                        <p:par>
+                          <p:cTn id="16" fill="hold">
+                            <p:stCondLst>
+                              <p:cond delay="2000"/>
+                            </p:stCondLst>
+                            <p:childTnLst>
+                              <p:par>
+                                <p:cTn id="17" presetID="42" presetClass="path" presetSubtype="0" accel="50000" decel="50000" fill="hold" grpId="1" nodeType="afterEffect">
+                                  <p:stCondLst>
+                                    <p:cond delay="0"/>
+                                  </p:stCondLst>
+                                  <p:childTnLst>
+                                    <p:animMotion origin="layout" path="M -0.15612 0.20602 L -0.15612 0.38635 " pathEditMode="relative" rAng="0" ptsTypes="AA">
+                                      <p:cBhvr>
+                                        <p:cTn id="18" dur="2000" fill="hold"/>
+                                        <p:tgtEl>
+                                          <p:spTgt spid="7"/>
+                                        </p:tgtEl>
+                                        <p:attrNameLst>
+                                          <p:attrName>ppt_x</p:attrName>
+                                          <p:attrName>ppt_y</p:attrName>
+                                        </p:attrNameLst>
+                                      </p:cBhvr>
+                                      <p:rCtr x="0" y="9005"/>
+                                    </p:animMotion>
+                                  </p:childTnLst>
+                                </p:cTn>
+                              </p:par>
+                            </p:childTnLst>
+                          </p:cTn>
+                        </p:par>
+                        <p:par>
+                          <p:cTn id="19" fill="hold">
+                            <p:stCondLst>
+                              <p:cond delay="4000"/>
+                            </p:stCondLst>
+                            <p:childTnLst>
+                              <p:par>
+                                <p:cTn id="20" presetID="14" presetClass="entr" presetSubtype="10" fill="hold" grpId="0" nodeType="afterEffect">
+                                  <p:stCondLst>
+                                    <p:cond delay="0"/>
+                                  </p:stCondLst>
+                                  <p:childTnLst>
+                                    <p:set>
+                                      <p:cBhvr>
+                                        <p:cTn id="21" dur="1" fill="hold">
+                                          <p:stCondLst>
+                                            <p:cond delay="0"/>
+                                          </p:stCondLst>
+                                        </p:cTn>
+                                        <p:tgtEl>
+                                          <p:spTgt spid="23"/>
+                                        </p:tgtEl>
+                                        <p:attrNameLst>
+                                          <p:attrName>style.visibility</p:attrName>
+                                        </p:attrNameLst>
+                                      </p:cBhvr>
+                                      <p:to>
+                                        <p:strVal val="visible"/>
+                                      </p:to>
+                                    </p:set>
+                                    <p:animEffect transition="in" filter="randombar(horizontal)">
+                                      <p:cBhvr>
+                                        <p:cTn id="22" dur="500"/>
+                                        <p:tgtEl>
+                                          <p:spTgt spid="23"/>
+                                        </p:tgtEl>
+                                      </p:cBhvr>
+                                    </p:animEffect>
+                                  </p:childTnLst>
+                                </p:cTn>
+                              </p:par>
+                            </p:childTnLst>
+                          </p:cTn>
+                        </p:par>
+                      </p:childTnLst>
+                    </p:cTn>
+                  </p:par>
+                  <p:par>
+                    <p:cTn id="23" fill="hold">
+                      <p:stCondLst>
+                        <p:cond delay="indefinite"/>
+                      </p:stCondLst>
+                      <p:childTnLst>
+                        <p:par>
+                          <p:cTn id="24" fill="hold">
+                            <p:stCondLst>
+                              <p:cond delay="0"/>
+                            </p:stCondLst>
+                            <p:childTnLst>
+                              <p:par>
+                                <p:cTn id="25" presetID="42" presetClass="path" presetSubtype="0" accel="50000" decel="50000" fill="hold" grpId="2" nodeType="clickEffect">
+                                  <p:stCondLst>
+                                    <p:cond delay="0"/>
+                                  </p:stCondLst>
+                                  <p:childTnLst>
+                                    <p:animMotion origin="layout" path="M -0.15612 0.38635 L 0.15612 0.38635 " pathEditMode="relative" rAng="0" ptsTypes="AA">
+                                      <p:cBhvr>
+                                        <p:cTn id="26" dur="2000" fill="hold"/>
+                                        <p:tgtEl>
+                                          <p:spTgt spid="7"/>
+                                        </p:tgtEl>
+                                        <p:attrNameLst>
+                                          <p:attrName>ppt_x</p:attrName>
+                                          <p:attrName>ppt_y</p:attrName>
+                                        </p:attrNameLst>
+                                      </p:cBhvr>
+                                      <p:rCtr x="15612" y="0"/>
+                                    </p:animMotion>
+                                  </p:childTnLst>
+                                </p:cTn>
+                              </p:par>
+                            </p:childTnLst>
+                          </p:cTn>
+                        </p:par>
+                      </p:childTnLst>
+                    </p:cTn>
+                  </p:par>
+                  <p:par>
+                    <p:cTn id="27" fill="hold">
+                      <p:stCondLst>
+                        <p:cond delay="indefinite"/>
+                      </p:stCondLst>
+                      <p:childTnLst>
+                        <p:par>
+                          <p:cTn id="28" fill="hold">
+                            <p:stCondLst>
+                              <p:cond delay="0"/>
+                            </p:stCondLst>
+                            <p:childTnLst>
+                              <p:par>
+                                <p:cTn id="29" presetID="42" presetClass="path" presetSubtype="0" accel="50000" decel="50000" fill="hold" grpId="3" nodeType="clickEffect">
+                                  <p:stCondLst>
+                                    <p:cond delay="0"/>
+                                  </p:stCondLst>
+                                  <p:childTnLst>
+                                    <p:animMotion origin="layout" path="M 0.15612 0.38635 L 5E-6 4.81481E-6 " pathEditMode="relative" rAng="0" ptsTypes="AA">
+                                      <p:cBhvr>
+                                        <p:cTn id="30" dur="2000" fill="hold"/>
+                                        <p:tgtEl>
+                                          <p:spTgt spid="7"/>
+                                        </p:tgtEl>
+                                        <p:attrNameLst>
+                                          <p:attrName>ppt_x</p:attrName>
+                                          <p:attrName>ppt_y</p:attrName>
+                                        </p:attrNameLst>
+                                      </p:cBhvr>
+                                      <p:rCtr x="-7813" y="-19398"/>
+                                    </p:animMotion>
+                                  </p:childTnLst>
+                                </p:cTn>
+                              </p:par>
+                            </p:childTnLst>
+                          </p:cTn>
+                        </p:par>
+                        <p:par>
+                          <p:cTn id="31" fill="hold">
+                            <p:stCondLst>
+                              <p:cond delay="2000"/>
+                            </p:stCondLst>
+                            <p:childTnLst>
+                              <p:par>
+                                <p:cTn id="32" presetID="14" presetClass="entr" presetSubtype="10" fill="hold" grpId="0" nodeType="afterEffect">
+                                  <p:stCondLst>
+                                    <p:cond delay="0"/>
+                                  </p:stCondLst>
+                                  <p:childTnLst>
+                                    <p:set>
+                                      <p:cBhvr>
+                                        <p:cTn id="33" dur="1" fill="hold">
+                                          <p:stCondLst>
+                                            <p:cond delay="0"/>
+                                          </p:stCondLst>
+                                        </p:cTn>
+                                        <p:tgtEl>
+                                          <p:spTgt spid="24"/>
+                                        </p:tgtEl>
+                                        <p:attrNameLst>
+                                          <p:attrName>style.visibility</p:attrName>
+                                        </p:attrNameLst>
+                                      </p:cBhvr>
+                                      <p:to>
+                                        <p:strVal val="visible"/>
+                                      </p:to>
+                                    </p:set>
+                                    <p:animEffect transition="in" filter="randombar(horizontal)">
+                                      <p:cBhvr>
+                                        <p:cTn id="34" dur="500"/>
+                                        <p:tgtEl>
+                                          <p:spTgt spid="24"/>
+                                        </p:tgtEl>
+                                      </p:cBhvr>
+                                    </p:animEffect>
+                                  </p:childTnLst>
+                                </p:cTn>
+                              </p:par>
+                            </p:childTnLst>
+                          </p:cTn>
+                        </p:par>
+                      </p:childTnLst>
+                    </p:cTn>
+                  </p:par>
+                </p:childTnLst>
+              </p:cTn>
+              <p:prevCondLst>
+                <p:cond evt="onPrev" delay="0">
+                  <p:tgtEl>
+                    <p:sldTgt/>
+                  </p:tgtEl>
+                </p:cond>
+              </p:prevCondLst>
+              <p:nextCondLst>
+                <p:cond evt="onNext" delay="0">
+                  <p:tgtEl>
+                    <p:sldTgt/>
+                  </p:tgtEl>
+                </p:cond>
+              </p:nextCondLst>
+            </p:seq>
+          </p:childTnLst>
+        </p:cTn>
+      </p:par>
+    </p:tnLst>
+    <p:bldLst>
+      <p:bldP spid="7" grpId="0" animBg="1"/>
+      <p:bldP spid="7" grpId="1" animBg="1"/>
+      <p:bldP spid="7" grpId="2" animBg="1"/>
+      <p:bldP spid="7" grpId="3" animBg="1"/>
+      <p:bldP spid="16" grpId="0"/>
+      <p:bldP spid="21" grpId="0"/>
+      <p:bldP spid="23" grpId="0"/>
+      <p:bldP spid="24" grpId="0"/>
+    </p:bldLst>
+  </p:timing>
 </p:sld>
 </file>
 

--- a/Reactive State Management.pptx
+++ b/Reactive State Management.pptx
@@ -19,8 +19,10 @@
     <p:sldId id="283" r:id="rId13"/>
     <p:sldId id="284" r:id="rId14"/>
     <p:sldId id="285" r:id="rId15"/>
-    <p:sldId id="281" r:id="rId16"/>
-    <p:sldId id="272" r:id="rId17"/>
+    <p:sldId id="286" r:id="rId16"/>
+    <p:sldId id="281" r:id="rId17"/>
+    <p:sldId id="272" r:id="rId18"/>
+    <p:sldId id="287" r:id="rId19"/>
   </p:sldIdLst>
   <p:sldSz cx="12192000" cy="6858000"/>
   <p:notesSz cx="6858000" cy="9144000"/>
@@ -3516,7 +3518,7 @@
           <a:p>
             <a:fld id="{75934EED-E7C0-439C-9F42-70CEC4ABC1D3}" type="datetimeFigureOut">
               <a:rPr lang="nl-NL" smtClean="0"/>
-              <a:t>19-11-2020</a:t>
+              <a:t>13-12-2020</a:t>
             </a:fld>
             <a:endParaRPr lang="nl-NL"/>
           </a:p>
@@ -3828,7 +3830,7 @@
           <a:p>
             <a:fld id="{75934EED-E7C0-439C-9F42-70CEC4ABC1D3}" type="datetimeFigureOut">
               <a:rPr lang="nl-NL" smtClean="0"/>
-              <a:t>19-11-2020</a:t>
+              <a:t>13-12-2020</a:t>
             </a:fld>
             <a:endParaRPr lang="nl-NL"/>
           </a:p>
@@ -4050,7 +4052,7 @@
           <a:p>
             <a:fld id="{75934EED-E7C0-439C-9F42-70CEC4ABC1D3}" type="datetimeFigureOut">
               <a:rPr lang="nl-NL" smtClean="0"/>
-              <a:t>19-11-2020</a:t>
+              <a:t>13-12-2020</a:t>
             </a:fld>
             <a:endParaRPr lang="nl-NL"/>
           </a:p>
@@ -4341,7 +4343,7 @@
           <a:p>
             <a:fld id="{75934EED-E7C0-439C-9F42-70CEC4ABC1D3}" type="datetimeFigureOut">
               <a:rPr lang="nl-NL" smtClean="0"/>
-              <a:t>19-11-2020</a:t>
+              <a:t>13-12-2020</a:t>
             </a:fld>
             <a:endParaRPr lang="nl-NL"/>
           </a:p>
@@ -4795,7 +4797,7 @@
           <a:p>
             <a:fld id="{75934EED-E7C0-439C-9F42-70CEC4ABC1D3}" type="datetimeFigureOut">
               <a:rPr lang="nl-NL" smtClean="0"/>
-              <a:t>19-11-2020</a:t>
+              <a:t>13-12-2020</a:t>
             </a:fld>
             <a:endParaRPr lang="nl-NL"/>
           </a:p>
@@ -5371,7 +5373,7 @@
           <a:p>
             <a:fld id="{75934EED-E7C0-439C-9F42-70CEC4ABC1D3}" type="datetimeFigureOut">
               <a:rPr lang="nl-NL" smtClean="0"/>
-              <a:t>19-11-2020</a:t>
+              <a:t>13-12-2020</a:t>
             </a:fld>
             <a:endParaRPr lang="nl-NL"/>
           </a:p>
@@ -6223,7 +6225,7 @@
           <a:p>
             <a:fld id="{75934EED-E7C0-439C-9F42-70CEC4ABC1D3}" type="datetimeFigureOut">
               <a:rPr lang="nl-NL" smtClean="0"/>
-              <a:t>19-11-2020</a:t>
+              <a:t>13-12-2020</a:t>
             </a:fld>
             <a:endParaRPr lang="nl-NL"/>
           </a:p>
@@ -6428,7 +6430,7 @@
           <a:p>
             <a:fld id="{75934EED-E7C0-439C-9F42-70CEC4ABC1D3}" type="datetimeFigureOut">
               <a:rPr lang="nl-NL" smtClean="0"/>
-              <a:t>19-11-2020</a:t>
+              <a:t>13-12-2020</a:t>
             </a:fld>
             <a:endParaRPr lang="nl-NL"/>
           </a:p>
@@ -6642,7 +6644,7 @@
           <a:p>
             <a:fld id="{75934EED-E7C0-439C-9F42-70CEC4ABC1D3}" type="datetimeFigureOut">
               <a:rPr lang="nl-NL" smtClean="0"/>
-              <a:t>19-11-2020</a:t>
+              <a:t>13-12-2020</a:t>
             </a:fld>
             <a:endParaRPr lang="nl-NL"/>
           </a:p>
@@ -6818,7 +6820,7 @@
           <a:p>
             <a:fld id="{75934EED-E7C0-439C-9F42-70CEC4ABC1D3}" type="datetimeFigureOut">
               <a:rPr lang="nl-NL" smtClean="0"/>
-              <a:t>19-11-2020</a:t>
+              <a:t>13-12-2020</a:t>
             </a:fld>
             <a:endParaRPr lang="nl-NL"/>
           </a:p>
@@ -7023,7 +7025,7 @@
           <a:p>
             <a:fld id="{75934EED-E7C0-439C-9F42-70CEC4ABC1D3}" type="datetimeFigureOut">
               <a:rPr lang="nl-NL" smtClean="0"/>
-              <a:t>19-11-2020</a:t>
+              <a:t>13-12-2020</a:t>
             </a:fld>
             <a:endParaRPr lang="nl-NL"/>
           </a:p>
@@ -7303,7 +7305,7 @@
           <a:p>
             <a:fld id="{75934EED-E7C0-439C-9F42-70CEC4ABC1D3}" type="datetimeFigureOut">
               <a:rPr lang="nl-NL" smtClean="0"/>
-              <a:t>19-11-2020</a:t>
+              <a:t>13-12-2020</a:t>
             </a:fld>
             <a:endParaRPr lang="nl-NL"/>
           </a:p>
@@ -7570,7 +7572,7 @@
           <a:p>
             <a:fld id="{75934EED-E7C0-439C-9F42-70CEC4ABC1D3}" type="datetimeFigureOut">
               <a:rPr lang="nl-NL" smtClean="0"/>
-              <a:t>19-11-2020</a:t>
+              <a:t>13-12-2020</a:t>
             </a:fld>
             <a:endParaRPr lang="nl-NL"/>
           </a:p>
@@ -7985,7 +7987,7 @@
           <a:p>
             <a:fld id="{75934EED-E7C0-439C-9F42-70CEC4ABC1D3}" type="datetimeFigureOut">
               <a:rPr lang="nl-NL" smtClean="0"/>
-              <a:t>19-11-2020</a:t>
+              <a:t>13-12-2020</a:t>
             </a:fld>
             <a:endParaRPr lang="nl-NL"/>
           </a:p>
@@ -8133,7 +8135,7 @@
           <a:p>
             <a:fld id="{75934EED-E7C0-439C-9F42-70CEC4ABC1D3}" type="datetimeFigureOut">
               <a:rPr lang="nl-NL" smtClean="0"/>
-              <a:t>19-11-2020</a:t>
+              <a:t>13-12-2020</a:t>
             </a:fld>
             <a:endParaRPr lang="nl-NL"/>
           </a:p>
@@ -8258,7 +8260,7 @@
           <a:p>
             <a:fld id="{75934EED-E7C0-439C-9F42-70CEC4ABC1D3}" type="datetimeFigureOut">
               <a:rPr lang="nl-NL" smtClean="0"/>
-              <a:t>19-11-2020</a:t>
+              <a:t>13-12-2020</a:t>
             </a:fld>
             <a:endParaRPr lang="nl-NL"/>
           </a:p>
@@ -8537,7 +8539,7 @@
           <a:p>
             <a:fld id="{75934EED-E7C0-439C-9F42-70CEC4ABC1D3}" type="datetimeFigureOut">
               <a:rPr lang="nl-NL" smtClean="0"/>
-              <a:t>19-11-2020</a:t>
+              <a:t>13-12-2020</a:t>
             </a:fld>
             <a:endParaRPr lang="nl-NL"/>
           </a:p>
@@ -8849,7 +8851,7 @@
           <a:p>
             <a:fld id="{75934EED-E7C0-439C-9F42-70CEC4ABC1D3}" type="datetimeFigureOut">
               <a:rPr lang="nl-NL" smtClean="0"/>
-              <a:t>19-11-2020</a:t>
+              <a:t>13-12-2020</a:t>
             </a:fld>
             <a:endParaRPr lang="nl-NL"/>
           </a:p>
@@ -9102,7 +9104,7 @@
           <a:p>
             <a:fld id="{75934EED-E7C0-439C-9F42-70CEC4ABC1D3}" type="datetimeFigureOut">
               <a:rPr lang="nl-NL" smtClean="0"/>
-              <a:t>19-11-2020</a:t>
+              <a:t>13-12-2020</a:t>
             </a:fld>
             <a:endParaRPr lang="nl-NL"/>
           </a:p>
@@ -12483,7 +12485,7 @@
         <p:spPr>
           <a:xfrm>
             <a:off x="1437600" y="2214694"/>
-            <a:ext cx="9316800" cy="2308324"/>
+            <a:ext cx="9316800" cy="1200329"/>
           </a:xfrm>
           <a:prstGeom prst="rect">
             <a:avLst/>
@@ -12498,200 +12500,6 @@
           </a:bodyPr>
           <a:lstStyle/>
           <a:p>
-            <a:r>
-              <a:rPr lang="nl-NL" dirty="0">
-                <a:solidFill>
-                  <a:srgbClr val="C586C0"/>
-                </a:solidFill>
-                <a:latin typeface="Consolas" panose="020B0609020204030204" pitchFamily="49" charset="0"/>
-              </a:rPr>
-              <a:t>export</a:t>
-            </a:r>
-            <a:r>
-              <a:rPr lang="nl-NL" dirty="0">
-                <a:solidFill>
-                  <a:srgbClr val="D4D4D4"/>
-                </a:solidFill>
-                <a:latin typeface="Consolas" panose="020B0609020204030204" pitchFamily="49" charset="0"/>
-              </a:rPr>
-              <a:t> </a:t>
-            </a:r>
-            <a:r>
-              <a:rPr lang="nl-NL" dirty="0" err="1">
-                <a:solidFill>
-                  <a:srgbClr val="569CD6"/>
-                </a:solidFill>
-                <a:latin typeface="Consolas" panose="020B0609020204030204" pitchFamily="49" charset="0"/>
-              </a:rPr>
-              <a:t>const</a:t>
-            </a:r>
-            <a:r>
-              <a:rPr lang="nl-NL" dirty="0">
-                <a:solidFill>
-                  <a:srgbClr val="D4D4D4"/>
-                </a:solidFill>
-                <a:latin typeface="Consolas" panose="020B0609020204030204" pitchFamily="49" charset="0"/>
-              </a:rPr>
-              <a:t> </a:t>
-            </a:r>
-            <a:r>
-              <a:rPr lang="nl-NL" dirty="0" err="1">
-                <a:solidFill>
-                  <a:srgbClr val="DCDCAA"/>
-                </a:solidFill>
-                <a:latin typeface="Consolas" panose="020B0609020204030204" pitchFamily="49" charset="0"/>
-              </a:rPr>
-              <a:t>selectShopFeature</a:t>
-            </a:r>
-            <a:r>
-              <a:rPr lang="nl-NL" dirty="0">
-                <a:solidFill>
-                  <a:srgbClr val="D4D4D4"/>
-                </a:solidFill>
-                <a:latin typeface="Consolas" panose="020B0609020204030204" pitchFamily="49" charset="0"/>
-              </a:rPr>
-              <a:t> = (</a:t>
-            </a:r>
-            <a:r>
-              <a:rPr lang="nl-NL" dirty="0">
-                <a:solidFill>
-                  <a:srgbClr val="9CDCFE"/>
-                </a:solidFill>
-                <a:latin typeface="Consolas" panose="020B0609020204030204" pitchFamily="49" charset="0"/>
-              </a:rPr>
-              <a:t>state</a:t>
-            </a:r>
-            <a:r>
-              <a:rPr lang="nl-NL" dirty="0">
-                <a:solidFill>
-                  <a:srgbClr val="D4D4D4"/>
-                </a:solidFill>
-                <a:latin typeface="Consolas" panose="020B0609020204030204" pitchFamily="49" charset="0"/>
-              </a:rPr>
-              <a:t>: </a:t>
-            </a:r>
-            <a:r>
-              <a:rPr lang="nl-NL" dirty="0" err="1">
-                <a:solidFill>
-                  <a:srgbClr val="4EC9B0"/>
-                </a:solidFill>
-                <a:latin typeface="Consolas" panose="020B0609020204030204" pitchFamily="49" charset="0"/>
-              </a:rPr>
-              <a:t>AppState</a:t>
-            </a:r>
-            <a:r>
-              <a:rPr lang="nl-NL" dirty="0">
-                <a:solidFill>
-                  <a:srgbClr val="D4D4D4"/>
-                </a:solidFill>
-                <a:latin typeface="Consolas" panose="020B0609020204030204" pitchFamily="49" charset="0"/>
-              </a:rPr>
-              <a:t>) </a:t>
-            </a:r>
-            <a:r>
-              <a:rPr lang="nl-NL" dirty="0">
-                <a:solidFill>
-                  <a:srgbClr val="569CD6"/>
-                </a:solidFill>
-                <a:latin typeface="Consolas" panose="020B0609020204030204" pitchFamily="49" charset="0"/>
-              </a:rPr>
-              <a:t>=&gt;</a:t>
-            </a:r>
-            <a:r>
-              <a:rPr lang="nl-NL" dirty="0">
-                <a:solidFill>
-                  <a:srgbClr val="D4D4D4"/>
-                </a:solidFill>
-                <a:latin typeface="Consolas" panose="020B0609020204030204" pitchFamily="49" charset="0"/>
-              </a:rPr>
-              <a:t> {</a:t>
-            </a:r>
-          </a:p>
-          <a:p>
-            <a:r>
-              <a:rPr lang="nl-NL" dirty="0">
-                <a:solidFill>
-                  <a:srgbClr val="D4D4D4"/>
-                </a:solidFill>
-                <a:latin typeface="Consolas" panose="020B0609020204030204" pitchFamily="49" charset="0"/>
-              </a:rPr>
-              <a:t>  </a:t>
-            </a:r>
-            <a:r>
-              <a:rPr lang="nl-NL" dirty="0">
-                <a:solidFill>
-                  <a:srgbClr val="C586C0"/>
-                </a:solidFill>
-                <a:latin typeface="Consolas" panose="020B0609020204030204" pitchFamily="49" charset="0"/>
-              </a:rPr>
-              <a:t>return</a:t>
-            </a:r>
-            <a:r>
-              <a:rPr lang="nl-NL" dirty="0">
-                <a:solidFill>
-                  <a:srgbClr val="D4D4D4"/>
-                </a:solidFill>
-                <a:latin typeface="Consolas" panose="020B0609020204030204" pitchFamily="49" charset="0"/>
-              </a:rPr>
-              <a:t> </a:t>
-            </a:r>
-            <a:r>
-              <a:rPr lang="nl-NL" dirty="0" err="1">
-                <a:solidFill>
-                  <a:srgbClr val="9CDCFE"/>
-                </a:solidFill>
-                <a:latin typeface="Consolas" panose="020B0609020204030204" pitchFamily="49" charset="0"/>
-              </a:rPr>
-              <a:t>state</a:t>
-            </a:r>
-            <a:r>
-              <a:rPr lang="nl-NL" dirty="0" err="1">
-                <a:solidFill>
-                  <a:srgbClr val="D4D4D4"/>
-                </a:solidFill>
-                <a:latin typeface="Consolas" panose="020B0609020204030204" pitchFamily="49" charset="0"/>
-              </a:rPr>
-              <a:t>.</a:t>
-            </a:r>
-            <a:r>
-              <a:rPr lang="nl-NL" dirty="0" err="1">
-                <a:solidFill>
-                  <a:srgbClr val="9CDCFE"/>
-                </a:solidFill>
-                <a:latin typeface="Consolas" panose="020B0609020204030204" pitchFamily="49" charset="0"/>
-              </a:rPr>
-              <a:t>shop</a:t>
-            </a:r>
-            <a:r>
-              <a:rPr lang="nl-NL" dirty="0">
-                <a:solidFill>
-                  <a:srgbClr val="D4D4D4"/>
-                </a:solidFill>
-                <a:latin typeface="Consolas" panose="020B0609020204030204" pitchFamily="49" charset="0"/>
-              </a:rPr>
-              <a:t>;</a:t>
-            </a:r>
-          </a:p>
-          <a:p>
-            <a:r>
-              <a:rPr lang="nl-NL" dirty="0">
-                <a:solidFill>
-                  <a:srgbClr val="D4D4D4"/>
-                </a:solidFill>
-                <a:latin typeface="Consolas" panose="020B0609020204030204" pitchFamily="49" charset="0"/>
-              </a:rPr>
-              <a:t>};</a:t>
-            </a:r>
-          </a:p>
-          <a:p>
-            <a:br>
-              <a:rPr lang="nl-NL" dirty="0">
-                <a:solidFill>
-                  <a:srgbClr val="D4D4D4"/>
-                </a:solidFill>
-                <a:latin typeface="Consolas" panose="020B0609020204030204" pitchFamily="49" charset="0"/>
-              </a:rPr>
-            </a:br>
             <a:r>
               <a:rPr lang="nl-NL" dirty="0">
                 <a:solidFill>
@@ -12965,6 +12773,65 @@
 </file>
 
 <file path=ppt/slides/slide15.xml><?xml version="1.0" encoding="utf-8"?>
+<p:sld xmlns:a="http://schemas.openxmlformats.org/drawingml/2006/main" xmlns:r="http://schemas.openxmlformats.org/officeDocument/2006/relationships" xmlns:p="http://schemas.openxmlformats.org/presentationml/2006/main">
+  <p:cSld>
+    <p:spTree>
+      <p:nvGrpSpPr>
+        <p:cNvPr id="1" name=""/>
+        <p:cNvGrpSpPr/>
+        <p:nvPr/>
+      </p:nvGrpSpPr>
+      <p:grpSpPr>
+        <a:xfrm>
+          <a:off x="0" y="0"/>
+          <a:ext cx="0" cy="0"/>
+          <a:chOff x="0" y="0"/>
+          <a:chExt cx="0" cy="0"/>
+        </a:xfrm>
+      </p:grpSpPr>
+      <p:sp>
+        <p:nvSpPr>
+          <p:cNvPr id="2" name="Title 1">
+            <a:extLst>
+              <a:ext uri="{FF2B5EF4-FFF2-40B4-BE49-F238E27FC236}">
+                <a16:creationId xmlns:a16="http://schemas.microsoft.com/office/drawing/2014/main" id="{58A75D02-8D99-4750-B95C-655E0DA90887}"/>
+              </a:ext>
+            </a:extLst>
+          </p:cNvPr>
+          <p:cNvSpPr>
+            <a:spLocks noGrp="1"/>
+          </p:cNvSpPr>
+          <p:nvPr>
+            <p:ph type="title"/>
+          </p:nvPr>
+        </p:nvSpPr>
+        <p:spPr/>
+        <p:txBody>
+          <a:bodyPr/>
+          <a:lstStyle/>
+          <a:p>
+            <a:r>
+              <a:rPr lang="en-US" dirty="0"/>
+              <a:t>NGRX - Demo</a:t>
+            </a:r>
+            <a:endParaRPr lang="nl-NL" dirty="0"/>
+          </a:p>
+        </p:txBody>
+      </p:sp>
+    </p:spTree>
+    <p:extLst>
+      <p:ext uri="{BB962C8B-B14F-4D97-AF65-F5344CB8AC3E}">
+        <p14:creationId xmlns:p14="http://schemas.microsoft.com/office/powerpoint/2010/main" val="570329290"/>
+      </p:ext>
+    </p:extLst>
+  </p:cSld>
+  <p:clrMapOvr>
+    <a:masterClrMapping/>
+  </p:clrMapOvr>
+</p:sld>
+</file>
+
+<file path=ppt/slides/slide16.xml><?xml version="1.0" encoding="utf-8"?>
 <p:sld xmlns:a="http://schemas.openxmlformats.org/drawingml/2006/main" xmlns:r="http://schemas.openxmlformats.org/officeDocument/2006/relationships" xmlns:p="http://schemas.openxmlformats.org/presentationml/2006/main">
   <p:cSld>
     <p:spTree>
@@ -13326,7 +13193,7 @@
 </p:sld>
 </file>
 
-<file path=ppt/slides/slide16.xml><?xml version="1.0" encoding="utf-8"?>
+<file path=ppt/slides/slide17.xml><?xml version="1.0" encoding="utf-8"?>
 <p:sld xmlns:a="http://schemas.openxmlformats.org/drawingml/2006/main" xmlns:r="http://schemas.openxmlformats.org/officeDocument/2006/relationships" xmlns:p="http://schemas.openxmlformats.org/presentationml/2006/main">
   <p:cSld>
     <p:spTree>
@@ -13366,6 +13233,148 @@
           <a:p>
             <a:r>
               <a:rPr lang="en-US" dirty="0"/>
+              <a:t>Bonus: Useful addons</a:t>
+            </a:r>
+            <a:endParaRPr lang="nl-NL" dirty="0"/>
+          </a:p>
+        </p:txBody>
+      </p:sp>
+      <p:sp>
+        <p:nvSpPr>
+          <p:cNvPr id="3" name="Content Placeholder 2">
+            <a:extLst>
+              <a:ext uri="{FF2B5EF4-FFF2-40B4-BE49-F238E27FC236}">
+                <a16:creationId xmlns:a16="http://schemas.microsoft.com/office/drawing/2014/main" id="{C90A967C-091E-446E-A3BC-DB667D44AF18}"/>
+              </a:ext>
+            </a:extLst>
+          </p:cNvPr>
+          <p:cNvSpPr>
+            <a:spLocks noGrp="1"/>
+          </p:cNvSpPr>
+          <p:nvPr>
+            <p:ph idx="1"/>
+          </p:nvPr>
+        </p:nvSpPr>
+        <p:spPr/>
+        <p:txBody>
+          <a:bodyPr>
+            <a:normAutofit/>
+          </a:bodyPr>
+          <a:lstStyle/>
+          <a:p>
+            <a:r>
+              <a:rPr lang="en-US" dirty="0">
+                <a:sym typeface="Wingdings" panose="05000000000000000000" pitchFamily="2" charset="2"/>
+              </a:rPr>
+              <a:t>Chrome</a:t>
+            </a:r>
+          </a:p>
+          <a:p>
+            <a:pPr lvl="1"/>
+            <a:r>
+              <a:rPr lang="en-US" dirty="0">
+                <a:sym typeface="Wingdings" panose="05000000000000000000" pitchFamily="2" charset="2"/>
+              </a:rPr>
+              <a:t>Redux dev tools</a:t>
+            </a:r>
+          </a:p>
+          <a:p>
+            <a:endParaRPr lang="en-US" dirty="0"/>
+          </a:p>
+          <a:p>
+            <a:r>
+              <a:rPr lang="en-US" dirty="0"/>
+              <a:t>Visual studio code</a:t>
+            </a:r>
+          </a:p>
+          <a:p>
+            <a:pPr lvl="1"/>
+            <a:r>
+              <a:rPr lang="en-US" dirty="0"/>
+              <a:t>Angular extension pack</a:t>
+            </a:r>
+          </a:p>
+          <a:p>
+            <a:pPr lvl="1"/>
+            <a:r>
+              <a:rPr lang="en-US" dirty="0"/>
+              <a:t>Bracket pair colorizer</a:t>
+            </a:r>
+          </a:p>
+          <a:p>
+            <a:pPr lvl="1"/>
+            <a:r>
+              <a:rPr lang="en-US" dirty="0" err="1"/>
+              <a:t>Eslint</a:t>
+            </a:r>
+            <a:endParaRPr lang="en-US" dirty="0"/>
+          </a:p>
+          <a:p>
+            <a:pPr lvl="1"/>
+            <a:r>
+              <a:rPr lang="en-US" dirty="0"/>
+              <a:t>Prettier</a:t>
+            </a:r>
+          </a:p>
+          <a:p>
+            <a:pPr lvl="1"/>
+            <a:endParaRPr lang="nl-NL" dirty="0"/>
+          </a:p>
+        </p:txBody>
+      </p:sp>
+    </p:spTree>
+    <p:extLst>
+      <p:ext uri="{BB962C8B-B14F-4D97-AF65-F5344CB8AC3E}">
+        <p14:creationId xmlns:p14="http://schemas.microsoft.com/office/powerpoint/2010/main" val="1592891939"/>
+      </p:ext>
+    </p:extLst>
+  </p:cSld>
+  <p:clrMapOvr>
+    <a:masterClrMapping/>
+  </p:clrMapOvr>
+</p:sld>
+</file>
+
+<file path=ppt/slides/slide18.xml><?xml version="1.0" encoding="utf-8"?>
+<p:sld xmlns:a="http://schemas.openxmlformats.org/drawingml/2006/main" xmlns:r="http://schemas.openxmlformats.org/officeDocument/2006/relationships" xmlns:p="http://schemas.openxmlformats.org/presentationml/2006/main">
+  <p:cSld>
+    <p:spTree>
+      <p:nvGrpSpPr>
+        <p:cNvPr id="1" name=""/>
+        <p:cNvGrpSpPr/>
+        <p:nvPr/>
+      </p:nvGrpSpPr>
+      <p:grpSpPr>
+        <a:xfrm>
+          <a:off x="0" y="0"/>
+          <a:ext cx="0" cy="0"/>
+          <a:chOff x="0" y="0"/>
+          <a:chExt cx="0" cy="0"/>
+        </a:xfrm>
+      </p:grpSpPr>
+      <p:sp>
+        <p:nvSpPr>
+          <p:cNvPr id="2" name="Title 1">
+            <a:extLst>
+              <a:ext uri="{FF2B5EF4-FFF2-40B4-BE49-F238E27FC236}">
+                <a16:creationId xmlns:a16="http://schemas.microsoft.com/office/drawing/2014/main" id="{142B161C-E1D3-4329-8343-2577BC53FF87}"/>
+              </a:ext>
+            </a:extLst>
+          </p:cNvPr>
+          <p:cNvSpPr>
+            <a:spLocks noGrp="1"/>
+          </p:cNvSpPr>
+          <p:nvPr>
+            <p:ph type="title"/>
+          </p:nvPr>
+        </p:nvSpPr>
+        <p:spPr/>
+        <p:txBody>
+          <a:bodyPr/>
+          <a:lstStyle/>
+          <a:p>
+            <a:r>
+              <a:rPr lang="en-US" dirty="0"/>
               <a:t>The end</a:t>
             </a:r>
             <a:endParaRPr lang="nl-NL" dirty="0"/>
@@ -13456,7 +13465,7 @@
     </p:spTree>
     <p:extLst>
       <p:ext uri="{BB962C8B-B14F-4D97-AF65-F5344CB8AC3E}">
-        <p14:creationId xmlns:p14="http://schemas.microsoft.com/office/powerpoint/2010/main" val="1592891939"/>
+        <p14:creationId xmlns:p14="http://schemas.microsoft.com/office/powerpoint/2010/main" val="1831055363"/>
       </p:ext>
     </p:extLst>
   </p:cSld>
@@ -16564,6 +16573,66 @@
               </a:solidFill>
               <a:effectLst/>
               <a:latin typeface="Consolas" panose="020B0609020204030204" pitchFamily="49" charset="0"/>
+            </a:endParaRPr>
+          </a:p>
+        </p:txBody>
+      </p:sp>
+      <p:sp>
+        <p:nvSpPr>
+          <p:cNvPr id="4" name="TextBox 3">
+            <a:extLst>
+              <a:ext uri="{FF2B5EF4-FFF2-40B4-BE49-F238E27FC236}">
+                <a16:creationId xmlns:a16="http://schemas.microsoft.com/office/drawing/2014/main" id="{C5D1E694-46B4-4690-B21B-6418307E0E78}"/>
+              </a:ext>
+            </a:extLst>
+          </p:cNvPr>
+          <p:cNvSpPr txBox="1"/>
+          <p:nvPr/>
+        </p:nvSpPr>
+        <p:spPr>
+          <a:xfrm>
+            <a:off x="3659018" y="6239483"/>
+            <a:ext cx="5266891" cy="369332"/>
+          </a:xfrm>
+          <a:prstGeom prst="rect">
+            <a:avLst/>
+          </a:prstGeom>
+          <a:noFill/>
+        </p:spPr>
+        <p:txBody>
+          <a:bodyPr wrap="none" rtlCol="0">
+            <a:spAutoFit/>
+          </a:bodyPr>
+          <a:lstStyle/>
+          <a:p>
+            <a:r>
+              <a:rPr lang="en-US" dirty="0">
+                <a:solidFill>
+                  <a:srgbClr val="FF0000"/>
+                </a:solidFill>
+              </a:rPr>
+              <a:t>Reminder: </a:t>
+            </a:r>
+            <a:r>
+              <a:rPr lang="en-US">
+                <a:solidFill>
+                  <a:srgbClr val="FF0000"/>
+                </a:solidFill>
+              </a:rPr>
+              <a:t>any variable ending </a:t>
+            </a:r>
+            <a:r>
+              <a:rPr lang="en-US" dirty="0">
+                <a:solidFill>
+                  <a:srgbClr val="FF0000"/>
+                </a:solidFill>
+              </a:rPr>
+              <a:t>with $ is an observable!</a:t>
+            </a:r>
+            <a:endParaRPr lang="nl-NL" dirty="0">
+              <a:solidFill>
+                <a:srgbClr val="FF0000"/>
+              </a:solidFill>
             </a:endParaRPr>
           </a:p>
         </p:txBody>
@@ -17382,6 +17451,196 @@
           </a:fontRef>
         </p:style>
       </p:cxnSp>
+      <p:sp>
+        <p:nvSpPr>
+          <p:cNvPr id="7" name="Diamond 6">
+            <a:extLst>
+              <a:ext uri="{FF2B5EF4-FFF2-40B4-BE49-F238E27FC236}">
+                <a16:creationId xmlns:a16="http://schemas.microsoft.com/office/drawing/2014/main" id="{0671BDAF-3CF1-492E-923B-151488EF3E07}"/>
+              </a:ext>
+            </a:extLst>
+          </p:cNvPr>
+          <p:cNvSpPr/>
+          <p:nvPr/>
+        </p:nvSpPr>
+        <p:spPr>
+          <a:xfrm>
+            <a:off x="4953839" y="2204235"/>
+            <a:ext cx="380215" cy="380215"/>
+          </a:xfrm>
+          <a:prstGeom prst="diamond">
+            <a:avLst/>
+          </a:prstGeom>
+        </p:spPr>
+        <p:style>
+          <a:lnRef idx="2">
+            <a:schemeClr val="accent4">
+              <a:shade val="50000"/>
+            </a:schemeClr>
+          </a:lnRef>
+          <a:fillRef idx="1">
+            <a:schemeClr val="accent4"/>
+          </a:fillRef>
+          <a:effectRef idx="0">
+            <a:schemeClr val="accent4"/>
+          </a:effectRef>
+          <a:fontRef idx="minor">
+            <a:schemeClr val="lt1"/>
+          </a:fontRef>
+        </p:style>
+        <p:txBody>
+          <a:bodyPr rtlCol="0" anchor="ctr"/>
+          <a:lstStyle/>
+          <a:p>
+            <a:pPr algn="ctr"/>
+            <a:endParaRPr lang="nl-NL"/>
+          </a:p>
+        </p:txBody>
+      </p:sp>
+      <p:sp>
+        <p:nvSpPr>
+          <p:cNvPr id="16" name="TextBox 15">
+            <a:extLst>
+              <a:ext uri="{FF2B5EF4-FFF2-40B4-BE49-F238E27FC236}">
+                <a16:creationId xmlns:a16="http://schemas.microsoft.com/office/drawing/2014/main" id="{1B751351-1B09-4CB5-BF32-D8F748FB508E}"/>
+              </a:ext>
+            </a:extLst>
+          </p:cNvPr>
+          <p:cNvSpPr txBox="1"/>
+          <p:nvPr/>
+        </p:nvSpPr>
+        <p:spPr>
+          <a:xfrm>
+            <a:off x="9455285" y="2384050"/>
+            <a:ext cx="1672253" cy="369332"/>
+          </a:xfrm>
+          <a:prstGeom prst="rect">
+            <a:avLst/>
+          </a:prstGeom>
+          <a:noFill/>
+        </p:spPr>
+        <p:txBody>
+          <a:bodyPr wrap="none" rtlCol="0">
+            <a:spAutoFit/>
+          </a:bodyPr>
+          <a:lstStyle/>
+          <a:p>
+            <a:r>
+              <a:rPr lang="en-US" dirty="0"/>
+              <a:t>1. Create action</a:t>
+            </a:r>
+            <a:endParaRPr lang="nl-NL" dirty="0"/>
+          </a:p>
+        </p:txBody>
+      </p:sp>
+      <p:sp>
+        <p:nvSpPr>
+          <p:cNvPr id="21" name="TextBox 20">
+            <a:extLst>
+              <a:ext uri="{FF2B5EF4-FFF2-40B4-BE49-F238E27FC236}">
+                <a16:creationId xmlns:a16="http://schemas.microsoft.com/office/drawing/2014/main" id="{6E321110-8EAA-4AE1-A191-2321F5F330C6}"/>
+              </a:ext>
+            </a:extLst>
+          </p:cNvPr>
+          <p:cNvSpPr txBox="1"/>
+          <p:nvPr/>
+        </p:nvSpPr>
+        <p:spPr>
+          <a:xfrm>
+            <a:off x="9455284" y="2753382"/>
+            <a:ext cx="1817742" cy="369332"/>
+          </a:xfrm>
+          <a:prstGeom prst="rect">
+            <a:avLst/>
+          </a:prstGeom>
+          <a:noFill/>
+        </p:spPr>
+        <p:txBody>
+          <a:bodyPr wrap="none" rtlCol="0">
+            <a:spAutoFit/>
+          </a:bodyPr>
+          <a:lstStyle/>
+          <a:p>
+            <a:r>
+              <a:rPr lang="en-US" dirty="0"/>
+              <a:t>2. Dispatch action</a:t>
+            </a:r>
+            <a:endParaRPr lang="nl-NL" dirty="0"/>
+          </a:p>
+        </p:txBody>
+      </p:sp>
+      <p:sp>
+        <p:nvSpPr>
+          <p:cNvPr id="23" name="TextBox 22">
+            <a:extLst>
+              <a:ext uri="{FF2B5EF4-FFF2-40B4-BE49-F238E27FC236}">
+                <a16:creationId xmlns:a16="http://schemas.microsoft.com/office/drawing/2014/main" id="{EB666F12-CB42-411B-8947-B06303088266}"/>
+              </a:ext>
+            </a:extLst>
+          </p:cNvPr>
+          <p:cNvSpPr txBox="1"/>
+          <p:nvPr/>
+        </p:nvSpPr>
+        <p:spPr>
+          <a:xfrm>
+            <a:off x="9455284" y="3122714"/>
+            <a:ext cx="1696298" cy="369332"/>
+          </a:xfrm>
+          <a:prstGeom prst="rect">
+            <a:avLst/>
+          </a:prstGeom>
+          <a:noFill/>
+        </p:spPr>
+        <p:txBody>
+          <a:bodyPr wrap="none" rtlCol="0">
+            <a:spAutoFit/>
+          </a:bodyPr>
+          <a:lstStyle/>
+          <a:p>
+            <a:r>
+              <a:rPr lang="en-US" dirty="0"/>
+              <a:t>3. Handle action</a:t>
+            </a:r>
+            <a:endParaRPr lang="nl-NL" dirty="0"/>
+          </a:p>
+        </p:txBody>
+      </p:sp>
+      <p:sp>
+        <p:nvSpPr>
+          <p:cNvPr id="24" name="TextBox 23">
+            <a:extLst>
+              <a:ext uri="{FF2B5EF4-FFF2-40B4-BE49-F238E27FC236}">
+                <a16:creationId xmlns:a16="http://schemas.microsoft.com/office/drawing/2014/main" id="{A45E5351-729D-4E5D-9ACD-F92AA70337AF}"/>
+              </a:ext>
+            </a:extLst>
+          </p:cNvPr>
+          <p:cNvSpPr txBox="1"/>
+          <p:nvPr/>
+        </p:nvSpPr>
+        <p:spPr>
+          <a:xfrm>
+            <a:off x="9455284" y="3492046"/>
+            <a:ext cx="1378904" cy="369332"/>
+          </a:xfrm>
+          <a:prstGeom prst="rect">
+            <a:avLst/>
+          </a:prstGeom>
+          <a:noFill/>
+        </p:spPr>
+        <p:txBody>
+          <a:bodyPr wrap="none" rtlCol="0">
+            <a:spAutoFit/>
+          </a:bodyPr>
+          <a:lstStyle/>
+          <a:p>
+            <a:r>
+              <a:rPr lang="en-US" dirty="0"/>
+              <a:t>4. Update UI</a:t>
+            </a:r>
+            <a:endParaRPr lang="nl-NL" dirty="0"/>
+          </a:p>
+        </p:txBody>
+      </p:sp>
     </p:spTree>
     <p:extLst>
       <p:ext uri="{BB962C8B-B14F-4D97-AF65-F5344CB8AC3E}">
@@ -17392,6 +17651,382 @@
   <p:clrMapOvr>
     <a:masterClrMapping/>
   </p:clrMapOvr>
+  <p:timing>
+    <p:tnLst>
+      <p:par>
+        <p:cTn id="1" dur="indefinite" restart="never" nodeType="tmRoot">
+          <p:childTnLst>
+            <p:seq concurrent="1" nextAc="seek">
+              <p:cTn id="2" dur="indefinite" nodeType="mainSeq">
+                <p:childTnLst>
+                  <p:par>
+                    <p:cTn id="3" fill="hold">
+                      <p:stCondLst>
+                        <p:cond delay="indefinite"/>
+                      </p:stCondLst>
+                      <p:childTnLst>
+                        <p:par>
+                          <p:cTn id="4" fill="hold">
+                            <p:stCondLst>
+                              <p:cond delay="0"/>
+                            </p:stCondLst>
+                            <p:childTnLst>
+                              <p:par>
+                                <p:cTn id="5" presetID="14" presetClass="entr" presetSubtype="10" fill="hold" grpId="0" nodeType="clickEffect">
+                                  <p:stCondLst>
+                                    <p:cond delay="0"/>
+                                  </p:stCondLst>
+                                  <p:childTnLst>
+                                    <p:set>
+                                      <p:cBhvr>
+                                        <p:cTn id="6" dur="1" fill="hold">
+                                          <p:stCondLst>
+                                            <p:cond delay="0"/>
+                                          </p:stCondLst>
+                                        </p:cTn>
+                                        <p:tgtEl>
+                                          <p:spTgt spid="16"/>
+                                        </p:tgtEl>
+                                        <p:attrNameLst>
+                                          <p:attrName>style.visibility</p:attrName>
+                                        </p:attrNameLst>
+                                      </p:cBhvr>
+                                      <p:to>
+                                        <p:strVal val="visible"/>
+                                      </p:to>
+                                    </p:set>
+                                    <p:animEffect transition="in" filter="randombar(horizontal)">
+                                      <p:cBhvr>
+                                        <p:cTn id="7" dur="500"/>
+                                        <p:tgtEl>
+                                          <p:spTgt spid="16"/>
+                                        </p:tgtEl>
+                                      </p:cBhvr>
+                                    </p:animEffect>
+                                  </p:childTnLst>
+                                </p:cTn>
+                              </p:par>
+                            </p:childTnLst>
+                          </p:cTn>
+                        </p:par>
+                        <p:par>
+                          <p:cTn id="8" fill="hold">
+                            <p:stCondLst>
+                              <p:cond delay="500"/>
+                            </p:stCondLst>
+                            <p:childTnLst>
+                              <p:par>
+                                <p:cTn id="9" presetID="14" presetClass="entr" presetSubtype="10" fill="hold" grpId="0" nodeType="afterEffect">
+                                  <p:stCondLst>
+                                    <p:cond delay="0"/>
+                                  </p:stCondLst>
+                                  <p:childTnLst>
+                                    <p:set>
+                                      <p:cBhvr>
+                                        <p:cTn id="10" dur="1" fill="hold">
+                                          <p:stCondLst>
+                                            <p:cond delay="0"/>
+                                          </p:stCondLst>
+                                        </p:cTn>
+                                        <p:tgtEl>
+                                          <p:spTgt spid="21"/>
+                                        </p:tgtEl>
+                                        <p:attrNameLst>
+                                          <p:attrName>style.visibility</p:attrName>
+                                        </p:attrNameLst>
+                                      </p:cBhvr>
+                                      <p:to>
+                                        <p:strVal val="visible"/>
+                                      </p:to>
+                                    </p:set>
+                                    <p:animEffect transition="in" filter="randombar(horizontal)">
+                                      <p:cBhvr>
+                                        <p:cTn id="11" dur="500"/>
+                                        <p:tgtEl>
+                                          <p:spTgt spid="21"/>
+                                        </p:tgtEl>
+                                      </p:cBhvr>
+                                    </p:animEffect>
+                                  </p:childTnLst>
+                                </p:cTn>
+                              </p:par>
+                            </p:childTnLst>
+                          </p:cTn>
+                        </p:par>
+                      </p:childTnLst>
+                    </p:cTn>
+                  </p:par>
+                  <p:par>
+                    <p:cTn id="12" fill="hold">
+                      <p:stCondLst>
+                        <p:cond delay="indefinite"/>
+                      </p:stCondLst>
+                      <p:childTnLst>
+                        <p:par>
+                          <p:cTn id="13" fill="hold">
+                            <p:stCondLst>
+                              <p:cond delay="0"/>
+                            </p:stCondLst>
+                            <p:childTnLst>
+                              <p:par>
+                                <p:cTn id="14" presetID="42" presetClass="path" presetSubtype="0" accel="50000" decel="50000" fill="hold" grpId="0" nodeType="clickEffect">
+                                  <p:stCondLst>
+                                    <p:cond delay="0"/>
+                                  </p:stCondLst>
+                                  <p:childTnLst>
+                                    <p:animMotion origin="layout" path="M 5E-6 -4.07407E-6 L -0.15612 0.20602 " pathEditMode="relative" rAng="0" ptsTypes="AA">
+                                      <p:cBhvr>
+                                        <p:cTn id="15" dur="2000" fill="hold"/>
+                                        <p:tgtEl>
+                                          <p:spTgt spid="7"/>
+                                        </p:tgtEl>
+                                        <p:attrNameLst>
+                                          <p:attrName>ppt_x</p:attrName>
+                                          <p:attrName>ppt_y</p:attrName>
+                                        </p:attrNameLst>
+                                      </p:cBhvr>
+                                      <p:rCtr x="-7813" y="10301"/>
+                                    </p:animMotion>
+                                  </p:childTnLst>
+                                </p:cTn>
+                              </p:par>
+                            </p:childTnLst>
+                          </p:cTn>
+                        </p:par>
+                        <p:par>
+                          <p:cTn id="16" fill="hold">
+                            <p:stCondLst>
+                              <p:cond delay="2000"/>
+                            </p:stCondLst>
+                            <p:childTnLst>
+                              <p:par>
+                                <p:cTn id="17" presetID="42" presetClass="path" presetSubtype="0" accel="50000" decel="50000" fill="hold" grpId="1" nodeType="afterEffect">
+                                  <p:stCondLst>
+                                    <p:cond delay="0"/>
+                                  </p:stCondLst>
+                                  <p:childTnLst>
+                                    <p:animMotion origin="layout" path="M -0.15612 0.20602 L -0.15612 0.38635 " pathEditMode="relative" rAng="0" ptsTypes="AA">
+                                      <p:cBhvr>
+                                        <p:cTn id="18" dur="2000" fill="hold"/>
+                                        <p:tgtEl>
+                                          <p:spTgt spid="7"/>
+                                        </p:tgtEl>
+                                        <p:attrNameLst>
+                                          <p:attrName>ppt_x</p:attrName>
+                                          <p:attrName>ppt_y</p:attrName>
+                                        </p:attrNameLst>
+                                      </p:cBhvr>
+                                      <p:rCtr x="0" y="9005"/>
+                                    </p:animMotion>
+                                  </p:childTnLst>
+                                </p:cTn>
+                              </p:par>
+                            </p:childTnLst>
+                          </p:cTn>
+                        </p:par>
+                        <p:par>
+                          <p:cTn id="19" fill="hold">
+                            <p:stCondLst>
+                              <p:cond delay="4000"/>
+                            </p:stCondLst>
+                            <p:childTnLst>
+                              <p:par>
+                                <p:cTn id="20" presetID="14" presetClass="entr" presetSubtype="10" fill="hold" grpId="0" nodeType="afterEffect">
+                                  <p:stCondLst>
+                                    <p:cond delay="0"/>
+                                  </p:stCondLst>
+                                  <p:childTnLst>
+                                    <p:set>
+                                      <p:cBhvr>
+                                        <p:cTn id="21" dur="1" fill="hold">
+                                          <p:stCondLst>
+                                            <p:cond delay="0"/>
+                                          </p:stCondLst>
+                                        </p:cTn>
+                                        <p:tgtEl>
+                                          <p:spTgt spid="23"/>
+                                        </p:tgtEl>
+                                        <p:attrNameLst>
+                                          <p:attrName>style.visibility</p:attrName>
+                                        </p:attrNameLst>
+                                      </p:cBhvr>
+                                      <p:to>
+                                        <p:strVal val="visible"/>
+                                      </p:to>
+                                    </p:set>
+                                    <p:animEffect transition="in" filter="randombar(horizontal)">
+                                      <p:cBhvr>
+                                        <p:cTn id="22" dur="500"/>
+                                        <p:tgtEl>
+                                          <p:spTgt spid="23"/>
+                                        </p:tgtEl>
+                                      </p:cBhvr>
+                                    </p:animEffect>
+                                  </p:childTnLst>
+                                </p:cTn>
+                              </p:par>
+                            </p:childTnLst>
+                          </p:cTn>
+                        </p:par>
+                      </p:childTnLst>
+                    </p:cTn>
+                  </p:par>
+                  <p:par>
+                    <p:cTn id="23" fill="hold">
+                      <p:stCondLst>
+                        <p:cond delay="indefinite"/>
+                      </p:stCondLst>
+                      <p:childTnLst>
+                        <p:par>
+                          <p:cTn id="24" fill="hold">
+                            <p:stCondLst>
+                              <p:cond delay="0"/>
+                            </p:stCondLst>
+                            <p:childTnLst>
+                              <p:par>
+                                <p:cTn id="25" presetID="42" presetClass="path" presetSubtype="0" accel="50000" decel="50000" fill="hold" grpId="2" nodeType="clickEffect">
+                                  <p:stCondLst>
+                                    <p:cond delay="0"/>
+                                  </p:stCondLst>
+                                  <p:childTnLst>
+                                    <p:animMotion origin="layout" path="M -0.15612 0.38635 L 0.15612 0.38635 " pathEditMode="relative" rAng="0" ptsTypes="AA">
+                                      <p:cBhvr>
+                                        <p:cTn id="26" dur="2000" fill="hold"/>
+                                        <p:tgtEl>
+                                          <p:spTgt spid="7"/>
+                                        </p:tgtEl>
+                                        <p:attrNameLst>
+                                          <p:attrName>ppt_x</p:attrName>
+                                          <p:attrName>ppt_y</p:attrName>
+                                        </p:attrNameLst>
+                                      </p:cBhvr>
+                                      <p:rCtr x="15612" y="0"/>
+                                    </p:animMotion>
+                                  </p:childTnLst>
+                                </p:cTn>
+                              </p:par>
+                            </p:childTnLst>
+                          </p:cTn>
+                        </p:par>
+                      </p:childTnLst>
+                    </p:cTn>
+                  </p:par>
+                  <p:par>
+                    <p:cTn id="27" fill="hold">
+                      <p:stCondLst>
+                        <p:cond delay="indefinite"/>
+                      </p:stCondLst>
+                      <p:childTnLst>
+                        <p:par>
+                          <p:cTn id="28" fill="hold">
+                            <p:stCondLst>
+                              <p:cond delay="0"/>
+                            </p:stCondLst>
+                            <p:childTnLst>
+                              <p:par>
+                                <p:cTn id="29" presetID="42" presetClass="path" presetSubtype="0" accel="50000" decel="50000" fill="hold" grpId="3" nodeType="clickEffect">
+                                  <p:stCondLst>
+                                    <p:cond delay="0"/>
+                                  </p:stCondLst>
+                                  <p:childTnLst>
+                                    <p:animMotion origin="layout" path="M 0.15612 0.38635 L 5E-6 4.81481E-6 " pathEditMode="relative" rAng="0" ptsTypes="AA">
+                                      <p:cBhvr>
+                                        <p:cTn id="30" dur="2000" fill="hold"/>
+                                        <p:tgtEl>
+                                          <p:spTgt spid="7"/>
+                                        </p:tgtEl>
+                                        <p:attrNameLst>
+                                          <p:attrName>ppt_x</p:attrName>
+                                          <p:attrName>ppt_y</p:attrName>
+                                        </p:attrNameLst>
+                                      </p:cBhvr>
+                                      <p:rCtr x="-7813" y="-19398"/>
+                                    </p:animMotion>
+                                  </p:childTnLst>
+                                </p:cTn>
+                              </p:par>
+                            </p:childTnLst>
+                          </p:cTn>
+                        </p:par>
+                        <p:par>
+                          <p:cTn id="31" fill="hold">
+                            <p:stCondLst>
+                              <p:cond delay="2000"/>
+                            </p:stCondLst>
+                            <p:childTnLst>
+                              <p:par>
+                                <p:cTn id="32" presetID="14" presetClass="entr" presetSubtype="10" fill="hold" grpId="0" nodeType="afterEffect">
+                                  <p:stCondLst>
+                                    <p:cond delay="0"/>
+                                  </p:stCondLst>
+                                  <p:childTnLst>
+                                    <p:set>
+                                      <p:cBhvr>
+                                        <p:cTn id="33" dur="1" fill="hold">
+                                          <p:stCondLst>
+                                            <p:cond delay="0"/>
+                                          </p:stCondLst>
+                                        </p:cTn>
+                                        <p:tgtEl>
+                                          <p:spTgt spid="24"/>
+                                        </p:tgtEl>
+                                        <p:attrNameLst>
+                                          <p:attrName>style.visibility</p:attrName>
+                                        </p:attrNameLst>
+                                      </p:cBhvr>
+                                      <p:to>
+                                        <p:strVal val="visible"/>
+                                      </p:to>
+                                    </p:set>
+                                    <p:animEffect transition="in" filter="randombar(horizontal)">
+                                      <p:cBhvr>
+                                        <p:cTn id="34" dur="500"/>
+                                        <p:tgtEl>
+                                          <p:spTgt spid="24"/>
+                                        </p:tgtEl>
+                                      </p:cBhvr>
+                                    </p:animEffect>
+                                  </p:childTnLst>
+                                </p:cTn>
+                              </p:par>
+                            </p:childTnLst>
+                          </p:cTn>
+                        </p:par>
+                      </p:childTnLst>
+                    </p:cTn>
+                  </p:par>
+                </p:childTnLst>
+              </p:cTn>
+              <p:prevCondLst>
+                <p:cond evt="onPrev" delay="0">
+                  <p:tgtEl>
+                    <p:sldTgt/>
+                  </p:tgtEl>
+                </p:cond>
+              </p:prevCondLst>
+              <p:nextCondLst>
+                <p:cond evt="onNext" delay="0">
+                  <p:tgtEl>
+                    <p:sldTgt/>
+                  </p:tgtEl>
+                </p:cond>
+              </p:nextCondLst>
+            </p:seq>
+          </p:childTnLst>
+        </p:cTn>
+      </p:par>
+    </p:tnLst>
+    <p:bldLst>
+      <p:bldP spid="7" grpId="0" animBg="1"/>
+      <p:bldP spid="7" grpId="1" animBg="1"/>
+      <p:bldP spid="7" grpId="2" animBg="1"/>
+      <p:bldP spid="7" grpId="3" animBg="1"/>
+      <p:bldP spid="16" grpId="0"/>
+      <p:bldP spid="21" grpId="0"/>
+      <p:bldP spid="23" grpId="0"/>
+      <p:bldP spid="24" grpId="0"/>
+    </p:bldLst>
+  </p:timing>
 </p:sld>
 </file>
 
